--- a/OOP/lectures/120--Network.Programming.pptx
+++ b/OOP/lectures/120--Network.Programming.pptx
@@ -5,15 +5,44 @@
     <p:sldMasterId id="2147483648" r:id="rId1"/>
   </p:sldMasterIdLst>
   <p:notesMasterIdLst>
-    <p:notesMasterId r:id="rId8"/>
+    <p:notesMasterId r:id="rId37"/>
   </p:notesMasterIdLst>
   <p:sldIdLst>
     <p:sldId id="267" r:id="rId2"/>
     <p:sldId id="274" r:id="rId3"/>
     <p:sldId id="276" r:id="rId4"/>
-    <p:sldId id="275" r:id="rId5"/>
-    <p:sldId id="272" r:id="rId6"/>
-    <p:sldId id="268" r:id="rId7"/>
+    <p:sldId id="304" r:id="rId5"/>
+    <p:sldId id="280" r:id="rId6"/>
+    <p:sldId id="277" r:id="rId7"/>
+    <p:sldId id="278" r:id="rId8"/>
+    <p:sldId id="281" r:id="rId9"/>
+    <p:sldId id="282" r:id="rId10"/>
+    <p:sldId id="283" r:id="rId11"/>
+    <p:sldId id="284" r:id="rId12"/>
+    <p:sldId id="285" r:id="rId13"/>
+    <p:sldId id="286" r:id="rId14"/>
+    <p:sldId id="287" r:id="rId15"/>
+    <p:sldId id="289" r:id="rId16"/>
+    <p:sldId id="288" r:id="rId17"/>
+    <p:sldId id="290" r:id="rId18"/>
+    <p:sldId id="279" r:id="rId19"/>
+    <p:sldId id="293" r:id="rId20"/>
+    <p:sldId id="291" r:id="rId21"/>
+    <p:sldId id="292" r:id="rId22"/>
+    <p:sldId id="294" r:id="rId23"/>
+    <p:sldId id="296" r:id="rId24"/>
+    <p:sldId id="297" r:id="rId25"/>
+    <p:sldId id="299" r:id="rId26"/>
+    <p:sldId id="300" r:id="rId27"/>
+    <p:sldId id="298" r:id="rId28"/>
+    <p:sldId id="301" r:id="rId29"/>
+    <p:sldId id="302" r:id="rId30"/>
+    <p:sldId id="303" r:id="rId31"/>
+    <p:sldId id="272" r:id="rId32"/>
+    <p:sldId id="275" r:id="rId33"/>
+    <p:sldId id="305" r:id="rId34"/>
+    <p:sldId id="306" r:id="rId35"/>
+    <p:sldId id="268" r:id="rId36"/>
   </p:sldIdLst>
   <p:sldSz cx="9144000" cy="6858000" type="screen4x3"/>
   <p:notesSz cx="6858000" cy="9144000"/>
@@ -144,7 +173,7 @@
   </p:defaultTextStyle>
   <p:extLst>
     <p:ext uri="{EFAFB233-063F-42B5-8137-9DF3F51BA10A}">
-      <p15:sldGuideLst xmlns:p15="http://schemas.microsoft.com/office/powerpoint/2012/main">
+      <p15:sldGuideLst xmlns:p15="http://schemas.microsoft.com/office/powerpoint/2012/main" xmlns="">
         <p15:guide id="1" orient="horz" pos="2160">
           <p15:clr>
             <a:srgbClr val="A4A3A4"/>
@@ -211,14 +240,14 @@
           <a:effectLst/>
           <a:extLst>
             <a:ext uri="{909E8E84-426E-40DD-AFC4-6F175D3DCCD1}">
-              <a14:hiddenFill xmlns:a14="http://schemas.microsoft.com/office/drawing/2010/main">
+              <a14:hiddenFill xmlns:a14="http://schemas.microsoft.com/office/drawing/2010/main" xmlns="">
                 <a:solidFill>
                   <a:schemeClr val="accent1"/>
                 </a:solidFill>
               </a14:hiddenFill>
             </a:ext>
             <a:ext uri="{91240B29-F687-4F45-9708-019B960494DF}">
-              <a14:hiddenLine xmlns:a14="http://schemas.microsoft.com/office/drawing/2010/main" w="9525">
+              <a14:hiddenLine xmlns:a14="http://schemas.microsoft.com/office/drawing/2010/main" xmlns="" w="9525">
                 <a:solidFill>
                   <a:schemeClr val="tx1"/>
                 </a:solidFill>
@@ -228,7 +257,7 @@
               </a14:hiddenLine>
             </a:ext>
             <a:ext uri="{AF507438-7753-43E0-B8FC-AC1667EBCBE1}">
-              <a14:hiddenEffects xmlns:a14="http://schemas.microsoft.com/office/drawing/2010/main">
+              <a14:hiddenEffects xmlns:a14="http://schemas.microsoft.com/office/drawing/2010/main" xmlns="">
                 <a:effectLst>
                   <a:outerShdw dist="35921" dir="2700000" algn="ctr" rotWithShape="0">
                     <a:schemeClr val="bg2"/>
@@ -282,14 +311,14 @@
           <a:effectLst/>
           <a:extLst>
             <a:ext uri="{909E8E84-426E-40DD-AFC4-6F175D3DCCD1}">
-              <a14:hiddenFill xmlns:a14="http://schemas.microsoft.com/office/drawing/2010/main">
+              <a14:hiddenFill xmlns:a14="http://schemas.microsoft.com/office/drawing/2010/main" xmlns="">
                 <a:solidFill>
                   <a:schemeClr val="accent1"/>
                 </a:solidFill>
               </a14:hiddenFill>
             </a:ext>
             <a:ext uri="{91240B29-F687-4F45-9708-019B960494DF}">
-              <a14:hiddenLine xmlns:a14="http://schemas.microsoft.com/office/drawing/2010/main" w="9525">
+              <a14:hiddenLine xmlns:a14="http://schemas.microsoft.com/office/drawing/2010/main" xmlns="" w="9525">
                 <a:solidFill>
                   <a:schemeClr val="tx1"/>
                 </a:solidFill>
@@ -299,7 +328,7 @@
               </a14:hiddenLine>
             </a:ext>
             <a:ext uri="{AF507438-7753-43E0-B8FC-AC1667EBCBE1}">
-              <a14:hiddenEffects xmlns:a14="http://schemas.microsoft.com/office/drawing/2010/main">
+              <a14:hiddenEffects xmlns:a14="http://schemas.microsoft.com/office/drawing/2010/main" xmlns="">
                 <a:effectLst>
                   <a:outerShdw dist="35921" dir="2700000" algn="ctr" rotWithShape="0">
                     <a:schemeClr val="bg2"/>
@@ -358,14 +387,14 @@
           <a:effectLst/>
           <a:extLst>
             <a:ext uri="{909E8E84-426E-40DD-AFC4-6F175D3DCCD1}">
-              <a14:hiddenFill xmlns:a14="http://schemas.microsoft.com/office/drawing/2010/main">
+              <a14:hiddenFill xmlns:a14="http://schemas.microsoft.com/office/drawing/2010/main" xmlns="">
                 <a:solidFill>
                   <a:srgbClr val="FFFFFF"/>
                 </a:solidFill>
               </a14:hiddenFill>
             </a:ext>
             <a:ext uri="{AF507438-7753-43E0-B8FC-AC1667EBCBE1}">
-              <a14:hiddenEffects xmlns:a14="http://schemas.microsoft.com/office/drawing/2010/main">
+              <a14:hiddenEffects xmlns:a14="http://schemas.microsoft.com/office/drawing/2010/main" xmlns="">
                 <a:effectLst>
                   <a:outerShdw dist="35921" dir="2700000" algn="ctr" rotWithShape="0">
                     <a:srgbClr val="808080"/>
@@ -374,7 +403,7 @@
               </a14:hiddenEffects>
             </a:ext>
             <a:ext uri="{53640926-AAD7-44D8-BBD7-CCE9431645EC}">
-              <a14:shadowObscured xmlns:a14="http://schemas.microsoft.com/office/drawing/2010/main" val="1"/>
+              <a14:shadowObscured xmlns:a14="http://schemas.microsoft.com/office/drawing/2010/main" xmlns="" val="1"/>
             </a:ext>
           </a:extLst>
         </p:spPr>
@@ -404,14 +433,14 @@
           <a:effectLst/>
           <a:extLst>
             <a:ext uri="{909E8E84-426E-40DD-AFC4-6F175D3DCCD1}">
-              <a14:hiddenFill xmlns:a14="http://schemas.microsoft.com/office/drawing/2010/main">
+              <a14:hiddenFill xmlns:a14="http://schemas.microsoft.com/office/drawing/2010/main" xmlns="">
                 <a:solidFill>
                   <a:schemeClr val="accent1"/>
                 </a:solidFill>
               </a14:hiddenFill>
             </a:ext>
             <a:ext uri="{91240B29-F687-4F45-9708-019B960494DF}">
-              <a14:hiddenLine xmlns:a14="http://schemas.microsoft.com/office/drawing/2010/main" w="9525">
+              <a14:hiddenLine xmlns:a14="http://schemas.microsoft.com/office/drawing/2010/main" xmlns="" w="9525">
                 <a:solidFill>
                   <a:schemeClr val="tx1"/>
                 </a:solidFill>
@@ -421,7 +450,7 @@
               </a14:hiddenLine>
             </a:ext>
             <a:ext uri="{AF507438-7753-43E0-B8FC-AC1667EBCBE1}">
-              <a14:hiddenEffects xmlns:a14="http://schemas.microsoft.com/office/drawing/2010/main">
+              <a14:hiddenEffects xmlns:a14="http://schemas.microsoft.com/office/drawing/2010/main" xmlns="">
                 <a:effectLst>
                   <a:outerShdw dist="35921" dir="2700000" algn="ctr" rotWithShape="0">
                     <a:schemeClr val="bg2"/>
@@ -500,14 +529,14 @@
           <a:effectLst/>
           <a:extLst>
             <a:ext uri="{909E8E84-426E-40DD-AFC4-6F175D3DCCD1}">
-              <a14:hiddenFill xmlns:a14="http://schemas.microsoft.com/office/drawing/2010/main">
+              <a14:hiddenFill xmlns:a14="http://schemas.microsoft.com/office/drawing/2010/main" xmlns="">
                 <a:solidFill>
                   <a:schemeClr val="accent1"/>
                 </a:solidFill>
               </a14:hiddenFill>
             </a:ext>
             <a:ext uri="{91240B29-F687-4F45-9708-019B960494DF}">
-              <a14:hiddenLine xmlns:a14="http://schemas.microsoft.com/office/drawing/2010/main" w="9525">
+              <a14:hiddenLine xmlns:a14="http://schemas.microsoft.com/office/drawing/2010/main" xmlns="" w="9525">
                 <a:solidFill>
                   <a:schemeClr val="tx1"/>
                 </a:solidFill>
@@ -517,7 +546,7 @@
               </a14:hiddenLine>
             </a:ext>
             <a:ext uri="{AF507438-7753-43E0-B8FC-AC1667EBCBE1}">
-              <a14:hiddenEffects xmlns:a14="http://schemas.microsoft.com/office/drawing/2010/main">
+              <a14:hiddenEffects xmlns:a14="http://schemas.microsoft.com/office/drawing/2010/main" xmlns="">
                 <a:effectLst>
                   <a:outerShdw dist="35921" dir="2700000" algn="ctr" rotWithShape="0">
                     <a:schemeClr val="bg2"/>
@@ -571,14 +600,14 @@
           <a:effectLst/>
           <a:extLst>
             <a:ext uri="{909E8E84-426E-40DD-AFC4-6F175D3DCCD1}">
-              <a14:hiddenFill xmlns:a14="http://schemas.microsoft.com/office/drawing/2010/main">
+              <a14:hiddenFill xmlns:a14="http://schemas.microsoft.com/office/drawing/2010/main" xmlns="">
                 <a:solidFill>
                   <a:schemeClr val="accent1"/>
                 </a:solidFill>
               </a14:hiddenFill>
             </a:ext>
             <a:ext uri="{91240B29-F687-4F45-9708-019B960494DF}">
-              <a14:hiddenLine xmlns:a14="http://schemas.microsoft.com/office/drawing/2010/main" w="9525">
+              <a14:hiddenLine xmlns:a14="http://schemas.microsoft.com/office/drawing/2010/main" xmlns="" w="9525">
                 <a:solidFill>
                   <a:schemeClr val="tx1"/>
                 </a:solidFill>
@@ -588,7 +617,7 @@
               </a14:hiddenLine>
             </a:ext>
             <a:ext uri="{AF507438-7753-43E0-B8FC-AC1667EBCBE1}">
-              <a14:hiddenEffects xmlns:a14="http://schemas.microsoft.com/office/drawing/2010/main">
+              <a14:hiddenEffects xmlns:a14="http://schemas.microsoft.com/office/drawing/2010/main" xmlns="">
                 <a:effectLst>
                   <a:outerShdw dist="35921" dir="2700000" algn="ctr" rotWithShape="0">
                     <a:schemeClr val="bg2"/>
@@ -627,7 +656,7 @@
     </p:spTree>
     <p:extLst>
       <p:ext uri="{BB962C8B-B14F-4D97-AF65-F5344CB8AC3E}">
-        <p14:creationId xmlns:p14="http://schemas.microsoft.com/office/powerpoint/2010/main" val="2784209975"/>
+        <p14:creationId xmlns:p14="http://schemas.microsoft.com/office/powerpoint/2010/main" xmlns="" val="2784209975"/>
       </p:ext>
     </p:extLst>
   </p:cSld>
@@ -874,7 +903,7 @@
     </p:spTree>
     <p:extLst>
       <p:ext uri="{BB962C8B-B14F-4D97-AF65-F5344CB8AC3E}">
-        <p14:creationId xmlns:p14="http://schemas.microsoft.com/office/powerpoint/2010/main" val="3862144458"/>
+        <p14:creationId xmlns:p14="http://schemas.microsoft.com/office/powerpoint/2010/main" xmlns="" val="3862144458"/>
       </p:ext>
     </p:extLst>
   </p:cSld>
@@ -1011,7 +1040,7 @@
               <a:pPr>
                 <a:defRPr/>
               </a:pPr>
-              <a:t>11/5/2017</a:t>
+              <a:t>12/17/2017</a:t>
             </a:fld>
             <a:endParaRPr lang="en-US" altLang="en-US"/>
           </a:p>
@@ -1098,7 +1127,7 @@
     </p:spTree>
     <p:extLst>
       <p:ext uri="{BB962C8B-B14F-4D97-AF65-F5344CB8AC3E}">
-        <p14:creationId xmlns:p14="http://schemas.microsoft.com/office/powerpoint/2010/main" val="3307276447"/>
+        <p14:creationId xmlns:p14="http://schemas.microsoft.com/office/powerpoint/2010/main" xmlns="" val="3307276447"/>
       </p:ext>
     </p:extLst>
   </p:cSld>
@@ -1245,7 +1274,7 @@
               <a:pPr>
                 <a:defRPr/>
               </a:pPr>
-              <a:t>11/5/2017</a:t>
+              <a:t>12/17/2017</a:t>
             </a:fld>
             <a:endParaRPr lang="en-US" altLang="en-US"/>
           </a:p>
@@ -1332,7 +1361,7 @@
     </p:spTree>
     <p:extLst>
       <p:ext uri="{BB962C8B-B14F-4D97-AF65-F5344CB8AC3E}">
-        <p14:creationId xmlns:p14="http://schemas.microsoft.com/office/powerpoint/2010/main" val="658174240"/>
+        <p14:creationId xmlns:p14="http://schemas.microsoft.com/office/powerpoint/2010/main" xmlns="" val="658174240"/>
       </p:ext>
     </p:extLst>
   </p:cSld>
@@ -1437,7 +1466,7 @@
     </p:spTree>
     <p:extLst>
       <p:ext uri="{BB962C8B-B14F-4D97-AF65-F5344CB8AC3E}">
-        <p14:creationId xmlns:p14="http://schemas.microsoft.com/office/powerpoint/2010/main" val="4232445582"/>
+        <p14:creationId xmlns:p14="http://schemas.microsoft.com/office/powerpoint/2010/main" xmlns="" val="4232445582"/>
       </p:ext>
     </p:extLst>
   </p:cSld>
@@ -1564,7 +1593,7 @@
     </p:spTree>
     <p:extLst>
       <p:ext uri="{BB962C8B-B14F-4D97-AF65-F5344CB8AC3E}">
-        <p14:creationId xmlns:p14="http://schemas.microsoft.com/office/powerpoint/2010/main" val="1813496485"/>
+        <p14:creationId xmlns:p14="http://schemas.microsoft.com/office/powerpoint/2010/main" xmlns="" val="1813496485"/>
       </p:ext>
     </p:extLst>
   </p:cSld>
@@ -1731,7 +1760,7 @@
     </p:spTree>
     <p:extLst>
       <p:ext uri="{BB962C8B-B14F-4D97-AF65-F5344CB8AC3E}">
-        <p14:creationId xmlns:p14="http://schemas.microsoft.com/office/powerpoint/2010/main" val="2568790884"/>
+        <p14:creationId xmlns:p14="http://schemas.microsoft.com/office/powerpoint/2010/main" xmlns="" val="2568790884"/>
       </p:ext>
     </p:extLst>
   </p:cSld>
@@ -2033,7 +2062,7 @@
     </p:spTree>
     <p:extLst>
       <p:ext uri="{BB962C8B-B14F-4D97-AF65-F5344CB8AC3E}">
-        <p14:creationId xmlns:p14="http://schemas.microsoft.com/office/powerpoint/2010/main" val="1521996860"/>
+        <p14:creationId xmlns:p14="http://schemas.microsoft.com/office/powerpoint/2010/main" xmlns="" val="1521996860"/>
       </p:ext>
     </p:extLst>
   </p:cSld>
@@ -2118,7 +2147,7 @@
               <a:pPr>
                 <a:defRPr/>
               </a:pPr>
-              <a:t>11/5/2017</a:t>
+              <a:t>12/17/2017</a:t>
             </a:fld>
             <a:endParaRPr lang="en-US" altLang="en-US"/>
           </a:p>
@@ -2205,7 +2234,7 @@
     </p:spTree>
     <p:extLst>
       <p:ext uri="{BB962C8B-B14F-4D97-AF65-F5344CB8AC3E}">
-        <p14:creationId xmlns:p14="http://schemas.microsoft.com/office/powerpoint/2010/main" val="884269891"/>
+        <p14:creationId xmlns:p14="http://schemas.microsoft.com/office/powerpoint/2010/main" xmlns="" val="884269891"/>
       </p:ext>
     </p:extLst>
   </p:cSld>
@@ -2267,7 +2296,7 @@
               <a:pPr>
                 <a:defRPr/>
               </a:pPr>
-              <a:t>11/5/2017</a:t>
+              <a:t>12/17/2017</a:t>
             </a:fld>
             <a:endParaRPr lang="en-US" altLang="en-US"/>
           </a:p>
@@ -2354,7 +2383,7 @@
     </p:spTree>
     <p:extLst>
       <p:ext uri="{BB962C8B-B14F-4D97-AF65-F5344CB8AC3E}">
-        <p14:creationId xmlns:p14="http://schemas.microsoft.com/office/powerpoint/2010/main" val="2990749308"/>
+        <p14:creationId xmlns:p14="http://schemas.microsoft.com/office/powerpoint/2010/main" xmlns="" val="2990749308"/>
       </p:ext>
     </p:extLst>
   </p:cSld>
@@ -2598,7 +2627,7 @@
               <a:pPr>
                 <a:defRPr/>
               </a:pPr>
-              <a:t>11/5/2017</a:t>
+              <a:t>12/17/2017</a:t>
             </a:fld>
             <a:endParaRPr lang="en-US" altLang="en-US"/>
           </a:p>
@@ -2685,7 +2714,7 @@
     </p:spTree>
     <p:extLst>
       <p:ext uri="{BB962C8B-B14F-4D97-AF65-F5344CB8AC3E}">
-        <p14:creationId xmlns:p14="http://schemas.microsoft.com/office/powerpoint/2010/main" val="2796979965"/>
+        <p14:creationId xmlns:p14="http://schemas.microsoft.com/office/powerpoint/2010/main" xmlns="" val="2796979965"/>
       </p:ext>
     </p:extLst>
   </p:cSld>
@@ -2906,7 +2935,7 @@
               <a:pPr>
                 <a:defRPr/>
               </a:pPr>
-              <a:t>11/5/2017</a:t>
+              <a:t>12/17/2017</a:t>
             </a:fld>
             <a:endParaRPr lang="en-US" altLang="en-US"/>
           </a:p>
@@ -2993,7 +3022,7 @@
     </p:spTree>
     <p:extLst>
       <p:ext uri="{BB962C8B-B14F-4D97-AF65-F5344CB8AC3E}">
-        <p14:creationId xmlns:p14="http://schemas.microsoft.com/office/powerpoint/2010/main" val="3692303341"/>
+        <p14:creationId xmlns:p14="http://schemas.microsoft.com/office/powerpoint/2010/main" xmlns="" val="3692303341"/>
       </p:ext>
     </p:extLst>
   </p:cSld>
@@ -3053,14 +3082,14 @@
           <a:effectLst/>
           <a:extLst>
             <a:ext uri="{909E8E84-426E-40DD-AFC4-6F175D3DCCD1}">
-              <a14:hiddenFill xmlns:a14="http://schemas.microsoft.com/office/drawing/2010/main">
+              <a14:hiddenFill xmlns:a14="http://schemas.microsoft.com/office/drawing/2010/main" xmlns="">
                 <a:solidFill>
                   <a:schemeClr val="accent1"/>
                 </a:solidFill>
               </a14:hiddenFill>
             </a:ext>
             <a:ext uri="{91240B29-F687-4F45-9708-019B960494DF}">
-              <a14:hiddenLine xmlns:a14="http://schemas.microsoft.com/office/drawing/2010/main" w="9525">
+              <a14:hiddenLine xmlns:a14="http://schemas.microsoft.com/office/drawing/2010/main" xmlns="" w="9525">
                 <a:solidFill>
                   <a:schemeClr val="tx1"/>
                 </a:solidFill>
@@ -3070,7 +3099,7 @@
               </a14:hiddenLine>
             </a:ext>
             <a:ext uri="{AF507438-7753-43E0-B8FC-AC1667EBCBE1}">
-              <a14:hiddenEffects xmlns:a14="http://schemas.microsoft.com/office/drawing/2010/main">
+              <a14:hiddenEffects xmlns:a14="http://schemas.microsoft.com/office/drawing/2010/main" xmlns="">
                 <a:effectLst>
                   <a:outerShdw dist="35921" dir="2700000" algn="ctr" rotWithShape="0">
                     <a:schemeClr val="bg2"/>
@@ -3121,14 +3150,14 @@
           <a:effectLst/>
           <a:extLst>
             <a:ext uri="{909E8E84-426E-40DD-AFC4-6F175D3DCCD1}">
-              <a14:hiddenFill xmlns:a14="http://schemas.microsoft.com/office/drawing/2010/main">
+              <a14:hiddenFill xmlns:a14="http://schemas.microsoft.com/office/drawing/2010/main" xmlns="">
                 <a:solidFill>
                   <a:schemeClr val="accent1"/>
                 </a:solidFill>
               </a14:hiddenFill>
             </a:ext>
             <a:ext uri="{91240B29-F687-4F45-9708-019B960494DF}">
-              <a14:hiddenLine xmlns:a14="http://schemas.microsoft.com/office/drawing/2010/main" w="9525">
+              <a14:hiddenLine xmlns:a14="http://schemas.microsoft.com/office/drawing/2010/main" xmlns="" w="9525">
                 <a:solidFill>
                   <a:schemeClr val="tx1"/>
                 </a:solidFill>
@@ -3138,7 +3167,7 @@
               </a14:hiddenLine>
             </a:ext>
             <a:ext uri="{AF507438-7753-43E0-B8FC-AC1667EBCBE1}">
-              <a14:hiddenEffects xmlns:a14="http://schemas.microsoft.com/office/drawing/2010/main">
+              <a14:hiddenEffects xmlns:a14="http://schemas.microsoft.com/office/drawing/2010/main" xmlns="">
                 <a:effectLst>
                   <a:outerShdw dist="35921" dir="2700000" algn="ctr" rotWithShape="0">
                     <a:schemeClr val="bg2"/>
@@ -3687,14 +3716,14 @@
           </a:ln>
           <a:extLst>
             <a:ext uri="{909E8E84-426E-40DD-AFC4-6F175D3DCCD1}">
-              <a14:hiddenFill xmlns:a14="http://schemas.microsoft.com/office/drawing/2010/main">
+              <a14:hiddenFill xmlns:a14="http://schemas.microsoft.com/office/drawing/2010/main" xmlns="">
                 <a:solidFill>
                   <a:srgbClr val="FFFFFF"/>
                 </a:solidFill>
               </a14:hiddenFill>
             </a:ext>
             <a:ext uri="{91240B29-F687-4F45-9708-019B960494DF}">
-              <a14:hiddenLine xmlns:a14="http://schemas.microsoft.com/office/drawing/2010/main" w="9525">
+              <a14:hiddenLine xmlns:a14="http://schemas.microsoft.com/office/drawing/2010/main" xmlns="" w="9525">
                 <a:solidFill>
                   <a:srgbClr val="000000"/>
                 </a:solidFill>
@@ -3869,6 +3898,1116 @@
 </p:sld>
 </file>
 
+<file path=ppt/slides/slide10.xml><?xml version="1.0" encoding="utf-8"?>
+<p:sld xmlns:a="http://schemas.openxmlformats.org/drawingml/2006/main" xmlns:r="http://schemas.openxmlformats.org/officeDocument/2006/relationships" xmlns:p="http://schemas.openxmlformats.org/presentationml/2006/main">
+  <p:cSld>
+    <p:spTree>
+      <p:nvGrpSpPr>
+        <p:cNvPr id="1" name=""/>
+        <p:cNvGrpSpPr/>
+        <p:nvPr/>
+      </p:nvGrpSpPr>
+      <p:grpSpPr>
+        <a:xfrm>
+          <a:off x="0" y="0"/>
+          <a:ext cx="0" cy="0"/>
+          <a:chOff x="0" y="0"/>
+          <a:chExt cx="0" cy="0"/>
+        </a:xfrm>
+      </p:grpSpPr>
+      <p:sp>
+        <p:nvSpPr>
+          <p:cNvPr id="2" name="Title 1"/>
+          <p:cNvSpPr>
+            <a:spLocks noGrp="1"/>
+          </p:cNvSpPr>
+          <p:nvPr>
+            <p:ph type="title"/>
+          </p:nvPr>
+        </p:nvSpPr>
+        <p:spPr>
+          <a:xfrm>
+            <a:off x="685800" y="152400"/>
+            <a:ext cx="7772400" cy="1143000"/>
+          </a:xfrm>
+        </p:spPr>
+        <p:txBody>
+          <a:bodyPr/>
+          <a:lstStyle/>
+          <a:p>
+            <a:r>
+              <a:rPr lang="en-US" dirty="0" smtClean="0"/>
+              <a:t>Networking Basics</a:t>
+            </a:r>
+            <a:endParaRPr lang="en-US" dirty="0"/>
+          </a:p>
+        </p:txBody>
+      </p:sp>
+      <p:sp>
+        <p:nvSpPr>
+          <p:cNvPr id="3" name="Content Placeholder 2"/>
+          <p:cNvSpPr>
+            <a:spLocks noGrp="1"/>
+          </p:cNvSpPr>
+          <p:nvPr>
+            <p:ph idx="1"/>
+          </p:nvPr>
+        </p:nvSpPr>
+        <p:spPr/>
+        <p:txBody>
+          <a:bodyPr/>
+          <a:lstStyle/>
+          <a:p>
+            <a:endParaRPr lang="en-US"/>
+          </a:p>
+        </p:txBody>
+      </p:sp>
+      <p:pic>
+        <p:nvPicPr>
+          <p:cNvPr id="6146" name="Picture 2"/>
+          <p:cNvPicPr>
+            <a:picLocks noChangeAspect="1" noChangeArrowheads="1"/>
+          </p:cNvPicPr>
+          <p:nvPr/>
+        </p:nvPicPr>
+        <p:blipFill>
+          <a:blip r:embed="rId2" cstate="print"/>
+          <a:srcRect/>
+          <a:stretch>
+            <a:fillRect/>
+          </a:stretch>
+        </p:blipFill>
+        <p:spPr bwMode="auto">
+          <a:xfrm>
+            <a:off x="228600" y="1676400"/>
+            <a:ext cx="8839200" cy="4672149"/>
+          </a:xfrm>
+          <a:prstGeom prst="rect">
+            <a:avLst/>
+          </a:prstGeom>
+          <a:noFill/>
+          <a:ln w="9525">
+            <a:noFill/>
+            <a:miter lim="800000"/>
+            <a:headEnd/>
+            <a:tailEnd/>
+          </a:ln>
+        </p:spPr>
+      </p:pic>
+    </p:spTree>
+  </p:cSld>
+  <p:clrMapOvr>
+    <a:masterClrMapping/>
+  </p:clrMapOvr>
+</p:sld>
+</file>
+
+<file path=ppt/slides/slide11.xml><?xml version="1.0" encoding="utf-8"?>
+<p:sld xmlns:a="http://schemas.openxmlformats.org/drawingml/2006/main" xmlns:r="http://schemas.openxmlformats.org/officeDocument/2006/relationships" xmlns:p="http://schemas.openxmlformats.org/presentationml/2006/main">
+  <p:cSld>
+    <p:spTree>
+      <p:nvGrpSpPr>
+        <p:cNvPr id="1" name=""/>
+        <p:cNvGrpSpPr/>
+        <p:nvPr/>
+      </p:nvGrpSpPr>
+      <p:grpSpPr>
+        <a:xfrm>
+          <a:off x="0" y="0"/>
+          <a:ext cx="0" cy="0"/>
+          <a:chOff x="0" y="0"/>
+          <a:chExt cx="0" cy="0"/>
+        </a:xfrm>
+      </p:grpSpPr>
+      <p:sp>
+        <p:nvSpPr>
+          <p:cNvPr id="2" name="Title 1"/>
+          <p:cNvSpPr>
+            <a:spLocks noGrp="1"/>
+          </p:cNvSpPr>
+          <p:nvPr>
+            <p:ph type="title"/>
+          </p:nvPr>
+        </p:nvSpPr>
+        <p:spPr>
+          <a:xfrm>
+            <a:off x="685800" y="152400"/>
+            <a:ext cx="7772400" cy="1143000"/>
+          </a:xfrm>
+        </p:spPr>
+        <p:txBody>
+          <a:bodyPr/>
+          <a:lstStyle/>
+          <a:p>
+            <a:r>
+              <a:rPr lang="en-US" dirty="0" smtClean="0"/>
+              <a:t>Socket-Level Programming </a:t>
+            </a:r>
+            <a:endParaRPr lang="en-US" dirty="0"/>
+          </a:p>
+        </p:txBody>
+      </p:sp>
+      <p:sp>
+        <p:nvSpPr>
+          <p:cNvPr id="3" name="Content Placeholder 2"/>
+          <p:cNvSpPr>
+            <a:spLocks noGrp="1"/>
+          </p:cNvSpPr>
+          <p:nvPr>
+            <p:ph idx="1"/>
+          </p:nvPr>
+        </p:nvSpPr>
+        <p:spPr/>
+        <p:txBody>
+          <a:bodyPr/>
+          <a:lstStyle/>
+          <a:p>
+            <a:endParaRPr lang="en-US"/>
+          </a:p>
+        </p:txBody>
+      </p:sp>
+      <p:pic>
+        <p:nvPicPr>
+          <p:cNvPr id="7170" name="Picture 2"/>
+          <p:cNvPicPr>
+            <a:picLocks noChangeAspect="1" noChangeArrowheads="1"/>
+          </p:cNvPicPr>
+          <p:nvPr/>
+        </p:nvPicPr>
+        <p:blipFill>
+          <a:blip r:embed="rId2" cstate="print"/>
+          <a:srcRect/>
+          <a:stretch>
+            <a:fillRect/>
+          </a:stretch>
+        </p:blipFill>
+        <p:spPr bwMode="auto">
+          <a:xfrm>
+            <a:off x="152400" y="1371600"/>
+            <a:ext cx="8818563" cy="5291138"/>
+          </a:xfrm>
+          <a:prstGeom prst="rect">
+            <a:avLst/>
+          </a:prstGeom>
+          <a:noFill/>
+          <a:ln w="9525">
+            <a:noFill/>
+            <a:miter lim="800000"/>
+            <a:headEnd/>
+            <a:tailEnd/>
+          </a:ln>
+        </p:spPr>
+      </p:pic>
+    </p:spTree>
+  </p:cSld>
+  <p:clrMapOvr>
+    <a:masterClrMapping/>
+  </p:clrMapOvr>
+</p:sld>
+</file>
+
+<file path=ppt/slides/slide12.xml><?xml version="1.0" encoding="utf-8"?>
+<p:sld xmlns:a="http://schemas.openxmlformats.org/drawingml/2006/main" xmlns:r="http://schemas.openxmlformats.org/officeDocument/2006/relationships" xmlns:p="http://schemas.openxmlformats.org/presentationml/2006/main">
+  <p:cSld>
+    <p:spTree>
+      <p:nvGrpSpPr>
+        <p:cNvPr id="1" name=""/>
+        <p:cNvGrpSpPr/>
+        <p:nvPr/>
+      </p:nvGrpSpPr>
+      <p:grpSpPr>
+        <a:xfrm>
+          <a:off x="0" y="0"/>
+          <a:ext cx="0" cy="0"/>
+          <a:chOff x="0" y="0"/>
+          <a:chExt cx="0" cy="0"/>
+        </a:xfrm>
+      </p:grpSpPr>
+      <p:sp>
+        <p:nvSpPr>
+          <p:cNvPr id="2" name="Title 1"/>
+          <p:cNvSpPr>
+            <a:spLocks noGrp="1"/>
+          </p:cNvSpPr>
+          <p:nvPr>
+            <p:ph type="title"/>
+          </p:nvPr>
+        </p:nvSpPr>
+        <p:spPr>
+          <a:xfrm>
+            <a:off x="762000" y="228600"/>
+            <a:ext cx="7772400" cy="1143000"/>
+          </a:xfrm>
+        </p:spPr>
+        <p:txBody>
+          <a:bodyPr/>
+          <a:lstStyle/>
+          <a:p>
+            <a:r>
+              <a:rPr lang="en-US" dirty="0" smtClean="0"/>
+              <a:t>Writing Clients </a:t>
+            </a:r>
+            <a:endParaRPr lang="en-US" dirty="0"/>
+          </a:p>
+        </p:txBody>
+      </p:sp>
+      <p:sp>
+        <p:nvSpPr>
+          <p:cNvPr id="3" name="Content Placeholder 2"/>
+          <p:cNvSpPr>
+            <a:spLocks noGrp="1"/>
+          </p:cNvSpPr>
+          <p:nvPr>
+            <p:ph idx="1"/>
+          </p:nvPr>
+        </p:nvSpPr>
+        <p:spPr/>
+        <p:txBody>
+          <a:bodyPr/>
+          <a:lstStyle/>
+          <a:p>
+            <a:endParaRPr lang="en-US"/>
+          </a:p>
+        </p:txBody>
+      </p:sp>
+      <p:pic>
+        <p:nvPicPr>
+          <p:cNvPr id="8194" name="Picture 2"/>
+          <p:cNvPicPr>
+            <a:picLocks noChangeAspect="1" noChangeArrowheads="1"/>
+          </p:cNvPicPr>
+          <p:nvPr/>
+        </p:nvPicPr>
+        <p:blipFill>
+          <a:blip r:embed="rId2" cstate="print"/>
+          <a:srcRect/>
+          <a:stretch>
+            <a:fillRect/>
+          </a:stretch>
+        </p:blipFill>
+        <p:spPr bwMode="auto">
+          <a:xfrm>
+            <a:off x="76200" y="1447800"/>
+            <a:ext cx="8991599" cy="4695522"/>
+          </a:xfrm>
+          <a:prstGeom prst="rect">
+            <a:avLst/>
+          </a:prstGeom>
+          <a:noFill/>
+          <a:ln w="9525">
+            <a:noFill/>
+            <a:miter lim="800000"/>
+            <a:headEnd/>
+            <a:tailEnd/>
+          </a:ln>
+        </p:spPr>
+      </p:pic>
+    </p:spTree>
+  </p:cSld>
+  <p:clrMapOvr>
+    <a:masterClrMapping/>
+  </p:clrMapOvr>
+</p:sld>
+</file>
+
+<file path=ppt/slides/slide13.xml><?xml version="1.0" encoding="utf-8"?>
+<p:sld xmlns:a="http://schemas.openxmlformats.org/drawingml/2006/main" xmlns:r="http://schemas.openxmlformats.org/officeDocument/2006/relationships" xmlns:p="http://schemas.openxmlformats.org/presentationml/2006/main">
+  <p:cSld>
+    <p:spTree>
+      <p:nvGrpSpPr>
+        <p:cNvPr id="1" name=""/>
+        <p:cNvGrpSpPr/>
+        <p:nvPr/>
+      </p:nvGrpSpPr>
+      <p:grpSpPr>
+        <a:xfrm>
+          <a:off x="0" y="0"/>
+          <a:ext cx="0" cy="0"/>
+          <a:chOff x="0" y="0"/>
+          <a:chExt cx="0" cy="0"/>
+        </a:xfrm>
+      </p:grpSpPr>
+      <p:sp>
+        <p:nvSpPr>
+          <p:cNvPr id="2" name="Title 1"/>
+          <p:cNvSpPr>
+            <a:spLocks noGrp="1"/>
+          </p:cNvSpPr>
+          <p:nvPr>
+            <p:ph type="title"/>
+          </p:nvPr>
+        </p:nvSpPr>
+        <p:spPr>
+          <a:xfrm>
+            <a:off x="685800" y="381000"/>
+            <a:ext cx="7772400" cy="1143000"/>
+          </a:xfrm>
+        </p:spPr>
+        <p:txBody>
+          <a:bodyPr/>
+          <a:lstStyle/>
+          <a:p>
+            <a:r>
+              <a:rPr lang="en-US" dirty="0" smtClean="0"/>
+              <a:t>Writing Clients </a:t>
+            </a:r>
+            <a:endParaRPr lang="en-US" dirty="0"/>
+          </a:p>
+        </p:txBody>
+      </p:sp>
+      <p:sp>
+        <p:nvSpPr>
+          <p:cNvPr id="3" name="Content Placeholder 2"/>
+          <p:cNvSpPr>
+            <a:spLocks noGrp="1"/>
+          </p:cNvSpPr>
+          <p:nvPr>
+            <p:ph idx="1"/>
+          </p:nvPr>
+        </p:nvSpPr>
+        <p:spPr/>
+        <p:txBody>
+          <a:bodyPr/>
+          <a:lstStyle/>
+          <a:p>
+            <a:endParaRPr lang="en-US"/>
+          </a:p>
+        </p:txBody>
+      </p:sp>
+      <p:pic>
+        <p:nvPicPr>
+          <p:cNvPr id="9218" name="Picture 2"/>
+          <p:cNvPicPr>
+            <a:picLocks noChangeAspect="1" noChangeArrowheads="1"/>
+          </p:cNvPicPr>
+          <p:nvPr/>
+        </p:nvPicPr>
+        <p:blipFill>
+          <a:blip r:embed="rId2" cstate="print"/>
+          <a:srcRect/>
+          <a:stretch>
+            <a:fillRect/>
+          </a:stretch>
+        </p:blipFill>
+        <p:spPr bwMode="auto">
+          <a:xfrm>
+            <a:off x="228600" y="1600200"/>
+            <a:ext cx="8643751" cy="4829175"/>
+          </a:xfrm>
+          <a:prstGeom prst="rect">
+            <a:avLst/>
+          </a:prstGeom>
+          <a:noFill/>
+          <a:ln w="9525">
+            <a:noFill/>
+            <a:miter lim="800000"/>
+            <a:headEnd/>
+            <a:tailEnd/>
+          </a:ln>
+        </p:spPr>
+      </p:pic>
+    </p:spTree>
+  </p:cSld>
+  <p:clrMapOvr>
+    <a:masterClrMapping/>
+  </p:clrMapOvr>
+</p:sld>
+</file>
+
+<file path=ppt/slides/slide14.xml><?xml version="1.0" encoding="utf-8"?>
+<p:sld xmlns:a="http://schemas.openxmlformats.org/drawingml/2006/main" xmlns:r="http://schemas.openxmlformats.org/officeDocument/2006/relationships" xmlns:p="http://schemas.openxmlformats.org/presentationml/2006/main">
+  <p:cSld>
+    <p:spTree>
+      <p:nvGrpSpPr>
+        <p:cNvPr id="1" name=""/>
+        <p:cNvGrpSpPr/>
+        <p:nvPr/>
+      </p:nvGrpSpPr>
+      <p:grpSpPr>
+        <a:xfrm>
+          <a:off x="0" y="0"/>
+          <a:ext cx="0" cy="0"/>
+          <a:chOff x="0" y="0"/>
+          <a:chExt cx="0" cy="0"/>
+        </a:xfrm>
+      </p:grpSpPr>
+      <p:sp>
+        <p:nvSpPr>
+          <p:cNvPr id="2" name="Title 1"/>
+          <p:cNvSpPr>
+            <a:spLocks noGrp="1"/>
+          </p:cNvSpPr>
+          <p:nvPr>
+            <p:ph type="title"/>
+          </p:nvPr>
+        </p:nvSpPr>
+        <p:spPr>
+          <a:xfrm>
+            <a:off x="685800" y="304800"/>
+            <a:ext cx="7772400" cy="1143000"/>
+          </a:xfrm>
+        </p:spPr>
+        <p:txBody>
+          <a:bodyPr/>
+          <a:lstStyle/>
+          <a:p>
+            <a:r>
+              <a:rPr lang="en-US" dirty="0" smtClean="0"/>
+              <a:t>Writing Servers </a:t>
+            </a:r>
+            <a:endParaRPr lang="en-US" dirty="0"/>
+          </a:p>
+        </p:txBody>
+      </p:sp>
+      <p:sp>
+        <p:nvSpPr>
+          <p:cNvPr id="3" name="Content Placeholder 2"/>
+          <p:cNvSpPr>
+            <a:spLocks noGrp="1"/>
+          </p:cNvSpPr>
+          <p:nvPr>
+            <p:ph idx="1"/>
+          </p:nvPr>
+        </p:nvSpPr>
+        <p:spPr/>
+        <p:txBody>
+          <a:bodyPr/>
+          <a:lstStyle/>
+          <a:p>
+            <a:endParaRPr lang="en-US"/>
+          </a:p>
+        </p:txBody>
+      </p:sp>
+      <p:pic>
+        <p:nvPicPr>
+          <p:cNvPr id="10242" name="Picture 2"/>
+          <p:cNvPicPr>
+            <a:picLocks noChangeAspect="1" noChangeArrowheads="1"/>
+          </p:cNvPicPr>
+          <p:nvPr/>
+        </p:nvPicPr>
+        <p:blipFill>
+          <a:blip r:embed="rId2" cstate="print"/>
+          <a:srcRect/>
+          <a:stretch>
+            <a:fillRect/>
+          </a:stretch>
+        </p:blipFill>
+        <p:spPr bwMode="auto">
+          <a:xfrm>
+            <a:off x="228600" y="1600200"/>
+            <a:ext cx="8686800" cy="4880323"/>
+          </a:xfrm>
+          <a:prstGeom prst="rect">
+            <a:avLst/>
+          </a:prstGeom>
+          <a:noFill/>
+          <a:ln w="9525">
+            <a:noFill/>
+            <a:miter lim="800000"/>
+            <a:headEnd/>
+            <a:tailEnd/>
+          </a:ln>
+        </p:spPr>
+      </p:pic>
+    </p:spTree>
+  </p:cSld>
+  <p:clrMapOvr>
+    <a:masterClrMapping/>
+  </p:clrMapOvr>
+</p:sld>
+</file>
+
+<file path=ppt/slides/slide15.xml><?xml version="1.0" encoding="utf-8"?>
+<p:sld xmlns:a="http://schemas.openxmlformats.org/drawingml/2006/main" xmlns:r="http://schemas.openxmlformats.org/officeDocument/2006/relationships" xmlns:p="http://schemas.openxmlformats.org/presentationml/2006/main">
+  <p:cSld>
+    <p:spTree>
+      <p:nvGrpSpPr>
+        <p:cNvPr id="1" name=""/>
+        <p:cNvGrpSpPr/>
+        <p:nvPr/>
+      </p:nvGrpSpPr>
+      <p:grpSpPr>
+        <a:xfrm>
+          <a:off x="0" y="0"/>
+          <a:ext cx="0" cy="0"/>
+          <a:chOff x="0" y="0"/>
+          <a:chExt cx="0" cy="0"/>
+        </a:xfrm>
+      </p:grpSpPr>
+      <p:sp>
+        <p:nvSpPr>
+          <p:cNvPr id="2" name="Title 1"/>
+          <p:cNvSpPr>
+            <a:spLocks noGrp="1"/>
+          </p:cNvSpPr>
+          <p:nvPr>
+            <p:ph type="title"/>
+          </p:nvPr>
+        </p:nvSpPr>
+        <p:spPr>
+          <a:xfrm>
+            <a:off x="685800" y="228600"/>
+            <a:ext cx="7772400" cy="1143000"/>
+          </a:xfrm>
+        </p:spPr>
+        <p:txBody>
+          <a:bodyPr/>
+          <a:lstStyle/>
+          <a:p>
+            <a:r>
+              <a:rPr lang="en-US" dirty="0" smtClean="0"/>
+              <a:t>Writing Servers</a:t>
+            </a:r>
+            <a:endParaRPr lang="en-US" dirty="0"/>
+          </a:p>
+        </p:txBody>
+      </p:sp>
+      <p:sp>
+        <p:nvSpPr>
+          <p:cNvPr id="3" name="Content Placeholder 2"/>
+          <p:cNvSpPr>
+            <a:spLocks noGrp="1"/>
+          </p:cNvSpPr>
+          <p:nvPr>
+            <p:ph idx="1"/>
+          </p:nvPr>
+        </p:nvSpPr>
+        <p:spPr/>
+        <p:txBody>
+          <a:bodyPr/>
+          <a:lstStyle/>
+          <a:p>
+            <a:endParaRPr lang="en-US"/>
+          </a:p>
+        </p:txBody>
+      </p:sp>
+      <p:pic>
+        <p:nvPicPr>
+          <p:cNvPr id="11266" name="Picture 2"/>
+          <p:cNvPicPr>
+            <a:picLocks noChangeAspect="1" noChangeArrowheads="1"/>
+          </p:cNvPicPr>
+          <p:nvPr/>
+        </p:nvPicPr>
+        <p:blipFill>
+          <a:blip r:embed="rId2" cstate="print"/>
+          <a:srcRect/>
+          <a:stretch>
+            <a:fillRect/>
+          </a:stretch>
+        </p:blipFill>
+        <p:spPr bwMode="auto">
+          <a:xfrm>
+            <a:off x="76200" y="1905000"/>
+            <a:ext cx="8915400" cy="3992091"/>
+          </a:xfrm>
+          <a:prstGeom prst="rect">
+            <a:avLst/>
+          </a:prstGeom>
+          <a:noFill/>
+          <a:ln w="9525">
+            <a:noFill/>
+            <a:miter lim="800000"/>
+            <a:headEnd/>
+            <a:tailEnd/>
+          </a:ln>
+        </p:spPr>
+      </p:pic>
+    </p:spTree>
+  </p:cSld>
+  <p:clrMapOvr>
+    <a:masterClrMapping/>
+  </p:clrMapOvr>
+</p:sld>
+</file>
+
+<file path=ppt/slides/slide16.xml><?xml version="1.0" encoding="utf-8"?>
+<p:sld xmlns:a="http://schemas.openxmlformats.org/drawingml/2006/main" xmlns:r="http://schemas.openxmlformats.org/officeDocument/2006/relationships" xmlns:p="http://schemas.openxmlformats.org/presentationml/2006/main">
+  <p:cSld>
+    <p:spTree>
+      <p:nvGrpSpPr>
+        <p:cNvPr id="1" name=""/>
+        <p:cNvGrpSpPr/>
+        <p:nvPr/>
+      </p:nvGrpSpPr>
+      <p:grpSpPr>
+        <a:xfrm>
+          <a:off x="0" y="0"/>
+          <a:ext cx="0" cy="0"/>
+          <a:chOff x="0" y="0"/>
+          <a:chExt cx="0" cy="0"/>
+        </a:xfrm>
+      </p:grpSpPr>
+      <p:sp>
+        <p:nvSpPr>
+          <p:cNvPr id="2" name="Title 1"/>
+          <p:cNvSpPr>
+            <a:spLocks noGrp="1"/>
+          </p:cNvSpPr>
+          <p:nvPr>
+            <p:ph type="title"/>
+          </p:nvPr>
+        </p:nvSpPr>
+        <p:spPr/>
+        <p:txBody>
+          <a:bodyPr/>
+          <a:lstStyle/>
+          <a:p>
+            <a:r>
+              <a:rPr lang="en-US" dirty="0" smtClean="0"/>
+              <a:t>Security Note</a:t>
+            </a:r>
+            <a:endParaRPr lang="en-US" dirty="0"/>
+          </a:p>
+        </p:txBody>
+      </p:sp>
+      <p:sp>
+        <p:nvSpPr>
+          <p:cNvPr id="3" name="Content Placeholder 2"/>
+          <p:cNvSpPr>
+            <a:spLocks noGrp="1"/>
+          </p:cNvSpPr>
+          <p:nvPr>
+            <p:ph idx="1"/>
+          </p:nvPr>
+        </p:nvSpPr>
+        <p:spPr/>
+        <p:txBody>
+          <a:bodyPr/>
+          <a:lstStyle/>
+          <a:p>
+            <a:r>
+              <a:rPr lang="en-US" dirty="0" smtClean="0"/>
+              <a:t>Many machines </a:t>
+            </a:r>
+            <a:r>
+              <a:rPr lang="en-US" dirty="0" smtClean="0"/>
+              <a:t>now </a:t>
+            </a:r>
+            <a:r>
+              <a:rPr lang="en-US" dirty="0" smtClean="0"/>
+              <a:t>refuse socket</a:t>
+            </a:r>
+            <a:br>
+              <a:rPr lang="en-US" dirty="0" smtClean="0"/>
+            </a:br>
+            <a:r>
+              <a:rPr lang="en-US" dirty="0" smtClean="0"/>
+              <a:t>connections due to </a:t>
+            </a:r>
+            <a:r>
+              <a:rPr lang="en-US" dirty="0" smtClean="0"/>
+              <a:t>security considerations </a:t>
+            </a:r>
+            <a:r>
+              <a:rPr lang="en-US" dirty="0" smtClean="0"/>
+              <a:t/>
+            </a:r>
+            <a:br>
+              <a:rPr lang="en-US" dirty="0" smtClean="0"/>
+            </a:br>
+            <a:endParaRPr lang="en-US" dirty="0"/>
+          </a:p>
+        </p:txBody>
+      </p:sp>
+    </p:spTree>
+  </p:cSld>
+  <p:clrMapOvr>
+    <a:masterClrMapping/>
+  </p:clrMapOvr>
+</p:sld>
+</file>
+
+<file path=ppt/slides/slide17.xml><?xml version="1.0" encoding="utf-8"?>
+<p:sld xmlns:a="http://schemas.openxmlformats.org/drawingml/2006/main" xmlns:r="http://schemas.openxmlformats.org/officeDocument/2006/relationships" xmlns:p="http://schemas.openxmlformats.org/presentationml/2006/main">
+  <p:cSld>
+    <p:spTree>
+      <p:nvGrpSpPr>
+        <p:cNvPr id="1" name=""/>
+        <p:cNvGrpSpPr/>
+        <p:nvPr/>
+      </p:nvGrpSpPr>
+      <p:grpSpPr>
+        <a:xfrm>
+          <a:off x="0" y="0"/>
+          <a:ext cx="0" cy="0"/>
+          <a:chOff x="0" y="0"/>
+          <a:chExt cx="0" cy="0"/>
+        </a:xfrm>
+      </p:grpSpPr>
+      <p:sp>
+        <p:nvSpPr>
+          <p:cNvPr id="2" name="Title 1"/>
+          <p:cNvSpPr>
+            <a:spLocks noGrp="1"/>
+          </p:cNvSpPr>
+          <p:nvPr>
+            <p:ph type="title"/>
+          </p:nvPr>
+        </p:nvSpPr>
+        <p:spPr>
+          <a:xfrm>
+            <a:off x="685800" y="76200"/>
+            <a:ext cx="7772400" cy="1143000"/>
+          </a:xfrm>
+        </p:spPr>
+        <p:txBody>
+          <a:bodyPr/>
+          <a:lstStyle/>
+          <a:p>
+            <a:r>
+              <a:rPr lang="en-US" dirty="0" smtClean="0"/>
+              <a:t>Writing Servers </a:t>
+            </a:r>
+            <a:endParaRPr lang="en-US" dirty="0"/>
+          </a:p>
+        </p:txBody>
+      </p:sp>
+      <p:sp>
+        <p:nvSpPr>
+          <p:cNvPr id="3" name="Content Placeholder 2"/>
+          <p:cNvSpPr>
+            <a:spLocks noGrp="1"/>
+          </p:cNvSpPr>
+          <p:nvPr>
+            <p:ph idx="1"/>
+          </p:nvPr>
+        </p:nvSpPr>
+        <p:spPr/>
+        <p:txBody>
+          <a:bodyPr/>
+          <a:lstStyle/>
+          <a:p>
+            <a:endParaRPr lang="en-US"/>
+          </a:p>
+        </p:txBody>
+      </p:sp>
+      <p:pic>
+        <p:nvPicPr>
+          <p:cNvPr id="12290" name="Picture 2"/>
+          <p:cNvPicPr>
+            <a:picLocks noChangeAspect="1" noChangeArrowheads="1"/>
+          </p:cNvPicPr>
+          <p:nvPr/>
+        </p:nvPicPr>
+        <p:blipFill>
+          <a:blip r:embed="rId2" cstate="print"/>
+          <a:srcRect/>
+          <a:stretch>
+            <a:fillRect/>
+          </a:stretch>
+        </p:blipFill>
+        <p:spPr bwMode="auto">
+          <a:xfrm>
+            <a:off x="228600" y="1219200"/>
+            <a:ext cx="8839200" cy="5581299"/>
+          </a:xfrm>
+          <a:prstGeom prst="rect">
+            <a:avLst/>
+          </a:prstGeom>
+          <a:noFill/>
+          <a:ln w="9525">
+            <a:noFill/>
+            <a:miter lim="800000"/>
+            <a:headEnd/>
+            <a:tailEnd/>
+          </a:ln>
+        </p:spPr>
+      </p:pic>
+    </p:spTree>
+  </p:cSld>
+  <p:clrMapOvr>
+    <a:masterClrMapping/>
+  </p:clrMapOvr>
+</p:sld>
+</file>
+
+<file path=ppt/slides/slide18.xml><?xml version="1.0" encoding="utf-8"?>
+<p:sld xmlns:a="http://schemas.openxmlformats.org/drawingml/2006/main" xmlns:r="http://schemas.openxmlformats.org/officeDocument/2006/relationships" xmlns:p="http://schemas.openxmlformats.org/presentationml/2006/main">
+  <p:cSld>
+    <p:spTree>
+      <p:nvGrpSpPr>
+        <p:cNvPr id="1" name=""/>
+        <p:cNvGrpSpPr/>
+        <p:nvPr/>
+      </p:nvGrpSpPr>
+      <p:grpSpPr>
+        <a:xfrm>
+          <a:off x="0" y="0"/>
+          <a:ext cx="0" cy="0"/>
+          <a:chOff x="0" y="0"/>
+          <a:chExt cx="0" cy="0"/>
+        </a:xfrm>
+      </p:grpSpPr>
+      <p:sp>
+        <p:nvSpPr>
+          <p:cNvPr id="2" name="Title 1"/>
+          <p:cNvSpPr>
+            <a:spLocks noGrp="1"/>
+          </p:cNvSpPr>
+          <p:nvPr>
+            <p:ph type="title"/>
+          </p:nvPr>
+        </p:nvSpPr>
+        <p:spPr>
+          <a:xfrm>
+            <a:off x="685800" y="76200"/>
+            <a:ext cx="7772400" cy="1143000"/>
+          </a:xfrm>
+        </p:spPr>
+        <p:txBody>
+          <a:bodyPr/>
+          <a:lstStyle/>
+          <a:p>
+            <a:r>
+              <a:rPr lang="en-US" dirty="0" smtClean="0"/>
+              <a:t>Writing Servers </a:t>
+            </a:r>
+            <a:endParaRPr lang="en-US" dirty="0"/>
+          </a:p>
+        </p:txBody>
+      </p:sp>
+      <p:sp>
+        <p:nvSpPr>
+          <p:cNvPr id="3" name="Content Placeholder 2"/>
+          <p:cNvSpPr>
+            <a:spLocks noGrp="1"/>
+          </p:cNvSpPr>
+          <p:nvPr>
+            <p:ph idx="1"/>
+          </p:nvPr>
+        </p:nvSpPr>
+        <p:spPr/>
+        <p:txBody>
+          <a:bodyPr/>
+          <a:lstStyle/>
+          <a:p>
+            <a:endParaRPr lang="en-US"/>
+          </a:p>
+        </p:txBody>
+      </p:sp>
+      <p:pic>
+        <p:nvPicPr>
+          <p:cNvPr id="13314" name="Picture 2"/>
+          <p:cNvPicPr>
+            <a:picLocks noChangeAspect="1" noChangeArrowheads="1"/>
+          </p:cNvPicPr>
+          <p:nvPr/>
+        </p:nvPicPr>
+        <p:blipFill>
+          <a:blip r:embed="rId2" cstate="print"/>
+          <a:srcRect/>
+          <a:stretch>
+            <a:fillRect/>
+          </a:stretch>
+        </p:blipFill>
+        <p:spPr bwMode="auto">
+          <a:xfrm>
+            <a:off x="257133" y="1295400"/>
+            <a:ext cx="8886867" cy="5376863"/>
+          </a:xfrm>
+          <a:prstGeom prst="rect">
+            <a:avLst/>
+          </a:prstGeom>
+          <a:noFill/>
+          <a:ln w="9525">
+            <a:noFill/>
+            <a:miter lim="800000"/>
+            <a:headEnd/>
+            <a:tailEnd/>
+          </a:ln>
+        </p:spPr>
+      </p:pic>
+    </p:spTree>
+  </p:cSld>
+  <p:clrMapOvr>
+    <a:masterClrMapping/>
+  </p:clrMapOvr>
+</p:sld>
+</file>
+
+<file path=ppt/slides/slide19.xml><?xml version="1.0" encoding="utf-8"?>
+<p:sld xmlns:a="http://schemas.openxmlformats.org/drawingml/2006/main" xmlns:r="http://schemas.openxmlformats.org/officeDocument/2006/relationships" xmlns:p="http://schemas.openxmlformats.org/presentationml/2006/main">
+  <p:cSld>
+    <p:spTree>
+      <p:nvGrpSpPr>
+        <p:cNvPr id="1" name=""/>
+        <p:cNvGrpSpPr/>
+        <p:nvPr/>
+      </p:nvGrpSpPr>
+      <p:grpSpPr>
+        <a:xfrm>
+          <a:off x="0" y="0"/>
+          <a:ext cx="0" cy="0"/>
+          <a:chOff x="0" y="0"/>
+          <a:chExt cx="0" cy="0"/>
+        </a:xfrm>
+      </p:grpSpPr>
+      <p:sp>
+        <p:nvSpPr>
+          <p:cNvPr id="2" name="Title 1"/>
+          <p:cNvSpPr>
+            <a:spLocks noGrp="1"/>
+          </p:cNvSpPr>
+          <p:nvPr>
+            <p:ph type="title"/>
+          </p:nvPr>
+        </p:nvSpPr>
+        <p:spPr/>
+        <p:txBody>
+          <a:bodyPr/>
+          <a:lstStyle/>
+          <a:p>
+            <a:r>
+              <a:rPr lang="en-US" dirty="0" smtClean="0"/>
+              <a:t>Communicating with </a:t>
+            </a:r>
+            <a:r>
+              <a:rPr lang="en-US" b="1" dirty="0" smtClean="0">
+                <a:solidFill>
+                  <a:srgbClr val="FF0000"/>
+                </a:solidFill>
+              </a:rPr>
+              <a:t>Web</a:t>
+            </a:r>
+            <a:r>
+              <a:rPr lang="en-US" dirty="0" smtClean="0"/>
+              <a:t> Servers </a:t>
+            </a:r>
+            <a:endParaRPr lang="en-US" dirty="0"/>
+          </a:p>
+        </p:txBody>
+      </p:sp>
+      <p:sp>
+        <p:nvSpPr>
+          <p:cNvPr id="3" name="Content Placeholder 2"/>
+          <p:cNvSpPr>
+            <a:spLocks noGrp="1"/>
+          </p:cNvSpPr>
+          <p:nvPr>
+            <p:ph idx="1"/>
+          </p:nvPr>
+        </p:nvSpPr>
+        <p:spPr>
+          <a:xfrm>
+            <a:off x="685800" y="5029200"/>
+            <a:ext cx="7772400" cy="1066800"/>
+          </a:xfrm>
+        </p:spPr>
+        <p:txBody>
+          <a:bodyPr/>
+          <a:lstStyle/>
+          <a:p>
+            <a:pPr>
+              <a:buNone/>
+            </a:pPr>
+            <a:r>
+              <a:rPr lang="en-US" sz="1600" dirty="0" smtClean="0"/>
+              <a:t>http://</a:t>
+            </a:r>
+            <a:r>
+              <a:rPr lang="en-US" sz="1600" dirty="0" smtClean="0"/>
+              <a:t>www.zjnu.cn/index.html</a:t>
+            </a:r>
+          </a:p>
+          <a:p>
+            <a:pPr>
+              <a:buNone/>
+            </a:pPr>
+            <a:r>
+              <a:rPr lang="en-US" sz="1600" dirty="0" smtClean="0"/>
+              <a:t>ftp</a:t>
+            </a:r>
+            <a:r>
+              <a:rPr lang="en-US" sz="1600" dirty="0" smtClean="0"/>
+              <a:t>://</a:t>
+            </a:r>
+            <a:r>
+              <a:rPr lang="en-US" sz="1600" dirty="0" smtClean="0"/>
+              <a:t>ftp.zjnu/pub//test.java</a:t>
+            </a:r>
+          </a:p>
+          <a:p>
+            <a:pPr>
+              <a:buNone/>
+            </a:pPr>
+            <a:r>
+              <a:rPr lang="en-US" sz="1600" dirty="0" smtClean="0"/>
+              <a:t>file</a:t>
+            </a:r>
+            <a:r>
+              <a:rPr lang="en-US" sz="1600" dirty="0" smtClean="0"/>
+              <a:t>:/</a:t>
+            </a:r>
+            <a:r>
+              <a:rPr lang="en-US" sz="1600" dirty="0" err="1" smtClean="0"/>
+              <a:t>MyDisk</a:t>
+            </a:r>
+            <a:r>
+              <a:rPr lang="en-US" sz="1600" dirty="0" smtClean="0"/>
+              <a:t>/Letters/file.txt</a:t>
+            </a:r>
+          </a:p>
+          <a:p>
+            <a:pPr>
+              <a:buNone/>
+            </a:pPr>
+            <a:r>
+              <a:rPr lang="en-US" sz="1600" dirty="0" smtClean="0"/>
+              <a:t>Protocols </a:t>
+            </a:r>
+            <a:r>
+              <a:rPr lang="en-US" sz="1600" dirty="0" smtClean="0"/>
+              <a:t>include files, http, ftp, gopher, news, mailto, etc </a:t>
+            </a:r>
+            <a:br>
+              <a:rPr lang="en-US" sz="1600" dirty="0" smtClean="0"/>
+            </a:br>
+            <a:endParaRPr lang="en-US" sz="1600" dirty="0"/>
+          </a:p>
+        </p:txBody>
+      </p:sp>
+      <p:pic>
+        <p:nvPicPr>
+          <p:cNvPr id="14338" name="Picture 2"/>
+          <p:cNvPicPr>
+            <a:picLocks noChangeAspect="1" noChangeArrowheads="1"/>
+          </p:cNvPicPr>
+          <p:nvPr/>
+        </p:nvPicPr>
+        <p:blipFill>
+          <a:blip r:embed="rId2" cstate="print"/>
+          <a:srcRect/>
+          <a:stretch>
+            <a:fillRect/>
+          </a:stretch>
+        </p:blipFill>
+        <p:spPr bwMode="auto">
+          <a:xfrm>
+            <a:off x="228600" y="1905000"/>
+            <a:ext cx="8763000" cy="3042347"/>
+          </a:xfrm>
+          <a:prstGeom prst="rect">
+            <a:avLst/>
+          </a:prstGeom>
+          <a:noFill/>
+          <a:ln w="9525">
+            <a:noFill/>
+            <a:miter lim="800000"/>
+            <a:headEnd/>
+            <a:tailEnd/>
+          </a:ln>
+        </p:spPr>
+      </p:pic>
+    </p:spTree>
+  </p:cSld>
+  <p:clrMapOvr>
+    <a:masterClrMapping/>
+  </p:clrMapOvr>
+</p:sld>
+</file>
+
 <file path=ppt/slides/slide2.xml><?xml version="1.0" encoding="utf-8"?>
 <p:sld xmlns:a="http://schemas.openxmlformats.org/drawingml/2006/main" xmlns:r="http://schemas.openxmlformats.org/officeDocument/2006/relationships" xmlns:p="http://schemas.openxmlformats.org/presentationml/2006/main">
   <p:cSld>
@@ -3932,12 +5071,68 @@
             <a:pPr eaLnBrk="1" hangingPunct="1"/>
             <a:r>
               <a:rPr lang="en-US" altLang="en-US" dirty="0" smtClean="0"/>
-              <a:t>Essential </a:t>
+              <a:t>Essential Networking with </a:t>
             </a:r>
             <a:r>
               <a:rPr lang="en-US" altLang="en-US" dirty="0" smtClean="0"/>
-              <a:t>Networking with Java</a:t>
-            </a:r>
+              <a:t>Java</a:t>
+            </a:r>
+          </a:p>
+          <a:p>
+            <a:pPr eaLnBrk="1" hangingPunct="1"/>
+            <a:r>
+              <a:rPr lang="en-US" dirty="0" smtClean="0"/>
+              <a:t>Introduction to Java networking </a:t>
+            </a:r>
+            <a:r>
+              <a:rPr lang="en-US" dirty="0" smtClean="0"/>
+              <a:t>features</a:t>
+            </a:r>
+          </a:p>
+          <a:p>
+            <a:pPr lvl="1" eaLnBrk="1" hangingPunct="1"/>
+            <a:r>
+              <a:rPr lang="en-US" dirty="0" smtClean="0"/>
+              <a:t>It </a:t>
+            </a:r>
+            <a:r>
+              <a:rPr lang="en-US" dirty="0" smtClean="0"/>
+              <a:t>is much easier to write networking programs </a:t>
+            </a:r>
+            <a:r>
+              <a:rPr lang="en-US" dirty="0" smtClean="0"/>
+              <a:t>in Java </a:t>
+            </a:r>
+            <a:r>
+              <a:rPr lang="en-US" dirty="0" smtClean="0"/>
+              <a:t>than in C</a:t>
+            </a:r>
+            <a:r>
+              <a:rPr lang="en-US" dirty="0" smtClean="0"/>
+              <a:t>++</a:t>
+            </a:r>
+          </a:p>
+          <a:p>
+            <a:pPr lvl="1" eaLnBrk="1" hangingPunct="1"/>
+            <a:r>
+              <a:rPr lang="en-US" dirty="0" smtClean="0"/>
+              <a:t>But </a:t>
+            </a:r>
+            <a:r>
+              <a:rPr lang="en-US" dirty="0" smtClean="0"/>
+              <a:t>less </a:t>
+            </a:r>
+            <a:r>
+              <a:rPr lang="en-US" dirty="0" smtClean="0"/>
+              <a:t>efficient</a:t>
+            </a:r>
+            <a:r>
+              <a:rPr lang="en-US" dirty="0" smtClean="0"/>
+              <a:t/>
+            </a:r>
+            <a:br>
+              <a:rPr lang="en-US" dirty="0" smtClean="0"/>
+            </a:br>
             <a:endParaRPr lang="en-US" altLang="en-US" dirty="0" smtClean="0"/>
           </a:p>
           <a:p>
@@ -3968,6 +5163,1041 @@
       </p:par>
     </p:tnLst>
   </p:timing>
+</p:sld>
+</file>
+
+<file path=ppt/slides/slide20.xml><?xml version="1.0" encoding="utf-8"?>
+<p:sld xmlns:a="http://schemas.openxmlformats.org/drawingml/2006/main" xmlns:r="http://schemas.openxmlformats.org/officeDocument/2006/relationships" xmlns:p="http://schemas.openxmlformats.org/presentationml/2006/main">
+  <p:cSld>
+    <p:spTree>
+      <p:nvGrpSpPr>
+        <p:cNvPr id="1" name=""/>
+        <p:cNvGrpSpPr/>
+        <p:nvPr/>
+      </p:nvGrpSpPr>
+      <p:grpSpPr>
+        <a:xfrm>
+          <a:off x="0" y="0"/>
+          <a:ext cx="0" cy="0"/>
+          <a:chOff x="0" y="0"/>
+          <a:chExt cx="0" cy="0"/>
+        </a:xfrm>
+      </p:grpSpPr>
+      <p:sp>
+        <p:nvSpPr>
+          <p:cNvPr id="2" name="Title 1"/>
+          <p:cNvSpPr>
+            <a:spLocks noGrp="1"/>
+          </p:cNvSpPr>
+          <p:nvPr>
+            <p:ph type="title"/>
+          </p:nvPr>
+        </p:nvSpPr>
+        <p:spPr>
+          <a:xfrm>
+            <a:off x="304800" y="0"/>
+            <a:ext cx="8610600" cy="1143000"/>
+          </a:xfrm>
+        </p:spPr>
+        <p:txBody>
+          <a:bodyPr/>
+          <a:lstStyle/>
+          <a:p>
+            <a:r>
+              <a:rPr lang="en-US" dirty="0" smtClean="0"/>
+              <a:t>Communicating with web servers </a:t>
+            </a:r>
+            <a:endParaRPr lang="en-US" dirty="0"/>
+          </a:p>
+        </p:txBody>
+      </p:sp>
+      <p:sp>
+        <p:nvSpPr>
+          <p:cNvPr id="3" name="Content Placeholder 2"/>
+          <p:cNvSpPr>
+            <a:spLocks noGrp="1"/>
+          </p:cNvSpPr>
+          <p:nvPr>
+            <p:ph idx="1"/>
+          </p:nvPr>
+        </p:nvSpPr>
+        <p:spPr/>
+        <p:txBody>
+          <a:bodyPr/>
+          <a:lstStyle/>
+          <a:p>
+            <a:endParaRPr lang="en-US"/>
+          </a:p>
+        </p:txBody>
+      </p:sp>
+      <p:pic>
+        <p:nvPicPr>
+          <p:cNvPr id="15362" name="Picture 2"/>
+          <p:cNvPicPr>
+            <a:picLocks noChangeAspect="1" noChangeArrowheads="1"/>
+          </p:cNvPicPr>
+          <p:nvPr/>
+        </p:nvPicPr>
+        <p:blipFill>
+          <a:blip r:embed="rId2" cstate="print"/>
+          <a:srcRect/>
+          <a:stretch>
+            <a:fillRect/>
+          </a:stretch>
+        </p:blipFill>
+        <p:spPr bwMode="auto">
+          <a:xfrm>
+            <a:off x="228600" y="1371600"/>
+            <a:ext cx="8839200" cy="4809691"/>
+          </a:xfrm>
+          <a:prstGeom prst="rect">
+            <a:avLst/>
+          </a:prstGeom>
+          <a:noFill/>
+          <a:ln w="9525">
+            <a:noFill/>
+            <a:miter lim="800000"/>
+            <a:headEnd/>
+            <a:tailEnd/>
+          </a:ln>
+        </p:spPr>
+      </p:pic>
+    </p:spTree>
+  </p:cSld>
+  <p:clrMapOvr>
+    <a:masterClrMapping/>
+  </p:clrMapOvr>
+</p:sld>
+</file>
+
+<file path=ppt/slides/slide21.xml><?xml version="1.0" encoding="utf-8"?>
+<p:sld xmlns:a="http://schemas.openxmlformats.org/drawingml/2006/main" xmlns:r="http://schemas.openxmlformats.org/officeDocument/2006/relationships" xmlns:p="http://schemas.openxmlformats.org/presentationml/2006/main">
+  <p:cSld>
+    <p:spTree>
+      <p:nvGrpSpPr>
+        <p:cNvPr id="1" name=""/>
+        <p:cNvGrpSpPr/>
+        <p:nvPr/>
+      </p:nvGrpSpPr>
+      <p:grpSpPr>
+        <a:xfrm>
+          <a:off x="0" y="0"/>
+          <a:ext cx="0" cy="0"/>
+          <a:chOff x="0" y="0"/>
+          <a:chExt cx="0" cy="0"/>
+        </a:xfrm>
+      </p:grpSpPr>
+      <p:sp>
+        <p:nvSpPr>
+          <p:cNvPr id="3" name="Content Placeholder 2"/>
+          <p:cNvSpPr>
+            <a:spLocks noGrp="1"/>
+          </p:cNvSpPr>
+          <p:nvPr>
+            <p:ph idx="1"/>
+          </p:nvPr>
+        </p:nvSpPr>
+        <p:spPr/>
+        <p:txBody>
+          <a:bodyPr/>
+          <a:lstStyle/>
+          <a:p>
+            <a:endParaRPr lang="en-US"/>
+          </a:p>
+        </p:txBody>
+      </p:sp>
+      <p:sp>
+        <p:nvSpPr>
+          <p:cNvPr id="4" name="Title 1"/>
+          <p:cNvSpPr>
+            <a:spLocks noGrp="1"/>
+          </p:cNvSpPr>
+          <p:nvPr>
+            <p:ph type="title"/>
+          </p:nvPr>
+        </p:nvSpPr>
+        <p:spPr>
+          <a:xfrm>
+            <a:off x="304800" y="0"/>
+            <a:ext cx="8610600" cy="1143000"/>
+          </a:xfrm>
+        </p:spPr>
+        <p:txBody>
+          <a:bodyPr/>
+          <a:lstStyle/>
+          <a:p>
+            <a:r>
+              <a:rPr lang="en-US" dirty="0" smtClean="0"/>
+              <a:t>Communicating with web servers </a:t>
+            </a:r>
+            <a:endParaRPr lang="en-US" dirty="0"/>
+          </a:p>
+        </p:txBody>
+      </p:sp>
+      <p:pic>
+        <p:nvPicPr>
+          <p:cNvPr id="16386" name="Picture 2"/>
+          <p:cNvPicPr>
+            <a:picLocks noChangeAspect="1" noChangeArrowheads="1"/>
+          </p:cNvPicPr>
+          <p:nvPr/>
+        </p:nvPicPr>
+        <p:blipFill>
+          <a:blip r:embed="rId2" cstate="print"/>
+          <a:srcRect/>
+          <a:stretch>
+            <a:fillRect/>
+          </a:stretch>
+        </p:blipFill>
+        <p:spPr bwMode="auto">
+          <a:xfrm>
+            <a:off x="152400" y="1371600"/>
+            <a:ext cx="8763000" cy="4816305"/>
+          </a:xfrm>
+          <a:prstGeom prst="rect">
+            <a:avLst/>
+          </a:prstGeom>
+          <a:noFill/>
+          <a:ln w="9525">
+            <a:noFill/>
+            <a:miter lim="800000"/>
+            <a:headEnd/>
+            <a:tailEnd/>
+          </a:ln>
+        </p:spPr>
+      </p:pic>
+    </p:spTree>
+  </p:cSld>
+  <p:clrMapOvr>
+    <a:masterClrMapping/>
+  </p:clrMapOvr>
+</p:sld>
+</file>
+
+<file path=ppt/slides/slide22.xml><?xml version="1.0" encoding="utf-8"?>
+<p:sld xmlns:a="http://schemas.openxmlformats.org/drawingml/2006/main" xmlns:r="http://schemas.openxmlformats.org/officeDocument/2006/relationships" xmlns:p="http://schemas.openxmlformats.org/presentationml/2006/main">
+  <p:cSld>
+    <p:spTree>
+      <p:nvGrpSpPr>
+        <p:cNvPr id="1" name=""/>
+        <p:cNvGrpSpPr/>
+        <p:nvPr/>
+      </p:nvGrpSpPr>
+      <p:grpSpPr>
+        <a:xfrm>
+          <a:off x="0" y="0"/>
+          <a:ext cx="0" cy="0"/>
+          <a:chOff x="0" y="0"/>
+          <a:chExt cx="0" cy="0"/>
+        </a:xfrm>
+      </p:grpSpPr>
+      <p:sp>
+        <p:nvSpPr>
+          <p:cNvPr id="3" name="Content Placeholder 2"/>
+          <p:cNvSpPr>
+            <a:spLocks noGrp="1"/>
+          </p:cNvSpPr>
+          <p:nvPr>
+            <p:ph idx="1"/>
+          </p:nvPr>
+        </p:nvSpPr>
+        <p:spPr/>
+        <p:txBody>
+          <a:bodyPr/>
+          <a:lstStyle/>
+          <a:p>
+            <a:endParaRPr lang="en-US"/>
+          </a:p>
+        </p:txBody>
+      </p:sp>
+      <p:sp>
+        <p:nvSpPr>
+          <p:cNvPr id="4" name="Title 1"/>
+          <p:cNvSpPr>
+            <a:spLocks noGrp="1"/>
+          </p:cNvSpPr>
+          <p:nvPr>
+            <p:ph type="title"/>
+          </p:nvPr>
+        </p:nvSpPr>
+        <p:spPr>
+          <a:xfrm>
+            <a:off x="304800" y="0"/>
+            <a:ext cx="8610600" cy="1143000"/>
+          </a:xfrm>
+        </p:spPr>
+        <p:txBody>
+          <a:bodyPr/>
+          <a:lstStyle/>
+          <a:p>
+            <a:r>
+              <a:rPr lang="en-US" dirty="0" smtClean="0"/>
+              <a:t>Communicating with web servers </a:t>
+            </a:r>
+            <a:endParaRPr lang="en-US" dirty="0"/>
+          </a:p>
+        </p:txBody>
+      </p:sp>
+      <p:pic>
+        <p:nvPicPr>
+          <p:cNvPr id="17410" name="Picture 2"/>
+          <p:cNvPicPr>
+            <a:picLocks noChangeAspect="1" noChangeArrowheads="1"/>
+          </p:cNvPicPr>
+          <p:nvPr/>
+        </p:nvPicPr>
+        <p:blipFill>
+          <a:blip r:embed="rId2" cstate="print"/>
+          <a:srcRect/>
+          <a:stretch>
+            <a:fillRect/>
+          </a:stretch>
+        </p:blipFill>
+        <p:spPr bwMode="auto">
+          <a:xfrm>
+            <a:off x="152400" y="1600200"/>
+            <a:ext cx="8883085" cy="4138613"/>
+          </a:xfrm>
+          <a:prstGeom prst="rect">
+            <a:avLst/>
+          </a:prstGeom>
+          <a:noFill/>
+          <a:ln w="9525">
+            <a:noFill/>
+            <a:miter lim="800000"/>
+            <a:headEnd/>
+            <a:tailEnd/>
+          </a:ln>
+        </p:spPr>
+      </p:pic>
+    </p:spTree>
+  </p:cSld>
+  <p:clrMapOvr>
+    <a:masterClrMapping/>
+  </p:clrMapOvr>
+</p:sld>
+</file>
+
+<file path=ppt/slides/slide23.xml><?xml version="1.0" encoding="utf-8"?>
+<p:sld xmlns:a="http://schemas.openxmlformats.org/drawingml/2006/main" xmlns:r="http://schemas.openxmlformats.org/officeDocument/2006/relationships" xmlns:p="http://schemas.openxmlformats.org/presentationml/2006/main">
+  <p:cSld>
+    <p:spTree>
+      <p:nvGrpSpPr>
+        <p:cNvPr id="1" name=""/>
+        <p:cNvGrpSpPr/>
+        <p:nvPr/>
+      </p:nvGrpSpPr>
+      <p:grpSpPr>
+        <a:xfrm>
+          <a:off x="0" y="0"/>
+          <a:ext cx="0" cy="0"/>
+          <a:chOff x="0" y="0"/>
+          <a:chExt cx="0" cy="0"/>
+        </a:xfrm>
+      </p:grpSpPr>
+      <p:sp>
+        <p:nvSpPr>
+          <p:cNvPr id="2" name="Title 1"/>
+          <p:cNvSpPr>
+            <a:spLocks noGrp="1"/>
+          </p:cNvSpPr>
+          <p:nvPr>
+            <p:ph type="title"/>
+          </p:nvPr>
+        </p:nvSpPr>
+        <p:spPr>
+          <a:xfrm>
+            <a:off x="685800" y="228600"/>
+            <a:ext cx="7772400" cy="1143000"/>
+          </a:xfrm>
+        </p:spPr>
+        <p:txBody>
+          <a:bodyPr/>
+          <a:lstStyle/>
+          <a:p>
+            <a:r>
+              <a:rPr lang="en-US" dirty="0" smtClean="0"/>
+              <a:t>Retrieving Information </a:t>
+            </a:r>
+            <a:endParaRPr lang="en-US" dirty="0"/>
+          </a:p>
+        </p:txBody>
+      </p:sp>
+      <p:sp>
+        <p:nvSpPr>
+          <p:cNvPr id="3" name="Content Placeholder 2"/>
+          <p:cNvSpPr>
+            <a:spLocks noGrp="1"/>
+          </p:cNvSpPr>
+          <p:nvPr>
+            <p:ph idx="1"/>
+          </p:nvPr>
+        </p:nvSpPr>
+        <p:spPr/>
+        <p:txBody>
+          <a:bodyPr/>
+          <a:lstStyle/>
+          <a:p>
+            <a:endParaRPr lang="en-US"/>
+          </a:p>
+        </p:txBody>
+      </p:sp>
+      <p:pic>
+        <p:nvPicPr>
+          <p:cNvPr id="18434" name="Picture 2"/>
+          <p:cNvPicPr>
+            <a:picLocks noChangeAspect="1" noChangeArrowheads="1"/>
+          </p:cNvPicPr>
+          <p:nvPr/>
+        </p:nvPicPr>
+        <p:blipFill>
+          <a:blip r:embed="rId2" cstate="print"/>
+          <a:srcRect/>
+          <a:stretch>
+            <a:fillRect/>
+          </a:stretch>
+        </p:blipFill>
+        <p:spPr bwMode="auto">
+          <a:xfrm>
+            <a:off x="228600" y="1600200"/>
+            <a:ext cx="8686800" cy="4369000"/>
+          </a:xfrm>
+          <a:prstGeom prst="rect">
+            <a:avLst/>
+          </a:prstGeom>
+          <a:noFill/>
+          <a:ln w="9525">
+            <a:noFill/>
+            <a:miter lim="800000"/>
+            <a:headEnd/>
+            <a:tailEnd/>
+          </a:ln>
+        </p:spPr>
+      </p:pic>
+    </p:spTree>
+  </p:cSld>
+  <p:clrMapOvr>
+    <a:masterClrMapping/>
+  </p:clrMapOvr>
+</p:sld>
+</file>
+
+<file path=ppt/slides/slide24.xml><?xml version="1.0" encoding="utf-8"?>
+<p:sld xmlns:a="http://schemas.openxmlformats.org/drawingml/2006/main" xmlns:r="http://schemas.openxmlformats.org/officeDocument/2006/relationships" xmlns:p="http://schemas.openxmlformats.org/presentationml/2006/main">
+  <p:cSld>
+    <p:spTree>
+      <p:nvGrpSpPr>
+        <p:cNvPr id="1" name=""/>
+        <p:cNvGrpSpPr/>
+        <p:nvPr/>
+      </p:nvGrpSpPr>
+      <p:grpSpPr>
+        <a:xfrm>
+          <a:off x="0" y="0"/>
+          <a:ext cx="0" cy="0"/>
+          <a:chOff x="0" y="0"/>
+          <a:chExt cx="0" cy="0"/>
+        </a:xfrm>
+      </p:grpSpPr>
+      <p:sp>
+        <p:nvSpPr>
+          <p:cNvPr id="2" name="Title 1"/>
+          <p:cNvSpPr>
+            <a:spLocks noGrp="1"/>
+          </p:cNvSpPr>
+          <p:nvPr>
+            <p:ph type="title"/>
+          </p:nvPr>
+        </p:nvSpPr>
+        <p:spPr/>
+        <p:txBody>
+          <a:bodyPr/>
+          <a:lstStyle/>
+          <a:p>
+            <a:r>
+              <a:rPr lang="en-US" dirty="0" smtClean="0"/>
+              <a:t>Retrieving Information </a:t>
+            </a:r>
+            <a:endParaRPr lang="en-US" dirty="0"/>
+          </a:p>
+        </p:txBody>
+      </p:sp>
+      <p:sp>
+        <p:nvSpPr>
+          <p:cNvPr id="3" name="Content Placeholder 2"/>
+          <p:cNvSpPr>
+            <a:spLocks noGrp="1"/>
+          </p:cNvSpPr>
+          <p:nvPr>
+            <p:ph idx="1"/>
+          </p:nvPr>
+        </p:nvSpPr>
+        <p:spPr/>
+        <p:txBody>
+          <a:bodyPr/>
+          <a:lstStyle/>
+          <a:p>
+            <a:endParaRPr lang="en-US"/>
+          </a:p>
+        </p:txBody>
+      </p:sp>
+      <p:pic>
+        <p:nvPicPr>
+          <p:cNvPr id="19458" name="Picture 2"/>
+          <p:cNvPicPr>
+            <a:picLocks noChangeAspect="1" noChangeArrowheads="1"/>
+          </p:cNvPicPr>
+          <p:nvPr/>
+        </p:nvPicPr>
+        <p:blipFill>
+          <a:blip r:embed="rId2" cstate="print"/>
+          <a:srcRect/>
+          <a:stretch>
+            <a:fillRect/>
+          </a:stretch>
+        </p:blipFill>
+        <p:spPr bwMode="auto">
+          <a:xfrm>
+            <a:off x="457200" y="1676400"/>
+            <a:ext cx="8343900" cy="4752975"/>
+          </a:xfrm>
+          <a:prstGeom prst="rect">
+            <a:avLst/>
+          </a:prstGeom>
+          <a:noFill/>
+          <a:ln w="9525">
+            <a:noFill/>
+            <a:miter lim="800000"/>
+            <a:headEnd/>
+            <a:tailEnd/>
+          </a:ln>
+        </p:spPr>
+      </p:pic>
+    </p:spTree>
+  </p:cSld>
+  <p:clrMapOvr>
+    <a:masterClrMapping/>
+  </p:clrMapOvr>
+</p:sld>
+</file>
+
+<file path=ppt/slides/slide25.xml><?xml version="1.0" encoding="utf-8"?>
+<p:sld xmlns:a="http://schemas.openxmlformats.org/drawingml/2006/main" xmlns:r="http://schemas.openxmlformats.org/officeDocument/2006/relationships" xmlns:p="http://schemas.openxmlformats.org/presentationml/2006/main">
+  <p:cSld>
+    <p:spTree>
+      <p:nvGrpSpPr>
+        <p:cNvPr id="1" name=""/>
+        <p:cNvGrpSpPr/>
+        <p:nvPr/>
+      </p:nvGrpSpPr>
+      <p:grpSpPr>
+        <a:xfrm>
+          <a:off x="0" y="0"/>
+          <a:ext cx="0" cy="0"/>
+          <a:chOff x="0" y="0"/>
+          <a:chExt cx="0" cy="0"/>
+        </a:xfrm>
+      </p:grpSpPr>
+      <p:sp>
+        <p:nvSpPr>
+          <p:cNvPr id="2" name="Title 1"/>
+          <p:cNvSpPr>
+            <a:spLocks noGrp="1"/>
+          </p:cNvSpPr>
+          <p:nvPr>
+            <p:ph type="title"/>
+          </p:nvPr>
+        </p:nvSpPr>
+        <p:spPr>
+          <a:xfrm>
+            <a:off x="762000" y="381000"/>
+            <a:ext cx="7772400" cy="1143000"/>
+          </a:xfrm>
+        </p:spPr>
+        <p:txBody>
+          <a:bodyPr/>
+          <a:lstStyle/>
+          <a:p>
+            <a:r>
+              <a:rPr lang="en-US" dirty="0" smtClean="0"/>
+              <a:t>Retrieving Information </a:t>
+            </a:r>
+            <a:endParaRPr lang="en-US" dirty="0"/>
+          </a:p>
+        </p:txBody>
+      </p:sp>
+      <p:sp>
+        <p:nvSpPr>
+          <p:cNvPr id="3" name="Content Placeholder 2"/>
+          <p:cNvSpPr>
+            <a:spLocks noGrp="1"/>
+          </p:cNvSpPr>
+          <p:nvPr>
+            <p:ph idx="1"/>
+          </p:nvPr>
+        </p:nvSpPr>
+        <p:spPr/>
+        <p:txBody>
+          <a:bodyPr/>
+          <a:lstStyle/>
+          <a:p>
+            <a:endParaRPr lang="en-US"/>
+          </a:p>
+        </p:txBody>
+      </p:sp>
+      <p:pic>
+        <p:nvPicPr>
+          <p:cNvPr id="20482" name="Picture 2"/>
+          <p:cNvPicPr>
+            <a:picLocks noChangeAspect="1" noChangeArrowheads="1"/>
+          </p:cNvPicPr>
+          <p:nvPr/>
+        </p:nvPicPr>
+        <p:blipFill>
+          <a:blip r:embed="rId2" cstate="print"/>
+          <a:srcRect/>
+          <a:stretch>
+            <a:fillRect/>
+          </a:stretch>
+        </p:blipFill>
+        <p:spPr bwMode="auto">
+          <a:xfrm>
+            <a:off x="228600" y="1447800"/>
+            <a:ext cx="8458200" cy="4759354"/>
+          </a:xfrm>
+          <a:prstGeom prst="rect">
+            <a:avLst/>
+          </a:prstGeom>
+          <a:noFill/>
+          <a:ln w="9525">
+            <a:noFill/>
+            <a:miter lim="800000"/>
+            <a:headEnd/>
+            <a:tailEnd/>
+          </a:ln>
+        </p:spPr>
+      </p:pic>
+    </p:spTree>
+  </p:cSld>
+  <p:clrMapOvr>
+    <a:masterClrMapping/>
+  </p:clrMapOvr>
+</p:sld>
+</file>
+
+<file path=ppt/slides/slide26.xml><?xml version="1.0" encoding="utf-8"?>
+<p:sld xmlns:a="http://schemas.openxmlformats.org/drawingml/2006/main" xmlns:r="http://schemas.openxmlformats.org/officeDocument/2006/relationships" xmlns:p="http://schemas.openxmlformats.org/presentationml/2006/main">
+  <p:cSld>
+    <p:spTree>
+      <p:nvGrpSpPr>
+        <p:cNvPr id="1" name=""/>
+        <p:cNvGrpSpPr/>
+        <p:nvPr/>
+      </p:nvGrpSpPr>
+      <p:grpSpPr>
+        <a:xfrm>
+          <a:off x="0" y="0"/>
+          <a:ext cx="0" cy="0"/>
+          <a:chOff x="0" y="0"/>
+          <a:chExt cx="0" cy="0"/>
+        </a:xfrm>
+      </p:grpSpPr>
+      <p:sp>
+        <p:nvSpPr>
+          <p:cNvPr id="2" name="Title 1"/>
+          <p:cNvSpPr>
+            <a:spLocks noGrp="1"/>
+          </p:cNvSpPr>
+          <p:nvPr>
+            <p:ph type="title"/>
+          </p:nvPr>
+        </p:nvSpPr>
+        <p:spPr>
+          <a:xfrm>
+            <a:off x="685800" y="0"/>
+            <a:ext cx="7772400" cy="1143000"/>
+          </a:xfrm>
+        </p:spPr>
+        <p:txBody>
+          <a:bodyPr/>
+          <a:lstStyle/>
+          <a:p>
+            <a:r>
+              <a:rPr lang="en-US" dirty="0" smtClean="0"/>
+              <a:t>Sending Information </a:t>
+            </a:r>
+            <a:endParaRPr lang="en-US" dirty="0"/>
+          </a:p>
+        </p:txBody>
+      </p:sp>
+      <p:sp>
+        <p:nvSpPr>
+          <p:cNvPr id="3" name="Content Placeholder 2"/>
+          <p:cNvSpPr>
+            <a:spLocks noGrp="1"/>
+          </p:cNvSpPr>
+          <p:nvPr>
+            <p:ph idx="1"/>
+          </p:nvPr>
+        </p:nvSpPr>
+        <p:spPr/>
+        <p:txBody>
+          <a:bodyPr/>
+          <a:lstStyle/>
+          <a:p>
+            <a:endParaRPr lang="en-US"/>
+          </a:p>
+        </p:txBody>
+      </p:sp>
+      <p:pic>
+        <p:nvPicPr>
+          <p:cNvPr id="21506" name="Picture 2"/>
+          <p:cNvPicPr>
+            <a:picLocks noChangeAspect="1" noChangeArrowheads="1"/>
+          </p:cNvPicPr>
+          <p:nvPr/>
+        </p:nvPicPr>
+        <p:blipFill>
+          <a:blip r:embed="rId2" cstate="print"/>
+          <a:srcRect/>
+          <a:stretch>
+            <a:fillRect/>
+          </a:stretch>
+        </p:blipFill>
+        <p:spPr bwMode="auto">
+          <a:xfrm>
+            <a:off x="533400" y="1143000"/>
+            <a:ext cx="8317810" cy="5572125"/>
+          </a:xfrm>
+          <a:prstGeom prst="rect">
+            <a:avLst/>
+          </a:prstGeom>
+          <a:noFill/>
+          <a:ln w="9525">
+            <a:noFill/>
+            <a:miter lim="800000"/>
+            <a:headEnd/>
+            <a:tailEnd/>
+          </a:ln>
+        </p:spPr>
+      </p:pic>
+    </p:spTree>
+  </p:cSld>
+  <p:clrMapOvr>
+    <a:masterClrMapping/>
+  </p:clrMapOvr>
+</p:sld>
+</file>
+
+<file path=ppt/slides/slide27.xml><?xml version="1.0" encoding="utf-8"?>
+<p:sld xmlns:a="http://schemas.openxmlformats.org/drawingml/2006/main" xmlns:r="http://schemas.openxmlformats.org/officeDocument/2006/relationships" xmlns:p="http://schemas.openxmlformats.org/presentationml/2006/main">
+  <p:cSld>
+    <p:spTree>
+      <p:nvGrpSpPr>
+        <p:cNvPr id="1" name=""/>
+        <p:cNvGrpSpPr/>
+        <p:nvPr/>
+      </p:nvGrpSpPr>
+      <p:grpSpPr>
+        <a:xfrm>
+          <a:off x="0" y="0"/>
+          <a:ext cx="0" cy="0"/>
+          <a:chOff x="0" y="0"/>
+          <a:chExt cx="0" cy="0"/>
+        </a:xfrm>
+      </p:grpSpPr>
+      <p:sp>
+        <p:nvSpPr>
+          <p:cNvPr id="2" name="Title 1"/>
+          <p:cNvSpPr>
+            <a:spLocks noGrp="1"/>
+          </p:cNvSpPr>
+          <p:nvPr>
+            <p:ph type="title"/>
+          </p:nvPr>
+        </p:nvSpPr>
+        <p:spPr>
+          <a:xfrm>
+            <a:off x="762000" y="152400"/>
+            <a:ext cx="7772400" cy="1143000"/>
+          </a:xfrm>
+        </p:spPr>
+        <p:txBody>
+          <a:bodyPr/>
+          <a:lstStyle/>
+          <a:p>
+            <a:r>
+              <a:rPr lang="en-US" dirty="0" smtClean="0"/>
+              <a:t>Sending Information </a:t>
+            </a:r>
+            <a:endParaRPr lang="en-US" dirty="0"/>
+          </a:p>
+        </p:txBody>
+      </p:sp>
+      <p:sp>
+        <p:nvSpPr>
+          <p:cNvPr id="3" name="Content Placeholder 2"/>
+          <p:cNvSpPr>
+            <a:spLocks noGrp="1"/>
+          </p:cNvSpPr>
+          <p:nvPr>
+            <p:ph idx="1"/>
+          </p:nvPr>
+        </p:nvSpPr>
+        <p:spPr/>
+        <p:txBody>
+          <a:bodyPr/>
+          <a:lstStyle/>
+          <a:p>
+            <a:endParaRPr lang="en-US"/>
+          </a:p>
+        </p:txBody>
+      </p:sp>
+      <p:pic>
+        <p:nvPicPr>
+          <p:cNvPr id="22530" name="Picture 2"/>
+          <p:cNvPicPr>
+            <a:picLocks noChangeAspect="1" noChangeArrowheads="1"/>
+          </p:cNvPicPr>
+          <p:nvPr/>
+        </p:nvPicPr>
+        <p:blipFill>
+          <a:blip r:embed="rId2" cstate="print"/>
+          <a:srcRect/>
+          <a:stretch>
+            <a:fillRect/>
+          </a:stretch>
+        </p:blipFill>
+        <p:spPr bwMode="auto">
+          <a:xfrm>
+            <a:off x="152400" y="1828800"/>
+            <a:ext cx="8915400" cy="3658053"/>
+          </a:xfrm>
+          <a:prstGeom prst="rect">
+            <a:avLst/>
+          </a:prstGeom>
+          <a:noFill/>
+          <a:ln w="9525">
+            <a:noFill/>
+            <a:miter lim="800000"/>
+            <a:headEnd/>
+            <a:tailEnd/>
+          </a:ln>
+        </p:spPr>
+      </p:pic>
+    </p:spTree>
+  </p:cSld>
+  <p:clrMapOvr>
+    <a:masterClrMapping/>
+  </p:clrMapOvr>
+</p:sld>
+</file>
+
+<file path=ppt/slides/slide28.xml><?xml version="1.0" encoding="utf-8"?>
+<p:sld xmlns:a="http://schemas.openxmlformats.org/drawingml/2006/main" xmlns:r="http://schemas.openxmlformats.org/officeDocument/2006/relationships" xmlns:p="http://schemas.openxmlformats.org/presentationml/2006/main">
+  <p:cSld>
+    <p:spTree>
+      <p:nvGrpSpPr>
+        <p:cNvPr id="1" name=""/>
+        <p:cNvGrpSpPr/>
+        <p:nvPr/>
+      </p:nvGrpSpPr>
+      <p:grpSpPr>
+        <a:xfrm>
+          <a:off x="0" y="0"/>
+          <a:ext cx="0" cy="0"/>
+          <a:chOff x="0" y="0"/>
+          <a:chExt cx="0" cy="0"/>
+        </a:xfrm>
+      </p:grpSpPr>
+      <p:sp>
+        <p:nvSpPr>
+          <p:cNvPr id="2" name="Title 1"/>
+          <p:cNvSpPr>
+            <a:spLocks noGrp="1"/>
+          </p:cNvSpPr>
+          <p:nvPr>
+            <p:ph type="title"/>
+          </p:nvPr>
+        </p:nvSpPr>
+        <p:spPr>
+          <a:xfrm>
+            <a:off x="609600" y="381000"/>
+            <a:ext cx="7772400" cy="1143000"/>
+          </a:xfrm>
+        </p:spPr>
+        <p:txBody>
+          <a:bodyPr/>
+          <a:lstStyle/>
+          <a:p>
+            <a:r>
+              <a:rPr lang="en-US" dirty="0" smtClean="0"/>
+              <a:t>Sending Information </a:t>
+            </a:r>
+            <a:endParaRPr lang="en-US" dirty="0"/>
+          </a:p>
+        </p:txBody>
+      </p:sp>
+      <p:sp>
+        <p:nvSpPr>
+          <p:cNvPr id="3" name="Content Placeholder 2"/>
+          <p:cNvSpPr>
+            <a:spLocks noGrp="1"/>
+          </p:cNvSpPr>
+          <p:nvPr>
+            <p:ph idx="1"/>
+          </p:nvPr>
+        </p:nvSpPr>
+        <p:spPr/>
+        <p:txBody>
+          <a:bodyPr/>
+          <a:lstStyle/>
+          <a:p>
+            <a:endParaRPr lang="en-US"/>
+          </a:p>
+        </p:txBody>
+      </p:sp>
+      <p:pic>
+        <p:nvPicPr>
+          <p:cNvPr id="23554" name="Picture 2"/>
+          <p:cNvPicPr>
+            <a:picLocks noChangeAspect="1" noChangeArrowheads="1"/>
+          </p:cNvPicPr>
+          <p:nvPr/>
+        </p:nvPicPr>
+        <p:blipFill>
+          <a:blip r:embed="rId2" cstate="print"/>
+          <a:srcRect/>
+          <a:stretch>
+            <a:fillRect/>
+          </a:stretch>
+        </p:blipFill>
+        <p:spPr bwMode="auto">
+          <a:xfrm>
+            <a:off x="228600" y="1828800"/>
+            <a:ext cx="8763000" cy="4440369"/>
+          </a:xfrm>
+          <a:prstGeom prst="rect">
+            <a:avLst/>
+          </a:prstGeom>
+          <a:noFill/>
+          <a:ln w="9525">
+            <a:noFill/>
+            <a:miter lim="800000"/>
+            <a:headEnd/>
+            <a:tailEnd/>
+          </a:ln>
+        </p:spPr>
+      </p:pic>
+    </p:spTree>
+  </p:cSld>
+  <p:clrMapOvr>
+    <a:masterClrMapping/>
+  </p:clrMapOvr>
+</p:sld>
+</file>
+
+<file path=ppt/slides/slide29.xml><?xml version="1.0" encoding="utf-8"?>
+<p:sld xmlns:a="http://schemas.openxmlformats.org/drawingml/2006/main" xmlns:r="http://schemas.openxmlformats.org/officeDocument/2006/relationships" xmlns:p="http://schemas.openxmlformats.org/presentationml/2006/main">
+  <p:cSld>
+    <p:spTree>
+      <p:nvGrpSpPr>
+        <p:cNvPr id="1" name=""/>
+        <p:cNvGrpSpPr/>
+        <p:nvPr/>
+      </p:nvGrpSpPr>
+      <p:grpSpPr>
+        <a:xfrm>
+          <a:off x="0" y="0"/>
+          <a:ext cx="0" cy="0"/>
+          <a:chOff x="0" y="0"/>
+          <a:chExt cx="0" cy="0"/>
+        </a:xfrm>
+      </p:grpSpPr>
+      <p:sp>
+        <p:nvSpPr>
+          <p:cNvPr id="2" name="Title 1"/>
+          <p:cNvSpPr>
+            <a:spLocks noGrp="1"/>
+          </p:cNvSpPr>
+          <p:nvPr>
+            <p:ph type="title"/>
+          </p:nvPr>
+        </p:nvSpPr>
+        <p:spPr>
+          <a:xfrm>
+            <a:off x="762000" y="152400"/>
+            <a:ext cx="7772400" cy="1143000"/>
+          </a:xfrm>
+        </p:spPr>
+        <p:txBody>
+          <a:bodyPr/>
+          <a:lstStyle/>
+          <a:p>
+            <a:r>
+              <a:rPr lang="en-US" dirty="0" smtClean="0"/>
+              <a:t>Sending Information</a:t>
+            </a:r>
+            <a:endParaRPr lang="en-US" dirty="0"/>
+          </a:p>
+        </p:txBody>
+      </p:sp>
+      <p:sp>
+        <p:nvSpPr>
+          <p:cNvPr id="3" name="Content Placeholder 2"/>
+          <p:cNvSpPr>
+            <a:spLocks noGrp="1"/>
+          </p:cNvSpPr>
+          <p:nvPr>
+            <p:ph idx="1"/>
+          </p:nvPr>
+        </p:nvSpPr>
+        <p:spPr/>
+        <p:txBody>
+          <a:bodyPr/>
+          <a:lstStyle/>
+          <a:p>
+            <a:endParaRPr lang="en-US"/>
+          </a:p>
+        </p:txBody>
+      </p:sp>
+      <p:pic>
+        <p:nvPicPr>
+          <p:cNvPr id="24578" name="Picture 2"/>
+          <p:cNvPicPr>
+            <a:picLocks noChangeAspect="1" noChangeArrowheads="1"/>
+          </p:cNvPicPr>
+          <p:nvPr/>
+        </p:nvPicPr>
+        <p:blipFill>
+          <a:blip r:embed="rId2" cstate="print"/>
+          <a:srcRect/>
+          <a:stretch>
+            <a:fillRect/>
+          </a:stretch>
+        </p:blipFill>
+        <p:spPr bwMode="auto">
+          <a:xfrm>
+            <a:off x="457200" y="1600200"/>
+            <a:ext cx="8448675" cy="4667250"/>
+          </a:xfrm>
+          <a:prstGeom prst="rect">
+            <a:avLst/>
+          </a:prstGeom>
+          <a:noFill/>
+          <a:ln w="9525">
+            <a:noFill/>
+            <a:miter lim="800000"/>
+            <a:headEnd/>
+            <a:tailEnd/>
+          </a:ln>
+        </p:spPr>
+      </p:pic>
+    </p:spTree>
+  </p:cSld>
+  <p:clrMapOvr>
+    <a:masterClrMapping/>
+  </p:clrMapOvr>
 </p:sld>
 </file>
 
@@ -4003,7 +6233,11 @@
           <a:bodyPr/>
           <a:lstStyle/>
           <a:p>
-            <a:endParaRPr lang="en-GB"/>
+            <a:r>
+              <a:rPr lang="en-GB" dirty="0" smtClean="0"/>
+              <a:t>Today</a:t>
+            </a:r>
+            <a:endParaRPr lang="en-GB" dirty="0"/>
           </a:p>
         </p:txBody>
       </p:sp>
@@ -4019,23 +6253,741 @@
         </p:nvSpPr>
         <p:spPr/>
         <p:txBody>
-          <a:bodyPr/>
-          <a:lstStyle/>
-          <a:p>
-            <a:endParaRPr lang="en-GB"/>
+          <a:bodyPr>
+            <a:normAutofit fontScale="92500" lnSpcReduction="10000"/>
+          </a:bodyPr>
+          <a:lstStyle/>
+          <a:p>
+            <a:r>
+              <a:rPr lang="en-US" dirty="0" smtClean="0"/>
+              <a:t>Networking </a:t>
+            </a:r>
+            <a:r>
+              <a:rPr lang="en-US" dirty="0" smtClean="0"/>
+              <a:t>basics</a:t>
+            </a:r>
+          </a:p>
+          <a:p>
+            <a:pPr lvl="1"/>
+            <a:r>
+              <a:rPr lang="en-US" dirty="0" smtClean="0"/>
+              <a:t>IP </a:t>
+            </a:r>
+            <a:r>
+              <a:rPr lang="en-US" dirty="0" smtClean="0"/>
+              <a:t>addresses, ports, protocols, client-server </a:t>
+            </a:r>
+            <a:r>
+              <a:rPr lang="en-US" dirty="0" smtClean="0"/>
+              <a:t>interaction</a:t>
+            </a:r>
+          </a:p>
+          <a:p>
+            <a:r>
+              <a:rPr lang="en-US" dirty="0" smtClean="0"/>
+              <a:t>Socket-level </a:t>
+            </a:r>
+            <a:r>
+              <a:rPr lang="en-US" dirty="0" smtClean="0"/>
+              <a:t>programming</a:t>
+            </a:r>
+          </a:p>
+          <a:p>
+            <a:pPr lvl="1"/>
+            <a:r>
+              <a:rPr lang="en-US" dirty="0" smtClean="0"/>
+              <a:t>Writing </a:t>
+            </a:r>
+            <a:r>
+              <a:rPr lang="en-US" dirty="0" smtClean="0"/>
+              <a:t>a client (</a:t>
+            </a:r>
+            <a:r>
+              <a:rPr lang="en-US" dirty="0" smtClean="0"/>
+              <a:t>Socket)</a:t>
+            </a:r>
+          </a:p>
+          <a:p>
+            <a:pPr lvl="1"/>
+            <a:r>
+              <a:rPr lang="en-US" dirty="0" smtClean="0"/>
+              <a:t>Writing </a:t>
+            </a:r>
+            <a:r>
+              <a:rPr lang="en-US" dirty="0" smtClean="0"/>
+              <a:t>a server (</a:t>
+            </a:r>
+            <a:r>
+              <a:rPr lang="en-US" dirty="0" err="1" smtClean="0"/>
+              <a:t>ServerSocket</a:t>
+            </a:r>
+            <a:r>
+              <a:rPr lang="en-US" dirty="0" smtClean="0"/>
+              <a:t>)</a:t>
+            </a:r>
+            <a:endParaRPr lang="en-US" dirty="0" smtClean="0"/>
+          </a:p>
+          <a:p>
+            <a:r>
+              <a:rPr lang="en-US" dirty="0" smtClean="0"/>
+              <a:t>Communicating with web </a:t>
+            </a:r>
+            <a:r>
+              <a:rPr lang="en-US" dirty="0" smtClean="0"/>
+              <a:t>servers</a:t>
+            </a:r>
+          </a:p>
+          <a:p>
+            <a:pPr lvl="1"/>
+            <a:r>
+              <a:rPr lang="en-US" dirty="0" smtClean="0"/>
+              <a:t>Retrieving </a:t>
+            </a:r>
+            <a:r>
+              <a:rPr lang="en-US" dirty="0" smtClean="0"/>
+              <a:t>information (URL, </a:t>
+            </a:r>
+            <a:r>
+              <a:rPr lang="en-US" dirty="0" err="1" smtClean="0"/>
+              <a:t>URLConnection</a:t>
+            </a:r>
+            <a:r>
+              <a:rPr lang="en-US" dirty="0" smtClean="0"/>
+              <a:t>)</a:t>
+            </a:r>
+          </a:p>
+          <a:p>
+            <a:pPr lvl="1"/>
+            <a:r>
+              <a:rPr lang="en-US" dirty="0" smtClean="0"/>
+              <a:t>Sending </a:t>
+            </a:r>
+            <a:r>
+              <a:rPr lang="en-US" dirty="0" smtClean="0"/>
+              <a:t>information </a:t>
+            </a:r>
+            <a:endParaRPr lang="en-GB" dirty="0"/>
           </a:p>
         </p:txBody>
       </p:sp>
     </p:spTree>
     <p:extLst>
       <p:ext uri="{BB962C8B-B14F-4D97-AF65-F5344CB8AC3E}">
-        <p14:creationId xmlns:p14="http://schemas.microsoft.com/office/powerpoint/2010/main" val="1752164698"/>
+        <p14:creationId xmlns:p14="http://schemas.microsoft.com/office/powerpoint/2010/main" xmlns="" val="1752164698"/>
       </p:ext>
     </p:extLst>
   </p:cSld>
   <p:clrMapOvr>
     <a:masterClrMapping/>
   </p:clrMapOvr>
+</p:sld>
+</file>
+
+<file path=ppt/slides/slide30.xml><?xml version="1.0" encoding="utf-8"?>
+<p:sld xmlns:a="http://schemas.openxmlformats.org/drawingml/2006/main" xmlns:r="http://schemas.openxmlformats.org/officeDocument/2006/relationships" xmlns:p="http://schemas.openxmlformats.org/presentationml/2006/main">
+  <p:cSld>
+    <p:spTree>
+      <p:nvGrpSpPr>
+        <p:cNvPr id="1" name=""/>
+        <p:cNvGrpSpPr/>
+        <p:nvPr/>
+      </p:nvGrpSpPr>
+      <p:grpSpPr>
+        <a:xfrm>
+          <a:off x="0" y="0"/>
+          <a:ext cx="0" cy="0"/>
+          <a:chOff x="0" y="0"/>
+          <a:chExt cx="0" cy="0"/>
+        </a:xfrm>
+      </p:grpSpPr>
+      <p:sp>
+        <p:nvSpPr>
+          <p:cNvPr id="3" name="Content Placeholder 2"/>
+          <p:cNvSpPr>
+            <a:spLocks noGrp="1"/>
+          </p:cNvSpPr>
+          <p:nvPr>
+            <p:ph idx="1"/>
+          </p:nvPr>
+        </p:nvSpPr>
+        <p:spPr/>
+        <p:txBody>
+          <a:bodyPr/>
+          <a:lstStyle/>
+          <a:p>
+            <a:endParaRPr lang="en-US"/>
+          </a:p>
+        </p:txBody>
+      </p:sp>
+      <p:sp>
+        <p:nvSpPr>
+          <p:cNvPr id="4" name="Title 1"/>
+          <p:cNvSpPr>
+            <a:spLocks noGrp="1"/>
+          </p:cNvSpPr>
+          <p:nvPr>
+            <p:ph type="title"/>
+          </p:nvPr>
+        </p:nvSpPr>
+        <p:spPr>
+          <a:xfrm>
+            <a:off x="762000" y="152400"/>
+            <a:ext cx="7772400" cy="1143000"/>
+          </a:xfrm>
+        </p:spPr>
+        <p:txBody>
+          <a:bodyPr/>
+          <a:lstStyle/>
+          <a:p>
+            <a:r>
+              <a:rPr lang="en-US" dirty="0" smtClean="0"/>
+              <a:t>Sending Information</a:t>
+            </a:r>
+            <a:endParaRPr lang="en-US" dirty="0"/>
+          </a:p>
+        </p:txBody>
+      </p:sp>
+      <p:pic>
+        <p:nvPicPr>
+          <p:cNvPr id="25602" name="Picture 2"/>
+          <p:cNvPicPr>
+            <a:picLocks noChangeAspect="1" noChangeArrowheads="1"/>
+          </p:cNvPicPr>
+          <p:nvPr/>
+        </p:nvPicPr>
+        <p:blipFill>
+          <a:blip r:embed="rId2" cstate="print"/>
+          <a:srcRect/>
+          <a:stretch>
+            <a:fillRect/>
+          </a:stretch>
+        </p:blipFill>
+        <p:spPr bwMode="auto">
+          <a:xfrm>
+            <a:off x="152400" y="1447800"/>
+            <a:ext cx="8915400" cy="5072150"/>
+          </a:xfrm>
+          <a:prstGeom prst="rect">
+            <a:avLst/>
+          </a:prstGeom>
+          <a:noFill/>
+          <a:ln w="9525">
+            <a:noFill/>
+            <a:miter lim="800000"/>
+            <a:headEnd/>
+            <a:tailEnd/>
+          </a:ln>
+        </p:spPr>
+      </p:pic>
+    </p:spTree>
+  </p:cSld>
+  <p:clrMapOvr>
+    <a:masterClrMapping/>
+  </p:clrMapOvr>
+</p:sld>
+</file>
+
+<file path=ppt/slides/slide31.xml><?xml version="1.0" encoding="utf-8"?>
+<p:sld xmlns:a="http://schemas.openxmlformats.org/drawingml/2006/main" xmlns:r="http://schemas.openxmlformats.org/officeDocument/2006/relationships" xmlns:p="http://schemas.openxmlformats.org/presentationml/2006/main">
+  <p:cSld>
+    <p:spTree>
+      <p:nvGrpSpPr>
+        <p:cNvPr id="1" name=""/>
+        <p:cNvGrpSpPr/>
+        <p:nvPr/>
+      </p:nvGrpSpPr>
+      <p:grpSpPr>
+        <a:xfrm>
+          <a:off x="0" y="0"/>
+          <a:ext cx="0" cy="0"/>
+          <a:chOff x="0" y="0"/>
+          <a:chExt cx="0" cy="0"/>
+        </a:xfrm>
+      </p:grpSpPr>
+      <p:sp>
+        <p:nvSpPr>
+          <p:cNvPr id="12290" name="Title 1"/>
+          <p:cNvSpPr>
+            <a:spLocks noGrp="1"/>
+          </p:cNvSpPr>
+          <p:nvPr>
+            <p:ph type="title"/>
+          </p:nvPr>
+        </p:nvSpPr>
+        <p:spPr/>
+        <p:txBody>
+          <a:bodyPr/>
+          <a:lstStyle/>
+          <a:p>
+            <a:r>
+              <a:rPr lang="en-GB" altLang="en-US" smtClean="0"/>
+              <a:t>Summary</a:t>
+            </a:r>
+          </a:p>
+        </p:txBody>
+      </p:sp>
+      <p:sp>
+        <p:nvSpPr>
+          <p:cNvPr id="12291" name="Content Placeholder 2"/>
+          <p:cNvSpPr>
+            <a:spLocks noGrp="1"/>
+          </p:cNvSpPr>
+          <p:nvPr>
+            <p:ph idx="1"/>
+          </p:nvPr>
+        </p:nvSpPr>
+        <p:spPr/>
+        <p:txBody>
+          <a:bodyPr/>
+          <a:lstStyle/>
+          <a:p>
+            <a:r>
+              <a:rPr lang="en-GB" altLang="en-US" dirty="0" smtClean="0"/>
+              <a:t>Essential Java </a:t>
+            </a:r>
+            <a:r>
+              <a:rPr lang="en-GB" altLang="en-US" dirty="0" smtClean="0"/>
+              <a:t>Networking</a:t>
+            </a:r>
+          </a:p>
+          <a:p>
+            <a:pPr lvl="1"/>
+            <a:r>
+              <a:rPr lang="en-GB" altLang="en-US" dirty="0" smtClean="0"/>
+              <a:t>Ports/IP/Sending/Receiving Data</a:t>
+            </a:r>
+          </a:p>
+          <a:p>
+            <a:pPr lvl="1"/>
+            <a:r>
+              <a:rPr lang="en-GB" altLang="en-US" dirty="0" smtClean="0"/>
+              <a:t>Java Implementation Examples</a:t>
+            </a:r>
+            <a:endParaRPr lang="en-GB" altLang="en-US" dirty="0" smtClean="0"/>
+          </a:p>
+          <a:p>
+            <a:r>
+              <a:rPr lang="en-GB" altLang="en-US" dirty="0" smtClean="0"/>
+              <a:t>Hands-On/Practical</a:t>
+            </a:r>
+          </a:p>
+          <a:p>
+            <a:r>
+              <a:rPr lang="en-GB" altLang="en-US" dirty="0" smtClean="0"/>
+              <a:t>Today is about becoming basic Java Networking</a:t>
+            </a:r>
+          </a:p>
+        </p:txBody>
+      </p:sp>
+    </p:spTree>
+  </p:cSld>
+  <p:clrMapOvr>
+    <a:masterClrMapping/>
+  </p:clrMapOvr>
+  <p:timing>
+    <p:tnLst>
+      <p:par>
+        <p:cTn id="1" dur="indefinite" restart="never" nodeType="tmRoot"/>
+      </p:par>
+    </p:tnLst>
+  </p:timing>
+</p:sld>
+</file>
+
+<file path=ppt/slides/slide32.xml><?xml version="1.0" encoding="utf-8"?>
+<p:sld xmlns:a="http://schemas.openxmlformats.org/drawingml/2006/main" xmlns:r="http://schemas.openxmlformats.org/officeDocument/2006/relationships" xmlns:p="http://schemas.openxmlformats.org/presentationml/2006/main">
+  <p:cSld>
+    <p:spTree>
+      <p:nvGrpSpPr>
+        <p:cNvPr id="1" name=""/>
+        <p:cNvGrpSpPr/>
+        <p:nvPr/>
+      </p:nvGrpSpPr>
+      <p:grpSpPr>
+        <a:xfrm>
+          <a:off x="0" y="0"/>
+          <a:ext cx="0" cy="0"/>
+          <a:chOff x="0" y="0"/>
+          <a:chExt cx="0" cy="0"/>
+        </a:xfrm>
+      </p:grpSpPr>
+      <p:sp>
+        <p:nvSpPr>
+          <p:cNvPr id="11266" name="Title 1"/>
+          <p:cNvSpPr>
+            <a:spLocks noGrp="1"/>
+          </p:cNvSpPr>
+          <p:nvPr>
+            <p:ph type="title"/>
+          </p:nvPr>
+        </p:nvSpPr>
+        <p:spPr/>
+        <p:txBody>
+          <a:bodyPr/>
+          <a:lstStyle/>
+          <a:p>
+            <a:r>
+              <a:rPr lang="en-GB" altLang="en-US" smtClean="0"/>
+              <a:t>This Week</a:t>
+            </a:r>
+          </a:p>
+        </p:txBody>
+      </p:sp>
+      <p:sp>
+        <p:nvSpPr>
+          <p:cNvPr id="11267" name="Content Placeholder 2"/>
+          <p:cNvSpPr>
+            <a:spLocks noGrp="1"/>
+          </p:cNvSpPr>
+          <p:nvPr>
+            <p:ph idx="1"/>
+          </p:nvPr>
+        </p:nvSpPr>
+        <p:spPr/>
+        <p:txBody>
+          <a:bodyPr/>
+          <a:lstStyle/>
+          <a:p>
+            <a:r>
+              <a:rPr lang="en-GB" altLang="en-US" dirty="0" smtClean="0"/>
+              <a:t>Read Associated Chapters</a:t>
+            </a:r>
+          </a:p>
+          <a:p>
+            <a:r>
+              <a:rPr lang="en-GB" altLang="en-US" dirty="0" smtClean="0"/>
+              <a:t>Review Slides</a:t>
+            </a:r>
+          </a:p>
+          <a:p>
+            <a:r>
+              <a:rPr lang="en-GB" altLang="en-US" dirty="0" smtClean="0"/>
+              <a:t>Java </a:t>
+            </a:r>
+            <a:r>
+              <a:rPr lang="en-GB" altLang="en-US" dirty="0" smtClean="0"/>
+              <a:t>Exercises</a:t>
+            </a:r>
+          </a:p>
+          <a:p>
+            <a:r>
+              <a:rPr lang="en-GB" altLang="en-US" dirty="0" smtClean="0"/>
+              <a:t>Online Quizzes</a:t>
+            </a:r>
+          </a:p>
+          <a:p>
+            <a:pPr lvl="1"/>
+            <a:r>
+              <a:rPr lang="en-GB" altLang="en-US" dirty="0" smtClean="0"/>
+              <a:t>25</a:t>
+            </a:r>
+            <a:r>
+              <a:rPr lang="en-GB" altLang="en-US" baseline="30000" dirty="0" smtClean="0"/>
+              <a:t>th</a:t>
+            </a:r>
+            <a:r>
+              <a:rPr lang="en-GB" altLang="en-US" dirty="0" smtClean="0"/>
+              <a:t> December (Last Date)</a:t>
+            </a:r>
+          </a:p>
+          <a:p>
+            <a:r>
+              <a:rPr lang="en-GB" altLang="en-US" dirty="0" smtClean="0"/>
+              <a:t>Getting Ready Exam</a:t>
+            </a:r>
+            <a:endParaRPr lang="en-GB" altLang="en-US" dirty="0" smtClean="0"/>
+          </a:p>
+        </p:txBody>
+      </p:sp>
+    </p:spTree>
+  </p:cSld>
+  <p:clrMapOvr>
+    <a:masterClrMapping/>
+  </p:clrMapOvr>
+</p:sld>
+</file>
+
+<file path=ppt/slides/slide33.xml><?xml version="1.0" encoding="utf-8"?>
+<p:sld xmlns:a="http://schemas.openxmlformats.org/drawingml/2006/main" xmlns:r="http://schemas.openxmlformats.org/officeDocument/2006/relationships" xmlns:p="http://schemas.openxmlformats.org/presentationml/2006/main">
+  <p:cSld>
+    <p:spTree>
+      <p:nvGrpSpPr>
+        <p:cNvPr id="1" name=""/>
+        <p:cNvGrpSpPr/>
+        <p:nvPr/>
+      </p:nvGrpSpPr>
+      <p:grpSpPr>
+        <a:xfrm>
+          <a:off x="0" y="0"/>
+          <a:ext cx="0" cy="0"/>
+          <a:chOff x="0" y="0"/>
+          <a:chExt cx="0" cy="0"/>
+        </a:xfrm>
+      </p:grpSpPr>
+      <p:sp>
+        <p:nvSpPr>
+          <p:cNvPr id="2" name="Title 1"/>
+          <p:cNvSpPr>
+            <a:spLocks noGrp="1"/>
+          </p:cNvSpPr>
+          <p:nvPr>
+            <p:ph type="title"/>
+          </p:nvPr>
+        </p:nvSpPr>
+        <p:spPr/>
+        <p:txBody>
+          <a:bodyPr/>
+          <a:lstStyle/>
+          <a:p>
+            <a:r>
+              <a:rPr lang="en-US" dirty="0" smtClean="0"/>
+              <a:t>Today’s Exercises</a:t>
+            </a:r>
+            <a:endParaRPr lang="en-US" dirty="0"/>
+          </a:p>
+        </p:txBody>
+      </p:sp>
+      <p:sp>
+        <p:nvSpPr>
+          <p:cNvPr id="3" name="Content Placeholder 2"/>
+          <p:cNvSpPr>
+            <a:spLocks noGrp="1"/>
+          </p:cNvSpPr>
+          <p:nvPr>
+            <p:ph idx="1"/>
+          </p:nvPr>
+        </p:nvSpPr>
+        <p:spPr/>
+        <p:txBody>
+          <a:bodyPr/>
+          <a:lstStyle/>
+          <a:p>
+            <a:r>
+              <a:rPr lang="en-US" sz="3600" b="1" dirty="0" smtClean="0"/>
+              <a:t>Chapter 30 – Exercise 30.1</a:t>
+            </a:r>
+          </a:p>
+          <a:p>
+            <a:pPr>
+              <a:buNone/>
+            </a:pPr>
+            <a:endParaRPr lang="en-US" dirty="0" smtClean="0"/>
+          </a:p>
+          <a:p>
+            <a:pPr>
+              <a:buNone/>
+            </a:pPr>
+            <a:endParaRPr lang="en-US" dirty="0" smtClean="0"/>
+          </a:p>
+          <a:p>
+            <a:pPr>
+              <a:buNone/>
+            </a:pPr>
+            <a:r>
+              <a:rPr lang="en-US" dirty="0" smtClean="0"/>
+              <a:t>Opportunity to review/revisit previous chapters</a:t>
+            </a:r>
+          </a:p>
+          <a:p>
+            <a:pPr>
+              <a:buNone/>
+            </a:pPr>
+            <a:r>
+              <a:rPr lang="en-US" dirty="0" smtClean="0"/>
+              <a:t>Solid understanding each of </a:t>
+            </a:r>
+            <a:r>
+              <a:rPr lang="en-US" smtClean="0"/>
+              <a:t>the concepts</a:t>
+            </a:r>
+            <a:endParaRPr lang="en-US" dirty="0" smtClean="0"/>
+          </a:p>
+        </p:txBody>
+      </p:sp>
+    </p:spTree>
+  </p:cSld>
+  <p:clrMapOvr>
+    <a:masterClrMapping/>
+  </p:clrMapOvr>
+</p:sld>
+</file>
+
+<file path=ppt/slides/slide34.xml><?xml version="1.0" encoding="utf-8"?>
+<p:sld xmlns:a="http://schemas.openxmlformats.org/drawingml/2006/main" xmlns:r="http://schemas.openxmlformats.org/officeDocument/2006/relationships" xmlns:p="http://schemas.openxmlformats.org/presentationml/2006/main">
+  <p:cSld>
+    <p:bg>
+      <p:bgPr>
+        <a:blipFill dpi="0" rotWithShape="1">
+          <a:blip r:embed="rId2" cstate="print">
+            <a:lum/>
+          </a:blip>
+          <a:srcRect/>
+          <a:stretch>
+            <a:fillRect/>
+          </a:stretch>
+        </a:blipFill>
+        <a:effectLst/>
+      </p:bgPr>
+    </p:bg>
+    <p:spTree>
+      <p:nvGrpSpPr>
+        <p:cNvPr id="1" name=""/>
+        <p:cNvGrpSpPr/>
+        <p:nvPr/>
+      </p:nvGrpSpPr>
+      <p:grpSpPr>
+        <a:xfrm>
+          <a:off x="0" y="0"/>
+          <a:ext cx="0" cy="0"/>
+          <a:chOff x="0" y="0"/>
+          <a:chExt cx="0" cy="0"/>
+        </a:xfrm>
+      </p:grpSpPr>
+      <p:sp>
+        <p:nvSpPr>
+          <p:cNvPr id="5" name="Rectangle 4"/>
+          <p:cNvSpPr/>
+          <p:nvPr/>
+        </p:nvSpPr>
+        <p:spPr>
+          <a:xfrm>
+            <a:off x="76200" y="5867400"/>
+            <a:ext cx="2552943" cy="923330"/>
+          </a:xfrm>
+          <a:prstGeom prst="rect">
+            <a:avLst/>
+          </a:prstGeom>
+          <a:noFill/>
+        </p:spPr>
+        <p:txBody>
+          <a:bodyPr wrap="none" lIns="91440" tIns="45720" rIns="91440" bIns="45720">
+            <a:spAutoFit/>
+          </a:bodyPr>
+          <a:lstStyle/>
+          <a:p>
+            <a:pPr algn="ctr"/>
+            <a:r>
+              <a:rPr lang="en-US" sz="5400" dirty="0" smtClean="0">
+                <a:ln w="18415" cmpd="sng">
+                  <a:solidFill>
+                    <a:srgbClr val="FFFFFF"/>
+                  </a:solidFill>
+                  <a:prstDash val="solid"/>
+                </a:ln>
+                <a:solidFill>
+                  <a:srgbClr val="FFFFFF"/>
+                </a:solidFill>
+                <a:effectLst>
+                  <a:outerShdw blurRad="63500" dir="3600000" algn="tl" rotWithShape="0">
+                    <a:srgbClr val="000000">
+                      <a:alpha val="70000"/>
+                    </a:srgbClr>
+                  </a:outerShdw>
+                </a:effectLst>
+              </a:rPr>
+              <a:t>Warning</a:t>
+            </a:r>
+            <a:endParaRPr lang="en-US" sz="5400" b="0" cap="none" spc="0" dirty="0">
+              <a:ln w="18415" cmpd="sng">
+                <a:solidFill>
+                  <a:srgbClr val="FFFFFF"/>
+                </a:solidFill>
+                <a:prstDash val="solid"/>
+              </a:ln>
+              <a:solidFill>
+                <a:srgbClr val="FFFFFF"/>
+              </a:solidFill>
+              <a:effectLst>
+                <a:outerShdw blurRad="63500" dir="3600000" algn="tl" rotWithShape="0">
+                  <a:srgbClr val="000000">
+                    <a:alpha val="70000"/>
+                  </a:srgbClr>
+                </a:outerShdw>
+              </a:effectLst>
+            </a:endParaRPr>
+          </a:p>
+        </p:txBody>
+      </p:sp>
+    </p:spTree>
+  </p:cSld>
+  <p:clrMapOvr>
+    <a:masterClrMapping/>
+  </p:clrMapOvr>
+</p:sld>
+</file>
+
+<file path=ppt/slides/slide35.xml><?xml version="1.0" encoding="utf-8"?>
+<p:sld xmlns:a="http://schemas.openxmlformats.org/drawingml/2006/main" xmlns:r="http://schemas.openxmlformats.org/officeDocument/2006/relationships" xmlns:p="http://schemas.openxmlformats.org/presentationml/2006/main">
+  <p:cSld>
+    <p:spTree>
+      <p:nvGrpSpPr>
+        <p:cNvPr id="1" name=""/>
+        <p:cNvGrpSpPr/>
+        <p:nvPr/>
+      </p:nvGrpSpPr>
+      <p:grpSpPr>
+        <a:xfrm>
+          <a:off x="0" y="0"/>
+          <a:ext cx="0" cy="0"/>
+          <a:chOff x="0" y="0"/>
+          <a:chExt cx="0" cy="0"/>
+        </a:xfrm>
+      </p:grpSpPr>
+      <p:sp>
+        <p:nvSpPr>
+          <p:cNvPr id="13314" name="Title 1"/>
+          <p:cNvSpPr>
+            <a:spLocks noGrp="1"/>
+          </p:cNvSpPr>
+          <p:nvPr>
+            <p:ph type="title"/>
+          </p:nvPr>
+        </p:nvSpPr>
+        <p:spPr/>
+        <p:txBody>
+          <a:bodyPr/>
+          <a:lstStyle/>
+          <a:p>
+            <a:pPr eaLnBrk="1" hangingPunct="1"/>
+            <a:r>
+              <a:rPr lang="en-GB" altLang="en-US" smtClean="0"/>
+              <a:t>Questions/Discussion</a:t>
+            </a:r>
+          </a:p>
+        </p:txBody>
+      </p:sp>
+      <p:sp>
+        <p:nvSpPr>
+          <p:cNvPr id="13315" name="Content Placeholder 2"/>
+          <p:cNvSpPr>
+            <a:spLocks noGrp="1"/>
+          </p:cNvSpPr>
+          <p:nvPr>
+            <p:ph idx="1"/>
+          </p:nvPr>
+        </p:nvSpPr>
+        <p:spPr/>
+        <p:txBody>
+          <a:bodyPr/>
+          <a:lstStyle/>
+          <a:p>
+            <a:pPr eaLnBrk="1" hangingPunct="1"/>
+            <a:endParaRPr lang="en-GB" altLang="en-US" smtClean="0"/>
+          </a:p>
+        </p:txBody>
+      </p:sp>
+    </p:spTree>
+  </p:cSld>
+  <p:clrMapOvr>
+    <a:masterClrMapping/>
+  </p:clrMapOvr>
+  <p:timing>
+    <p:tnLst>
+      <p:par>
+        <p:cTn id="1" dur="indefinite" restart="never" nodeType="tmRoot"/>
+      </p:par>
+    </p:tnLst>
+  </p:timing>
 </p:sld>
 </file>
 
@@ -4058,7 +7010,7 @@
       </p:grpSpPr>
       <p:sp>
         <p:nvSpPr>
-          <p:cNvPr id="11266" name="Title 1"/>
+          <p:cNvPr id="2" name="Title 1"/>
           <p:cNvSpPr>
             <a:spLocks noGrp="1"/>
           </p:cNvSpPr>
@@ -4072,15 +7024,16 @@
           <a:lstStyle/>
           <a:p>
             <a:r>
-              <a:rPr lang="en-GB" altLang="en-US" smtClean="0"/>
-              <a:t>This Week</a:t>
-            </a:r>
-          </a:p>
-        </p:txBody>
-      </p:sp>
-      <p:sp>
-        <p:nvSpPr>
-          <p:cNvPr id="11267" name="Content Placeholder 2"/>
+              <a:rPr lang="en-US" dirty="0" smtClean="0"/>
+              <a:t>Why is Networking Important?</a:t>
+            </a:r>
+            <a:endParaRPr lang="en-US" dirty="0"/>
+          </a:p>
+        </p:txBody>
+      </p:sp>
+      <p:sp>
+        <p:nvSpPr>
+          <p:cNvPr id="3" name="Content Placeholder 2"/>
           <p:cNvSpPr>
             <a:spLocks noGrp="1"/>
           </p:cNvSpPr>
@@ -4093,27 +7046,7 @@
           <a:bodyPr/>
           <a:lstStyle/>
           <a:p>
-            <a:r>
-              <a:rPr lang="en-GB" altLang="en-US" dirty="0" smtClean="0"/>
-              <a:t>Read </a:t>
-            </a:r>
-            <a:r>
-              <a:rPr lang="en-GB" altLang="en-US" dirty="0" smtClean="0"/>
-              <a:t>Associated Chapters</a:t>
-            </a:r>
-            <a:endParaRPr lang="en-GB" altLang="en-US" dirty="0" smtClean="0"/>
-          </a:p>
-          <a:p>
-            <a:r>
-              <a:rPr lang="en-GB" altLang="en-US" dirty="0" smtClean="0"/>
-              <a:t>Review Slides</a:t>
-            </a:r>
-          </a:p>
-          <a:p>
-            <a:r>
-              <a:rPr lang="en-GB" altLang="en-US" dirty="0" smtClean="0"/>
-              <a:t>Java Exercises</a:t>
-            </a:r>
+            <a:endParaRPr lang="en-US"/>
           </a:p>
         </p:txBody>
       </p:sp>
@@ -4144,7 +7077,7 @@
       </p:grpSpPr>
       <p:sp>
         <p:nvSpPr>
-          <p:cNvPr id="12290" name="Title 1"/>
+          <p:cNvPr id="2" name="Title 1"/>
           <p:cNvSpPr>
             <a:spLocks noGrp="1"/>
           </p:cNvSpPr>
@@ -4152,78 +7085,80 @@
             <p:ph type="title"/>
           </p:nvPr>
         </p:nvSpPr>
+        <p:spPr>
+          <a:xfrm>
+            <a:off x="685800" y="228600"/>
+            <a:ext cx="7772400" cy="1143000"/>
+          </a:xfrm>
+        </p:spPr>
+        <p:txBody>
+          <a:bodyPr/>
+          <a:lstStyle/>
+          <a:p>
+            <a:r>
+              <a:rPr lang="en-US" dirty="0" smtClean="0"/>
+              <a:t>Networking Basics</a:t>
+            </a:r>
+            <a:endParaRPr lang="en-US" dirty="0"/>
+          </a:p>
+        </p:txBody>
+      </p:sp>
+      <p:sp>
+        <p:nvSpPr>
+          <p:cNvPr id="3" name="Content Placeholder 2"/>
+          <p:cNvSpPr>
+            <a:spLocks noGrp="1"/>
+          </p:cNvSpPr>
+          <p:nvPr>
+            <p:ph idx="1"/>
+          </p:nvPr>
+        </p:nvSpPr>
         <p:spPr/>
         <p:txBody>
           <a:bodyPr/>
           <a:lstStyle/>
           <a:p>
-            <a:r>
-              <a:rPr lang="en-GB" altLang="en-US" smtClean="0"/>
-              <a:t>Summary</a:t>
-            </a:r>
-          </a:p>
-        </p:txBody>
-      </p:sp>
-      <p:sp>
-        <p:nvSpPr>
-          <p:cNvPr id="12291" name="Content Placeholder 2"/>
-          <p:cNvSpPr>
-            <a:spLocks noGrp="1"/>
-          </p:cNvSpPr>
-          <p:nvPr>
-            <p:ph idx="1"/>
-          </p:nvPr>
-        </p:nvSpPr>
-        <p:spPr/>
-        <p:txBody>
-          <a:bodyPr/>
-          <a:lstStyle/>
-          <a:p>
-            <a:r>
-              <a:rPr lang="en-GB" altLang="en-US" dirty="0" smtClean="0"/>
-              <a:t>Essential </a:t>
-            </a:r>
-            <a:r>
-              <a:rPr lang="en-GB" altLang="en-US" dirty="0" smtClean="0"/>
-              <a:t>Java </a:t>
-            </a:r>
-            <a:r>
-              <a:rPr lang="en-GB" altLang="en-US" dirty="0" smtClean="0"/>
-              <a:t>Networking</a:t>
-            </a:r>
-            <a:endParaRPr lang="en-GB" altLang="en-US" dirty="0" smtClean="0"/>
-          </a:p>
-          <a:p>
-            <a:r>
-              <a:rPr lang="en-GB" altLang="en-US" dirty="0" smtClean="0"/>
-              <a:t>Hands-On/Practical</a:t>
-            </a:r>
-          </a:p>
-          <a:p>
-            <a:r>
-              <a:rPr lang="en-GB" altLang="en-US" dirty="0" smtClean="0"/>
-              <a:t>Today is about </a:t>
-            </a:r>
-            <a:r>
-              <a:rPr lang="en-GB" altLang="en-US" dirty="0" smtClean="0"/>
-              <a:t>becoming basic Java Networking</a:t>
-            </a:r>
-            <a:endParaRPr lang="en-GB" altLang="en-US" dirty="0" smtClean="0"/>
-          </a:p>
-        </p:txBody>
-      </p:sp>
+            <a:endParaRPr lang="en-US"/>
+          </a:p>
+        </p:txBody>
+      </p:sp>
+      <p:pic>
+        <p:nvPicPr>
+          <p:cNvPr id="1026" name="Picture 2"/>
+          <p:cNvPicPr>
+            <a:picLocks noChangeAspect="1" noChangeArrowheads="1"/>
+          </p:cNvPicPr>
+          <p:nvPr/>
+        </p:nvPicPr>
+        <p:blipFill>
+          <a:blip r:embed="rId2" cstate="print"/>
+          <a:srcRect/>
+          <a:stretch>
+            <a:fillRect/>
+          </a:stretch>
+        </p:blipFill>
+        <p:spPr bwMode="auto">
+          <a:xfrm>
+            <a:off x="9525" y="1409700"/>
+            <a:ext cx="9134475" cy="5448300"/>
+          </a:xfrm>
+          <a:prstGeom prst="rect">
+            <a:avLst/>
+          </a:prstGeom>
+          <a:noFill/>
+          <a:ln w="9525">
+            <a:noFill/>
+            <a:miter lim="800000"/>
+            <a:headEnd/>
+            <a:tailEnd/>
+          </a:ln>
+        </p:spPr>
+      </p:pic>
     </p:spTree>
   </p:cSld>
   <p:clrMapOvr>
     <a:masterClrMapping/>
   </p:clrMapOvr>
-  <p:timing>
-    <p:tnLst>
-      <p:par>
-        <p:cTn id="1" dur="indefinite" restart="never" nodeType="tmRoot"/>
-      </p:par>
-    </p:tnLst>
-  </p:timing>
 </p:sld>
 </file>
 
@@ -4246,7 +7181,7 @@
       </p:grpSpPr>
       <p:sp>
         <p:nvSpPr>
-          <p:cNvPr id="13314" name="Title 1"/>
+          <p:cNvPr id="2" name="Title 1"/>
           <p:cNvSpPr>
             <a:spLocks noGrp="1"/>
           </p:cNvSpPr>
@@ -4254,51 +7189,392 @@
             <p:ph type="title"/>
           </p:nvPr>
         </p:nvSpPr>
+        <p:spPr>
+          <a:xfrm>
+            <a:off x="685800" y="152400"/>
+            <a:ext cx="7772400" cy="1143000"/>
+          </a:xfrm>
+        </p:spPr>
+        <p:txBody>
+          <a:bodyPr/>
+          <a:lstStyle/>
+          <a:p>
+            <a:r>
+              <a:rPr lang="en-US" dirty="0" smtClean="0"/>
+              <a:t>Networking Basics</a:t>
+            </a:r>
+            <a:endParaRPr lang="en-US" dirty="0"/>
+          </a:p>
+        </p:txBody>
+      </p:sp>
+      <p:sp>
+        <p:nvSpPr>
+          <p:cNvPr id="3" name="Content Placeholder 2"/>
+          <p:cNvSpPr>
+            <a:spLocks noGrp="1"/>
+          </p:cNvSpPr>
+          <p:nvPr>
+            <p:ph idx="1"/>
+          </p:nvPr>
+        </p:nvSpPr>
         <p:spPr/>
         <p:txBody>
           <a:bodyPr/>
           <a:lstStyle/>
           <a:p>
-            <a:pPr eaLnBrk="1" hangingPunct="1"/>
-            <a:r>
-              <a:rPr lang="en-GB" altLang="en-US" smtClean="0"/>
-              <a:t>Questions/Discussion</a:t>
-            </a:r>
-          </a:p>
-        </p:txBody>
-      </p:sp>
-      <p:sp>
-        <p:nvSpPr>
-          <p:cNvPr id="13315" name="Content Placeholder 2"/>
-          <p:cNvSpPr>
-            <a:spLocks noGrp="1"/>
-          </p:cNvSpPr>
-          <p:nvPr>
-            <p:ph idx="1"/>
-          </p:nvPr>
-        </p:nvSpPr>
-        <p:spPr/>
-        <p:txBody>
-          <a:bodyPr/>
-          <a:lstStyle/>
-          <a:p>
-            <a:pPr eaLnBrk="1" hangingPunct="1"/>
-            <a:endParaRPr lang="en-GB" altLang="en-US" smtClean="0"/>
-          </a:p>
-        </p:txBody>
-      </p:sp>
+            <a:endParaRPr lang="en-US"/>
+          </a:p>
+        </p:txBody>
+      </p:sp>
+      <p:pic>
+        <p:nvPicPr>
+          <p:cNvPr id="2050" name="Picture 2"/>
+          <p:cNvPicPr>
+            <a:picLocks noChangeAspect="1" noChangeArrowheads="1"/>
+          </p:cNvPicPr>
+          <p:nvPr/>
+        </p:nvPicPr>
+        <p:blipFill>
+          <a:blip r:embed="rId2" cstate="print"/>
+          <a:srcRect/>
+          <a:stretch>
+            <a:fillRect/>
+          </a:stretch>
+        </p:blipFill>
+        <p:spPr bwMode="auto">
+          <a:xfrm>
+            <a:off x="228600" y="1371600"/>
+            <a:ext cx="8695266" cy="5105400"/>
+          </a:xfrm>
+          <a:prstGeom prst="rect">
+            <a:avLst/>
+          </a:prstGeom>
+          <a:noFill/>
+          <a:ln w="9525">
+            <a:noFill/>
+            <a:miter lim="800000"/>
+            <a:headEnd/>
+            <a:tailEnd/>
+          </a:ln>
+        </p:spPr>
+      </p:pic>
     </p:spTree>
   </p:cSld>
   <p:clrMapOvr>
     <a:masterClrMapping/>
   </p:clrMapOvr>
-  <p:timing>
-    <p:tnLst>
-      <p:par>
-        <p:cTn id="1" dur="indefinite" restart="never" nodeType="tmRoot"/>
-      </p:par>
-    </p:tnLst>
-  </p:timing>
+</p:sld>
+</file>
+
+<file path=ppt/slides/slide7.xml><?xml version="1.0" encoding="utf-8"?>
+<p:sld xmlns:a="http://schemas.openxmlformats.org/drawingml/2006/main" xmlns:r="http://schemas.openxmlformats.org/officeDocument/2006/relationships" xmlns:p="http://schemas.openxmlformats.org/presentationml/2006/main">
+  <p:cSld>
+    <p:spTree>
+      <p:nvGrpSpPr>
+        <p:cNvPr id="1" name=""/>
+        <p:cNvGrpSpPr/>
+        <p:nvPr/>
+      </p:nvGrpSpPr>
+      <p:grpSpPr>
+        <a:xfrm>
+          <a:off x="0" y="0"/>
+          <a:ext cx="0" cy="0"/>
+          <a:chOff x="0" y="0"/>
+          <a:chExt cx="0" cy="0"/>
+        </a:xfrm>
+      </p:grpSpPr>
+      <p:sp>
+        <p:nvSpPr>
+          <p:cNvPr id="2" name="Title 1"/>
+          <p:cNvSpPr>
+            <a:spLocks noGrp="1"/>
+          </p:cNvSpPr>
+          <p:nvPr>
+            <p:ph type="title"/>
+          </p:nvPr>
+        </p:nvSpPr>
+        <p:spPr>
+          <a:xfrm>
+            <a:off x="609600" y="228600"/>
+            <a:ext cx="7772400" cy="1143000"/>
+          </a:xfrm>
+        </p:spPr>
+        <p:txBody>
+          <a:bodyPr/>
+          <a:lstStyle/>
+          <a:p>
+            <a:r>
+              <a:rPr lang="en-US" dirty="0" smtClean="0"/>
+              <a:t>Networking Basics</a:t>
+            </a:r>
+            <a:endParaRPr lang="en-US" dirty="0"/>
+          </a:p>
+        </p:txBody>
+      </p:sp>
+      <p:sp>
+        <p:nvSpPr>
+          <p:cNvPr id="3" name="Content Placeholder 2"/>
+          <p:cNvSpPr>
+            <a:spLocks noGrp="1"/>
+          </p:cNvSpPr>
+          <p:nvPr>
+            <p:ph idx="1"/>
+          </p:nvPr>
+        </p:nvSpPr>
+        <p:spPr/>
+        <p:txBody>
+          <a:bodyPr/>
+          <a:lstStyle/>
+          <a:p>
+            <a:endParaRPr lang="en-US"/>
+          </a:p>
+        </p:txBody>
+      </p:sp>
+      <p:pic>
+        <p:nvPicPr>
+          <p:cNvPr id="3074" name="Picture 2"/>
+          <p:cNvPicPr>
+            <a:picLocks noChangeAspect="1" noChangeArrowheads="1"/>
+          </p:cNvPicPr>
+          <p:nvPr/>
+        </p:nvPicPr>
+        <p:blipFill>
+          <a:blip r:embed="rId2" cstate="print"/>
+          <a:srcRect/>
+          <a:stretch>
+            <a:fillRect/>
+          </a:stretch>
+        </p:blipFill>
+        <p:spPr bwMode="auto">
+          <a:xfrm>
+            <a:off x="228600" y="1447800"/>
+            <a:ext cx="8763000" cy="4902200"/>
+          </a:xfrm>
+          <a:prstGeom prst="rect">
+            <a:avLst/>
+          </a:prstGeom>
+          <a:noFill/>
+          <a:ln w="9525">
+            <a:noFill/>
+            <a:miter lim="800000"/>
+            <a:headEnd/>
+            <a:tailEnd/>
+          </a:ln>
+        </p:spPr>
+      </p:pic>
+    </p:spTree>
+  </p:cSld>
+  <p:clrMapOvr>
+    <a:masterClrMapping/>
+  </p:clrMapOvr>
+</p:sld>
+</file>
+
+<file path=ppt/slides/slide8.xml><?xml version="1.0" encoding="utf-8"?>
+<p:sld xmlns:a="http://schemas.openxmlformats.org/drawingml/2006/main" xmlns:r="http://schemas.openxmlformats.org/officeDocument/2006/relationships" xmlns:p="http://schemas.openxmlformats.org/presentationml/2006/main">
+  <p:cSld>
+    <p:spTree>
+      <p:nvGrpSpPr>
+        <p:cNvPr id="1" name=""/>
+        <p:cNvGrpSpPr/>
+        <p:nvPr/>
+      </p:nvGrpSpPr>
+      <p:grpSpPr>
+        <a:xfrm>
+          <a:off x="0" y="0"/>
+          <a:ext cx="0" cy="0"/>
+          <a:chOff x="0" y="0"/>
+          <a:chExt cx="0" cy="0"/>
+        </a:xfrm>
+      </p:grpSpPr>
+      <p:sp>
+        <p:nvSpPr>
+          <p:cNvPr id="2" name="Title 1"/>
+          <p:cNvSpPr>
+            <a:spLocks noGrp="1"/>
+          </p:cNvSpPr>
+          <p:nvPr>
+            <p:ph type="title"/>
+          </p:nvPr>
+        </p:nvSpPr>
+        <p:spPr>
+          <a:xfrm>
+            <a:off x="685800" y="228600"/>
+            <a:ext cx="7772400" cy="1143000"/>
+          </a:xfrm>
+        </p:spPr>
+        <p:txBody>
+          <a:bodyPr/>
+          <a:lstStyle/>
+          <a:p>
+            <a:r>
+              <a:rPr lang="en-US" dirty="0" smtClean="0"/>
+              <a:t>Networking Basics</a:t>
+            </a:r>
+            <a:endParaRPr lang="en-US" dirty="0"/>
+          </a:p>
+        </p:txBody>
+      </p:sp>
+      <p:sp>
+        <p:nvSpPr>
+          <p:cNvPr id="3" name="Content Placeholder 2"/>
+          <p:cNvSpPr>
+            <a:spLocks noGrp="1"/>
+          </p:cNvSpPr>
+          <p:nvPr>
+            <p:ph idx="1"/>
+          </p:nvPr>
+        </p:nvSpPr>
+        <p:spPr/>
+        <p:txBody>
+          <a:bodyPr/>
+          <a:lstStyle/>
+          <a:p>
+            <a:endParaRPr lang="en-US"/>
+          </a:p>
+        </p:txBody>
+      </p:sp>
+      <p:pic>
+        <p:nvPicPr>
+          <p:cNvPr id="4098" name="Picture 2"/>
+          <p:cNvPicPr>
+            <a:picLocks noChangeAspect="1" noChangeArrowheads="1"/>
+          </p:cNvPicPr>
+          <p:nvPr/>
+        </p:nvPicPr>
+        <p:blipFill>
+          <a:blip r:embed="rId2" cstate="print"/>
+          <a:srcRect/>
+          <a:stretch>
+            <a:fillRect/>
+          </a:stretch>
+        </p:blipFill>
+        <p:spPr bwMode="auto">
+          <a:xfrm>
+            <a:off x="228600" y="1600200"/>
+            <a:ext cx="8763000" cy="4775835"/>
+          </a:xfrm>
+          <a:prstGeom prst="rect">
+            <a:avLst/>
+          </a:prstGeom>
+          <a:noFill/>
+          <a:ln w="9525">
+            <a:noFill/>
+            <a:miter lim="800000"/>
+            <a:headEnd/>
+            <a:tailEnd/>
+          </a:ln>
+        </p:spPr>
+      </p:pic>
+    </p:spTree>
+  </p:cSld>
+  <p:clrMapOvr>
+    <a:masterClrMapping/>
+  </p:clrMapOvr>
+</p:sld>
+</file>
+
+<file path=ppt/slides/slide9.xml><?xml version="1.0" encoding="utf-8"?>
+<p:sld xmlns:a="http://schemas.openxmlformats.org/drawingml/2006/main" xmlns:r="http://schemas.openxmlformats.org/officeDocument/2006/relationships" xmlns:p="http://schemas.openxmlformats.org/presentationml/2006/main">
+  <p:cSld>
+    <p:spTree>
+      <p:nvGrpSpPr>
+        <p:cNvPr id="1" name=""/>
+        <p:cNvGrpSpPr/>
+        <p:nvPr/>
+      </p:nvGrpSpPr>
+      <p:grpSpPr>
+        <a:xfrm>
+          <a:off x="0" y="0"/>
+          <a:ext cx="0" cy="0"/>
+          <a:chOff x="0" y="0"/>
+          <a:chExt cx="0" cy="0"/>
+        </a:xfrm>
+      </p:grpSpPr>
+      <p:sp>
+        <p:nvSpPr>
+          <p:cNvPr id="2" name="Title 1"/>
+          <p:cNvSpPr>
+            <a:spLocks noGrp="1"/>
+          </p:cNvSpPr>
+          <p:nvPr>
+            <p:ph type="title"/>
+          </p:nvPr>
+        </p:nvSpPr>
+        <p:spPr>
+          <a:xfrm>
+            <a:off x="685800" y="228600"/>
+            <a:ext cx="7772400" cy="1143000"/>
+          </a:xfrm>
+        </p:spPr>
+        <p:txBody>
+          <a:bodyPr/>
+          <a:lstStyle/>
+          <a:p>
+            <a:r>
+              <a:rPr lang="en-US" dirty="0" smtClean="0"/>
+              <a:t>Networking Basics</a:t>
+            </a:r>
+            <a:endParaRPr lang="en-US" dirty="0"/>
+          </a:p>
+        </p:txBody>
+      </p:sp>
+      <p:sp>
+        <p:nvSpPr>
+          <p:cNvPr id="3" name="Content Placeholder 2"/>
+          <p:cNvSpPr>
+            <a:spLocks noGrp="1"/>
+          </p:cNvSpPr>
+          <p:nvPr>
+            <p:ph idx="1"/>
+          </p:nvPr>
+        </p:nvSpPr>
+        <p:spPr/>
+        <p:txBody>
+          <a:bodyPr/>
+          <a:lstStyle/>
+          <a:p>
+            <a:endParaRPr lang="en-US"/>
+          </a:p>
+        </p:txBody>
+      </p:sp>
+      <p:pic>
+        <p:nvPicPr>
+          <p:cNvPr id="5122" name="Picture 2"/>
+          <p:cNvPicPr>
+            <a:picLocks noChangeAspect="1" noChangeArrowheads="1"/>
+          </p:cNvPicPr>
+          <p:nvPr/>
+        </p:nvPicPr>
+        <p:blipFill>
+          <a:blip r:embed="rId2" cstate="print"/>
+          <a:srcRect/>
+          <a:stretch>
+            <a:fillRect/>
+          </a:stretch>
+        </p:blipFill>
+        <p:spPr bwMode="auto">
+          <a:xfrm>
+            <a:off x="304800" y="1600200"/>
+            <a:ext cx="8610600" cy="4453759"/>
+          </a:xfrm>
+          <a:prstGeom prst="rect">
+            <a:avLst/>
+          </a:prstGeom>
+          <a:noFill/>
+          <a:ln w="9525">
+            <a:noFill/>
+            <a:miter lim="800000"/>
+            <a:headEnd/>
+            <a:tailEnd/>
+          </a:ln>
+        </p:spPr>
+      </p:pic>
+    </p:spTree>
+  </p:cSld>
+  <p:clrMapOvr>
+    <a:masterClrMapping/>
+  </p:clrMapOvr>
 </p:sld>
 </file>
 
@@ -4785,7 +8061,7 @@
   </a:extraClrSchemeLst>
   <a:extLst>
     <a:ext uri="{05A4C25C-085E-4340-85A3-A5531E510DB2}">
-      <thm15:themeFamily xmlns:thm15="http://schemas.microsoft.com/office/thememl/2012/main" name="Office Theme" id="{62F939B6-93AF-4DB8-9C6B-D6C7DFDC589F}" vid="{4A3C46E8-61CC-4603-A589-7422A47A8E4A}"/>
+      <thm15:themeFamily xmlns:thm15="http://schemas.microsoft.com/office/thememl/2012/main" xmlns="" name="Office Theme" id="{62F939B6-93AF-4DB8-9C6B-D6C7DFDC589F}" vid="{4A3C46E8-61CC-4603-A589-7422A47A8E4A}"/>
     </a:ext>
   </a:extLst>
 </a:theme>
@@ -4834,7 +8110,7 @@
     </a:clrScheme>
     <a:fontScheme name="Office">
       <a:majorFont>
-        <a:latin typeface="Calibri Light" panose="020F0302020204030204"/>
+        <a:latin typeface="Calibri Light"/>
         <a:ea typeface=""/>
         <a:cs typeface=""/>
         <a:font script="Jpan" typeface="ＭＳ Ｐゴシック"/>
@@ -4869,7 +8145,7 @@
         <a:font script="Geor" typeface="Sylfaen"/>
       </a:majorFont>
       <a:minorFont>
-        <a:latin typeface="Calibri" panose="020F0502020204030204"/>
+        <a:latin typeface="Calibri"/>
         <a:ea typeface=""/>
         <a:cs typeface=""/>
         <a:font script="Jpan" typeface="ＭＳ Ｐゴシック"/>
@@ -5046,7 +8322,7 @@
   <a:extraClrSchemeLst/>
   <a:extLst>
     <a:ext uri="{05A4C25C-085E-4340-85A3-A5531E510DB2}">
-      <thm15:themeFamily xmlns:thm15="http://schemas.microsoft.com/office/thememl/2012/main" name="Office Theme" id="{62F939B6-93AF-4DB8-9C6B-D6C7DFDC589F}" vid="{4A3C46E8-61CC-4603-A589-7422A47A8E4A}"/>
+      <thm15:themeFamily xmlns:thm15="http://schemas.microsoft.com/office/thememl/2012/main" xmlns="" name="Office Theme" id="{62F939B6-93AF-4DB8-9C6B-D6C7DFDC589F}" vid="{4A3C46E8-61CC-4603-A589-7422A47A8E4A}"/>
     </a:ext>
   </a:extLst>
 </a:theme>

--- a/OOP/lectures/120--Network.Programming.pptx
+++ b/OOP/lectures/120--Network.Programming.pptx
@@ -5,44 +5,46 @@
     <p:sldMasterId id="2147483648" r:id="rId1"/>
   </p:sldMasterIdLst>
   <p:notesMasterIdLst>
-    <p:notesMasterId r:id="rId37"/>
+    <p:notesMasterId r:id="rId39"/>
   </p:notesMasterIdLst>
   <p:sldIdLst>
     <p:sldId id="267" r:id="rId2"/>
     <p:sldId id="274" r:id="rId3"/>
     <p:sldId id="276" r:id="rId4"/>
-    <p:sldId id="304" r:id="rId5"/>
-    <p:sldId id="280" r:id="rId6"/>
-    <p:sldId id="277" r:id="rId7"/>
-    <p:sldId id="278" r:id="rId8"/>
-    <p:sldId id="281" r:id="rId9"/>
-    <p:sldId id="282" r:id="rId10"/>
-    <p:sldId id="283" r:id="rId11"/>
-    <p:sldId id="284" r:id="rId12"/>
-    <p:sldId id="285" r:id="rId13"/>
-    <p:sldId id="286" r:id="rId14"/>
-    <p:sldId id="287" r:id="rId15"/>
-    <p:sldId id="289" r:id="rId16"/>
-    <p:sldId id="288" r:id="rId17"/>
-    <p:sldId id="290" r:id="rId18"/>
-    <p:sldId id="279" r:id="rId19"/>
-    <p:sldId id="293" r:id="rId20"/>
-    <p:sldId id="291" r:id="rId21"/>
-    <p:sldId id="292" r:id="rId22"/>
-    <p:sldId id="294" r:id="rId23"/>
-    <p:sldId id="296" r:id="rId24"/>
-    <p:sldId id="297" r:id="rId25"/>
-    <p:sldId id="299" r:id="rId26"/>
-    <p:sldId id="300" r:id="rId27"/>
-    <p:sldId id="298" r:id="rId28"/>
-    <p:sldId id="301" r:id="rId29"/>
-    <p:sldId id="302" r:id="rId30"/>
-    <p:sldId id="303" r:id="rId31"/>
-    <p:sldId id="272" r:id="rId32"/>
-    <p:sldId id="275" r:id="rId33"/>
-    <p:sldId id="305" r:id="rId34"/>
-    <p:sldId id="306" r:id="rId35"/>
-    <p:sldId id="268" r:id="rId36"/>
+    <p:sldId id="307" r:id="rId5"/>
+    <p:sldId id="308" r:id="rId6"/>
+    <p:sldId id="304" r:id="rId7"/>
+    <p:sldId id="280" r:id="rId8"/>
+    <p:sldId id="277" r:id="rId9"/>
+    <p:sldId id="278" r:id="rId10"/>
+    <p:sldId id="281" r:id="rId11"/>
+    <p:sldId id="282" r:id="rId12"/>
+    <p:sldId id="283" r:id="rId13"/>
+    <p:sldId id="284" r:id="rId14"/>
+    <p:sldId id="285" r:id="rId15"/>
+    <p:sldId id="286" r:id="rId16"/>
+    <p:sldId id="287" r:id="rId17"/>
+    <p:sldId id="289" r:id="rId18"/>
+    <p:sldId id="288" r:id="rId19"/>
+    <p:sldId id="290" r:id="rId20"/>
+    <p:sldId id="279" r:id="rId21"/>
+    <p:sldId id="293" r:id="rId22"/>
+    <p:sldId id="291" r:id="rId23"/>
+    <p:sldId id="292" r:id="rId24"/>
+    <p:sldId id="294" r:id="rId25"/>
+    <p:sldId id="296" r:id="rId26"/>
+    <p:sldId id="297" r:id="rId27"/>
+    <p:sldId id="299" r:id="rId28"/>
+    <p:sldId id="300" r:id="rId29"/>
+    <p:sldId id="298" r:id="rId30"/>
+    <p:sldId id="301" r:id="rId31"/>
+    <p:sldId id="302" r:id="rId32"/>
+    <p:sldId id="303" r:id="rId33"/>
+    <p:sldId id="272" r:id="rId34"/>
+    <p:sldId id="275" r:id="rId35"/>
+    <p:sldId id="305" r:id="rId36"/>
+    <p:sldId id="306" r:id="rId37"/>
+    <p:sldId id="268" r:id="rId38"/>
   </p:sldIdLst>
   <p:sldSz cx="9144000" cy="6858000" type="screen4x3"/>
   <p:notesSz cx="6858000" cy="9144000"/>
@@ -173,7 +175,7 @@
   </p:defaultTextStyle>
   <p:extLst>
     <p:ext uri="{EFAFB233-063F-42B5-8137-9DF3F51BA10A}">
-      <p15:sldGuideLst xmlns:p15="http://schemas.microsoft.com/office/powerpoint/2012/main" xmlns="">
+      <p15:sldGuideLst xmlns="" xmlns:p15="http://schemas.microsoft.com/office/powerpoint/2012/main">
         <p15:guide id="1" orient="horz" pos="2160">
           <p15:clr>
             <a:srgbClr val="A4A3A4"/>
@@ -240,14 +242,14 @@
           <a:effectLst/>
           <a:extLst>
             <a:ext uri="{909E8E84-426E-40DD-AFC4-6F175D3DCCD1}">
-              <a14:hiddenFill xmlns:a14="http://schemas.microsoft.com/office/drawing/2010/main" xmlns="">
+              <a14:hiddenFill xmlns="" xmlns:a14="http://schemas.microsoft.com/office/drawing/2010/main">
                 <a:solidFill>
                   <a:schemeClr val="accent1"/>
                 </a:solidFill>
               </a14:hiddenFill>
             </a:ext>
             <a:ext uri="{91240B29-F687-4F45-9708-019B960494DF}">
-              <a14:hiddenLine xmlns:a14="http://schemas.microsoft.com/office/drawing/2010/main" xmlns="" w="9525">
+              <a14:hiddenLine xmlns="" xmlns:a14="http://schemas.microsoft.com/office/drawing/2010/main" w="9525">
                 <a:solidFill>
                   <a:schemeClr val="tx1"/>
                 </a:solidFill>
@@ -257,7 +259,7 @@
               </a14:hiddenLine>
             </a:ext>
             <a:ext uri="{AF507438-7753-43E0-B8FC-AC1667EBCBE1}">
-              <a14:hiddenEffects xmlns:a14="http://schemas.microsoft.com/office/drawing/2010/main" xmlns="">
+              <a14:hiddenEffects xmlns="" xmlns:a14="http://schemas.microsoft.com/office/drawing/2010/main">
                 <a:effectLst>
                   <a:outerShdw dist="35921" dir="2700000" algn="ctr" rotWithShape="0">
                     <a:schemeClr val="bg2"/>
@@ -311,14 +313,14 @@
           <a:effectLst/>
           <a:extLst>
             <a:ext uri="{909E8E84-426E-40DD-AFC4-6F175D3DCCD1}">
-              <a14:hiddenFill xmlns:a14="http://schemas.microsoft.com/office/drawing/2010/main" xmlns="">
+              <a14:hiddenFill xmlns="" xmlns:a14="http://schemas.microsoft.com/office/drawing/2010/main">
                 <a:solidFill>
                   <a:schemeClr val="accent1"/>
                 </a:solidFill>
               </a14:hiddenFill>
             </a:ext>
             <a:ext uri="{91240B29-F687-4F45-9708-019B960494DF}">
-              <a14:hiddenLine xmlns:a14="http://schemas.microsoft.com/office/drawing/2010/main" xmlns="" w="9525">
+              <a14:hiddenLine xmlns="" xmlns:a14="http://schemas.microsoft.com/office/drawing/2010/main" w="9525">
                 <a:solidFill>
                   <a:schemeClr val="tx1"/>
                 </a:solidFill>
@@ -328,7 +330,7 @@
               </a14:hiddenLine>
             </a:ext>
             <a:ext uri="{AF507438-7753-43E0-B8FC-AC1667EBCBE1}">
-              <a14:hiddenEffects xmlns:a14="http://schemas.microsoft.com/office/drawing/2010/main" xmlns="">
+              <a14:hiddenEffects xmlns="" xmlns:a14="http://schemas.microsoft.com/office/drawing/2010/main">
                 <a:effectLst>
                   <a:outerShdw dist="35921" dir="2700000" algn="ctr" rotWithShape="0">
                     <a:schemeClr val="bg2"/>
@@ -387,14 +389,14 @@
           <a:effectLst/>
           <a:extLst>
             <a:ext uri="{909E8E84-426E-40DD-AFC4-6F175D3DCCD1}">
-              <a14:hiddenFill xmlns:a14="http://schemas.microsoft.com/office/drawing/2010/main" xmlns="">
+              <a14:hiddenFill xmlns="" xmlns:a14="http://schemas.microsoft.com/office/drawing/2010/main">
                 <a:solidFill>
                   <a:srgbClr val="FFFFFF"/>
                 </a:solidFill>
               </a14:hiddenFill>
             </a:ext>
             <a:ext uri="{AF507438-7753-43E0-B8FC-AC1667EBCBE1}">
-              <a14:hiddenEffects xmlns:a14="http://schemas.microsoft.com/office/drawing/2010/main" xmlns="">
+              <a14:hiddenEffects xmlns="" xmlns:a14="http://schemas.microsoft.com/office/drawing/2010/main">
                 <a:effectLst>
                   <a:outerShdw dist="35921" dir="2700000" algn="ctr" rotWithShape="0">
                     <a:srgbClr val="808080"/>
@@ -403,7 +405,7 @@
               </a14:hiddenEffects>
             </a:ext>
             <a:ext uri="{53640926-AAD7-44D8-BBD7-CCE9431645EC}">
-              <a14:shadowObscured xmlns:a14="http://schemas.microsoft.com/office/drawing/2010/main" xmlns="" val="1"/>
+              <a14:shadowObscured xmlns="" xmlns:a14="http://schemas.microsoft.com/office/drawing/2010/main" val="1"/>
             </a:ext>
           </a:extLst>
         </p:spPr>
@@ -433,14 +435,14 @@
           <a:effectLst/>
           <a:extLst>
             <a:ext uri="{909E8E84-426E-40DD-AFC4-6F175D3DCCD1}">
-              <a14:hiddenFill xmlns:a14="http://schemas.microsoft.com/office/drawing/2010/main" xmlns="">
+              <a14:hiddenFill xmlns="" xmlns:a14="http://schemas.microsoft.com/office/drawing/2010/main">
                 <a:solidFill>
                   <a:schemeClr val="accent1"/>
                 </a:solidFill>
               </a14:hiddenFill>
             </a:ext>
             <a:ext uri="{91240B29-F687-4F45-9708-019B960494DF}">
-              <a14:hiddenLine xmlns:a14="http://schemas.microsoft.com/office/drawing/2010/main" xmlns="" w="9525">
+              <a14:hiddenLine xmlns="" xmlns:a14="http://schemas.microsoft.com/office/drawing/2010/main" w="9525">
                 <a:solidFill>
                   <a:schemeClr val="tx1"/>
                 </a:solidFill>
@@ -450,7 +452,7 @@
               </a14:hiddenLine>
             </a:ext>
             <a:ext uri="{AF507438-7753-43E0-B8FC-AC1667EBCBE1}">
-              <a14:hiddenEffects xmlns:a14="http://schemas.microsoft.com/office/drawing/2010/main" xmlns="">
+              <a14:hiddenEffects xmlns="" xmlns:a14="http://schemas.microsoft.com/office/drawing/2010/main">
                 <a:effectLst>
                   <a:outerShdw dist="35921" dir="2700000" algn="ctr" rotWithShape="0">
                     <a:schemeClr val="bg2"/>
@@ -529,14 +531,14 @@
           <a:effectLst/>
           <a:extLst>
             <a:ext uri="{909E8E84-426E-40DD-AFC4-6F175D3DCCD1}">
-              <a14:hiddenFill xmlns:a14="http://schemas.microsoft.com/office/drawing/2010/main" xmlns="">
+              <a14:hiddenFill xmlns="" xmlns:a14="http://schemas.microsoft.com/office/drawing/2010/main">
                 <a:solidFill>
                   <a:schemeClr val="accent1"/>
                 </a:solidFill>
               </a14:hiddenFill>
             </a:ext>
             <a:ext uri="{91240B29-F687-4F45-9708-019B960494DF}">
-              <a14:hiddenLine xmlns:a14="http://schemas.microsoft.com/office/drawing/2010/main" xmlns="" w="9525">
+              <a14:hiddenLine xmlns="" xmlns:a14="http://schemas.microsoft.com/office/drawing/2010/main" w="9525">
                 <a:solidFill>
                   <a:schemeClr val="tx1"/>
                 </a:solidFill>
@@ -546,7 +548,7 @@
               </a14:hiddenLine>
             </a:ext>
             <a:ext uri="{AF507438-7753-43E0-B8FC-AC1667EBCBE1}">
-              <a14:hiddenEffects xmlns:a14="http://schemas.microsoft.com/office/drawing/2010/main" xmlns="">
+              <a14:hiddenEffects xmlns="" xmlns:a14="http://schemas.microsoft.com/office/drawing/2010/main">
                 <a:effectLst>
                   <a:outerShdw dist="35921" dir="2700000" algn="ctr" rotWithShape="0">
                     <a:schemeClr val="bg2"/>
@@ -600,14 +602,14 @@
           <a:effectLst/>
           <a:extLst>
             <a:ext uri="{909E8E84-426E-40DD-AFC4-6F175D3DCCD1}">
-              <a14:hiddenFill xmlns:a14="http://schemas.microsoft.com/office/drawing/2010/main" xmlns="">
+              <a14:hiddenFill xmlns="" xmlns:a14="http://schemas.microsoft.com/office/drawing/2010/main">
                 <a:solidFill>
                   <a:schemeClr val="accent1"/>
                 </a:solidFill>
               </a14:hiddenFill>
             </a:ext>
             <a:ext uri="{91240B29-F687-4F45-9708-019B960494DF}">
-              <a14:hiddenLine xmlns:a14="http://schemas.microsoft.com/office/drawing/2010/main" xmlns="" w="9525">
+              <a14:hiddenLine xmlns="" xmlns:a14="http://schemas.microsoft.com/office/drawing/2010/main" w="9525">
                 <a:solidFill>
                   <a:schemeClr val="tx1"/>
                 </a:solidFill>
@@ -617,7 +619,7 @@
               </a14:hiddenLine>
             </a:ext>
             <a:ext uri="{AF507438-7753-43E0-B8FC-AC1667EBCBE1}">
-              <a14:hiddenEffects xmlns:a14="http://schemas.microsoft.com/office/drawing/2010/main" xmlns="">
+              <a14:hiddenEffects xmlns="" xmlns:a14="http://schemas.microsoft.com/office/drawing/2010/main">
                 <a:effectLst>
                   <a:outerShdw dist="35921" dir="2700000" algn="ctr" rotWithShape="0">
                     <a:schemeClr val="bg2"/>
@@ -656,7 +658,7 @@
     </p:spTree>
     <p:extLst>
       <p:ext uri="{BB962C8B-B14F-4D97-AF65-F5344CB8AC3E}">
-        <p14:creationId xmlns:p14="http://schemas.microsoft.com/office/powerpoint/2010/main" xmlns="" val="2784209975"/>
+        <p14:creationId xmlns="" xmlns:p14="http://schemas.microsoft.com/office/powerpoint/2010/main" val="2784209975"/>
       </p:ext>
     </p:extLst>
   </p:cSld>
@@ -903,7 +905,7 @@
     </p:spTree>
     <p:extLst>
       <p:ext uri="{BB962C8B-B14F-4D97-AF65-F5344CB8AC3E}">
-        <p14:creationId xmlns:p14="http://schemas.microsoft.com/office/powerpoint/2010/main" xmlns="" val="3862144458"/>
+        <p14:creationId xmlns="" xmlns:p14="http://schemas.microsoft.com/office/powerpoint/2010/main" val="3862144458"/>
       </p:ext>
     </p:extLst>
   </p:cSld>
@@ -1040,7 +1042,7 @@
               <a:pPr>
                 <a:defRPr/>
               </a:pPr>
-              <a:t>12/17/2017</a:t>
+              <a:t>12/18/2017</a:t>
             </a:fld>
             <a:endParaRPr lang="en-US" altLang="en-US"/>
           </a:p>
@@ -1127,7 +1129,7 @@
     </p:spTree>
     <p:extLst>
       <p:ext uri="{BB962C8B-B14F-4D97-AF65-F5344CB8AC3E}">
-        <p14:creationId xmlns:p14="http://schemas.microsoft.com/office/powerpoint/2010/main" xmlns="" val="3307276447"/>
+        <p14:creationId xmlns="" xmlns:p14="http://schemas.microsoft.com/office/powerpoint/2010/main" val="3307276447"/>
       </p:ext>
     </p:extLst>
   </p:cSld>
@@ -1274,7 +1276,7 @@
               <a:pPr>
                 <a:defRPr/>
               </a:pPr>
-              <a:t>12/17/2017</a:t>
+              <a:t>12/18/2017</a:t>
             </a:fld>
             <a:endParaRPr lang="en-US" altLang="en-US"/>
           </a:p>
@@ -1361,7 +1363,7 @@
     </p:spTree>
     <p:extLst>
       <p:ext uri="{BB962C8B-B14F-4D97-AF65-F5344CB8AC3E}">
-        <p14:creationId xmlns:p14="http://schemas.microsoft.com/office/powerpoint/2010/main" xmlns="" val="658174240"/>
+        <p14:creationId xmlns="" xmlns:p14="http://schemas.microsoft.com/office/powerpoint/2010/main" val="658174240"/>
       </p:ext>
     </p:extLst>
   </p:cSld>
@@ -1466,7 +1468,7 @@
     </p:spTree>
     <p:extLst>
       <p:ext uri="{BB962C8B-B14F-4D97-AF65-F5344CB8AC3E}">
-        <p14:creationId xmlns:p14="http://schemas.microsoft.com/office/powerpoint/2010/main" xmlns="" val="4232445582"/>
+        <p14:creationId xmlns="" xmlns:p14="http://schemas.microsoft.com/office/powerpoint/2010/main" val="4232445582"/>
       </p:ext>
     </p:extLst>
   </p:cSld>
@@ -1593,7 +1595,7 @@
     </p:spTree>
     <p:extLst>
       <p:ext uri="{BB962C8B-B14F-4D97-AF65-F5344CB8AC3E}">
-        <p14:creationId xmlns:p14="http://schemas.microsoft.com/office/powerpoint/2010/main" xmlns="" val="1813496485"/>
+        <p14:creationId xmlns="" xmlns:p14="http://schemas.microsoft.com/office/powerpoint/2010/main" val="1813496485"/>
       </p:ext>
     </p:extLst>
   </p:cSld>
@@ -1760,7 +1762,7 @@
     </p:spTree>
     <p:extLst>
       <p:ext uri="{BB962C8B-B14F-4D97-AF65-F5344CB8AC3E}">
-        <p14:creationId xmlns:p14="http://schemas.microsoft.com/office/powerpoint/2010/main" xmlns="" val="2568790884"/>
+        <p14:creationId xmlns="" xmlns:p14="http://schemas.microsoft.com/office/powerpoint/2010/main" val="2568790884"/>
       </p:ext>
     </p:extLst>
   </p:cSld>
@@ -2062,7 +2064,7 @@
     </p:spTree>
     <p:extLst>
       <p:ext uri="{BB962C8B-B14F-4D97-AF65-F5344CB8AC3E}">
-        <p14:creationId xmlns:p14="http://schemas.microsoft.com/office/powerpoint/2010/main" xmlns="" val="1521996860"/>
+        <p14:creationId xmlns="" xmlns:p14="http://schemas.microsoft.com/office/powerpoint/2010/main" val="1521996860"/>
       </p:ext>
     </p:extLst>
   </p:cSld>
@@ -2147,7 +2149,7 @@
               <a:pPr>
                 <a:defRPr/>
               </a:pPr>
-              <a:t>12/17/2017</a:t>
+              <a:t>12/18/2017</a:t>
             </a:fld>
             <a:endParaRPr lang="en-US" altLang="en-US"/>
           </a:p>
@@ -2234,7 +2236,7 @@
     </p:spTree>
     <p:extLst>
       <p:ext uri="{BB962C8B-B14F-4D97-AF65-F5344CB8AC3E}">
-        <p14:creationId xmlns:p14="http://schemas.microsoft.com/office/powerpoint/2010/main" xmlns="" val="884269891"/>
+        <p14:creationId xmlns="" xmlns:p14="http://schemas.microsoft.com/office/powerpoint/2010/main" val="884269891"/>
       </p:ext>
     </p:extLst>
   </p:cSld>
@@ -2296,7 +2298,7 @@
               <a:pPr>
                 <a:defRPr/>
               </a:pPr>
-              <a:t>12/17/2017</a:t>
+              <a:t>12/18/2017</a:t>
             </a:fld>
             <a:endParaRPr lang="en-US" altLang="en-US"/>
           </a:p>
@@ -2383,7 +2385,7 @@
     </p:spTree>
     <p:extLst>
       <p:ext uri="{BB962C8B-B14F-4D97-AF65-F5344CB8AC3E}">
-        <p14:creationId xmlns:p14="http://schemas.microsoft.com/office/powerpoint/2010/main" xmlns="" val="2990749308"/>
+        <p14:creationId xmlns="" xmlns:p14="http://schemas.microsoft.com/office/powerpoint/2010/main" val="2990749308"/>
       </p:ext>
     </p:extLst>
   </p:cSld>
@@ -2627,7 +2629,7 @@
               <a:pPr>
                 <a:defRPr/>
               </a:pPr>
-              <a:t>12/17/2017</a:t>
+              <a:t>12/18/2017</a:t>
             </a:fld>
             <a:endParaRPr lang="en-US" altLang="en-US"/>
           </a:p>
@@ -2714,7 +2716,7 @@
     </p:spTree>
     <p:extLst>
       <p:ext uri="{BB962C8B-B14F-4D97-AF65-F5344CB8AC3E}">
-        <p14:creationId xmlns:p14="http://schemas.microsoft.com/office/powerpoint/2010/main" xmlns="" val="2796979965"/>
+        <p14:creationId xmlns="" xmlns:p14="http://schemas.microsoft.com/office/powerpoint/2010/main" val="2796979965"/>
       </p:ext>
     </p:extLst>
   </p:cSld>
@@ -2935,7 +2937,7 @@
               <a:pPr>
                 <a:defRPr/>
               </a:pPr>
-              <a:t>12/17/2017</a:t>
+              <a:t>12/18/2017</a:t>
             </a:fld>
             <a:endParaRPr lang="en-US" altLang="en-US"/>
           </a:p>
@@ -3022,7 +3024,7 @@
     </p:spTree>
     <p:extLst>
       <p:ext uri="{BB962C8B-B14F-4D97-AF65-F5344CB8AC3E}">
-        <p14:creationId xmlns:p14="http://schemas.microsoft.com/office/powerpoint/2010/main" xmlns="" val="3692303341"/>
+        <p14:creationId xmlns="" xmlns:p14="http://schemas.microsoft.com/office/powerpoint/2010/main" val="3692303341"/>
       </p:ext>
     </p:extLst>
   </p:cSld>
@@ -3082,14 +3084,14 @@
           <a:effectLst/>
           <a:extLst>
             <a:ext uri="{909E8E84-426E-40DD-AFC4-6F175D3DCCD1}">
-              <a14:hiddenFill xmlns:a14="http://schemas.microsoft.com/office/drawing/2010/main" xmlns="">
+              <a14:hiddenFill xmlns="" xmlns:a14="http://schemas.microsoft.com/office/drawing/2010/main">
                 <a:solidFill>
                   <a:schemeClr val="accent1"/>
                 </a:solidFill>
               </a14:hiddenFill>
             </a:ext>
             <a:ext uri="{91240B29-F687-4F45-9708-019B960494DF}">
-              <a14:hiddenLine xmlns:a14="http://schemas.microsoft.com/office/drawing/2010/main" xmlns="" w="9525">
+              <a14:hiddenLine xmlns="" xmlns:a14="http://schemas.microsoft.com/office/drawing/2010/main" w="9525">
                 <a:solidFill>
                   <a:schemeClr val="tx1"/>
                 </a:solidFill>
@@ -3099,7 +3101,7 @@
               </a14:hiddenLine>
             </a:ext>
             <a:ext uri="{AF507438-7753-43E0-B8FC-AC1667EBCBE1}">
-              <a14:hiddenEffects xmlns:a14="http://schemas.microsoft.com/office/drawing/2010/main" xmlns="">
+              <a14:hiddenEffects xmlns="" xmlns:a14="http://schemas.microsoft.com/office/drawing/2010/main">
                 <a:effectLst>
                   <a:outerShdw dist="35921" dir="2700000" algn="ctr" rotWithShape="0">
                     <a:schemeClr val="bg2"/>
@@ -3150,14 +3152,14 @@
           <a:effectLst/>
           <a:extLst>
             <a:ext uri="{909E8E84-426E-40DD-AFC4-6F175D3DCCD1}">
-              <a14:hiddenFill xmlns:a14="http://schemas.microsoft.com/office/drawing/2010/main" xmlns="">
+              <a14:hiddenFill xmlns="" xmlns:a14="http://schemas.microsoft.com/office/drawing/2010/main">
                 <a:solidFill>
                   <a:schemeClr val="accent1"/>
                 </a:solidFill>
               </a14:hiddenFill>
             </a:ext>
             <a:ext uri="{91240B29-F687-4F45-9708-019B960494DF}">
-              <a14:hiddenLine xmlns:a14="http://schemas.microsoft.com/office/drawing/2010/main" xmlns="" w="9525">
+              <a14:hiddenLine xmlns="" xmlns:a14="http://schemas.microsoft.com/office/drawing/2010/main" w="9525">
                 <a:solidFill>
                   <a:schemeClr val="tx1"/>
                 </a:solidFill>
@@ -3167,7 +3169,7 @@
               </a14:hiddenLine>
             </a:ext>
             <a:ext uri="{AF507438-7753-43E0-B8FC-AC1667EBCBE1}">
-              <a14:hiddenEffects xmlns:a14="http://schemas.microsoft.com/office/drawing/2010/main" xmlns="">
+              <a14:hiddenEffects xmlns="" xmlns:a14="http://schemas.microsoft.com/office/drawing/2010/main">
                 <a:effectLst>
                   <a:outerShdw dist="35921" dir="2700000" algn="ctr" rotWithShape="0">
                     <a:schemeClr val="bg2"/>
@@ -3716,14 +3718,14 @@
           </a:ln>
           <a:extLst>
             <a:ext uri="{909E8E84-426E-40DD-AFC4-6F175D3DCCD1}">
-              <a14:hiddenFill xmlns:a14="http://schemas.microsoft.com/office/drawing/2010/main" xmlns="">
+              <a14:hiddenFill xmlns="" xmlns:a14="http://schemas.microsoft.com/office/drawing/2010/main">
                 <a:solidFill>
                   <a:srgbClr val="FFFFFF"/>
                 </a:solidFill>
               </a14:hiddenFill>
             </a:ext>
             <a:ext uri="{91240B29-F687-4F45-9708-019B960494DF}">
-              <a14:hiddenLine xmlns:a14="http://schemas.microsoft.com/office/drawing/2010/main" xmlns="" w="9525">
+              <a14:hiddenLine xmlns="" xmlns:a14="http://schemas.microsoft.com/office/drawing/2010/main" w="9525">
                 <a:solidFill>
                   <a:srgbClr val="000000"/>
                 </a:solidFill>
@@ -3927,7 +3929,7 @@
         </p:nvSpPr>
         <p:spPr>
           <a:xfrm>
-            <a:off x="685800" y="152400"/>
+            <a:off x="685800" y="228600"/>
             <a:ext cx="7772400" cy="1143000"/>
           </a:xfrm>
         </p:spPr>
@@ -3964,7 +3966,7 @@
       </p:sp>
       <p:pic>
         <p:nvPicPr>
-          <p:cNvPr id="6146" name="Picture 2"/>
+          <p:cNvPr id="4098" name="Picture 2"/>
           <p:cNvPicPr>
             <a:picLocks noChangeAspect="1" noChangeArrowheads="1"/>
           </p:cNvPicPr>
@@ -3979,8 +3981,8 @@
         </p:blipFill>
         <p:spPr bwMode="auto">
           <a:xfrm>
-            <a:off x="228600" y="1676400"/>
-            <a:ext cx="8839200" cy="4672149"/>
+            <a:off x="228600" y="1600200"/>
+            <a:ext cx="8763000" cy="4775835"/>
           </a:xfrm>
           <a:prstGeom prst="rect">
             <a:avLst/>
@@ -4031,7 +4033,7 @@
         </p:nvSpPr>
         <p:spPr>
           <a:xfrm>
-            <a:off x="685800" y="152400"/>
+            <a:off x="685800" y="228600"/>
             <a:ext cx="7772400" cy="1143000"/>
           </a:xfrm>
         </p:spPr>
@@ -4041,7 +4043,7 @@
           <a:p>
             <a:r>
               <a:rPr lang="en-US" dirty="0" smtClean="0"/>
-              <a:t>Socket-Level Programming </a:t>
+              <a:t>Networking Basics</a:t>
             </a:r>
             <a:endParaRPr lang="en-US" dirty="0"/>
           </a:p>
@@ -4068,7 +4070,7 @@
       </p:sp>
       <p:pic>
         <p:nvPicPr>
-          <p:cNvPr id="7170" name="Picture 2"/>
+          <p:cNvPr id="5122" name="Picture 2"/>
           <p:cNvPicPr>
             <a:picLocks noChangeAspect="1" noChangeArrowheads="1"/>
           </p:cNvPicPr>
@@ -4083,8 +4085,8 @@
         </p:blipFill>
         <p:spPr bwMode="auto">
           <a:xfrm>
-            <a:off x="152400" y="1371600"/>
-            <a:ext cx="8818563" cy="5291138"/>
+            <a:off x="304800" y="1600200"/>
+            <a:ext cx="8610600" cy="4453759"/>
           </a:xfrm>
           <a:prstGeom prst="rect">
             <a:avLst/>
@@ -4135,7 +4137,7 @@
         </p:nvSpPr>
         <p:spPr>
           <a:xfrm>
-            <a:off x="762000" y="228600"/>
+            <a:off x="685800" y="152400"/>
             <a:ext cx="7772400" cy="1143000"/>
           </a:xfrm>
         </p:spPr>
@@ -4145,7 +4147,7 @@
           <a:p>
             <a:r>
               <a:rPr lang="en-US" dirty="0" smtClean="0"/>
-              <a:t>Writing Clients </a:t>
+              <a:t>Networking Basics</a:t>
             </a:r>
             <a:endParaRPr lang="en-US" dirty="0"/>
           </a:p>
@@ -4172,7 +4174,7 @@
       </p:sp>
       <p:pic>
         <p:nvPicPr>
-          <p:cNvPr id="8194" name="Picture 2"/>
+          <p:cNvPr id="6146" name="Picture 2"/>
           <p:cNvPicPr>
             <a:picLocks noChangeAspect="1" noChangeArrowheads="1"/>
           </p:cNvPicPr>
@@ -4187,8 +4189,8 @@
         </p:blipFill>
         <p:spPr bwMode="auto">
           <a:xfrm>
-            <a:off x="76200" y="1447800"/>
-            <a:ext cx="8991599" cy="4695522"/>
+            <a:off x="228600" y="1676400"/>
+            <a:ext cx="8839200" cy="4672149"/>
           </a:xfrm>
           <a:prstGeom prst="rect">
             <a:avLst/>
@@ -4239,7 +4241,7 @@
         </p:nvSpPr>
         <p:spPr>
           <a:xfrm>
-            <a:off x="685800" y="381000"/>
+            <a:off x="685800" y="152400"/>
             <a:ext cx="7772400" cy="1143000"/>
           </a:xfrm>
         </p:spPr>
@@ -4249,7 +4251,7 @@
           <a:p>
             <a:r>
               <a:rPr lang="en-US" dirty="0" smtClean="0"/>
-              <a:t>Writing Clients </a:t>
+              <a:t>Socket-Level Programming </a:t>
             </a:r>
             <a:endParaRPr lang="en-US" dirty="0"/>
           </a:p>
@@ -4276,7 +4278,7 @@
       </p:sp>
       <p:pic>
         <p:nvPicPr>
-          <p:cNvPr id="9218" name="Picture 2"/>
+          <p:cNvPr id="7170" name="Picture 2"/>
           <p:cNvPicPr>
             <a:picLocks noChangeAspect="1" noChangeArrowheads="1"/>
           </p:cNvPicPr>
@@ -4291,8 +4293,8 @@
         </p:blipFill>
         <p:spPr bwMode="auto">
           <a:xfrm>
-            <a:off x="228600" y="1600200"/>
-            <a:ext cx="8643751" cy="4829175"/>
+            <a:off x="152400" y="1371600"/>
+            <a:ext cx="8818563" cy="5291138"/>
           </a:xfrm>
           <a:prstGeom prst="rect">
             <a:avLst/>
@@ -4343,7 +4345,7 @@
         </p:nvSpPr>
         <p:spPr>
           <a:xfrm>
-            <a:off x="685800" y="304800"/>
+            <a:off x="762000" y="228600"/>
             <a:ext cx="7772400" cy="1143000"/>
           </a:xfrm>
         </p:spPr>
@@ -4353,7 +4355,7 @@
           <a:p>
             <a:r>
               <a:rPr lang="en-US" dirty="0" smtClean="0"/>
-              <a:t>Writing Servers </a:t>
+              <a:t>Writing Clients </a:t>
             </a:r>
             <a:endParaRPr lang="en-US" dirty="0"/>
           </a:p>
@@ -4380,7 +4382,7 @@
       </p:sp>
       <p:pic>
         <p:nvPicPr>
-          <p:cNvPr id="10242" name="Picture 2"/>
+          <p:cNvPr id="8194" name="Picture 2"/>
           <p:cNvPicPr>
             <a:picLocks noChangeAspect="1" noChangeArrowheads="1"/>
           </p:cNvPicPr>
@@ -4395,8 +4397,8 @@
         </p:blipFill>
         <p:spPr bwMode="auto">
           <a:xfrm>
-            <a:off x="228600" y="1600200"/>
-            <a:ext cx="8686800" cy="4880323"/>
+            <a:off x="76200" y="1447800"/>
+            <a:ext cx="8991599" cy="4695522"/>
           </a:xfrm>
           <a:prstGeom prst="rect">
             <a:avLst/>
@@ -4447,7 +4449,7 @@
         </p:nvSpPr>
         <p:spPr>
           <a:xfrm>
-            <a:off x="685800" y="228600"/>
+            <a:off x="685800" y="381000"/>
             <a:ext cx="7772400" cy="1143000"/>
           </a:xfrm>
         </p:spPr>
@@ -4457,7 +4459,7 @@
           <a:p>
             <a:r>
               <a:rPr lang="en-US" dirty="0" smtClean="0"/>
-              <a:t>Writing Servers</a:t>
+              <a:t>Writing Clients </a:t>
             </a:r>
             <a:endParaRPr lang="en-US" dirty="0"/>
           </a:p>
@@ -4484,7 +4486,7 @@
       </p:sp>
       <p:pic>
         <p:nvPicPr>
-          <p:cNvPr id="11266" name="Picture 2"/>
+          <p:cNvPr id="9218" name="Picture 2"/>
           <p:cNvPicPr>
             <a:picLocks noChangeAspect="1" noChangeArrowheads="1"/>
           </p:cNvPicPr>
@@ -4499,8 +4501,8 @@
         </p:blipFill>
         <p:spPr bwMode="auto">
           <a:xfrm>
-            <a:off x="76200" y="1905000"/>
-            <a:ext cx="8915400" cy="3992091"/>
+            <a:off x="228600" y="1600200"/>
+            <a:ext cx="8643751" cy="4829175"/>
           </a:xfrm>
           <a:prstGeom prst="rect">
             <a:avLst/>
@@ -4549,68 +4551,75 @@
             <p:ph type="title"/>
           </p:nvPr>
         </p:nvSpPr>
+        <p:spPr>
+          <a:xfrm>
+            <a:off x="685800" y="304800"/>
+            <a:ext cx="7772400" cy="1143000"/>
+          </a:xfrm>
+        </p:spPr>
+        <p:txBody>
+          <a:bodyPr/>
+          <a:lstStyle/>
+          <a:p>
+            <a:r>
+              <a:rPr lang="en-US" dirty="0" smtClean="0"/>
+              <a:t>Writing Servers </a:t>
+            </a:r>
+            <a:endParaRPr lang="en-US" dirty="0"/>
+          </a:p>
+        </p:txBody>
+      </p:sp>
+      <p:sp>
+        <p:nvSpPr>
+          <p:cNvPr id="3" name="Content Placeholder 2"/>
+          <p:cNvSpPr>
+            <a:spLocks noGrp="1"/>
+          </p:cNvSpPr>
+          <p:nvPr>
+            <p:ph idx="1"/>
+          </p:nvPr>
+        </p:nvSpPr>
         <p:spPr/>
         <p:txBody>
           <a:bodyPr/>
           <a:lstStyle/>
           <a:p>
-            <a:r>
-              <a:rPr lang="en-US" dirty="0" smtClean="0"/>
-              <a:t>Security Note</a:t>
-            </a:r>
-            <a:endParaRPr lang="en-US" dirty="0"/>
-          </a:p>
-        </p:txBody>
-      </p:sp>
-      <p:sp>
-        <p:nvSpPr>
-          <p:cNvPr id="3" name="Content Placeholder 2"/>
-          <p:cNvSpPr>
-            <a:spLocks noGrp="1"/>
-          </p:cNvSpPr>
-          <p:nvPr>
-            <p:ph idx="1"/>
-          </p:nvPr>
-        </p:nvSpPr>
-        <p:spPr/>
-        <p:txBody>
-          <a:bodyPr/>
-          <a:lstStyle/>
-          <a:p>
-            <a:r>
-              <a:rPr lang="en-US" dirty="0" smtClean="0"/>
-              <a:t>Many machines </a:t>
-            </a:r>
-            <a:r>
-              <a:rPr lang="en-US" dirty="0" smtClean="0"/>
-              <a:t>now </a:t>
-            </a:r>
-            <a:r>
-              <a:rPr lang="en-US" dirty="0" smtClean="0"/>
-              <a:t>refuse socket</a:t>
-            </a:r>
-            <a:br>
-              <a:rPr lang="en-US" dirty="0" smtClean="0"/>
-            </a:br>
-            <a:r>
-              <a:rPr lang="en-US" dirty="0" smtClean="0"/>
-              <a:t>connections due to </a:t>
-            </a:r>
-            <a:r>
-              <a:rPr lang="en-US" dirty="0" smtClean="0"/>
-              <a:t>security considerations </a:t>
-            </a:r>
-            <a:r>
-              <a:rPr lang="en-US" dirty="0" smtClean="0"/>
-              <a:t/>
-            </a:r>
-            <a:br>
-              <a:rPr lang="en-US" dirty="0" smtClean="0"/>
-            </a:br>
-            <a:endParaRPr lang="en-US" dirty="0"/>
-          </a:p>
-        </p:txBody>
-      </p:sp>
+            <a:endParaRPr lang="en-US"/>
+          </a:p>
+        </p:txBody>
+      </p:sp>
+      <p:pic>
+        <p:nvPicPr>
+          <p:cNvPr id="10242" name="Picture 2"/>
+          <p:cNvPicPr>
+            <a:picLocks noChangeAspect="1" noChangeArrowheads="1"/>
+          </p:cNvPicPr>
+          <p:nvPr/>
+        </p:nvPicPr>
+        <p:blipFill>
+          <a:blip r:embed="rId2" cstate="print"/>
+          <a:srcRect/>
+          <a:stretch>
+            <a:fillRect/>
+          </a:stretch>
+        </p:blipFill>
+        <p:spPr bwMode="auto">
+          <a:xfrm>
+            <a:off x="228600" y="1600200"/>
+            <a:ext cx="8686800" cy="4880323"/>
+          </a:xfrm>
+          <a:prstGeom prst="rect">
+            <a:avLst/>
+          </a:prstGeom>
+          <a:noFill/>
+          <a:ln w="9525">
+            <a:noFill/>
+            <a:miter lim="800000"/>
+            <a:headEnd/>
+            <a:tailEnd/>
+          </a:ln>
+        </p:spPr>
+      </p:pic>
     </p:spTree>
   </p:cSld>
   <p:clrMapOvr>
@@ -4648,7 +4657,7 @@
         </p:nvSpPr>
         <p:spPr>
           <a:xfrm>
-            <a:off x="685800" y="76200"/>
+            <a:off x="685800" y="228600"/>
             <a:ext cx="7772400" cy="1143000"/>
           </a:xfrm>
         </p:spPr>
@@ -4658,7 +4667,7 @@
           <a:p>
             <a:r>
               <a:rPr lang="en-US" dirty="0" smtClean="0"/>
-              <a:t>Writing Servers </a:t>
+              <a:t>Writing Servers</a:t>
             </a:r>
             <a:endParaRPr lang="en-US" dirty="0"/>
           </a:p>
@@ -4685,7 +4694,7 @@
       </p:sp>
       <p:pic>
         <p:nvPicPr>
-          <p:cNvPr id="12290" name="Picture 2"/>
+          <p:cNvPr id="11266" name="Picture 2"/>
           <p:cNvPicPr>
             <a:picLocks noChangeAspect="1" noChangeArrowheads="1"/>
           </p:cNvPicPr>
@@ -4700,8 +4709,8 @@
         </p:blipFill>
         <p:spPr bwMode="auto">
           <a:xfrm>
-            <a:off x="228600" y="1219200"/>
-            <a:ext cx="8839200" cy="5581299"/>
+            <a:off x="76200" y="1905000"/>
+            <a:ext cx="8915400" cy="3992091"/>
           </a:xfrm>
           <a:prstGeom prst="rect">
             <a:avLst/>
@@ -4750,19 +4759,14 @@
             <p:ph type="title"/>
           </p:nvPr>
         </p:nvSpPr>
-        <p:spPr>
-          <a:xfrm>
-            <a:off x="685800" y="76200"/>
-            <a:ext cx="7772400" cy="1143000"/>
-          </a:xfrm>
-        </p:spPr>
+        <p:spPr/>
         <p:txBody>
           <a:bodyPr/>
           <a:lstStyle/>
           <a:p>
             <a:r>
               <a:rPr lang="en-US" dirty="0" smtClean="0"/>
-              <a:t>Writing Servers </a:t>
+              <a:t>Security Note</a:t>
             </a:r>
             <a:endParaRPr lang="en-US" dirty="0"/>
           </a:p>
@@ -4783,42 +4787,24 @@
           <a:bodyPr/>
           <a:lstStyle/>
           <a:p>
-            <a:endParaRPr lang="en-US"/>
-          </a:p>
-        </p:txBody>
-      </p:sp>
-      <p:pic>
-        <p:nvPicPr>
-          <p:cNvPr id="13314" name="Picture 2"/>
-          <p:cNvPicPr>
-            <a:picLocks noChangeAspect="1" noChangeArrowheads="1"/>
-          </p:cNvPicPr>
-          <p:nvPr/>
-        </p:nvPicPr>
-        <p:blipFill>
-          <a:blip r:embed="rId2" cstate="print"/>
-          <a:srcRect/>
-          <a:stretch>
-            <a:fillRect/>
-          </a:stretch>
-        </p:blipFill>
-        <p:spPr bwMode="auto">
-          <a:xfrm>
-            <a:off x="257133" y="1295400"/>
-            <a:ext cx="8886867" cy="5376863"/>
-          </a:xfrm>
-          <a:prstGeom prst="rect">
-            <a:avLst/>
-          </a:prstGeom>
-          <a:noFill/>
-          <a:ln w="9525">
-            <a:noFill/>
-            <a:miter lim="800000"/>
-            <a:headEnd/>
-            <a:tailEnd/>
-          </a:ln>
-        </p:spPr>
-      </p:pic>
+            <a:r>
+              <a:rPr lang="en-US" dirty="0" smtClean="0"/>
+              <a:t>Many machines now refuse socket</a:t>
+            </a:r>
+            <a:br>
+              <a:rPr lang="en-US" dirty="0" smtClean="0"/>
+            </a:br>
+            <a:r>
+              <a:rPr lang="en-US" dirty="0" smtClean="0"/>
+              <a:t>connections due to security considerations </a:t>
+            </a:r>
+            <a:br>
+              <a:rPr lang="en-US" dirty="0" smtClean="0"/>
+            </a:br>
+            <a:endParaRPr lang="en-US" dirty="0"/>
+          </a:p>
+        </p:txBody>
+      </p:sp>
     </p:spTree>
   </p:cSld>
   <p:clrMapOvr>
@@ -4854,123 +4840,46 @@
             <p:ph type="title"/>
           </p:nvPr>
         </p:nvSpPr>
+        <p:spPr>
+          <a:xfrm>
+            <a:off x="685800" y="76200"/>
+            <a:ext cx="7772400" cy="1143000"/>
+          </a:xfrm>
+        </p:spPr>
+        <p:txBody>
+          <a:bodyPr/>
+          <a:lstStyle/>
+          <a:p>
+            <a:r>
+              <a:rPr lang="en-US" dirty="0" smtClean="0"/>
+              <a:t>Writing Servers </a:t>
+            </a:r>
+            <a:endParaRPr lang="en-US" dirty="0"/>
+          </a:p>
+        </p:txBody>
+      </p:sp>
+      <p:sp>
+        <p:nvSpPr>
+          <p:cNvPr id="3" name="Content Placeholder 2"/>
+          <p:cNvSpPr>
+            <a:spLocks noGrp="1"/>
+          </p:cNvSpPr>
+          <p:nvPr>
+            <p:ph idx="1"/>
+          </p:nvPr>
+        </p:nvSpPr>
         <p:spPr/>
         <p:txBody>
           <a:bodyPr/>
           <a:lstStyle/>
           <a:p>
-            <a:r>
-              <a:rPr lang="en-US" dirty="0" smtClean="0"/>
-              <a:t>Communicating with </a:t>
-            </a:r>
-            <a:r>
-              <a:rPr lang="en-US" b="1" dirty="0" smtClean="0">
-                <a:solidFill>
-                  <a:srgbClr val="FF0000"/>
-                </a:solidFill>
-              </a:rPr>
-              <a:t>Web</a:t>
-            </a:r>
-            <a:r>
-              <a:rPr lang="en-US" dirty="0" smtClean="0"/>
-              <a:t> Servers </a:t>
-            </a:r>
-            <a:endParaRPr lang="en-US" dirty="0"/>
-          </a:p>
-        </p:txBody>
-      </p:sp>
-      <p:sp>
-        <p:nvSpPr>
-          <p:cNvPr id="3" name="Content Placeholder 2"/>
-          <p:cNvSpPr>
-            <a:spLocks noGrp="1"/>
-          </p:cNvSpPr>
-          <p:nvPr>
-            <p:ph idx="1"/>
-          </p:nvPr>
-        </p:nvSpPr>
-        <p:spPr>
-          <a:xfrm>
-            <a:off x="685800" y="5029200"/>
-            <a:ext cx="7772400" cy="1066800"/>
-          </a:xfrm>
-        </p:spPr>
-        <p:txBody>
-          <a:bodyPr/>
-          <a:lstStyle/>
-          <a:p>
-            <a:pPr>
-              <a:buNone/>
-            </a:pPr>
-            <a:r>
-              <a:rPr lang="en-US" sz="1600" dirty="0" smtClean="0"/>
-              <a:t>http://</a:t>
-            </a:r>
-            <a:r>
-              <a:rPr lang="en-US" sz="1600" dirty="0" smtClean="0"/>
-              <a:t>www.zjnu.cn/index.html</a:t>
-            </a:r>
-          </a:p>
-          <a:p>
-            <a:pPr>
-              <a:buNone/>
-            </a:pPr>
-            <a:r>
-              <a:rPr lang="en-US" sz="1600" dirty="0" smtClean="0"/>
-              <a:t>ftp</a:t>
-            </a:r>
-            <a:r>
-              <a:rPr lang="en-US" sz="1600" dirty="0" smtClean="0"/>
-              <a:t>://</a:t>
-            </a:r>
-            <a:r>
-              <a:rPr lang="en-US" sz="1600" dirty="0" smtClean="0"/>
-              <a:t>ftp.zjnu/pub//test.java</a:t>
-            </a:r>
-          </a:p>
-          <a:p>
-            <a:pPr>
-              <a:buNone/>
-            </a:pPr>
-            <a:r>
-              <a:rPr lang="en-US" sz="1600" dirty="0" smtClean="0"/>
-              <a:t>file</a:t>
-            </a:r>
-            <a:r>
-              <a:rPr lang="en-US" sz="1600" dirty="0" smtClean="0"/>
-              <a:t>:/</a:t>
-            </a:r>
-            <a:r>
-              <a:rPr lang="en-US" sz="1600" dirty="0" err="1" smtClean="0"/>
-              <a:t>MyDisk</a:t>
-            </a:r>
-            <a:r>
-              <a:rPr lang="en-US" sz="1600" dirty="0" smtClean="0"/>
-              <a:t>/Letters/file.txt</a:t>
-            </a:r>
-          </a:p>
-          <a:p>
-            <a:pPr>
-              <a:buNone/>
-            </a:pPr>
-            <a:r>
-              <a:rPr lang="en-US" sz="1600" dirty="0" smtClean="0"/>
-              <a:t>Protocols </a:t>
-            </a:r>
-            <a:r>
-              <a:rPr lang="en-US" sz="1600" dirty="0" smtClean="0"/>
-              <a:t>include files, http, ftp, gopher, news, mailto, etc </a:t>
-            </a:r>
-            <a:br>
-              <a:rPr lang="en-US" sz="1600" dirty="0" smtClean="0"/>
-            </a:br>
-            <a:endParaRPr lang="en-US" sz="1600" dirty="0"/>
+            <a:endParaRPr lang="en-US"/>
           </a:p>
         </p:txBody>
       </p:sp>
       <p:pic>
         <p:nvPicPr>
-          <p:cNvPr id="14338" name="Picture 2"/>
+          <p:cNvPr id="12290" name="Picture 2"/>
           <p:cNvPicPr>
             <a:picLocks noChangeAspect="1" noChangeArrowheads="1"/>
           </p:cNvPicPr>
@@ -4985,8 +4894,8 @@
         </p:blipFill>
         <p:spPr bwMode="auto">
           <a:xfrm>
-            <a:off x="228600" y="1905000"/>
-            <a:ext cx="8763000" cy="3042347"/>
+            <a:off x="228600" y="1219200"/>
+            <a:ext cx="8839200" cy="5581299"/>
           </a:xfrm>
           <a:prstGeom prst="rect">
             <a:avLst/>
@@ -5071,64 +4980,28 @@
             <a:pPr eaLnBrk="1" hangingPunct="1"/>
             <a:r>
               <a:rPr lang="en-US" altLang="en-US" dirty="0" smtClean="0"/>
-              <a:t>Essential Networking with </a:t>
-            </a:r>
-            <a:r>
-              <a:rPr lang="en-US" altLang="en-US" dirty="0" smtClean="0"/>
-              <a:t>Java</a:t>
+              <a:t>Essential Networking with Java</a:t>
             </a:r>
           </a:p>
           <a:p>
             <a:pPr eaLnBrk="1" hangingPunct="1"/>
             <a:r>
               <a:rPr lang="en-US" dirty="0" smtClean="0"/>
-              <a:t>Introduction to Java networking </a:t>
-            </a:r>
+              <a:t>Introduction to Java networking features</a:t>
+            </a:r>
+          </a:p>
+          <a:p>
+            <a:pPr lvl="1" eaLnBrk="1" hangingPunct="1"/>
             <a:r>
               <a:rPr lang="en-US" dirty="0" smtClean="0"/>
-              <a:t>features</a:t>
+              <a:t>It is much easier to write networking programs in Java than in C++</a:t>
             </a:r>
           </a:p>
           <a:p>
             <a:pPr lvl="1" eaLnBrk="1" hangingPunct="1"/>
             <a:r>
               <a:rPr lang="en-US" dirty="0" smtClean="0"/>
-              <a:t>It </a:t>
-            </a:r>
-            <a:r>
-              <a:rPr lang="en-US" dirty="0" smtClean="0"/>
-              <a:t>is much easier to write networking programs </a:t>
-            </a:r>
-            <a:r>
-              <a:rPr lang="en-US" dirty="0" smtClean="0"/>
-              <a:t>in Java </a:t>
-            </a:r>
-            <a:r>
-              <a:rPr lang="en-US" dirty="0" smtClean="0"/>
-              <a:t>than in C</a:t>
-            </a:r>
-            <a:r>
-              <a:rPr lang="en-US" dirty="0" smtClean="0"/>
-              <a:t>++</a:t>
-            </a:r>
-          </a:p>
-          <a:p>
-            <a:pPr lvl="1" eaLnBrk="1" hangingPunct="1"/>
-            <a:r>
-              <a:rPr lang="en-US" dirty="0" smtClean="0"/>
-              <a:t>But </a:t>
-            </a:r>
-            <a:r>
-              <a:rPr lang="en-US" dirty="0" smtClean="0"/>
-              <a:t>less </a:t>
-            </a:r>
-            <a:r>
-              <a:rPr lang="en-US" dirty="0" smtClean="0"/>
-              <a:t>efficient</a:t>
-            </a:r>
-            <a:r>
-              <a:rPr lang="en-US" dirty="0" smtClean="0"/>
-              <a:t/>
+              <a:t>But less efficient</a:t>
             </a:r>
             <a:br>
               <a:rPr lang="en-US" dirty="0" smtClean="0"/>
@@ -5195,8 +5068,8 @@
         </p:nvSpPr>
         <p:spPr>
           <a:xfrm>
-            <a:off x="304800" y="0"/>
-            <a:ext cx="8610600" cy="1143000"/>
+            <a:off x="685800" y="76200"/>
+            <a:ext cx="7772400" cy="1143000"/>
           </a:xfrm>
         </p:spPr>
         <p:txBody>
@@ -5205,7 +5078,7 @@
           <a:p>
             <a:r>
               <a:rPr lang="en-US" dirty="0" smtClean="0"/>
-              <a:t>Communicating with web servers </a:t>
+              <a:t>Writing Servers </a:t>
             </a:r>
             <a:endParaRPr lang="en-US" dirty="0"/>
           </a:p>
@@ -5232,7 +5105,7 @@
       </p:sp>
       <p:pic>
         <p:nvPicPr>
-          <p:cNvPr id="15362" name="Picture 2"/>
+          <p:cNvPr id="13314" name="Picture 2"/>
           <p:cNvPicPr>
             <a:picLocks noChangeAspect="1" noChangeArrowheads="1"/>
           </p:cNvPicPr>
@@ -5247,8 +5120,8 @@
         </p:blipFill>
         <p:spPr bwMode="auto">
           <a:xfrm>
-            <a:off x="228600" y="1371600"/>
-            <a:ext cx="8839200" cy="4809691"/>
+            <a:off x="257133" y="1295400"/>
+            <a:ext cx="8886867" cy="5376863"/>
           </a:xfrm>
           <a:prstGeom prst="rect">
             <a:avLst/>
@@ -5289,6 +5162,41 @@
       </p:grpSpPr>
       <p:sp>
         <p:nvSpPr>
+          <p:cNvPr id="2" name="Title 1"/>
+          <p:cNvSpPr>
+            <a:spLocks noGrp="1"/>
+          </p:cNvSpPr>
+          <p:nvPr>
+            <p:ph type="title"/>
+          </p:nvPr>
+        </p:nvSpPr>
+        <p:spPr/>
+        <p:txBody>
+          <a:bodyPr/>
+          <a:lstStyle/>
+          <a:p>
+            <a:r>
+              <a:rPr lang="en-US" dirty="0" smtClean="0"/>
+              <a:t>Communicating with </a:t>
+            </a:r>
+            <a:r>
+              <a:rPr lang="en-US" b="1" dirty="0" smtClean="0">
+                <a:solidFill>
+                  <a:srgbClr val="FF0000"/>
+                </a:solidFill>
+              </a:rPr>
+              <a:t>Web</a:t>
+            </a:r>
+            <a:r>
+              <a:rPr lang="en-US" dirty="0" smtClean="0"/>
+              <a:t> Servers </a:t>
+            </a:r>
+            <a:endParaRPr lang="en-US" dirty="0"/>
+          </a:p>
+        </p:txBody>
+      </p:sp>
+      <p:sp>
+        <p:nvSpPr>
           <p:cNvPr id="3" name="Content Placeholder 2"/>
           <p:cNvSpPr>
             <a:spLocks noGrp="1"/>
@@ -5297,46 +5205,68 @@
             <p:ph idx="1"/>
           </p:nvPr>
         </p:nvSpPr>
-        <p:spPr/>
-        <p:txBody>
-          <a:bodyPr/>
-          <a:lstStyle/>
-          <a:p>
-            <a:endParaRPr lang="en-US"/>
-          </a:p>
-        </p:txBody>
-      </p:sp>
-      <p:sp>
-        <p:nvSpPr>
-          <p:cNvPr id="4" name="Title 1"/>
-          <p:cNvSpPr>
-            <a:spLocks noGrp="1"/>
-          </p:cNvSpPr>
-          <p:nvPr>
-            <p:ph type="title"/>
-          </p:nvPr>
-        </p:nvSpPr>
         <p:spPr>
           <a:xfrm>
-            <a:off x="304800" y="0"/>
-            <a:ext cx="8610600" cy="1143000"/>
-          </a:xfrm>
-        </p:spPr>
-        <p:txBody>
-          <a:bodyPr/>
-          <a:lstStyle/>
-          <a:p>
-            <a:r>
-              <a:rPr lang="en-US" dirty="0" smtClean="0"/>
-              <a:t>Communicating with web servers </a:t>
-            </a:r>
-            <a:endParaRPr lang="en-US" dirty="0"/>
+            <a:off x="685800" y="5029200"/>
+            <a:ext cx="7772400" cy="1066800"/>
+          </a:xfrm>
+        </p:spPr>
+        <p:txBody>
+          <a:bodyPr/>
+          <a:lstStyle/>
+          <a:p>
+            <a:pPr>
+              <a:buNone/>
+            </a:pPr>
+            <a:r>
+              <a:rPr lang="en-US" sz="1600" dirty="0" smtClean="0"/>
+              <a:t>http://www.zjnu.cn/index.html</a:t>
+            </a:r>
+          </a:p>
+          <a:p>
+            <a:pPr>
+              <a:buNone/>
+            </a:pPr>
+            <a:r>
+              <a:rPr lang="en-US" sz="1600" dirty="0" smtClean="0"/>
+              <a:t>ftp://ftp.zjnu/pub//test.java</a:t>
+            </a:r>
+          </a:p>
+          <a:p>
+            <a:pPr>
+              <a:buNone/>
+            </a:pPr>
+            <a:r>
+              <a:rPr lang="en-US" sz="1600" dirty="0" smtClean="0"/>
+              <a:t>file:/</a:t>
+            </a:r>
+            <a:r>
+              <a:rPr lang="en-US" sz="1600" dirty="0" err="1" smtClean="0"/>
+              <a:t>MyDisk</a:t>
+            </a:r>
+            <a:r>
+              <a:rPr lang="en-US" sz="1600" dirty="0" smtClean="0"/>
+              <a:t>/Letters/file.txt</a:t>
+            </a:r>
+          </a:p>
+          <a:p>
+            <a:pPr>
+              <a:buNone/>
+            </a:pPr>
+            <a:r>
+              <a:rPr lang="en-US" sz="1600" dirty="0" smtClean="0"/>
+              <a:t>Protocols include files, http, ftp, gopher, news, mailto, etc </a:t>
+            </a:r>
+            <a:br>
+              <a:rPr lang="en-US" sz="1600" dirty="0" smtClean="0"/>
+            </a:br>
+            <a:endParaRPr lang="en-US" sz="1600" dirty="0"/>
           </a:p>
         </p:txBody>
       </p:sp>
       <p:pic>
         <p:nvPicPr>
-          <p:cNvPr id="16386" name="Picture 2"/>
+          <p:cNvPr id="14338" name="Picture 2"/>
           <p:cNvPicPr>
             <a:picLocks noChangeAspect="1" noChangeArrowheads="1"/>
           </p:cNvPicPr>
@@ -5351,8 +5281,8 @@
         </p:blipFill>
         <p:spPr bwMode="auto">
           <a:xfrm>
-            <a:off x="152400" y="1371600"/>
-            <a:ext cx="8763000" cy="4816305"/>
+            <a:off x="228600" y="1905000"/>
+            <a:ext cx="8763000" cy="3042347"/>
           </a:xfrm>
           <a:prstGeom prst="rect">
             <a:avLst/>
@@ -5393,26 +5323,7 @@
       </p:grpSpPr>
       <p:sp>
         <p:nvSpPr>
-          <p:cNvPr id="3" name="Content Placeholder 2"/>
-          <p:cNvSpPr>
-            <a:spLocks noGrp="1"/>
-          </p:cNvSpPr>
-          <p:nvPr>
-            <p:ph idx="1"/>
-          </p:nvPr>
-        </p:nvSpPr>
-        <p:spPr/>
-        <p:txBody>
-          <a:bodyPr/>
-          <a:lstStyle/>
-          <a:p>
-            <a:endParaRPr lang="en-US"/>
-          </a:p>
-        </p:txBody>
-      </p:sp>
-      <p:sp>
-        <p:nvSpPr>
-          <p:cNvPr id="4" name="Title 1"/>
+          <p:cNvPr id="2" name="Title 1"/>
           <p:cNvSpPr>
             <a:spLocks noGrp="1"/>
           </p:cNvSpPr>
@@ -5438,9 +5349,28 @@
           </a:p>
         </p:txBody>
       </p:sp>
+      <p:sp>
+        <p:nvSpPr>
+          <p:cNvPr id="3" name="Content Placeholder 2"/>
+          <p:cNvSpPr>
+            <a:spLocks noGrp="1"/>
+          </p:cNvSpPr>
+          <p:nvPr>
+            <p:ph idx="1"/>
+          </p:nvPr>
+        </p:nvSpPr>
+        <p:spPr/>
+        <p:txBody>
+          <a:bodyPr/>
+          <a:lstStyle/>
+          <a:p>
+            <a:endParaRPr lang="en-US"/>
+          </a:p>
+        </p:txBody>
+      </p:sp>
       <p:pic>
         <p:nvPicPr>
-          <p:cNvPr id="17410" name="Picture 2"/>
+          <p:cNvPr id="15362" name="Picture 2"/>
           <p:cNvPicPr>
             <a:picLocks noChangeAspect="1" noChangeArrowheads="1"/>
           </p:cNvPicPr>
@@ -5455,8 +5385,8 @@
         </p:blipFill>
         <p:spPr bwMode="auto">
           <a:xfrm>
-            <a:off x="152400" y="1600200"/>
-            <a:ext cx="8883085" cy="4138613"/>
+            <a:off x="228600" y="1371600"/>
+            <a:ext cx="8839200" cy="4809691"/>
           </a:xfrm>
           <a:prstGeom prst="rect">
             <a:avLst/>
@@ -5497,7 +5427,26 @@
       </p:grpSpPr>
       <p:sp>
         <p:nvSpPr>
-          <p:cNvPr id="2" name="Title 1"/>
+          <p:cNvPr id="3" name="Content Placeholder 2"/>
+          <p:cNvSpPr>
+            <a:spLocks noGrp="1"/>
+          </p:cNvSpPr>
+          <p:nvPr>
+            <p:ph idx="1"/>
+          </p:nvPr>
+        </p:nvSpPr>
+        <p:spPr/>
+        <p:txBody>
+          <a:bodyPr/>
+          <a:lstStyle/>
+          <a:p>
+            <a:endParaRPr lang="en-US"/>
+          </a:p>
+        </p:txBody>
+      </p:sp>
+      <p:sp>
+        <p:nvSpPr>
+          <p:cNvPr id="4" name="Title 1"/>
           <p:cNvSpPr>
             <a:spLocks noGrp="1"/>
           </p:cNvSpPr>
@@ -5507,8 +5456,8 @@
         </p:nvSpPr>
         <p:spPr>
           <a:xfrm>
-            <a:off x="685800" y="228600"/>
-            <a:ext cx="7772400" cy="1143000"/>
+            <a:off x="304800" y="0"/>
+            <a:ext cx="8610600" cy="1143000"/>
           </a:xfrm>
         </p:spPr>
         <p:txBody>
@@ -5517,34 +5466,15 @@
           <a:p>
             <a:r>
               <a:rPr lang="en-US" dirty="0" smtClean="0"/>
-              <a:t>Retrieving Information </a:t>
+              <a:t>Communicating with web servers </a:t>
             </a:r>
             <a:endParaRPr lang="en-US" dirty="0"/>
-          </a:p>
-        </p:txBody>
-      </p:sp>
-      <p:sp>
-        <p:nvSpPr>
-          <p:cNvPr id="3" name="Content Placeholder 2"/>
-          <p:cNvSpPr>
-            <a:spLocks noGrp="1"/>
-          </p:cNvSpPr>
-          <p:nvPr>
-            <p:ph idx="1"/>
-          </p:nvPr>
-        </p:nvSpPr>
-        <p:spPr/>
-        <p:txBody>
-          <a:bodyPr/>
-          <a:lstStyle/>
-          <a:p>
-            <a:endParaRPr lang="en-US"/>
           </a:p>
         </p:txBody>
       </p:sp>
       <p:pic>
         <p:nvPicPr>
-          <p:cNvPr id="18434" name="Picture 2"/>
+          <p:cNvPr id="16386" name="Picture 2"/>
           <p:cNvPicPr>
             <a:picLocks noChangeAspect="1" noChangeArrowheads="1"/>
           </p:cNvPicPr>
@@ -5559,8 +5489,8 @@
         </p:blipFill>
         <p:spPr bwMode="auto">
           <a:xfrm>
-            <a:off x="228600" y="1600200"/>
-            <a:ext cx="8686800" cy="4369000"/>
+            <a:off x="152400" y="1371600"/>
+            <a:ext cx="8763000" cy="4816305"/>
           </a:xfrm>
           <a:prstGeom prst="rect">
             <a:avLst/>
@@ -5601,7 +5531,26 @@
       </p:grpSpPr>
       <p:sp>
         <p:nvSpPr>
-          <p:cNvPr id="2" name="Title 1"/>
+          <p:cNvPr id="3" name="Content Placeholder 2"/>
+          <p:cNvSpPr>
+            <a:spLocks noGrp="1"/>
+          </p:cNvSpPr>
+          <p:nvPr>
+            <p:ph idx="1"/>
+          </p:nvPr>
+        </p:nvSpPr>
+        <p:spPr/>
+        <p:txBody>
+          <a:bodyPr/>
+          <a:lstStyle/>
+          <a:p>
+            <a:endParaRPr lang="en-US"/>
+          </a:p>
+        </p:txBody>
+      </p:sp>
+      <p:sp>
+        <p:nvSpPr>
+          <p:cNvPr id="4" name="Title 1"/>
           <p:cNvSpPr>
             <a:spLocks noGrp="1"/>
           </p:cNvSpPr>
@@ -5609,41 +5558,27 @@
             <p:ph type="title"/>
           </p:nvPr>
         </p:nvSpPr>
-        <p:spPr/>
+        <p:spPr>
+          <a:xfrm>
+            <a:off x="304800" y="0"/>
+            <a:ext cx="8610600" cy="1143000"/>
+          </a:xfrm>
+        </p:spPr>
         <p:txBody>
           <a:bodyPr/>
           <a:lstStyle/>
           <a:p>
             <a:r>
               <a:rPr lang="en-US" dirty="0" smtClean="0"/>
-              <a:t>Retrieving Information </a:t>
+              <a:t>Communicating with web servers </a:t>
             </a:r>
             <a:endParaRPr lang="en-US" dirty="0"/>
-          </a:p>
-        </p:txBody>
-      </p:sp>
-      <p:sp>
-        <p:nvSpPr>
-          <p:cNvPr id="3" name="Content Placeholder 2"/>
-          <p:cNvSpPr>
-            <a:spLocks noGrp="1"/>
-          </p:cNvSpPr>
-          <p:nvPr>
-            <p:ph idx="1"/>
-          </p:nvPr>
-        </p:nvSpPr>
-        <p:spPr/>
-        <p:txBody>
-          <a:bodyPr/>
-          <a:lstStyle/>
-          <a:p>
-            <a:endParaRPr lang="en-US"/>
           </a:p>
         </p:txBody>
       </p:sp>
       <p:pic>
         <p:nvPicPr>
-          <p:cNvPr id="19458" name="Picture 2"/>
+          <p:cNvPr id="17410" name="Picture 2"/>
           <p:cNvPicPr>
             <a:picLocks noChangeAspect="1" noChangeArrowheads="1"/>
           </p:cNvPicPr>
@@ -5658,8 +5593,8 @@
         </p:blipFill>
         <p:spPr bwMode="auto">
           <a:xfrm>
-            <a:off x="457200" y="1676400"/>
-            <a:ext cx="8343900" cy="4752975"/>
+            <a:off x="152400" y="1600200"/>
+            <a:ext cx="8883085" cy="4138613"/>
           </a:xfrm>
           <a:prstGeom prst="rect">
             <a:avLst/>
@@ -5710,7 +5645,7 @@
         </p:nvSpPr>
         <p:spPr>
           <a:xfrm>
-            <a:off x="762000" y="381000"/>
+            <a:off x="685800" y="228600"/>
             <a:ext cx="7772400" cy="1143000"/>
           </a:xfrm>
         </p:spPr>
@@ -5747,7 +5682,7 @@
       </p:sp>
       <p:pic>
         <p:nvPicPr>
-          <p:cNvPr id="20482" name="Picture 2"/>
+          <p:cNvPr id="18434" name="Picture 2"/>
           <p:cNvPicPr>
             <a:picLocks noChangeAspect="1" noChangeArrowheads="1"/>
           </p:cNvPicPr>
@@ -5762,8 +5697,8 @@
         </p:blipFill>
         <p:spPr bwMode="auto">
           <a:xfrm>
-            <a:off x="228600" y="1447800"/>
-            <a:ext cx="8458200" cy="4759354"/>
+            <a:off x="228600" y="1600200"/>
+            <a:ext cx="8686800" cy="4369000"/>
           </a:xfrm>
           <a:prstGeom prst="rect">
             <a:avLst/>
@@ -5812,19 +5747,14 @@
             <p:ph type="title"/>
           </p:nvPr>
         </p:nvSpPr>
-        <p:spPr>
-          <a:xfrm>
-            <a:off x="685800" y="0"/>
-            <a:ext cx="7772400" cy="1143000"/>
-          </a:xfrm>
-        </p:spPr>
+        <p:spPr/>
         <p:txBody>
           <a:bodyPr/>
           <a:lstStyle/>
           <a:p>
             <a:r>
               <a:rPr lang="en-US" dirty="0" smtClean="0"/>
-              <a:t>Sending Information </a:t>
+              <a:t>Retrieving Information </a:t>
             </a:r>
             <a:endParaRPr lang="en-US" dirty="0"/>
           </a:p>
@@ -5851,7 +5781,7 @@
       </p:sp>
       <p:pic>
         <p:nvPicPr>
-          <p:cNvPr id="21506" name="Picture 2"/>
+          <p:cNvPr id="19458" name="Picture 2"/>
           <p:cNvPicPr>
             <a:picLocks noChangeAspect="1" noChangeArrowheads="1"/>
           </p:cNvPicPr>
@@ -5866,8 +5796,8 @@
         </p:blipFill>
         <p:spPr bwMode="auto">
           <a:xfrm>
-            <a:off x="533400" y="1143000"/>
-            <a:ext cx="8317810" cy="5572125"/>
+            <a:off x="457200" y="1676400"/>
+            <a:ext cx="8343900" cy="4752975"/>
           </a:xfrm>
           <a:prstGeom prst="rect">
             <a:avLst/>
@@ -5918,7 +5848,7 @@
         </p:nvSpPr>
         <p:spPr>
           <a:xfrm>
-            <a:off x="762000" y="152400"/>
+            <a:off x="762000" y="381000"/>
             <a:ext cx="7772400" cy="1143000"/>
           </a:xfrm>
         </p:spPr>
@@ -5928,7 +5858,7 @@
           <a:p>
             <a:r>
               <a:rPr lang="en-US" dirty="0" smtClean="0"/>
-              <a:t>Sending Information </a:t>
+              <a:t>Retrieving Information </a:t>
             </a:r>
             <a:endParaRPr lang="en-US" dirty="0"/>
           </a:p>
@@ -5955,7 +5885,7 @@
       </p:sp>
       <p:pic>
         <p:nvPicPr>
-          <p:cNvPr id="22530" name="Picture 2"/>
+          <p:cNvPr id="20482" name="Picture 2"/>
           <p:cNvPicPr>
             <a:picLocks noChangeAspect="1" noChangeArrowheads="1"/>
           </p:cNvPicPr>
@@ -5970,8 +5900,8 @@
         </p:blipFill>
         <p:spPr bwMode="auto">
           <a:xfrm>
-            <a:off x="152400" y="1828800"/>
-            <a:ext cx="8915400" cy="3658053"/>
+            <a:off x="228600" y="1447800"/>
+            <a:ext cx="8458200" cy="4759354"/>
           </a:xfrm>
           <a:prstGeom prst="rect">
             <a:avLst/>
@@ -6022,7 +5952,7 @@
         </p:nvSpPr>
         <p:spPr>
           <a:xfrm>
-            <a:off x="609600" y="381000"/>
+            <a:off x="685800" y="0"/>
             <a:ext cx="7772400" cy="1143000"/>
           </a:xfrm>
         </p:spPr>
@@ -6059,7 +5989,7 @@
       </p:sp>
       <p:pic>
         <p:nvPicPr>
-          <p:cNvPr id="23554" name="Picture 2"/>
+          <p:cNvPr id="21506" name="Picture 2"/>
           <p:cNvPicPr>
             <a:picLocks noChangeAspect="1" noChangeArrowheads="1"/>
           </p:cNvPicPr>
@@ -6074,8 +6004,8 @@
         </p:blipFill>
         <p:spPr bwMode="auto">
           <a:xfrm>
-            <a:off x="228600" y="1828800"/>
-            <a:ext cx="8763000" cy="4440369"/>
+            <a:off x="533400" y="1143000"/>
+            <a:ext cx="8317810" cy="5572125"/>
           </a:xfrm>
           <a:prstGeom prst="rect">
             <a:avLst/>
@@ -6136,7 +6066,7 @@
           <a:p>
             <a:r>
               <a:rPr lang="en-US" dirty="0" smtClean="0"/>
-              <a:t>Sending Information</a:t>
+              <a:t>Sending Information </a:t>
             </a:r>
             <a:endParaRPr lang="en-US" dirty="0"/>
           </a:p>
@@ -6163,7 +6093,7 @@
       </p:sp>
       <p:pic>
         <p:nvPicPr>
-          <p:cNvPr id="24578" name="Picture 2"/>
+          <p:cNvPr id="22530" name="Picture 2"/>
           <p:cNvPicPr>
             <a:picLocks noChangeAspect="1" noChangeArrowheads="1"/>
           </p:cNvPicPr>
@@ -6178,8 +6108,8 @@
         </p:blipFill>
         <p:spPr bwMode="auto">
           <a:xfrm>
-            <a:off x="457200" y="1600200"/>
-            <a:ext cx="8448675" cy="4667250"/>
+            <a:off x="152400" y="1828800"/>
+            <a:ext cx="8915400" cy="3658053"/>
           </a:xfrm>
           <a:prstGeom prst="rect">
             <a:avLst/>
@@ -6251,12 +6181,23 @@
             <p:ph idx="1"/>
           </p:nvPr>
         </p:nvSpPr>
-        <p:spPr/>
+        <p:spPr>
+          <a:xfrm>
+            <a:off x="685800" y="1981200"/>
+            <a:ext cx="7772400" cy="4267200"/>
+          </a:xfrm>
+        </p:spPr>
         <p:txBody>
           <a:bodyPr>
-            <a:normAutofit fontScale="92500" lnSpcReduction="10000"/>
+            <a:normAutofit fontScale="92500" lnSpcReduction="20000"/>
           </a:bodyPr>
           <a:lstStyle/>
+          <a:p>
+            <a:r>
+              <a:rPr lang="en-US" dirty="0" smtClean="0"/>
+              <a:t>Review</a:t>
+            </a:r>
+          </a:p>
           <a:p>
             <a:r>
               <a:rPr lang="en-US" dirty="0" smtClean="0"/>
@@ -6271,51 +6212,27 @@
             <a:pPr lvl="1"/>
             <a:r>
               <a:rPr lang="en-US" dirty="0" smtClean="0"/>
-              <a:t>IP </a:t>
-            </a:r>
+              <a:t>IP addresses, ports, protocols, client-server interaction</a:t>
+            </a:r>
+          </a:p>
+          <a:p>
             <a:r>
               <a:rPr lang="en-US" dirty="0" smtClean="0"/>
-              <a:t>addresses, ports, protocols, client-server </a:t>
-            </a:r>
+              <a:t>Socket-level programming</a:t>
+            </a:r>
+          </a:p>
+          <a:p>
+            <a:pPr lvl="1"/>
             <a:r>
               <a:rPr lang="en-US" dirty="0" smtClean="0"/>
-              <a:t>interaction</a:t>
-            </a:r>
-          </a:p>
-          <a:p>
+              <a:t>Writing a client (Socket)</a:t>
+            </a:r>
+          </a:p>
+          <a:p>
+            <a:pPr lvl="1"/>
             <a:r>
               <a:rPr lang="en-US" dirty="0" smtClean="0"/>
-              <a:t>Socket-level </a:t>
-            </a:r>
-            <a:r>
-              <a:rPr lang="en-US" dirty="0" smtClean="0"/>
-              <a:t>programming</a:t>
-            </a:r>
-          </a:p>
-          <a:p>
-            <a:pPr lvl="1"/>
-            <a:r>
-              <a:rPr lang="en-US" dirty="0" smtClean="0"/>
-              <a:t>Writing </a:t>
-            </a:r>
-            <a:r>
-              <a:rPr lang="en-US" dirty="0" smtClean="0"/>
-              <a:t>a client (</a:t>
-            </a:r>
-            <a:r>
-              <a:rPr lang="en-US" dirty="0" smtClean="0"/>
-              <a:t>Socket)</a:t>
-            </a:r>
-          </a:p>
-          <a:p>
-            <a:pPr lvl="1"/>
-            <a:r>
-              <a:rPr lang="en-US" dirty="0" smtClean="0"/>
-              <a:t>Writing </a:t>
-            </a:r>
-            <a:r>
-              <a:rPr lang="en-US" dirty="0" smtClean="0"/>
-              <a:t>a server (</a:t>
+              <a:t>Writing a server (</a:t>
             </a:r>
             <a:r>
               <a:rPr lang="en-US" dirty="0" err="1" smtClean="0"/>
@@ -6325,27 +6242,18 @@
               <a:rPr lang="en-US" dirty="0" smtClean="0"/>
               <a:t>)</a:t>
             </a:r>
-            <a:endParaRPr lang="en-US" dirty="0" smtClean="0"/>
           </a:p>
           <a:p>
             <a:r>
               <a:rPr lang="en-US" dirty="0" smtClean="0"/>
-              <a:t>Communicating with web </a:t>
-            </a:r>
+              <a:t>Communicating with web servers</a:t>
+            </a:r>
+          </a:p>
+          <a:p>
+            <a:pPr lvl="1"/>
             <a:r>
               <a:rPr lang="en-US" dirty="0" smtClean="0"/>
-              <a:t>servers</a:t>
-            </a:r>
-          </a:p>
-          <a:p>
-            <a:pPr lvl="1"/>
-            <a:r>
-              <a:rPr lang="en-US" dirty="0" smtClean="0"/>
-              <a:t>Retrieving </a:t>
-            </a:r>
-            <a:r>
-              <a:rPr lang="en-US" dirty="0" smtClean="0"/>
-              <a:t>information (URL, </a:t>
+              <a:t>Retrieving information (URL, </a:t>
             </a:r>
             <a:r>
               <a:rPr lang="en-US" dirty="0" err="1" smtClean="0"/>
@@ -6360,11 +6268,7 @@
             <a:pPr lvl="1"/>
             <a:r>
               <a:rPr lang="en-US" dirty="0" smtClean="0"/>
-              <a:t>Sending </a:t>
-            </a:r>
-            <a:r>
-              <a:rPr lang="en-US" dirty="0" smtClean="0"/>
-              <a:t>information </a:t>
+              <a:t>Sending information </a:t>
             </a:r>
             <a:endParaRPr lang="en-GB" dirty="0"/>
           </a:p>
@@ -6373,7 +6277,7 @@
     </p:spTree>
     <p:extLst>
       <p:ext uri="{BB962C8B-B14F-4D97-AF65-F5344CB8AC3E}">
-        <p14:creationId xmlns:p14="http://schemas.microsoft.com/office/powerpoint/2010/main" xmlns="" val="1752164698"/>
+        <p14:creationId xmlns="" xmlns:p14="http://schemas.microsoft.com/office/powerpoint/2010/main" val="1752164698"/>
       </p:ext>
     </p:extLst>
   </p:cSld>
@@ -6402,6 +6306,34 @@
       </p:grpSpPr>
       <p:sp>
         <p:nvSpPr>
+          <p:cNvPr id="2" name="Title 1"/>
+          <p:cNvSpPr>
+            <a:spLocks noGrp="1"/>
+          </p:cNvSpPr>
+          <p:nvPr>
+            <p:ph type="title"/>
+          </p:nvPr>
+        </p:nvSpPr>
+        <p:spPr>
+          <a:xfrm>
+            <a:off x="609600" y="381000"/>
+            <a:ext cx="7772400" cy="1143000"/>
+          </a:xfrm>
+        </p:spPr>
+        <p:txBody>
+          <a:bodyPr/>
+          <a:lstStyle/>
+          <a:p>
+            <a:r>
+              <a:rPr lang="en-US" dirty="0" smtClean="0"/>
+              <a:t>Sending Information </a:t>
+            </a:r>
+            <a:endParaRPr lang="en-US" dirty="0"/>
+          </a:p>
+        </p:txBody>
+      </p:sp>
+      <p:sp>
+        <p:nvSpPr>
           <p:cNvPr id="3" name="Content Placeholder 2"/>
           <p:cNvSpPr>
             <a:spLocks noGrp="1"/>
@@ -6416,40 +6348,12 @@
           <a:lstStyle/>
           <a:p>
             <a:endParaRPr lang="en-US"/>
-          </a:p>
-        </p:txBody>
-      </p:sp>
-      <p:sp>
-        <p:nvSpPr>
-          <p:cNvPr id="4" name="Title 1"/>
-          <p:cNvSpPr>
-            <a:spLocks noGrp="1"/>
-          </p:cNvSpPr>
-          <p:nvPr>
-            <p:ph type="title"/>
-          </p:nvPr>
-        </p:nvSpPr>
-        <p:spPr>
-          <a:xfrm>
-            <a:off x="762000" y="152400"/>
-            <a:ext cx="7772400" cy="1143000"/>
-          </a:xfrm>
-        </p:spPr>
-        <p:txBody>
-          <a:bodyPr/>
-          <a:lstStyle/>
-          <a:p>
-            <a:r>
-              <a:rPr lang="en-US" dirty="0" smtClean="0"/>
-              <a:t>Sending Information</a:t>
-            </a:r>
-            <a:endParaRPr lang="en-US" dirty="0"/>
           </a:p>
         </p:txBody>
       </p:sp>
       <p:pic>
         <p:nvPicPr>
-          <p:cNvPr id="25602" name="Picture 2"/>
+          <p:cNvPr id="23554" name="Picture 2"/>
           <p:cNvPicPr>
             <a:picLocks noChangeAspect="1" noChangeArrowheads="1"/>
           </p:cNvPicPr>
@@ -6464,8 +6368,8 @@
         </p:blipFill>
         <p:spPr bwMode="auto">
           <a:xfrm>
-            <a:off x="152400" y="1447800"/>
-            <a:ext cx="8915400" cy="5072150"/>
+            <a:off x="228600" y="1828800"/>
+            <a:ext cx="8763000" cy="4440369"/>
           </a:xfrm>
           <a:prstGeom prst="rect">
             <a:avLst/>
@@ -6506,7 +6410,7 @@
       </p:grpSpPr>
       <p:sp>
         <p:nvSpPr>
-          <p:cNvPr id="12290" name="Title 1"/>
+          <p:cNvPr id="2" name="Title 1"/>
           <p:cNvSpPr>
             <a:spLocks noGrp="1"/>
           </p:cNvSpPr>
@@ -6514,83 +6418,80 @@
             <p:ph type="title"/>
           </p:nvPr>
         </p:nvSpPr>
+        <p:spPr>
+          <a:xfrm>
+            <a:off x="762000" y="152400"/>
+            <a:ext cx="7772400" cy="1143000"/>
+          </a:xfrm>
+        </p:spPr>
+        <p:txBody>
+          <a:bodyPr/>
+          <a:lstStyle/>
+          <a:p>
+            <a:r>
+              <a:rPr lang="en-US" dirty="0" smtClean="0"/>
+              <a:t>Sending Information</a:t>
+            </a:r>
+            <a:endParaRPr lang="en-US" dirty="0"/>
+          </a:p>
+        </p:txBody>
+      </p:sp>
+      <p:sp>
+        <p:nvSpPr>
+          <p:cNvPr id="3" name="Content Placeholder 2"/>
+          <p:cNvSpPr>
+            <a:spLocks noGrp="1"/>
+          </p:cNvSpPr>
+          <p:nvPr>
+            <p:ph idx="1"/>
+          </p:nvPr>
+        </p:nvSpPr>
         <p:spPr/>
         <p:txBody>
           <a:bodyPr/>
           <a:lstStyle/>
           <a:p>
-            <a:r>
-              <a:rPr lang="en-GB" altLang="en-US" smtClean="0"/>
-              <a:t>Summary</a:t>
-            </a:r>
-          </a:p>
-        </p:txBody>
-      </p:sp>
-      <p:sp>
-        <p:nvSpPr>
-          <p:cNvPr id="12291" name="Content Placeholder 2"/>
-          <p:cNvSpPr>
-            <a:spLocks noGrp="1"/>
-          </p:cNvSpPr>
-          <p:nvPr>
-            <p:ph idx="1"/>
-          </p:nvPr>
-        </p:nvSpPr>
-        <p:spPr/>
-        <p:txBody>
-          <a:bodyPr/>
-          <a:lstStyle/>
-          <a:p>
-            <a:r>
-              <a:rPr lang="en-GB" altLang="en-US" dirty="0" smtClean="0"/>
-              <a:t>Essential Java </a:t>
-            </a:r>
-            <a:r>
-              <a:rPr lang="en-GB" altLang="en-US" dirty="0" smtClean="0"/>
-              <a:t>Networking</a:t>
-            </a:r>
-          </a:p>
-          <a:p>
-            <a:pPr lvl="1"/>
-            <a:r>
-              <a:rPr lang="en-GB" altLang="en-US" dirty="0" smtClean="0"/>
-              <a:t>Ports/IP/Sending/Receiving Data</a:t>
-            </a:r>
-          </a:p>
-          <a:p>
-            <a:pPr lvl="1"/>
-            <a:r>
-              <a:rPr lang="en-GB" altLang="en-US" dirty="0" smtClean="0"/>
-              <a:t>Java Implementation Examples</a:t>
-            </a:r>
-            <a:endParaRPr lang="en-GB" altLang="en-US" dirty="0" smtClean="0"/>
-          </a:p>
-          <a:p>
-            <a:r>
-              <a:rPr lang="en-GB" altLang="en-US" dirty="0" smtClean="0"/>
-              <a:t>Hands-On/Practical</a:t>
-            </a:r>
-          </a:p>
-          <a:p>
-            <a:r>
-              <a:rPr lang="en-GB" altLang="en-US" dirty="0" smtClean="0"/>
-              <a:t>Today is about becoming basic Java Networking</a:t>
-            </a:r>
-          </a:p>
-        </p:txBody>
-      </p:sp>
+            <a:endParaRPr lang="en-US"/>
+          </a:p>
+        </p:txBody>
+      </p:sp>
+      <p:pic>
+        <p:nvPicPr>
+          <p:cNvPr id="24578" name="Picture 2"/>
+          <p:cNvPicPr>
+            <a:picLocks noChangeAspect="1" noChangeArrowheads="1"/>
+          </p:cNvPicPr>
+          <p:nvPr/>
+        </p:nvPicPr>
+        <p:blipFill>
+          <a:blip r:embed="rId2" cstate="print"/>
+          <a:srcRect/>
+          <a:stretch>
+            <a:fillRect/>
+          </a:stretch>
+        </p:blipFill>
+        <p:spPr bwMode="auto">
+          <a:xfrm>
+            <a:off x="457200" y="1600200"/>
+            <a:ext cx="8448675" cy="4667250"/>
+          </a:xfrm>
+          <a:prstGeom prst="rect">
+            <a:avLst/>
+          </a:prstGeom>
+          <a:noFill/>
+          <a:ln w="9525">
+            <a:noFill/>
+            <a:miter lim="800000"/>
+            <a:headEnd/>
+            <a:tailEnd/>
+          </a:ln>
+        </p:spPr>
+      </p:pic>
     </p:spTree>
   </p:cSld>
   <p:clrMapOvr>
     <a:masterClrMapping/>
   </p:clrMapOvr>
-  <p:timing>
-    <p:tnLst>
-      <p:par>
-        <p:cTn id="1" dur="indefinite" restart="never" nodeType="tmRoot"/>
-      </p:par>
-    </p:tnLst>
-  </p:timing>
 </p:sld>
 </file>
 
@@ -6613,7 +6514,26 @@
       </p:grpSpPr>
       <p:sp>
         <p:nvSpPr>
-          <p:cNvPr id="11266" name="Title 1"/>
+          <p:cNvPr id="3" name="Content Placeholder 2"/>
+          <p:cNvSpPr>
+            <a:spLocks noGrp="1"/>
+          </p:cNvSpPr>
+          <p:nvPr>
+            <p:ph idx="1"/>
+          </p:nvPr>
+        </p:nvSpPr>
+        <p:spPr/>
+        <p:txBody>
+          <a:bodyPr/>
+          <a:lstStyle/>
+          <a:p>
+            <a:endParaRPr lang="en-US"/>
+          </a:p>
+        </p:txBody>
+      </p:sp>
+      <p:sp>
+        <p:nvSpPr>
+          <p:cNvPr id="4" name="Title 1"/>
           <p:cNvSpPr>
             <a:spLocks noGrp="1"/>
           </p:cNvSpPr>
@@ -6621,84 +6541,56 @@
             <p:ph type="title"/>
           </p:nvPr>
         </p:nvSpPr>
-        <p:spPr/>
-        <p:txBody>
-          <a:bodyPr/>
-          <a:lstStyle/>
-          <a:p>
-            <a:r>
-              <a:rPr lang="en-GB" altLang="en-US" smtClean="0"/>
-              <a:t>This Week</a:t>
-            </a:r>
-          </a:p>
-        </p:txBody>
-      </p:sp>
-      <p:sp>
-        <p:nvSpPr>
-          <p:cNvPr id="11267" name="Content Placeholder 2"/>
-          <p:cNvSpPr>
-            <a:spLocks noGrp="1"/>
-          </p:cNvSpPr>
-          <p:nvPr>
-            <p:ph idx="1"/>
-          </p:nvPr>
-        </p:nvSpPr>
-        <p:spPr/>
-        <p:txBody>
-          <a:bodyPr/>
-          <a:lstStyle/>
-          <a:p>
-            <a:r>
-              <a:rPr lang="en-GB" altLang="en-US" dirty="0" smtClean="0"/>
-              <a:t>Read Associated Chapters</a:t>
-            </a:r>
-          </a:p>
-          <a:p>
-            <a:r>
-              <a:rPr lang="en-GB" altLang="en-US" dirty="0" smtClean="0"/>
-              <a:t>Review Slides</a:t>
-            </a:r>
-          </a:p>
-          <a:p>
-            <a:r>
-              <a:rPr lang="en-GB" altLang="en-US" dirty="0" smtClean="0"/>
-              <a:t>Java </a:t>
-            </a:r>
-            <a:r>
-              <a:rPr lang="en-GB" altLang="en-US" dirty="0" smtClean="0"/>
-              <a:t>Exercises</a:t>
-            </a:r>
-          </a:p>
-          <a:p>
-            <a:r>
-              <a:rPr lang="en-GB" altLang="en-US" dirty="0" smtClean="0"/>
-              <a:t>Online Quizzes</a:t>
-            </a:r>
-          </a:p>
-          <a:p>
-            <a:pPr lvl="1"/>
-            <a:r>
-              <a:rPr lang="en-GB" altLang="en-US" dirty="0" smtClean="0"/>
-              <a:t>25</a:t>
-            </a:r>
-            <a:r>
-              <a:rPr lang="en-GB" altLang="en-US" baseline="30000" dirty="0" smtClean="0"/>
-              <a:t>th</a:t>
-            </a:r>
-            <a:r>
-              <a:rPr lang="en-GB" altLang="en-US" dirty="0" smtClean="0"/>
-              <a:t> December (Last Date)</a:t>
-            </a:r>
-          </a:p>
-          <a:p>
-            <a:r>
-              <a:rPr lang="en-GB" altLang="en-US" dirty="0" smtClean="0"/>
-              <a:t>Getting Ready Exam</a:t>
-            </a:r>
-            <a:endParaRPr lang="en-GB" altLang="en-US" dirty="0" smtClean="0"/>
-          </a:p>
-        </p:txBody>
-      </p:sp>
+        <p:spPr>
+          <a:xfrm>
+            <a:off x="762000" y="152400"/>
+            <a:ext cx="7772400" cy="1143000"/>
+          </a:xfrm>
+        </p:spPr>
+        <p:txBody>
+          <a:bodyPr/>
+          <a:lstStyle/>
+          <a:p>
+            <a:r>
+              <a:rPr lang="en-US" dirty="0" smtClean="0"/>
+              <a:t>Sending Information</a:t>
+            </a:r>
+            <a:endParaRPr lang="en-US" dirty="0"/>
+          </a:p>
+        </p:txBody>
+      </p:sp>
+      <p:pic>
+        <p:nvPicPr>
+          <p:cNvPr id="25602" name="Picture 2"/>
+          <p:cNvPicPr>
+            <a:picLocks noChangeAspect="1" noChangeArrowheads="1"/>
+          </p:cNvPicPr>
+          <p:nvPr/>
+        </p:nvPicPr>
+        <p:blipFill>
+          <a:blip r:embed="rId2" cstate="print"/>
+          <a:srcRect/>
+          <a:stretch>
+            <a:fillRect/>
+          </a:stretch>
+        </p:blipFill>
+        <p:spPr bwMode="auto">
+          <a:xfrm>
+            <a:off x="152400" y="1447800"/>
+            <a:ext cx="8915400" cy="5072150"/>
+          </a:xfrm>
+          <a:prstGeom prst="rect">
+            <a:avLst/>
+          </a:prstGeom>
+          <a:noFill/>
+          <a:ln w="9525">
+            <a:noFill/>
+            <a:miter lim="800000"/>
+            <a:headEnd/>
+            <a:tailEnd/>
+          </a:ln>
+        </p:spPr>
+      </p:pic>
     </p:spTree>
   </p:cSld>
   <p:clrMapOvr>
@@ -6726,7 +6618,7 @@
       </p:grpSpPr>
       <p:sp>
         <p:nvSpPr>
-          <p:cNvPr id="2" name="Title 1"/>
+          <p:cNvPr id="12290" name="Title 1"/>
           <p:cNvSpPr>
             <a:spLocks noGrp="1"/>
           </p:cNvSpPr>
@@ -6740,16 +6632,15 @@
           <a:lstStyle/>
           <a:p>
             <a:r>
-              <a:rPr lang="en-US" dirty="0" smtClean="0"/>
-              <a:t>Today’s Exercises</a:t>
-            </a:r>
-            <a:endParaRPr lang="en-US" dirty="0"/>
-          </a:p>
-        </p:txBody>
-      </p:sp>
-      <p:sp>
-        <p:nvSpPr>
-          <p:cNvPr id="3" name="Content Placeholder 2"/>
+              <a:rPr lang="en-GB" altLang="en-US" smtClean="0"/>
+              <a:t>Summary</a:t>
+            </a:r>
+          </a:p>
+        </p:txBody>
+      </p:sp>
+      <p:sp>
+        <p:nvSpPr>
+          <p:cNvPr id="12291" name="Content Placeholder 2"/>
           <p:cNvSpPr>
             <a:spLocks noGrp="1"/>
           </p:cNvSpPr>
@@ -6763,44 +6654,150 @@
           <a:lstStyle/>
           <a:p>
             <a:r>
-              <a:rPr lang="en-US" sz="3600" b="1" dirty="0" smtClean="0"/>
-              <a:t>Chapter 30 – Exercise 30.1</a:t>
-            </a:r>
-          </a:p>
-          <a:p>
-            <a:pPr>
-              <a:buNone/>
-            </a:pPr>
-            <a:endParaRPr lang="en-US" dirty="0" smtClean="0"/>
-          </a:p>
-          <a:p>
-            <a:pPr>
-              <a:buNone/>
-            </a:pPr>
-            <a:endParaRPr lang="en-US" dirty="0" smtClean="0"/>
-          </a:p>
-          <a:p>
-            <a:pPr>
-              <a:buNone/>
-            </a:pPr>
-            <a:r>
-              <a:rPr lang="en-US" dirty="0" smtClean="0"/>
-              <a:t>Opportunity to review/revisit previous chapters</a:t>
-            </a:r>
-          </a:p>
-          <a:p>
-            <a:pPr>
-              <a:buNone/>
-            </a:pPr>
-            <a:r>
-              <a:rPr lang="en-US" dirty="0" smtClean="0"/>
-              <a:t>Solid understanding each of </a:t>
-            </a:r>
-            <a:r>
-              <a:rPr lang="en-US" smtClean="0"/>
-              <a:t>the concepts</a:t>
-            </a:r>
-            <a:endParaRPr lang="en-US" dirty="0" smtClean="0"/>
+              <a:rPr lang="en-GB" altLang="en-US" dirty="0" smtClean="0"/>
+              <a:t>Essential Java Networking</a:t>
+            </a:r>
+          </a:p>
+          <a:p>
+            <a:pPr lvl="1"/>
+            <a:r>
+              <a:rPr lang="en-GB" altLang="en-US" dirty="0" smtClean="0"/>
+              <a:t>Ports/IP/Sending/Receiving Data</a:t>
+            </a:r>
+          </a:p>
+          <a:p>
+            <a:pPr lvl="1"/>
+            <a:r>
+              <a:rPr lang="en-GB" altLang="en-US" dirty="0" smtClean="0"/>
+              <a:t>Java Implementation Examples</a:t>
+            </a:r>
+          </a:p>
+          <a:p>
+            <a:r>
+              <a:rPr lang="en-GB" altLang="en-US" dirty="0" smtClean="0"/>
+              <a:t>Hands-On/Practical</a:t>
+            </a:r>
+          </a:p>
+          <a:p>
+            <a:r>
+              <a:rPr lang="en-GB" altLang="en-US" dirty="0" smtClean="0"/>
+              <a:t>Today is about becoming basic Java Networking</a:t>
+            </a:r>
+          </a:p>
+        </p:txBody>
+      </p:sp>
+    </p:spTree>
+  </p:cSld>
+  <p:clrMapOvr>
+    <a:masterClrMapping/>
+  </p:clrMapOvr>
+  <p:timing>
+    <p:tnLst>
+      <p:par>
+        <p:cTn id="1" dur="indefinite" restart="never" nodeType="tmRoot"/>
+      </p:par>
+    </p:tnLst>
+  </p:timing>
+</p:sld>
+</file>
+
+<file path=ppt/slides/slide34.xml><?xml version="1.0" encoding="utf-8"?>
+<p:sld xmlns:a="http://schemas.openxmlformats.org/drawingml/2006/main" xmlns:r="http://schemas.openxmlformats.org/officeDocument/2006/relationships" xmlns:p="http://schemas.openxmlformats.org/presentationml/2006/main">
+  <p:cSld>
+    <p:spTree>
+      <p:nvGrpSpPr>
+        <p:cNvPr id="1" name=""/>
+        <p:cNvGrpSpPr/>
+        <p:nvPr/>
+      </p:nvGrpSpPr>
+      <p:grpSpPr>
+        <a:xfrm>
+          <a:off x="0" y="0"/>
+          <a:ext cx="0" cy="0"/>
+          <a:chOff x="0" y="0"/>
+          <a:chExt cx="0" cy="0"/>
+        </a:xfrm>
+      </p:grpSpPr>
+      <p:sp>
+        <p:nvSpPr>
+          <p:cNvPr id="11266" name="Title 1"/>
+          <p:cNvSpPr>
+            <a:spLocks noGrp="1"/>
+          </p:cNvSpPr>
+          <p:nvPr>
+            <p:ph type="title"/>
+          </p:nvPr>
+        </p:nvSpPr>
+        <p:spPr/>
+        <p:txBody>
+          <a:bodyPr/>
+          <a:lstStyle/>
+          <a:p>
+            <a:r>
+              <a:rPr lang="en-GB" altLang="en-US" smtClean="0"/>
+              <a:t>This Week</a:t>
+            </a:r>
+          </a:p>
+        </p:txBody>
+      </p:sp>
+      <p:sp>
+        <p:nvSpPr>
+          <p:cNvPr id="11267" name="Content Placeholder 2"/>
+          <p:cNvSpPr>
+            <a:spLocks noGrp="1"/>
+          </p:cNvSpPr>
+          <p:nvPr>
+            <p:ph idx="1"/>
+          </p:nvPr>
+        </p:nvSpPr>
+        <p:spPr/>
+        <p:txBody>
+          <a:bodyPr/>
+          <a:lstStyle/>
+          <a:p>
+            <a:r>
+              <a:rPr lang="en-GB" altLang="en-US" dirty="0" smtClean="0"/>
+              <a:t>Read Associated Chapters</a:t>
+            </a:r>
+          </a:p>
+          <a:p>
+            <a:r>
+              <a:rPr lang="en-GB" altLang="en-US" dirty="0" smtClean="0"/>
+              <a:t>Review Slides</a:t>
+            </a:r>
+          </a:p>
+          <a:p>
+            <a:r>
+              <a:rPr lang="en-GB" altLang="en-US" dirty="0" smtClean="0"/>
+              <a:t>Java Exercises</a:t>
+            </a:r>
+          </a:p>
+          <a:p>
+            <a:r>
+              <a:rPr lang="en-GB" altLang="en-US" dirty="0" smtClean="0"/>
+              <a:t>Online Quizzes</a:t>
+            </a:r>
+          </a:p>
+          <a:p>
+            <a:pPr lvl="1"/>
+            <a:r>
+              <a:rPr lang="en-GB" altLang="en-US" dirty="0" smtClean="0"/>
+              <a:t>25</a:t>
+            </a:r>
+            <a:r>
+              <a:rPr lang="en-GB" altLang="en-US" baseline="30000" dirty="0" smtClean="0"/>
+              <a:t>th</a:t>
+            </a:r>
+            <a:r>
+              <a:rPr lang="en-GB" altLang="en-US" dirty="0" smtClean="0"/>
+              <a:t> December (Last Date)</a:t>
+            </a:r>
+          </a:p>
+          <a:p>
+            <a:r>
+              <a:rPr lang="en-GB" altLang="en-US" dirty="0" smtClean="0"/>
+              <a:t>Getting Ready Exam</a:t>
+            </a:r>
           </a:p>
         </p:txBody>
       </p:sp>
@@ -6812,7 +6809,112 @@
 </p:sld>
 </file>
 
-<file path=ppt/slides/slide34.xml><?xml version="1.0" encoding="utf-8"?>
+<file path=ppt/slides/slide35.xml><?xml version="1.0" encoding="utf-8"?>
+<p:sld xmlns:a="http://schemas.openxmlformats.org/drawingml/2006/main" xmlns:r="http://schemas.openxmlformats.org/officeDocument/2006/relationships" xmlns:p="http://schemas.openxmlformats.org/presentationml/2006/main">
+  <p:cSld>
+    <p:spTree>
+      <p:nvGrpSpPr>
+        <p:cNvPr id="1" name=""/>
+        <p:cNvGrpSpPr/>
+        <p:nvPr/>
+      </p:nvGrpSpPr>
+      <p:grpSpPr>
+        <a:xfrm>
+          <a:off x="0" y="0"/>
+          <a:ext cx="0" cy="0"/>
+          <a:chOff x="0" y="0"/>
+          <a:chExt cx="0" cy="0"/>
+        </a:xfrm>
+      </p:grpSpPr>
+      <p:sp>
+        <p:nvSpPr>
+          <p:cNvPr id="2" name="Title 1"/>
+          <p:cNvSpPr>
+            <a:spLocks noGrp="1"/>
+          </p:cNvSpPr>
+          <p:nvPr>
+            <p:ph type="title"/>
+          </p:nvPr>
+        </p:nvSpPr>
+        <p:spPr/>
+        <p:txBody>
+          <a:bodyPr/>
+          <a:lstStyle/>
+          <a:p>
+            <a:r>
+              <a:rPr lang="en-US" dirty="0" smtClean="0"/>
+              <a:t>Today’s Exercises</a:t>
+            </a:r>
+            <a:endParaRPr lang="en-US" dirty="0"/>
+          </a:p>
+        </p:txBody>
+      </p:sp>
+      <p:sp>
+        <p:nvSpPr>
+          <p:cNvPr id="3" name="Content Placeholder 2"/>
+          <p:cNvSpPr>
+            <a:spLocks noGrp="1"/>
+          </p:cNvSpPr>
+          <p:nvPr>
+            <p:ph idx="1"/>
+          </p:nvPr>
+        </p:nvSpPr>
+        <p:spPr/>
+        <p:txBody>
+          <a:bodyPr/>
+          <a:lstStyle/>
+          <a:p>
+            <a:r>
+              <a:rPr lang="en-US" sz="3600" b="1" dirty="0" smtClean="0"/>
+              <a:t>Chapter 30 – Exercise 30.1</a:t>
+            </a:r>
+          </a:p>
+          <a:p>
+            <a:pPr>
+              <a:buNone/>
+            </a:pPr>
+            <a:endParaRPr lang="en-US" dirty="0" smtClean="0"/>
+          </a:p>
+          <a:p>
+            <a:pPr>
+              <a:buNone/>
+            </a:pPr>
+            <a:endParaRPr lang="en-US" dirty="0" smtClean="0"/>
+          </a:p>
+          <a:p>
+            <a:pPr>
+              <a:buNone/>
+            </a:pPr>
+            <a:r>
+              <a:rPr lang="en-US" dirty="0" smtClean="0"/>
+              <a:t>Opportunity to review/revisit previous chapters</a:t>
+            </a:r>
+          </a:p>
+          <a:p>
+            <a:pPr>
+              <a:buNone/>
+            </a:pPr>
+            <a:r>
+              <a:rPr lang="en-US" dirty="0" smtClean="0"/>
+              <a:t>Solid understanding each of </a:t>
+            </a:r>
+            <a:r>
+              <a:rPr lang="en-US" smtClean="0"/>
+              <a:t>the concepts</a:t>
+            </a:r>
+            <a:endParaRPr lang="en-US" dirty="0" smtClean="0"/>
+          </a:p>
+        </p:txBody>
+      </p:sp>
+    </p:spTree>
+  </p:cSld>
+  <p:clrMapOvr>
+    <a:masterClrMapping/>
+  </p:clrMapOvr>
+</p:sld>
+</file>
+
+<file path=ppt/slides/slide36.xml><?xml version="1.0" encoding="utf-8"?>
 <p:sld xmlns:a="http://schemas.openxmlformats.org/drawingml/2006/main" xmlns:r="http://schemas.openxmlformats.org/officeDocument/2006/relationships" xmlns:p="http://schemas.openxmlformats.org/presentationml/2006/main">
   <p:cSld>
     <p:bg>
@@ -6916,7 +7018,7 @@
 </p:sld>
 </file>
 
-<file path=ppt/slides/slide35.xml><?xml version="1.0" encoding="utf-8"?>
+<file path=ppt/slides/slide37.xml><?xml version="1.0" encoding="utf-8"?>
 <p:sld xmlns:a="http://schemas.openxmlformats.org/drawingml/2006/main" xmlns:r="http://schemas.openxmlformats.org/officeDocument/2006/relationships" xmlns:p="http://schemas.openxmlformats.org/presentationml/2006/main">
   <p:cSld>
     <p:spTree>
@@ -7025,7 +7127,7 @@
           <a:p>
             <a:r>
               <a:rPr lang="en-US" dirty="0" smtClean="0"/>
-              <a:t>Why is Networking Important?</a:t>
+              <a:t>Exam</a:t>
             </a:r>
             <a:endParaRPr lang="en-US" dirty="0"/>
           </a:p>
@@ -7046,7 +7148,69 @@
           <a:bodyPr/>
           <a:lstStyle/>
           <a:p>
-            <a:endParaRPr lang="en-US"/>
+            <a:r>
+              <a:rPr lang="en-US" dirty="0" smtClean="0"/>
+              <a:t>2</a:t>
+            </a:r>
+            <a:r>
+              <a:rPr lang="en-US" baseline="30000" dirty="0" smtClean="0"/>
+              <a:t>nd</a:t>
+            </a:r>
+            <a:r>
+              <a:rPr lang="en-US" dirty="0" smtClean="0"/>
+              <a:t> January</a:t>
+            </a:r>
+          </a:p>
+          <a:p>
+            <a:endParaRPr lang="en-US" dirty="0" smtClean="0"/>
+          </a:p>
+          <a:p>
+            <a:r>
+              <a:rPr lang="en-US" dirty="0" smtClean="0"/>
+              <a:t>Review</a:t>
+            </a:r>
+            <a:endParaRPr lang="en-US" dirty="0" smtClean="0"/>
+          </a:p>
+          <a:p>
+            <a:pPr>
+              <a:buFontTx/>
+              <a:buChar char="-"/>
+            </a:pPr>
+            <a:r>
+              <a:rPr lang="en-US" dirty="0" smtClean="0"/>
+              <a:t>Quiz Questions</a:t>
+            </a:r>
+          </a:p>
+          <a:p>
+            <a:pPr>
+              <a:buFontTx/>
+              <a:buChar char="-"/>
+            </a:pPr>
+            <a:r>
+              <a:rPr lang="en-US" dirty="0" smtClean="0"/>
+              <a:t>Crossword</a:t>
+            </a:r>
+          </a:p>
+          <a:p>
+            <a:pPr>
+              <a:buFontTx/>
+              <a:buChar char="-"/>
+            </a:pPr>
+            <a:r>
+              <a:rPr lang="en-US" dirty="0" smtClean="0"/>
+              <a:t>Slides/Example Questions</a:t>
+            </a:r>
+          </a:p>
+          <a:p>
+            <a:pPr>
+              <a:buFontTx/>
+              <a:buChar char="-"/>
+            </a:pPr>
+            <a:r>
+              <a:rPr lang="en-US" dirty="0" smtClean="0"/>
+              <a:t>Recommended Text</a:t>
+            </a:r>
+            <a:endParaRPr lang="en-US" dirty="0"/>
           </a:p>
         </p:txBody>
       </p:sp>
@@ -7085,19 +7249,18 @@
             <p:ph type="title"/>
           </p:nvPr>
         </p:nvSpPr>
-        <p:spPr>
-          <a:xfrm>
-            <a:off x="685800" y="228600"/>
-            <a:ext cx="7772400" cy="1143000"/>
-          </a:xfrm>
-        </p:spPr>
+        <p:spPr/>
         <p:txBody>
           <a:bodyPr/>
           <a:lstStyle/>
           <a:p>
             <a:r>
               <a:rPr lang="en-US" dirty="0" smtClean="0"/>
-              <a:t>Networking Basics</a:t>
+              <a:t>Exa</a:t>
+            </a:r>
+            <a:r>
+              <a:rPr lang="en-US" dirty="0" smtClean="0"/>
+              <a:t>m</a:t>
             </a:r>
             <a:endParaRPr lang="en-US" dirty="0"/>
           </a:p>
@@ -7118,42 +7281,43 @@
           <a:bodyPr/>
           <a:lstStyle/>
           <a:p>
-            <a:endParaRPr lang="en-US"/>
-          </a:p>
-        </p:txBody>
-      </p:sp>
-      <p:pic>
-        <p:nvPicPr>
-          <p:cNvPr id="1026" name="Picture 2"/>
-          <p:cNvPicPr>
-            <a:picLocks noChangeAspect="1" noChangeArrowheads="1"/>
-          </p:cNvPicPr>
-          <p:nvPr/>
-        </p:nvPicPr>
-        <p:blipFill>
-          <a:blip r:embed="rId2" cstate="print"/>
-          <a:srcRect/>
-          <a:stretch>
-            <a:fillRect/>
-          </a:stretch>
-        </p:blipFill>
-        <p:spPr bwMode="auto">
-          <a:xfrm>
-            <a:off x="9525" y="1409700"/>
-            <a:ext cx="9134475" cy="5448300"/>
-          </a:xfrm>
-          <a:prstGeom prst="rect">
-            <a:avLst/>
-          </a:prstGeom>
-          <a:noFill/>
-          <a:ln w="9525">
-            <a:noFill/>
-            <a:miter lim="800000"/>
-            <a:headEnd/>
-            <a:tailEnd/>
-          </a:ln>
-        </p:spPr>
-      </p:pic>
+            <a:r>
+              <a:rPr lang="en-US" dirty="0" smtClean="0"/>
+              <a:t>Mix</a:t>
+            </a:r>
+          </a:p>
+          <a:p>
+            <a:pPr>
+              <a:buFontTx/>
+              <a:buChar char="-"/>
+            </a:pPr>
+            <a:r>
+              <a:rPr lang="en-US" dirty="0" smtClean="0"/>
+              <a:t>Written Exercises</a:t>
+            </a:r>
+          </a:p>
+          <a:p>
+            <a:pPr>
+              <a:buFontTx/>
+              <a:buChar char="-"/>
+            </a:pPr>
+            <a:r>
+              <a:rPr lang="en-US" dirty="0" smtClean="0"/>
+              <a:t>Code Samples</a:t>
+            </a:r>
+          </a:p>
+          <a:p>
+            <a:pPr>
+              <a:buFontTx/>
+              <a:buChar char="-"/>
+            </a:pPr>
+            <a:r>
+              <a:rPr lang="en-US" dirty="0" smtClean="0"/>
+              <a:t>Multiple Choice</a:t>
+            </a:r>
+          </a:p>
+        </p:txBody>
+      </p:sp>
     </p:spTree>
   </p:cSld>
   <p:clrMapOvr>
@@ -7189,19 +7353,14 @@
             <p:ph type="title"/>
           </p:nvPr>
         </p:nvSpPr>
-        <p:spPr>
-          <a:xfrm>
-            <a:off x="685800" y="152400"/>
-            <a:ext cx="7772400" cy="1143000"/>
-          </a:xfrm>
-        </p:spPr>
+        <p:spPr/>
         <p:txBody>
           <a:bodyPr/>
           <a:lstStyle/>
           <a:p>
             <a:r>
               <a:rPr lang="en-US" dirty="0" smtClean="0"/>
-              <a:t>Networking Basics</a:t>
+              <a:t>Why is Networking Important?</a:t>
             </a:r>
             <a:endParaRPr lang="en-US" dirty="0"/>
           </a:p>
@@ -7226,38 +7385,6 @@
           </a:p>
         </p:txBody>
       </p:sp>
-      <p:pic>
-        <p:nvPicPr>
-          <p:cNvPr id="2050" name="Picture 2"/>
-          <p:cNvPicPr>
-            <a:picLocks noChangeAspect="1" noChangeArrowheads="1"/>
-          </p:cNvPicPr>
-          <p:nvPr/>
-        </p:nvPicPr>
-        <p:blipFill>
-          <a:blip r:embed="rId2" cstate="print"/>
-          <a:srcRect/>
-          <a:stretch>
-            <a:fillRect/>
-          </a:stretch>
-        </p:blipFill>
-        <p:spPr bwMode="auto">
-          <a:xfrm>
-            <a:off x="228600" y="1371600"/>
-            <a:ext cx="8695266" cy="5105400"/>
-          </a:xfrm>
-          <a:prstGeom prst="rect">
-            <a:avLst/>
-          </a:prstGeom>
-          <a:noFill/>
-          <a:ln w="9525">
-            <a:noFill/>
-            <a:miter lim="800000"/>
-            <a:headEnd/>
-            <a:tailEnd/>
-          </a:ln>
-        </p:spPr>
-      </p:pic>
     </p:spTree>
   </p:cSld>
   <p:clrMapOvr>
@@ -7295,7 +7422,7 @@
         </p:nvSpPr>
         <p:spPr>
           <a:xfrm>
-            <a:off x="609600" y="228600"/>
+            <a:off x="685800" y="228600"/>
             <a:ext cx="7772400" cy="1143000"/>
           </a:xfrm>
         </p:spPr>
@@ -7332,7 +7459,7 @@
       </p:sp>
       <p:pic>
         <p:nvPicPr>
-          <p:cNvPr id="3074" name="Picture 2"/>
+          <p:cNvPr id="1026" name="Picture 2"/>
           <p:cNvPicPr>
             <a:picLocks noChangeAspect="1" noChangeArrowheads="1"/>
           </p:cNvPicPr>
@@ -7347,8 +7474,8 @@
         </p:blipFill>
         <p:spPr bwMode="auto">
           <a:xfrm>
-            <a:off x="228600" y="1447800"/>
-            <a:ext cx="8763000" cy="4902200"/>
+            <a:off x="9525" y="1409700"/>
+            <a:ext cx="9134475" cy="5448300"/>
           </a:xfrm>
           <a:prstGeom prst="rect">
             <a:avLst/>
@@ -7399,7 +7526,7 @@
         </p:nvSpPr>
         <p:spPr>
           <a:xfrm>
-            <a:off x="685800" y="228600"/>
+            <a:off x="685800" y="152400"/>
             <a:ext cx="7772400" cy="1143000"/>
           </a:xfrm>
         </p:spPr>
@@ -7436,7 +7563,7 @@
       </p:sp>
       <p:pic>
         <p:nvPicPr>
-          <p:cNvPr id="4098" name="Picture 2"/>
+          <p:cNvPr id="2050" name="Picture 2"/>
           <p:cNvPicPr>
             <a:picLocks noChangeAspect="1" noChangeArrowheads="1"/>
           </p:cNvPicPr>
@@ -7451,8 +7578,8 @@
         </p:blipFill>
         <p:spPr bwMode="auto">
           <a:xfrm>
-            <a:off x="228600" y="1600200"/>
-            <a:ext cx="8763000" cy="4775835"/>
+            <a:off x="228600" y="1371600"/>
+            <a:ext cx="8695266" cy="5105400"/>
           </a:xfrm>
           <a:prstGeom prst="rect">
             <a:avLst/>
@@ -7503,7 +7630,7 @@
         </p:nvSpPr>
         <p:spPr>
           <a:xfrm>
-            <a:off x="685800" y="228600"/>
+            <a:off x="609600" y="228600"/>
             <a:ext cx="7772400" cy="1143000"/>
           </a:xfrm>
         </p:spPr>
@@ -7540,7 +7667,7 @@
       </p:sp>
       <p:pic>
         <p:nvPicPr>
-          <p:cNvPr id="5122" name="Picture 2"/>
+          <p:cNvPr id="3074" name="Picture 2"/>
           <p:cNvPicPr>
             <a:picLocks noChangeAspect="1" noChangeArrowheads="1"/>
           </p:cNvPicPr>
@@ -7555,8 +7682,8 @@
         </p:blipFill>
         <p:spPr bwMode="auto">
           <a:xfrm>
-            <a:off x="304800" y="1600200"/>
-            <a:ext cx="8610600" cy="4453759"/>
+            <a:off x="228600" y="1447800"/>
+            <a:ext cx="8763000" cy="4902200"/>
           </a:xfrm>
           <a:prstGeom prst="rect">
             <a:avLst/>
@@ -8061,7 +8188,7 @@
   </a:extraClrSchemeLst>
   <a:extLst>
     <a:ext uri="{05A4C25C-085E-4340-85A3-A5531E510DB2}">
-      <thm15:themeFamily xmlns:thm15="http://schemas.microsoft.com/office/thememl/2012/main" xmlns="" name="Office Theme" id="{62F939B6-93AF-4DB8-9C6B-D6C7DFDC589F}" vid="{4A3C46E8-61CC-4603-A589-7422A47A8E4A}"/>
+      <thm15:themeFamily xmlns="" xmlns:thm15="http://schemas.microsoft.com/office/thememl/2012/main" name="Office Theme" id="{62F939B6-93AF-4DB8-9C6B-D6C7DFDC589F}" vid="{4A3C46E8-61CC-4603-A589-7422A47A8E4A}"/>
     </a:ext>
   </a:extLst>
 </a:theme>
@@ -8322,7 +8449,7 @@
   <a:extraClrSchemeLst/>
   <a:extLst>
     <a:ext uri="{05A4C25C-085E-4340-85A3-A5531E510DB2}">
-      <thm15:themeFamily xmlns:thm15="http://schemas.microsoft.com/office/thememl/2012/main" xmlns="" name="Office Theme" id="{62F939B6-93AF-4DB8-9C6B-D6C7DFDC589F}" vid="{4A3C46E8-61CC-4603-A589-7422A47A8E4A}"/>
+      <thm15:themeFamily xmlns="" xmlns:thm15="http://schemas.microsoft.com/office/thememl/2012/main" name="Office Theme" id="{62F939B6-93AF-4DB8-9C6B-D6C7DFDC589F}" vid="{4A3C46E8-61CC-4603-A589-7422A47A8E4A}"/>
     </a:ext>
   </a:extLst>
 </a:theme>

--- a/OOP/lectures/120--Network.Programming.pptx
+++ b/OOP/lectures/120--Network.Programming.pptx
@@ -5,46 +5,63 @@
     <p:sldMasterId id="2147483648" r:id="rId1"/>
   </p:sldMasterIdLst>
   <p:notesMasterIdLst>
-    <p:notesMasterId r:id="rId39"/>
+    <p:notesMasterId r:id="rId56"/>
   </p:notesMasterIdLst>
   <p:sldIdLst>
     <p:sldId id="267" r:id="rId2"/>
     <p:sldId id="274" r:id="rId3"/>
     <p:sldId id="276" r:id="rId4"/>
-    <p:sldId id="307" r:id="rId5"/>
-    <p:sldId id="308" r:id="rId6"/>
-    <p:sldId id="304" r:id="rId7"/>
-    <p:sldId id="280" r:id="rId8"/>
-    <p:sldId id="277" r:id="rId9"/>
-    <p:sldId id="278" r:id="rId10"/>
-    <p:sldId id="281" r:id="rId11"/>
-    <p:sldId id="282" r:id="rId12"/>
-    <p:sldId id="283" r:id="rId13"/>
-    <p:sldId id="284" r:id="rId14"/>
-    <p:sldId id="285" r:id="rId15"/>
-    <p:sldId id="286" r:id="rId16"/>
-    <p:sldId id="287" r:id="rId17"/>
-    <p:sldId id="289" r:id="rId18"/>
-    <p:sldId id="288" r:id="rId19"/>
-    <p:sldId id="290" r:id="rId20"/>
-    <p:sldId id="279" r:id="rId21"/>
-    <p:sldId id="293" r:id="rId22"/>
-    <p:sldId id="291" r:id="rId23"/>
-    <p:sldId id="292" r:id="rId24"/>
-    <p:sldId id="294" r:id="rId25"/>
-    <p:sldId id="296" r:id="rId26"/>
-    <p:sldId id="297" r:id="rId27"/>
-    <p:sldId id="299" r:id="rId28"/>
-    <p:sldId id="300" r:id="rId29"/>
-    <p:sldId id="298" r:id="rId30"/>
-    <p:sldId id="301" r:id="rId31"/>
-    <p:sldId id="302" r:id="rId32"/>
-    <p:sldId id="303" r:id="rId33"/>
-    <p:sldId id="272" r:id="rId34"/>
-    <p:sldId id="275" r:id="rId35"/>
-    <p:sldId id="305" r:id="rId36"/>
-    <p:sldId id="306" r:id="rId37"/>
-    <p:sldId id="268" r:id="rId38"/>
+    <p:sldId id="309" r:id="rId5"/>
+    <p:sldId id="307" r:id="rId6"/>
+    <p:sldId id="308" r:id="rId7"/>
+    <p:sldId id="310" r:id="rId8"/>
+    <p:sldId id="311" r:id="rId9"/>
+    <p:sldId id="312" r:id="rId10"/>
+    <p:sldId id="313" r:id="rId11"/>
+    <p:sldId id="314" r:id="rId12"/>
+    <p:sldId id="315" r:id="rId13"/>
+    <p:sldId id="316" r:id="rId14"/>
+    <p:sldId id="317" r:id="rId15"/>
+    <p:sldId id="318" r:id="rId16"/>
+    <p:sldId id="319" r:id="rId17"/>
+    <p:sldId id="320" r:id="rId18"/>
+    <p:sldId id="321" r:id="rId19"/>
+    <p:sldId id="322" r:id="rId20"/>
+    <p:sldId id="323" r:id="rId21"/>
+    <p:sldId id="324" r:id="rId22"/>
+    <p:sldId id="325" r:id="rId23"/>
+    <p:sldId id="304" r:id="rId24"/>
+    <p:sldId id="280" r:id="rId25"/>
+    <p:sldId id="277" r:id="rId26"/>
+    <p:sldId id="278" r:id="rId27"/>
+    <p:sldId id="281" r:id="rId28"/>
+    <p:sldId id="282" r:id="rId29"/>
+    <p:sldId id="283" r:id="rId30"/>
+    <p:sldId id="284" r:id="rId31"/>
+    <p:sldId id="285" r:id="rId32"/>
+    <p:sldId id="286" r:id="rId33"/>
+    <p:sldId id="287" r:id="rId34"/>
+    <p:sldId id="289" r:id="rId35"/>
+    <p:sldId id="288" r:id="rId36"/>
+    <p:sldId id="290" r:id="rId37"/>
+    <p:sldId id="279" r:id="rId38"/>
+    <p:sldId id="293" r:id="rId39"/>
+    <p:sldId id="291" r:id="rId40"/>
+    <p:sldId id="292" r:id="rId41"/>
+    <p:sldId id="294" r:id="rId42"/>
+    <p:sldId id="296" r:id="rId43"/>
+    <p:sldId id="297" r:id="rId44"/>
+    <p:sldId id="299" r:id="rId45"/>
+    <p:sldId id="300" r:id="rId46"/>
+    <p:sldId id="298" r:id="rId47"/>
+    <p:sldId id="301" r:id="rId48"/>
+    <p:sldId id="302" r:id="rId49"/>
+    <p:sldId id="303" r:id="rId50"/>
+    <p:sldId id="272" r:id="rId51"/>
+    <p:sldId id="275" r:id="rId52"/>
+    <p:sldId id="305" r:id="rId53"/>
+    <p:sldId id="306" r:id="rId54"/>
+    <p:sldId id="268" r:id="rId55"/>
   </p:sldIdLst>
   <p:sldSz cx="9144000" cy="6858000" type="screen4x3"/>
   <p:notesSz cx="6858000" cy="9144000"/>
@@ -3919,7 +3936,7 @@
       </p:grpSpPr>
       <p:sp>
         <p:nvSpPr>
-          <p:cNvPr id="2" name="Title 1"/>
+          <p:cNvPr id="19458" name="Title 1"/>
           <p:cNvSpPr>
             <a:spLocks noGrp="1"/>
           </p:cNvSpPr>
@@ -3927,27 +3944,21 @@
             <p:ph type="title"/>
           </p:nvPr>
         </p:nvSpPr>
-        <p:spPr>
-          <a:xfrm>
-            <a:off x="685800" y="228600"/>
-            <a:ext cx="7772400" cy="1143000"/>
-          </a:xfrm>
-        </p:spPr>
-        <p:txBody>
-          <a:bodyPr/>
-          <a:lstStyle/>
-          <a:p>
-            <a:r>
-              <a:rPr lang="en-US" dirty="0" smtClean="0"/>
-              <a:t>Networking Basics</a:t>
-            </a:r>
-            <a:endParaRPr lang="en-US" dirty="0"/>
-          </a:p>
-        </p:txBody>
-      </p:sp>
-      <p:sp>
-        <p:nvSpPr>
-          <p:cNvPr id="3" name="Content Placeholder 2"/>
+        <p:spPr/>
+        <p:txBody>
+          <a:bodyPr/>
+          <a:lstStyle/>
+          <a:p>
+            <a:r>
+              <a:rPr lang="en-GB" altLang="en-US" smtClean="0"/>
+              <a:t>Answer</a:t>
+            </a:r>
+          </a:p>
+        </p:txBody>
+      </p:sp>
+      <p:sp>
+        <p:nvSpPr>
+          <p:cNvPr id="19459" name="Content Placeholder 2"/>
           <p:cNvSpPr>
             <a:spLocks noGrp="1"/>
           </p:cNvSpPr>
@@ -3960,42 +3971,13 @@
           <a:bodyPr/>
           <a:lstStyle/>
           <a:p>
-            <a:endParaRPr lang="en-US"/>
-          </a:p>
-        </p:txBody>
-      </p:sp>
-      <p:pic>
-        <p:nvPicPr>
-          <p:cNvPr id="4098" name="Picture 2"/>
-          <p:cNvPicPr>
-            <a:picLocks noChangeAspect="1" noChangeArrowheads="1"/>
-          </p:cNvPicPr>
-          <p:nvPr/>
-        </p:nvPicPr>
-        <p:blipFill>
-          <a:blip r:embed="rId2" cstate="print"/>
-          <a:srcRect/>
-          <a:stretch>
-            <a:fillRect/>
-          </a:stretch>
-        </p:blipFill>
-        <p:spPr bwMode="auto">
-          <a:xfrm>
-            <a:off x="228600" y="1600200"/>
-            <a:ext cx="8763000" cy="4775835"/>
-          </a:xfrm>
-          <a:prstGeom prst="rect">
-            <a:avLst/>
-          </a:prstGeom>
-          <a:noFill/>
-          <a:ln w="9525">
-            <a:noFill/>
-            <a:miter lim="800000"/>
-            <a:headEnd/>
-            <a:tailEnd/>
-          </a:ln>
-        </p:spPr>
-      </p:pic>
+            <a:r>
+              <a:rPr lang="en-GB" altLang="en-US" smtClean="0"/>
+              <a:t>Answer: c)</a:t>
+            </a:r>
+          </a:p>
+        </p:txBody>
+      </p:sp>
     </p:spTree>
   </p:cSld>
   <p:clrMapOvr>
@@ -4023,7 +4005,7 @@
       </p:grpSpPr>
       <p:sp>
         <p:nvSpPr>
-          <p:cNvPr id="2" name="Title 1"/>
+          <p:cNvPr id="20482" name="Title 1"/>
           <p:cNvSpPr>
             <a:spLocks noGrp="1"/>
           </p:cNvSpPr>
@@ -4033,7 +4015,7 @@
         </p:nvSpPr>
         <p:spPr>
           <a:xfrm>
-            <a:off x="685800" y="228600"/>
+            <a:off x="685800" y="-76200"/>
             <a:ext cx="7772400" cy="1143000"/>
           </a:xfrm>
         </p:spPr>
@@ -4042,16 +4024,15 @@
           <a:lstStyle/>
           <a:p>
             <a:r>
-              <a:rPr lang="en-US" dirty="0" smtClean="0"/>
-              <a:t>Networking Basics</a:t>
-            </a:r>
-            <a:endParaRPr lang="en-US" dirty="0"/>
-          </a:p>
-        </p:txBody>
-      </p:sp>
-      <p:sp>
-        <p:nvSpPr>
-          <p:cNvPr id="3" name="Content Placeholder 2"/>
+              <a:rPr lang="en-GB" altLang="en-US" smtClean="0"/>
+              <a:t>Question</a:t>
+            </a:r>
+          </a:p>
+        </p:txBody>
+      </p:sp>
+      <p:sp>
+        <p:nvSpPr>
+          <p:cNvPr id="20483" name="Content Placeholder 2"/>
           <p:cNvSpPr>
             <a:spLocks noGrp="1"/>
           </p:cNvSpPr>
@@ -4059,47 +4040,341 @@
             <p:ph idx="1"/>
           </p:nvPr>
         </p:nvSpPr>
-        <p:spPr/>
-        <p:txBody>
-          <a:bodyPr/>
-          <a:lstStyle/>
-          <a:p>
-            <a:endParaRPr lang="en-US"/>
+        <p:spPr>
+          <a:xfrm>
+            <a:off x="660400" y="914400"/>
+            <a:ext cx="7772400" cy="4114800"/>
+          </a:xfrm>
+        </p:spPr>
+        <p:txBody>
+          <a:bodyPr/>
+          <a:lstStyle/>
+          <a:p>
+            <a:r>
+              <a:rPr lang="en-GB" altLang="en-US" sz="2800" smtClean="0"/>
+              <a:t>What is the output of this program?</a:t>
+            </a:r>
           </a:p>
         </p:txBody>
       </p:sp>
       <p:pic>
         <p:nvPicPr>
-          <p:cNvPr id="5122" name="Picture 2"/>
+          <p:cNvPr id="20484" name="Picture 3"/>
           <p:cNvPicPr>
-            <a:picLocks noChangeAspect="1" noChangeArrowheads="1"/>
+            <a:picLocks noChangeAspect="1"/>
           </p:cNvPicPr>
           <p:nvPr/>
         </p:nvPicPr>
         <p:blipFill>
-          <a:blip r:embed="rId2" cstate="print"/>
-          <a:srcRect/>
+          <a:blip r:embed="rId2" cstate="print">
+            <a:extLst>
+              <a:ext uri="{28A0092B-C50C-407E-A947-70E740481C1C}">
+                <a14:useLocalDpi xmlns:a14="http://schemas.microsoft.com/office/drawing/2010/main" xmlns="" val="0"/>
+              </a:ext>
+            </a:extLst>
+          </a:blip>
+          <a:srcRect r="27020"/>
           <a:stretch>
             <a:fillRect/>
           </a:stretch>
         </p:blipFill>
         <p:spPr bwMode="auto">
           <a:xfrm>
-            <a:off x="304800" y="1600200"/>
-            <a:ext cx="8610600" cy="4453759"/>
+            <a:off x="719138" y="1447800"/>
+            <a:ext cx="4233862" cy="5257800"/>
           </a:xfrm>
           <a:prstGeom prst="rect">
             <a:avLst/>
           </a:prstGeom>
           <a:noFill/>
-          <a:ln w="9525">
+          <a:ln>
             <a:noFill/>
-            <a:miter lim="800000"/>
-            <a:headEnd/>
-            <a:tailEnd/>
           </a:ln>
+          <a:extLst>
+            <a:ext uri="{909E8E84-426E-40DD-AFC4-6F175D3DCCD1}">
+              <a14:hiddenFill xmlns:a14="http://schemas.microsoft.com/office/drawing/2010/main" xmlns="">
+                <a:solidFill>
+                  <a:srgbClr val="FFFFFF"/>
+                </a:solidFill>
+              </a14:hiddenFill>
+            </a:ext>
+            <a:ext uri="{91240B29-F687-4F45-9708-019B960494DF}">
+              <a14:hiddenLine xmlns:a14="http://schemas.microsoft.com/office/drawing/2010/main" xmlns="" w="9525">
+                <a:solidFill>
+                  <a:srgbClr val="000000"/>
+                </a:solidFill>
+                <a:miter lim="800000"/>
+                <a:headEnd/>
+                <a:tailEnd/>
+              </a14:hiddenLine>
+            </a:ext>
+          </a:extLst>
         </p:spPr>
       </p:pic>
+      <p:sp>
+        <p:nvSpPr>
+          <p:cNvPr id="20485" name="TextBox 4"/>
+          <p:cNvSpPr txBox="1">
+            <a:spLocks noChangeArrowheads="1"/>
+          </p:cNvSpPr>
+          <p:nvPr/>
+        </p:nvSpPr>
+        <p:spPr bwMode="auto">
+          <a:xfrm>
+            <a:off x="5181600" y="1676400"/>
+            <a:ext cx="2405063" cy="1570038"/>
+          </a:xfrm>
+          <a:prstGeom prst="rect">
+            <a:avLst/>
+          </a:prstGeom>
+          <a:noFill/>
+          <a:ln>
+            <a:noFill/>
+          </a:ln>
+          <a:extLst>
+            <a:ext uri="{909E8E84-426E-40DD-AFC4-6F175D3DCCD1}">
+              <a14:hiddenFill xmlns:a14="http://schemas.microsoft.com/office/drawing/2010/main" xmlns="">
+                <a:solidFill>
+                  <a:srgbClr val="FFFFFF"/>
+                </a:solidFill>
+              </a14:hiddenFill>
+            </a:ext>
+            <a:ext uri="{91240B29-F687-4F45-9708-019B960494DF}">
+              <a14:hiddenLine xmlns:a14="http://schemas.microsoft.com/office/drawing/2010/main" xmlns="" w="9525">
+                <a:solidFill>
+                  <a:srgbClr val="000000"/>
+                </a:solidFill>
+                <a:miter lim="800000"/>
+                <a:headEnd/>
+                <a:tailEnd/>
+              </a14:hiddenLine>
+            </a:ext>
+          </a:extLst>
+        </p:spPr>
+        <p:txBody>
+          <a:bodyPr wrap="none">
+            <a:spAutoFit/>
+          </a:bodyPr>
+          <a:lstStyle>
+            <a:lvl1pPr>
+              <a:spcBef>
+                <a:spcPct val="20000"/>
+              </a:spcBef>
+              <a:buBlip>
+                <a:blip r:embed="rId3"/>
+              </a:buBlip>
+              <a:defRPr sz="3200">
+                <a:solidFill>
+                  <a:srgbClr val="000000"/>
+                </a:solidFill>
+                <a:latin typeface="Arial" panose="020B0604020202020204" pitchFamily="34" charset="0"/>
+              </a:defRPr>
+            </a:lvl1pPr>
+            <a:lvl2pPr marL="742950" indent="-285750">
+              <a:spcBef>
+                <a:spcPct val="20000"/>
+              </a:spcBef>
+              <a:buFont typeface="Wingdings 3" panose="05040102010807070707" pitchFamily="18" charset="2"/>
+              <a:buChar char="w"/>
+              <a:defRPr sz="2800">
+                <a:solidFill>
+                  <a:srgbClr val="000000"/>
+                </a:solidFill>
+                <a:latin typeface="Arial" panose="020B0604020202020204" pitchFamily="34" charset="0"/>
+              </a:defRPr>
+            </a:lvl2pPr>
+            <a:lvl3pPr marL="1143000" indent="-228600">
+              <a:spcBef>
+                <a:spcPct val="20000"/>
+              </a:spcBef>
+              <a:buChar char="•"/>
+              <a:defRPr sz="2400">
+                <a:solidFill>
+                  <a:srgbClr val="000000"/>
+                </a:solidFill>
+                <a:latin typeface="Arial" panose="020B0604020202020204" pitchFamily="34" charset="0"/>
+              </a:defRPr>
+            </a:lvl3pPr>
+            <a:lvl4pPr marL="1600200" indent="-228600">
+              <a:spcBef>
+                <a:spcPct val="20000"/>
+              </a:spcBef>
+              <a:buChar char="–"/>
+              <a:defRPr sz="2000">
+                <a:solidFill>
+                  <a:srgbClr val="000000"/>
+                </a:solidFill>
+                <a:latin typeface="Arial" panose="020B0604020202020204" pitchFamily="34" charset="0"/>
+              </a:defRPr>
+            </a:lvl4pPr>
+            <a:lvl5pPr marL="2057400" indent="-228600">
+              <a:spcBef>
+                <a:spcPct val="20000"/>
+              </a:spcBef>
+              <a:buChar char="»"/>
+              <a:defRPr sz="2000">
+                <a:solidFill>
+                  <a:srgbClr val="000000"/>
+                </a:solidFill>
+                <a:latin typeface="Arial" panose="020B0604020202020204" pitchFamily="34" charset="0"/>
+              </a:defRPr>
+            </a:lvl5pPr>
+            <a:lvl6pPr marL="2514600" indent="-228600" eaLnBrk="0" fontAlgn="base" hangingPunct="0">
+              <a:spcBef>
+                <a:spcPct val="20000"/>
+              </a:spcBef>
+              <a:spcAft>
+                <a:spcPct val="0"/>
+              </a:spcAft>
+              <a:buChar char="»"/>
+              <a:defRPr sz="2000">
+                <a:solidFill>
+                  <a:srgbClr val="000000"/>
+                </a:solidFill>
+                <a:latin typeface="Arial" panose="020B0604020202020204" pitchFamily="34" charset="0"/>
+              </a:defRPr>
+            </a:lvl6pPr>
+            <a:lvl7pPr marL="2971800" indent="-228600" eaLnBrk="0" fontAlgn="base" hangingPunct="0">
+              <a:spcBef>
+                <a:spcPct val="20000"/>
+              </a:spcBef>
+              <a:spcAft>
+                <a:spcPct val="0"/>
+              </a:spcAft>
+              <a:buChar char="»"/>
+              <a:defRPr sz="2000">
+                <a:solidFill>
+                  <a:srgbClr val="000000"/>
+                </a:solidFill>
+                <a:latin typeface="Arial" panose="020B0604020202020204" pitchFamily="34" charset="0"/>
+              </a:defRPr>
+            </a:lvl7pPr>
+            <a:lvl8pPr marL="3429000" indent="-228600" eaLnBrk="0" fontAlgn="base" hangingPunct="0">
+              <a:spcBef>
+                <a:spcPct val="20000"/>
+              </a:spcBef>
+              <a:spcAft>
+                <a:spcPct val="0"/>
+              </a:spcAft>
+              <a:buChar char="»"/>
+              <a:defRPr sz="2000">
+                <a:solidFill>
+                  <a:srgbClr val="000000"/>
+                </a:solidFill>
+                <a:latin typeface="Arial" panose="020B0604020202020204" pitchFamily="34" charset="0"/>
+              </a:defRPr>
+            </a:lvl8pPr>
+            <a:lvl9pPr marL="3886200" indent="-228600" eaLnBrk="0" fontAlgn="base" hangingPunct="0">
+              <a:spcBef>
+                <a:spcPct val="20000"/>
+              </a:spcBef>
+              <a:spcAft>
+                <a:spcPct val="0"/>
+              </a:spcAft>
+              <a:buChar char="»"/>
+              <a:defRPr sz="2000">
+                <a:solidFill>
+                  <a:srgbClr val="000000"/>
+                </a:solidFill>
+                <a:latin typeface="Arial" panose="020B0604020202020204" pitchFamily="34" charset="0"/>
+              </a:defRPr>
+            </a:lvl9pPr>
+          </a:lstStyle>
+          <a:p>
+            <a:pPr>
+              <a:spcBef>
+                <a:spcPct val="0"/>
+              </a:spcBef>
+              <a:buFontTx/>
+              <a:buNone/>
+            </a:pPr>
+            <a:r>
+              <a:rPr lang="es-ES" altLang="en-US" sz="2400" dirty="0">
+                <a:solidFill>
+                  <a:schemeClr val="bg2"/>
+                </a:solidFill>
+                <a:latin typeface="Times New Roman" panose="02020603050405020304" pitchFamily="18" charset="0"/>
+              </a:rPr>
+              <a:t>a) 0</a:t>
+            </a:r>
+            <a:br>
+              <a:rPr lang="es-ES" altLang="en-US" sz="2400" dirty="0">
+                <a:solidFill>
+                  <a:schemeClr val="bg2"/>
+                </a:solidFill>
+                <a:latin typeface="Times New Roman" panose="02020603050405020304" pitchFamily="18" charset="0"/>
+              </a:rPr>
+            </a:br>
+            <a:r>
+              <a:rPr lang="es-ES" altLang="en-US" sz="2400" dirty="0">
+                <a:solidFill>
+                  <a:schemeClr val="bg2"/>
+                </a:solidFill>
+                <a:latin typeface="Times New Roman" panose="02020603050405020304" pitchFamily="18" charset="0"/>
+              </a:rPr>
+              <a:t>b) 1</a:t>
+            </a:r>
+            <a:br>
+              <a:rPr lang="es-ES" altLang="en-US" sz="2400" dirty="0">
+                <a:solidFill>
+                  <a:schemeClr val="bg2"/>
+                </a:solidFill>
+                <a:latin typeface="Times New Roman" panose="02020603050405020304" pitchFamily="18" charset="0"/>
+              </a:rPr>
+            </a:br>
+            <a:r>
+              <a:rPr lang="es-ES" altLang="en-US" sz="2400" dirty="0">
+                <a:solidFill>
+                  <a:schemeClr val="bg2"/>
+                </a:solidFill>
+                <a:latin typeface="Times New Roman" panose="02020603050405020304" pitchFamily="18" charset="0"/>
+              </a:rPr>
+              <a:t>c) 2</a:t>
+            </a:r>
+            <a:br>
+              <a:rPr lang="es-ES" altLang="en-US" sz="2400" dirty="0">
+                <a:solidFill>
+                  <a:schemeClr val="bg2"/>
+                </a:solidFill>
+                <a:latin typeface="Times New Roman" panose="02020603050405020304" pitchFamily="18" charset="0"/>
+              </a:rPr>
+            </a:br>
+            <a:r>
+              <a:rPr lang="es-ES" altLang="en-US" sz="2400" dirty="0">
+                <a:solidFill>
+                  <a:schemeClr val="bg2"/>
+                </a:solidFill>
+                <a:latin typeface="Times New Roman" panose="02020603050405020304" pitchFamily="18" charset="0"/>
+              </a:rPr>
+              <a:t>d) </a:t>
+            </a:r>
+            <a:r>
+              <a:rPr lang="es-ES" altLang="en-US" sz="2400" dirty="0" err="1">
+                <a:solidFill>
+                  <a:schemeClr val="bg2"/>
+                </a:solidFill>
+                <a:latin typeface="Times New Roman" panose="02020603050405020304" pitchFamily="18" charset="0"/>
+              </a:rPr>
+              <a:t>Compiler</a:t>
+            </a:r>
+            <a:r>
+              <a:rPr lang="es-ES" altLang="en-US" sz="2400" dirty="0">
+                <a:solidFill>
+                  <a:schemeClr val="bg2"/>
+                </a:solidFill>
+                <a:latin typeface="Times New Roman" panose="02020603050405020304" pitchFamily="18" charset="0"/>
+              </a:rPr>
+              <a:t> Error</a:t>
+            </a:r>
+            <a:endParaRPr lang="en-GB" altLang="en-US" sz="2400" dirty="0">
+              <a:solidFill>
+                <a:schemeClr val="bg2"/>
+              </a:solidFill>
+              <a:latin typeface="Times New Roman" panose="02020603050405020304" pitchFamily="18" charset="0"/>
+            </a:endParaRPr>
+          </a:p>
+        </p:txBody>
+      </p:sp>
     </p:spTree>
   </p:cSld>
   <p:clrMapOvr>
@@ -4127,7 +4402,7 @@
       </p:grpSpPr>
       <p:sp>
         <p:nvSpPr>
-          <p:cNvPr id="2" name="Title 1"/>
+          <p:cNvPr id="21506" name="Title 1"/>
           <p:cNvSpPr>
             <a:spLocks noGrp="1"/>
           </p:cNvSpPr>
@@ -4135,21 +4410,15 @@
             <p:ph type="title"/>
           </p:nvPr>
         </p:nvSpPr>
-        <p:spPr>
-          <a:xfrm>
-            <a:off x="685800" y="152400"/>
-            <a:ext cx="7772400" cy="1143000"/>
-          </a:xfrm>
-        </p:spPr>
-        <p:txBody>
-          <a:bodyPr/>
-          <a:lstStyle/>
-          <a:p>
-            <a:r>
-              <a:rPr lang="en-US" dirty="0" smtClean="0"/>
-              <a:t>Networking Basics</a:t>
-            </a:r>
-            <a:endParaRPr lang="en-US" dirty="0"/>
+        <p:spPr/>
+        <p:txBody>
+          <a:bodyPr/>
+          <a:lstStyle/>
+          <a:p>
+            <a:r>
+              <a:rPr lang="en-GB" altLang="en-US" smtClean="0"/>
+              <a:t>Answer</a:t>
+            </a:r>
           </a:p>
         </p:txBody>
       </p:sp>
@@ -4165,45 +4434,98 @@
         </p:nvSpPr>
         <p:spPr/>
         <p:txBody>
-          <a:bodyPr/>
-          <a:lstStyle/>
-          <a:p>
-            <a:endParaRPr lang="en-US"/>
-          </a:p>
-        </p:txBody>
-      </p:sp>
-      <p:pic>
-        <p:nvPicPr>
-          <p:cNvPr id="6146" name="Picture 2"/>
-          <p:cNvPicPr>
-            <a:picLocks noChangeAspect="1" noChangeArrowheads="1"/>
-          </p:cNvPicPr>
-          <p:nvPr/>
-        </p:nvPicPr>
-        <p:blipFill>
-          <a:blip r:embed="rId2" cstate="print"/>
-          <a:srcRect/>
-          <a:stretch>
-            <a:fillRect/>
-          </a:stretch>
-        </p:blipFill>
-        <p:spPr bwMode="auto">
-          <a:xfrm>
-            <a:off x="228600" y="1676400"/>
-            <a:ext cx="8839200" cy="4672149"/>
-          </a:xfrm>
-          <a:prstGeom prst="rect">
-            <a:avLst/>
-          </a:prstGeom>
-          <a:noFill/>
-          <a:ln w="9525">
-            <a:noFill/>
-            <a:miter lim="800000"/>
-            <a:headEnd/>
-            <a:tailEnd/>
-          </a:ln>
-        </p:spPr>
-      </p:pic>
+          <a:bodyPr>
+            <a:normAutofit fontScale="77500" lnSpcReduction="20000"/>
+          </a:bodyPr>
+          <a:lstStyle/>
+          <a:p>
+            <a:pPr>
+              <a:defRPr/>
+            </a:pPr>
+            <a:r>
+              <a:rPr lang="en-GB" dirty="0" smtClean="0"/>
+              <a:t>Answer: c</a:t>
+            </a:r>
+          </a:p>
+          <a:p>
+            <a:pPr marL="0" indent="0">
+              <a:buFontTx/>
+              <a:buNone/>
+              <a:defRPr/>
+            </a:pPr>
+            <a:r>
+              <a:rPr lang="en-GB" dirty="0" smtClean="0"/>
+              <a:t>Explanation: class A &amp; class B both contain display() method, class B inherits class A, when display() method is called by object of class B, display() method of class B is executed rather than that of Class A.</a:t>
+            </a:r>
+          </a:p>
+          <a:p>
+            <a:pPr marL="0" indent="0">
+              <a:buFontTx/>
+              <a:buNone/>
+              <a:defRPr/>
+            </a:pPr>
+            <a:endParaRPr lang="en-GB" dirty="0" smtClean="0"/>
+          </a:p>
+          <a:p>
+            <a:pPr marL="0" indent="0">
+              <a:buFontTx/>
+              <a:buNone/>
+              <a:defRPr/>
+            </a:pPr>
+            <a:r>
+              <a:rPr lang="en-GB" dirty="0" smtClean="0"/>
+              <a:t>output:</a:t>
+            </a:r>
+          </a:p>
+          <a:p>
+            <a:pPr marL="0" indent="0">
+              <a:buFontTx/>
+              <a:buNone/>
+              <a:defRPr/>
+            </a:pPr>
+            <a:r>
+              <a:rPr lang="en-GB" dirty="0" smtClean="0"/>
+              <a:t>$ </a:t>
+            </a:r>
+            <a:r>
+              <a:rPr lang="en-GB" dirty="0" err="1" smtClean="0"/>
+              <a:t>javac</a:t>
+            </a:r>
+            <a:r>
+              <a:rPr lang="en-GB" dirty="0" smtClean="0"/>
+              <a:t> inheritanceDemo.java</a:t>
+            </a:r>
+          </a:p>
+          <a:p>
+            <a:pPr marL="0" indent="0">
+              <a:buFontTx/>
+              <a:buNone/>
+              <a:defRPr/>
+            </a:pPr>
+            <a:r>
+              <a:rPr lang="en-GB" dirty="0" smtClean="0"/>
+              <a:t>$ java </a:t>
+            </a:r>
+            <a:r>
+              <a:rPr lang="en-GB" dirty="0" err="1" smtClean="0"/>
+              <a:t>inheritanceDemo</a:t>
+            </a:r>
+            <a:endParaRPr lang="en-GB" dirty="0" smtClean="0"/>
+          </a:p>
+          <a:p>
+            <a:pPr marL="0" indent="0">
+              <a:buFontTx/>
+              <a:buNone/>
+              <a:defRPr/>
+            </a:pPr>
+            <a:r>
+              <a:rPr lang="en-GB" dirty="0" smtClean="0"/>
+              <a:t>2</a:t>
+            </a:r>
+            <a:endParaRPr lang="en-GB" dirty="0"/>
+          </a:p>
+        </p:txBody>
+      </p:sp>
     </p:spTree>
   </p:cSld>
   <p:clrMapOvr>
@@ -4241,7 +4563,7 @@
         </p:nvSpPr>
         <p:spPr>
           <a:xfrm>
-            <a:off x="685800" y="152400"/>
+            <a:off x="685800" y="0"/>
             <a:ext cx="7772400" cy="1143000"/>
           </a:xfrm>
         </p:spPr>
@@ -4251,7 +4573,7 @@
           <a:p>
             <a:r>
               <a:rPr lang="en-US" dirty="0" smtClean="0"/>
-              <a:t>Socket-Level Programming </a:t>
+              <a:t>Question</a:t>
             </a:r>
             <a:endParaRPr lang="en-US" dirty="0"/>
           </a:p>
@@ -4267,18 +4589,27 @@
             <p:ph idx="1"/>
           </p:nvPr>
         </p:nvSpPr>
-        <p:spPr/>
-        <p:txBody>
-          <a:bodyPr/>
-          <a:lstStyle/>
-          <a:p>
-            <a:endParaRPr lang="en-US"/>
+        <p:spPr>
+          <a:xfrm>
+            <a:off x="457200" y="1371600"/>
+            <a:ext cx="4648200" cy="4114800"/>
+          </a:xfrm>
+        </p:spPr>
+        <p:txBody>
+          <a:bodyPr/>
+          <a:lstStyle/>
+          <a:p>
+            <a:r>
+              <a:rPr lang="en-US" dirty="0" smtClean="0"/>
+              <a:t>Does the following code compile?  If so what is the output?</a:t>
+            </a:r>
+            <a:endParaRPr lang="en-US" dirty="0"/>
           </a:p>
         </p:txBody>
       </p:sp>
       <p:pic>
         <p:nvPicPr>
-          <p:cNvPr id="7170" name="Picture 2"/>
+          <p:cNvPr id="1026" name="Picture 2"/>
           <p:cNvPicPr>
             <a:picLocks noChangeAspect="1" noChangeArrowheads="1"/>
           </p:cNvPicPr>
@@ -4293,8 +4624,8 @@
         </p:blipFill>
         <p:spPr bwMode="auto">
           <a:xfrm>
-            <a:off x="152400" y="1371600"/>
-            <a:ext cx="8818563" cy="5291138"/>
+            <a:off x="4648200" y="1371600"/>
+            <a:ext cx="4191000" cy="5221796"/>
           </a:xfrm>
           <a:prstGeom prst="rect">
             <a:avLst/>
@@ -4343,19 +4674,14 @@
             <p:ph type="title"/>
           </p:nvPr>
         </p:nvSpPr>
-        <p:spPr>
-          <a:xfrm>
-            <a:off x="762000" y="228600"/>
-            <a:ext cx="7772400" cy="1143000"/>
-          </a:xfrm>
-        </p:spPr>
+        <p:spPr/>
         <p:txBody>
           <a:bodyPr/>
           <a:lstStyle/>
           <a:p>
             <a:r>
               <a:rPr lang="en-US" dirty="0" smtClean="0"/>
-              <a:t>Writing Clients </a:t>
+              <a:t>Answer</a:t>
             </a:r>
             <a:endParaRPr lang="en-US" dirty="0"/>
           </a:p>
@@ -4376,42 +4702,14 @@
           <a:bodyPr/>
           <a:lstStyle/>
           <a:p>
-            <a:endParaRPr lang="en-US"/>
-          </a:p>
-        </p:txBody>
-      </p:sp>
-      <p:pic>
-        <p:nvPicPr>
-          <p:cNvPr id="8194" name="Picture 2"/>
-          <p:cNvPicPr>
-            <a:picLocks noChangeAspect="1" noChangeArrowheads="1"/>
-          </p:cNvPicPr>
-          <p:nvPr/>
-        </p:nvPicPr>
-        <p:blipFill>
-          <a:blip r:embed="rId2" cstate="print"/>
-          <a:srcRect/>
-          <a:stretch>
-            <a:fillRect/>
-          </a:stretch>
-        </p:blipFill>
-        <p:spPr bwMode="auto">
-          <a:xfrm>
-            <a:off x="76200" y="1447800"/>
-            <a:ext cx="8991599" cy="4695522"/>
-          </a:xfrm>
-          <a:prstGeom prst="rect">
-            <a:avLst/>
-          </a:prstGeom>
-          <a:noFill/>
-          <a:ln w="9525">
-            <a:noFill/>
-            <a:miter lim="800000"/>
-            <a:headEnd/>
-            <a:tailEnd/>
-          </a:ln>
-        </p:spPr>
-      </p:pic>
+            <a:r>
+              <a:rPr lang="en-US" dirty="0" smtClean="0"/>
+              <a:t>2 1</a:t>
+            </a:r>
+            <a:endParaRPr lang="en-US" dirty="0"/>
+          </a:p>
+        </p:txBody>
+      </p:sp>
     </p:spTree>
   </p:cSld>
   <p:clrMapOvr>
@@ -4447,19 +4745,14 @@
             <p:ph type="title"/>
           </p:nvPr>
         </p:nvSpPr>
-        <p:spPr>
-          <a:xfrm>
-            <a:off x="685800" y="381000"/>
-            <a:ext cx="7772400" cy="1143000"/>
-          </a:xfrm>
-        </p:spPr>
+        <p:spPr/>
         <p:txBody>
           <a:bodyPr/>
           <a:lstStyle/>
           <a:p>
             <a:r>
               <a:rPr lang="en-US" dirty="0" smtClean="0"/>
-              <a:t>Writing Clients </a:t>
+              <a:t>Question</a:t>
             </a:r>
             <a:endParaRPr lang="en-US" dirty="0"/>
           </a:p>
@@ -4480,13 +4773,17 @@
           <a:bodyPr/>
           <a:lstStyle/>
           <a:p>
-            <a:endParaRPr lang="en-US"/>
+            <a:r>
+              <a:rPr lang="en-US" dirty="0" smtClean="0"/>
+              <a:t>What is the output for the following program?</a:t>
+            </a:r>
+            <a:endParaRPr lang="en-US" dirty="0"/>
           </a:p>
         </p:txBody>
       </p:sp>
       <p:pic>
         <p:nvPicPr>
-          <p:cNvPr id="9218" name="Picture 2"/>
+          <p:cNvPr id="2051" name="Picture 3"/>
           <p:cNvPicPr>
             <a:picLocks noChangeAspect="1" noChangeArrowheads="1"/>
           </p:cNvPicPr>
@@ -4501,8 +4798,8 @@
         </p:blipFill>
         <p:spPr bwMode="auto">
           <a:xfrm>
-            <a:off x="228600" y="1600200"/>
-            <a:ext cx="8643751" cy="4829175"/>
+            <a:off x="1524000" y="3429000"/>
+            <a:ext cx="6269673" cy="1866900"/>
           </a:xfrm>
           <a:prstGeom prst="rect">
             <a:avLst/>
@@ -4551,19 +4848,14 @@
             <p:ph type="title"/>
           </p:nvPr>
         </p:nvSpPr>
-        <p:spPr>
-          <a:xfrm>
-            <a:off x="685800" y="304800"/>
-            <a:ext cx="7772400" cy="1143000"/>
-          </a:xfrm>
-        </p:spPr>
+        <p:spPr/>
         <p:txBody>
           <a:bodyPr/>
           <a:lstStyle/>
           <a:p>
             <a:r>
               <a:rPr lang="en-US" dirty="0" smtClean="0"/>
-              <a:t>Writing Servers </a:t>
+              <a:t>Answer</a:t>
             </a:r>
             <a:endParaRPr lang="en-US" dirty="0"/>
           </a:p>
@@ -4584,42 +4876,14 @@
           <a:bodyPr/>
           <a:lstStyle/>
           <a:p>
-            <a:endParaRPr lang="en-US"/>
-          </a:p>
-        </p:txBody>
-      </p:sp>
-      <p:pic>
-        <p:nvPicPr>
-          <p:cNvPr id="10242" name="Picture 2"/>
-          <p:cNvPicPr>
-            <a:picLocks noChangeAspect="1" noChangeArrowheads="1"/>
-          </p:cNvPicPr>
-          <p:nvPr/>
-        </p:nvPicPr>
-        <p:blipFill>
-          <a:blip r:embed="rId2" cstate="print"/>
-          <a:srcRect/>
-          <a:stretch>
-            <a:fillRect/>
-          </a:stretch>
-        </p:blipFill>
-        <p:spPr bwMode="auto">
-          <a:xfrm>
-            <a:off x="228600" y="1600200"/>
-            <a:ext cx="8686800" cy="4880323"/>
-          </a:xfrm>
-          <a:prstGeom prst="rect">
-            <a:avLst/>
-          </a:prstGeom>
-          <a:noFill/>
-          <a:ln w="9525">
-            <a:noFill/>
-            <a:miter lim="800000"/>
-            <a:headEnd/>
-            <a:tailEnd/>
-          </a:ln>
-        </p:spPr>
-      </p:pic>
+            <a:r>
+              <a:rPr lang="en-US" dirty="0" smtClean="0"/>
+              <a:t>9.0</a:t>
+            </a:r>
+            <a:endParaRPr lang="en-US" dirty="0"/>
+          </a:p>
+        </p:txBody>
+      </p:sp>
     </p:spTree>
   </p:cSld>
   <p:clrMapOvr>
@@ -4655,19 +4919,14 @@
             <p:ph type="title"/>
           </p:nvPr>
         </p:nvSpPr>
-        <p:spPr>
-          <a:xfrm>
-            <a:off x="685800" y="228600"/>
-            <a:ext cx="7772400" cy="1143000"/>
-          </a:xfrm>
-        </p:spPr>
+        <p:spPr/>
         <p:txBody>
           <a:bodyPr/>
           <a:lstStyle/>
           <a:p>
             <a:r>
               <a:rPr lang="en-US" dirty="0" smtClean="0"/>
-              <a:t>Writing Servers</a:t>
+              <a:t>Question</a:t>
             </a:r>
             <a:endParaRPr lang="en-US" dirty="0"/>
           </a:p>
@@ -4688,13 +4947,17 @@
           <a:bodyPr/>
           <a:lstStyle/>
           <a:p>
-            <a:endParaRPr lang="en-US"/>
+            <a:r>
+              <a:rPr lang="en-US" dirty="0" smtClean="0"/>
+              <a:t>Will the following code compile?  If so what would be the output?</a:t>
+            </a:r>
+            <a:endParaRPr lang="en-US" dirty="0"/>
           </a:p>
         </p:txBody>
       </p:sp>
       <p:pic>
         <p:nvPicPr>
-          <p:cNvPr id="11266" name="Picture 2"/>
+          <p:cNvPr id="3074" name="Picture 2"/>
           <p:cNvPicPr>
             <a:picLocks noChangeAspect="1" noChangeArrowheads="1"/>
           </p:cNvPicPr>
@@ -4709,8 +4972,8 @@
         </p:blipFill>
         <p:spPr bwMode="auto">
           <a:xfrm>
-            <a:off x="76200" y="1905000"/>
-            <a:ext cx="8915400" cy="3992091"/>
+            <a:off x="1371600" y="3429000"/>
+            <a:ext cx="6189650" cy="2281237"/>
           </a:xfrm>
           <a:prstGeom prst="rect">
             <a:avLst/>
@@ -4766,7 +5029,7 @@
           <a:p>
             <a:r>
               <a:rPr lang="en-US" dirty="0" smtClean="0"/>
-              <a:t>Security Note</a:t>
+              <a:t>Answer</a:t>
             </a:r>
             <a:endParaRPr lang="en-US" dirty="0"/>
           </a:p>
@@ -4789,18 +5052,8 @@
           <a:p>
             <a:r>
               <a:rPr lang="en-US" dirty="0" smtClean="0"/>
-              <a:t>Many machines now refuse socket</a:t>
-            </a:r>
-            <a:br>
-              <a:rPr lang="en-US" dirty="0" smtClean="0"/>
-            </a:br>
-            <a:r>
-              <a:rPr lang="en-US" dirty="0" smtClean="0"/>
-              <a:t>connections due to security considerations </a:t>
-            </a:r>
-            <a:br>
-              <a:rPr lang="en-US" dirty="0" smtClean="0"/>
-            </a:br>
+              <a:t>True</a:t>
+            </a:r>
             <a:endParaRPr lang="en-US" dirty="0"/>
           </a:p>
         </p:txBody>
@@ -4852,7 +5105,7 @@
           <a:p>
             <a:r>
               <a:rPr lang="en-US" dirty="0" smtClean="0"/>
-              <a:t>Writing Servers </a:t>
+              <a:t>Question</a:t>
             </a:r>
             <a:endParaRPr lang="en-US" dirty="0"/>
           </a:p>
@@ -4868,18 +5121,27 @@
             <p:ph idx="1"/>
           </p:nvPr>
         </p:nvSpPr>
-        <p:spPr/>
-        <p:txBody>
-          <a:bodyPr/>
-          <a:lstStyle/>
-          <a:p>
-            <a:endParaRPr lang="en-US"/>
+        <p:spPr>
+          <a:xfrm>
+            <a:off x="685800" y="1295400"/>
+            <a:ext cx="7772400" cy="4114800"/>
+          </a:xfrm>
+        </p:spPr>
+        <p:txBody>
+          <a:bodyPr/>
+          <a:lstStyle/>
+          <a:p>
+            <a:r>
+              <a:rPr lang="en-US" dirty="0" smtClean="0"/>
+              <a:t>Will the following code compile?  If so what would the output be?</a:t>
+            </a:r>
+            <a:endParaRPr lang="en-US" dirty="0"/>
           </a:p>
         </p:txBody>
       </p:sp>
       <p:pic>
         <p:nvPicPr>
-          <p:cNvPr id="12290" name="Picture 2"/>
+          <p:cNvPr id="4098" name="Picture 2"/>
           <p:cNvPicPr>
             <a:picLocks noChangeAspect="1" noChangeArrowheads="1"/>
           </p:cNvPicPr>
@@ -4894,8 +5156,8 @@
         </p:blipFill>
         <p:spPr bwMode="auto">
           <a:xfrm>
-            <a:off x="228600" y="1219200"/>
-            <a:ext cx="8839200" cy="5581299"/>
+            <a:off x="1981200" y="2667000"/>
+            <a:ext cx="5486400" cy="3994826"/>
           </a:xfrm>
           <a:prstGeom prst="rect">
             <a:avLst/>
@@ -5066,19 +5328,14 @@
             <p:ph type="title"/>
           </p:nvPr>
         </p:nvSpPr>
-        <p:spPr>
-          <a:xfrm>
-            <a:off x="685800" y="76200"/>
-            <a:ext cx="7772400" cy="1143000"/>
-          </a:xfrm>
-        </p:spPr>
+        <p:spPr/>
         <p:txBody>
           <a:bodyPr/>
           <a:lstStyle/>
           <a:p>
             <a:r>
               <a:rPr lang="en-US" dirty="0" smtClean="0"/>
-              <a:t>Writing Servers </a:t>
+              <a:t>Answer</a:t>
             </a:r>
             <a:endParaRPr lang="en-US" dirty="0"/>
           </a:p>
@@ -5096,45 +5353,107 @@
         </p:nvSpPr>
         <p:spPr/>
         <p:txBody>
-          <a:bodyPr/>
-          <a:lstStyle/>
-          <a:p>
-            <a:endParaRPr lang="en-US"/>
-          </a:p>
-        </p:txBody>
-      </p:sp>
-      <p:pic>
-        <p:nvPicPr>
-          <p:cNvPr id="13314" name="Picture 2"/>
-          <p:cNvPicPr>
-            <a:picLocks noChangeAspect="1" noChangeArrowheads="1"/>
-          </p:cNvPicPr>
-          <p:nvPr/>
-        </p:nvPicPr>
-        <p:blipFill>
-          <a:blip r:embed="rId2" cstate="print"/>
-          <a:srcRect/>
-          <a:stretch>
-            <a:fillRect/>
-          </a:stretch>
-        </p:blipFill>
-        <p:spPr bwMode="auto">
-          <a:xfrm>
-            <a:off x="257133" y="1295400"/>
-            <a:ext cx="8886867" cy="5376863"/>
-          </a:xfrm>
-          <a:prstGeom prst="rect">
-            <a:avLst/>
-          </a:prstGeom>
-          <a:noFill/>
-          <a:ln w="9525">
-            <a:noFill/>
-            <a:miter lim="800000"/>
-            <a:headEnd/>
-            <a:tailEnd/>
-          </a:ln>
-        </p:spPr>
-      </p:pic>
+          <a:bodyPr>
+            <a:normAutofit fontScale="92500" lnSpcReduction="20000"/>
+          </a:bodyPr>
+          <a:lstStyle/>
+          <a:p>
+            <a:r>
+              <a:rPr lang="en-US" dirty="0" smtClean="0"/>
+              <a:t>No</a:t>
+            </a:r>
+          </a:p>
+          <a:p>
+            <a:endParaRPr lang="en-US" dirty="0" smtClean="0"/>
+          </a:p>
+          <a:p>
+            <a:pPr>
+              <a:buNone/>
+            </a:pPr>
+            <a:r>
+              <a:rPr lang="en-US" sz="2600" dirty="0" smtClean="0"/>
+              <a:t>Question.java: </a:t>
+            </a:r>
+            <a:r>
+              <a:rPr lang="en-US" sz="2600" dirty="0" smtClean="0"/>
+              <a:t>error: constructor Question in class Question cannot be applied to given types;</a:t>
+            </a:r>
+          </a:p>
+          <a:p>
+            <a:pPr>
+              <a:buNone/>
+            </a:pPr>
+            <a:r>
+              <a:rPr lang="en-US" sz="2600" dirty="0" smtClean="0"/>
+              <a:t>        Question </a:t>
+            </a:r>
+            <a:r>
+              <a:rPr lang="en-US" sz="2600" dirty="0" err="1" smtClean="0"/>
+              <a:t>bg</a:t>
+            </a:r>
+            <a:r>
+              <a:rPr lang="en-US" sz="2600" dirty="0" smtClean="0"/>
+              <a:t> = new Question();</a:t>
+            </a:r>
+          </a:p>
+          <a:p>
+            <a:pPr>
+              <a:buNone/>
+            </a:pPr>
+            <a:r>
+              <a:rPr lang="en-US" sz="2600" dirty="0" smtClean="0"/>
+              <a:t>                      </a:t>
+            </a:r>
+            <a:r>
+              <a:rPr lang="en-US" sz="2600" dirty="0" smtClean="0"/>
+              <a:t>         ^</a:t>
+            </a:r>
+            <a:endParaRPr lang="en-US" sz="2600" dirty="0" smtClean="0"/>
+          </a:p>
+          <a:p>
+            <a:pPr>
+              <a:buNone/>
+            </a:pPr>
+            <a:r>
+              <a:rPr lang="en-US" sz="2600" dirty="0" smtClean="0"/>
+              <a:t>  required: </a:t>
+            </a:r>
+            <a:r>
+              <a:rPr lang="en-US" sz="2600" dirty="0" err="1" smtClean="0"/>
+              <a:t>int</a:t>
+            </a:r>
+            <a:endParaRPr lang="en-US" sz="2600" dirty="0" smtClean="0"/>
+          </a:p>
+          <a:p>
+            <a:pPr>
+              <a:buNone/>
+            </a:pPr>
+            <a:r>
+              <a:rPr lang="en-US" sz="2600" dirty="0" smtClean="0"/>
+              <a:t>  found: no arguments</a:t>
+            </a:r>
+          </a:p>
+          <a:p>
+            <a:pPr>
+              <a:buNone/>
+            </a:pPr>
+            <a:r>
+              <a:rPr lang="en-US" sz="2600" dirty="0" smtClean="0"/>
+              <a:t>  reason: actual and formal argument lists differ in length</a:t>
+            </a:r>
+          </a:p>
+          <a:p>
+            <a:pPr>
+              <a:buNone/>
+            </a:pPr>
+            <a:r>
+              <a:rPr lang="en-US" sz="2600" dirty="0" smtClean="0"/>
+              <a:t>1 error</a:t>
+            </a:r>
+            <a:endParaRPr lang="en-US" sz="2600" dirty="0"/>
+          </a:p>
+        </p:txBody>
+      </p:sp>
     </p:spTree>
   </p:cSld>
   <p:clrMapOvr>
@@ -5170,103 +5489,55 @@
             <p:ph type="title"/>
           </p:nvPr>
         </p:nvSpPr>
-        <p:spPr/>
+        <p:spPr>
+          <a:xfrm>
+            <a:off x="685800" y="0"/>
+            <a:ext cx="7772400" cy="1143000"/>
+          </a:xfrm>
+        </p:spPr>
         <p:txBody>
           <a:bodyPr/>
           <a:lstStyle/>
           <a:p>
             <a:r>
               <a:rPr lang="en-US" dirty="0" smtClean="0"/>
-              <a:t>Communicating with </a:t>
-            </a:r>
-            <a:r>
-              <a:rPr lang="en-US" b="1" dirty="0" smtClean="0">
-                <a:solidFill>
-                  <a:srgbClr val="FF0000"/>
-                </a:solidFill>
-              </a:rPr>
-              <a:t>Web</a:t>
-            </a:r>
+              <a:t>Question</a:t>
+            </a:r>
+            <a:endParaRPr lang="en-US" dirty="0"/>
+          </a:p>
+        </p:txBody>
+      </p:sp>
+      <p:sp>
+        <p:nvSpPr>
+          <p:cNvPr id="3" name="Content Placeholder 2"/>
+          <p:cNvSpPr>
+            <a:spLocks noGrp="1"/>
+          </p:cNvSpPr>
+          <p:nvPr>
+            <p:ph idx="1"/>
+          </p:nvPr>
+        </p:nvSpPr>
+        <p:spPr>
+          <a:xfrm>
+            <a:off x="685800" y="1219200"/>
+            <a:ext cx="7772400" cy="4114800"/>
+          </a:xfrm>
+        </p:spPr>
+        <p:txBody>
+          <a:bodyPr/>
+          <a:lstStyle/>
+          <a:p>
             <a:r>
               <a:rPr lang="en-US" dirty="0" smtClean="0"/>
-              <a:t> Servers </a:t>
+              <a:t>Will the following code compile?  If so what would be the output?</a:t>
             </a:r>
             <a:endParaRPr lang="en-US" dirty="0"/>
-          </a:p>
-        </p:txBody>
-      </p:sp>
-      <p:sp>
-        <p:nvSpPr>
-          <p:cNvPr id="3" name="Content Placeholder 2"/>
-          <p:cNvSpPr>
-            <a:spLocks noGrp="1"/>
-          </p:cNvSpPr>
-          <p:nvPr>
-            <p:ph idx="1"/>
-          </p:nvPr>
-        </p:nvSpPr>
-        <p:spPr>
-          <a:xfrm>
-            <a:off x="685800" y="5029200"/>
-            <a:ext cx="7772400" cy="1066800"/>
-          </a:xfrm>
-        </p:spPr>
-        <p:txBody>
-          <a:bodyPr/>
-          <a:lstStyle/>
-          <a:p>
-            <a:pPr>
-              <a:buNone/>
-            </a:pPr>
-            <a:r>
-              <a:rPr lang="en-US" sz="1600" dirty="0" smtClean="0"/>
-              <a:t>http://www.zjnu.cn/index.html</a:t>
-            </a:r>
-          </a:p>
-          <a:p>
-            <a:pPr>
-              <a:buNone/>
-            </a:pPr>
-            <a:r>
-              <a:rPr lang="en-US" sz="1600" dirty="0" smtClean="0"/>
-              <a:t>ftp://ftp.zjnu/pub//test.java</a:t>
-            </a:r>
-          </a:p>
-          <a:p>
-            <a:pPr>
-              <a:buNone/>
-            </a:pPr>
-            <a:r>
-              <a:rPr lang="en-US" sz="1600" dirty="0" smtClean="0"/>
-              <a:t>file:/</a:t>
-            </a:r>
-            <a:r>
-              <a:rPr lang="en-US" sz="1600" dirty="0" err="1" smtClean="0"/>
-              <a:t>MyDisk</a:t>
-            </a:r>
-            <a:r>
-              <a:rPr lang="en-US" sz="1600" dirty="0" smtClean="0"/>
-              <a:t>/Letters/file.txt</a:t>
-            </a:r>
-          </a:p>
-          <a:p>
-            <a:pPr>
-              <a:buNone/>
-            </a:pPr>
-            <a:r>
-              <a:rPr lang="en-US" sz="1600" dirty="0" smtClean="0"/>
-              <a:t>Protocols include files, http, ftp, gopher, news, mailto, etc </a:t>
-            </a:r>
-            <a:br>
-              <a:rPr lang="en-US" sz="1600" dirty="0" smtClean="0"/>
-            </a:br>
-            <a:endParaRPr lang="en-US" sz="1600" dirty="0"/>
           </a:p>
         </p:txBody>
       </p:sp>
       <p:pic>
         <p:nvPicPr>
-          <p:cNvPr id="14338" name="Picture 2"/>
+          <p:cNvPr id="5122" name="Picture 2"/>
           <p:cNvPicPr>
             <a:picLocks noChangeAspect="1" noChangeArrowheads="1"/>
           </p:cNvPicPr>
@@ -5281,8 +5552,8 @@
         </p:blipFill>
         <p:spPr bwMode="auto">
           <a:xfrm>
-            <a:off x="228600" y="1905000"/>
-            <a:ext cx="8763000" cy="3042347"/>
+            <a:off x="1828800" y="2362199"/>
+            <a:ext cx="5486400" cy="4352631"/>
           </a:xfrm>
           <a:prstGeom prst="rect">
             <a:avLst/>
@@ -5331,19 +5602,14 @@
             <p:ph type="title"/>
           </p:nvPr>
         </p:nvSpPr>
-        <p:spPr>
-          <a:xfrm>
-            <a:off x="304800" y="0"/>
-            <a:ext cx="8610600" cy="1143000"/>
-          </a:xfrm>
-        </p:spPr>
+        <p:spPr/>
         <p:txBody>
           <a:bodyPr/>
           <a:lstStyle/>
           <a:p>
             <a:r>
               <a:rPr lang="en-US" dirty="0" smtClean="0"/>
-              <a:t>Communicating with web servers </a:t>
+              <a:t>Answer</a:t>
             </a:r>
             <a:endParaRPr lang="en-US" dirty="0"/>
           </a:p>
@@ -5364,42 +5630,38 @@
           <a:bodyPr/>
           <a:lstStyle/>
           <a:p>
-            <a:endParaRPr lang="en-US"/>
-          </a:p>
-        </p:txBody>
-      </p:sp>
-      <p:pic>
-        <p:nvPicPr>
-          <p:cNvPr id="15362" name="Picture 2"/>
-          <p:cNvPicPr>
-            <a:picLocks noChangeAspect="1" noChangeArrowheads="1"/>
-          </p:cNvPicPr>
-          <p:nvPr/>
-        </p:nvPicPr>
-        <p:blipFill>
-          <a:blip r:embed="rId2" cstate="print"/>
-          <a:srcRect/>
-          <a:stretch>
-            <a:fillRect/>
-          </a:stretch>
-        </p:blipFill>
-        <p:spPr bwMode="auto">
-          <a:xfrm>
-            <a:off x="228600" y="1371600"/>
-            <a:ext cx="8839200" cy="4809691"/>
-          </a:xfrm>
-          <a:prstGeom prst="rect">
-            <a:avLst/>
-          </a:prstGeom>
-          <a:noFill/>
-          <a:ln w="9525">
-            <a:noFill/>
-            <a:miter lim="800000"/>
-            <a:headEnd/>
-            <a:tailEnd/>
-          </a:ln>
-        </p:spPr>
-      </p:pic>
+            <a:r>
+              <a:rPr lang="en-US" dirty="0" smtClean="0"/>
+              <a:t>Base Class </a:t>
+            </a:r>
+            <a:r>
+              <a:rPr lang="en-US" dirty="0" smtClean="0"/>
+              <a:t>– A</a:t>
+            </a:r>
+          </a:p>
+          <a:p>
+            <a:endParaRPr lang="en-US" dirty="0" smtClean="0"/>
+          </a:p>
+          <a:p>
+            <a:pPr>
+              <a:buNone/>
+            </a:pPr>
+            <a:r>
+              <a:rPr lang="en-US" sz="2400" dirty="0" smtClean="0"/>
+              <a:t>Though Base Class handler is having the object of Derived Class but its not overriding as now with a definition having an argument ,derived class will have both method () and method (</a:t>
+            </a:r>
+            <a:r>
+              <a:rPr lang="en-US" sz="2400" dirty="0" err="1" smtClean="0"/>
+              <a:t>int</a:t>
+            </a:r>
+            <a:r>
+              <a:rPr lang="en-US" sz="2400" dirty="0" smtClean="0"/>
+              <a:t>) and hence its overloading.</a:t>
+            </a:r>
+            <a:endParaRPr lang="en-US" sz="2400" dirty="0"/>
+          </a:p>
+        </p:txBody>
+      </p:sp>
     </p:spTree>
   </p:cSld>
   <p:clrMapOvr>
@@ -5427,6 +5689,29 @@
       </p:grpSpPr>
       <p:sp>
         <p:nvSpPr>
+          <p:cNvPr id="2" name="Title 1"/>
+          <p:cNvSpPr>
+            <a:spLocks noGrp="1"/>
+          </p:cNvSpPr>
+          <p:nvPr>
+            <p:ph type="title"/>
+          </p:nvPr>
+        </p:nvSpPr>
+        <p:spPr/>
+        <p:txBody>
+          <a:bodyPr/>
+          <a:lstStyle/>
+          <a:p>
+            <a:r>
+              <a:rPr lang="en-US" dirty="0" smtClean="0"/>
+              <a:t>Why is Networking Important?</a:t>
+            </a:r>
+            <a:endParaRPr lang="en-US" dirty="0"/>
+          </a:p>
+        </p:txBody>
+      </p:sp>
+      <p:sp>
+        <p:nvSpPr>
           <p:cNvPr id="3" name="Content Placeholder 2"/>
           <p:cNvSpPr>
             <a:spLocks noGrp="1"/>
@@ -5444,66 +5729,6 @@
           </a:p>
         </p:txBody>
       </p:sp>
-      <p:sp>
-        <p:nvSpPr>
-          <p:cNvPr id="4" name="Title 1"/>
-          <p:cNvSpPr>
-            <a:spLocks noGrp="1"/>
-          </p:cNvSpPr>
-          <p:nvPr>
-            <p:ph type="title"/>
-          </p:nvPr>
-        </p:nvSpPr>
-        <p:spPr>
-          <a:xfrm>
-            <a:off x="304800" y="0"/>
-            <a:ext cx="8610600" cy="1143000"/>
-          </a:xfrm>
-        </p:spPr>
-        <p:txBody>
-          <a:bodyPr/>
-          <a:lstStyle/>
-          <a:p>
-            <a:r>
-              <a:rPr lang="en-US" dirty="0" smtClean="0"/>
-              <a:t>Communicating with web servers </a:t>
-            </a:r>
-            <a:endParaRPr lang="en-US" dirty="0"/>
-          </a:p>
-        </p:txBody>
-      </p:sp>
-      <p:pic>
-        <p:nvPicPr>
-          <p:cNvPr id="16386" name="Picture 2"/>
-          <p:cNvPicPr>
-            <a:picLocks noChangeAspect="1" noChangeArrowheads="1"/>
-          </p:cNvPicPr>
-          <p:nvPr/>
-        </p:nvPicPr>
-        <p:blipFill>
-          <a:blip r:embed="rId2" cstate="print"/>
-          <a:srcRect/>
-          <a:stretch>
-            <a:fillRect/>
-          </a:stretch>
-        </p:blipFill>
-        <p:spPr bwMode="auto">
-          <a:xfrm>
-            <a:off x="152400" y="1371600"/>
-            <a:ext cx="8763000" cy="4816305"/>
-          </a:xfrm>
-          <a:prstGeom prst="rect">
-            <a:avLst/>
-          </a:prstGeom>
-          <a:noFill/>
-          <a:ln w="9525">
-            <a:noFill/>
-            <a:miter lim="800000"/>
-            <a:headEnd/>
-            <a:tailEnd/>
-          </a:ln>
-        </p:spPr>
-      </p:pic>
     </p:spTree>
   </p:cSld>
   <p:clrMapOvr>
@@ -5531,6 +5756,34 @@
       </p:grpSpPr>
       <p:sp>
         <p:nvSpPr>
+          <p:cNvPr id="2" name="Title 1"/>
+          <p:cNvSpPr>
+            <a:spLocks noGrp="1"/>
+          </p:cNvSpPr>
+          <p:nvPr>
+            <p:ph type="title"/>
+          </p:nvPr>
+        </p:nvSpPr>
+        <p:spPr>
+          <a:xfrm>
+            <a:off x="685800" y="228600"/>
+            <a:ext cx="7772400" cy="1143000"/>
+          </a:xfrm>
+        </p:spPr>
+        <p:txBody>
+          <a:bodyPr/>
+          <a:lstStyle/>
+          <a:p>
+            <a:r>
+              <a:rPr lang="en-US" dirty="0" smtClean="0"/>
+              <a:t>Networking Basics</a:t>
+            </a:r>
+            <a:endParaRPr lang="en-US" dirty="0"/>
+          </a:p>
+        </p:txBody>
+      </p:sp>
+      <p:sp>
+        <p:nvSpPr>
           <p:cNvPr id="3" name="Content Placeholder 2"/>
           <p:cNvSpPr>
             <a:spLocks noGrp="1"/>
@@ -5545,40 +5798,12 @@
           <a:lstStyle/>
           <a:p>
             <a:endParaRPr lang="en-US"/>
-          </a:p>
-        </p:txBody>
-      </p:sp>
-      <p:sp>
-        <p:nvSpPr>
-          <p:cNvPr id="4" name="Title 1"/>
-          <p:cNvSpPr>
-            <a:spLocks noGrp="1"/>
-          </p:cNvSpPr>
-          <p:nvPr>
-            <p:ph type="title"/>
-          </p:nvPr>
-        </p:nvSpPr>
-        <p:spPr>
-          <a:xfrm>
-            <a:off x="304800" y="0"/>
-            <a:ext cx="8610600" cy="1143000"/>
-          </a:xfrm>
-        </p:spPr>
-        <p:txBody>
-          <a:bodyPr/>
-          <a:lstStyle/>
-          <a:p>
-            <a:r>
-              <a:rPr lang="en-US" dirty="0" smtClean="0"/>
-              <a:t>Communicating with web servers </a:t>
-            </a:r>
-            <a:endParaRPr lang="en-US" dirty="0"/>
           </a:p>
         </p:txBody>
       </p:sp>
       <p:pic>
         <p:nvPicPr>
-          <p:cNvPr id="17410" name="Picture 2"/>
+          <p:cNvPr id="1026" name="Picture 2"/>
           <p:cNvPicPr>
             <a:picLocks noChangeAspect="1" noChangeArrowheads="1"/>
           </p:cNvPicPr>
@@ -5593,8 +5818,8 @@
         </p:blipFill>
         <p:spPr bwMode="auto">
           <a:xfrm>
-            <a:off x="152400" y="1600200"/>
-            <a:ext cx="8883085" cy="4138613"/>
+            <a:off x="9525" y="1409700"/>
+            <a:ext cx="9134475" cy="5448300"/>
           </a:xfrm>
           <a:prstGeom prst="rect">
             <a:avLst/>
@@ -5645,7 +5870,7 @@
         </p:nvSpPr>
         <p:spPr>
           <a:xfrm>
-            <a:off x="685800" y="228600"/>
+            <a:off x="685800" y="152400"/>
             <a:ext cx="7772400" cy="1143000"/>
           </a:xfrm>
         </p:spPr>
@@ -5655,7 +5880,7 @@
           <a:p>
             <a:r>
               <a:rPr lang="en-US" dirty="0" smtClean="0"/>
-              <a:t>Retrieving Information </a:t>
+              <a:t>Networking Basics</a:t>
             </a:r>
             <a:endParaRPr lang="en-US" dirty="0"/>
           </a:p>
@@ -5682,7 +5907,7 @@
       </p:sp>
       <p:pic>
         <p:nvPicPr>
-          <p:cNvPr id="18434" name="Picture 2"/>
+          <p:cNvPr id="2050" name="Picture 2"/>
           <p:cNvPicPr>
             <a:picLocks noChangeAspect="1" noChangeArrowheads="1"/>
           </p:cNvPicPr>
@@ -5697,8 +5922,8 @@
         </p:blipFill>
         <p:spPr bwMode="auto">
           <a:xfrm>
-            <a:off x="228600" y="1600200"/>
-            <a:ext cx="8686800" cy="4369000"/>
+            <a:off x="228600" y="1371600"/>
+            <a:ext cx="8695266" cy="5105400"/>
           </a:xfrm>
           <a:prstGeom prst="rect">
             <a:avLst/>
@@ -5747,14 +5972,19 @@
             <p:ph type="title"/>
           </p:nvPr>
         </p:nvSpPr>
-        <p:spPr/>
+        <p:spPr>
+          <a:xfrm>
+            <a:off x="609600" y="228600"/>
+            <a:ext cx="7772400" cy="1143000"/>
+          </a:xfrm>
+        </p:spPr>
         <p:txBody>
           <a:bodyPr/>
           <a:lstStyle/>
           <a:p>
             <a:r>
               <a:rPr lang="en-US" dirty="0" smtClean="0"/>
-              <a:t>Retrieving Information </a:t>
+              <a:t>Networking Basics</a:t>
             </a:r>
             <a:endParaRPr lang="en-US" dirty="0"/>
           </a:p>
@@ -5781,7 +6011,7 @@
       </p:sp>
       <p:pic>
         <p:nvPicPr>
-          <p:cNvPr id="19458" name="Picture 2"/>
+          <p:cNvPr id="3074" name="Picture 2"/>
           <p:cNvPicPr>
             <a:picLocks noChangeAspect="1" noChangeArrowheads="1"/>
           </p:cNvPicPr>
@@ -5796,8 +6026,8 @@
         </p:blipFill>
         <p:spPr bwMode="auto">
           <a:xfrm>
-            <a:off x="457200" y="1676400"/>
-            <a:ext cx="8343900" cy="4752975"/>
+            <a:off x="228600" y="1447800"/>
+            <a:ext cx="8763000" cy="4902200"/>
           </a:xfrm>
           <a:prstGeom prst="rect">
             <a:avLst/>
@@ -5848,7 +6078,7 @@
         </p:nvSpPr>
         <p:spPr>
           <a:xfrm>
-            <a:off x="762000" y="381000"/>
+            <a:off x="685800" y="228600"/>
             <a:ext cx="7772400" cy="1143000"/>
           </a:xfrm>
         </p:spPr>
@@ -5858,7 +6088,7 @@
           <a:p>
             <a:r>
               <a:rPr lang="en-US" dirty="0" smtClean="0"/>
-              <a:t>Retrieving Information </a:t>
+              <a:t>Networking Basics</a:t>
             </a:r>
             <a:endParaRPr lang="en-US" dirty="0"/>
           </a:p>
@@ -5885,7 +6115,7 @@
       </p:sp>
       <p:pic>
         <p:nvPicPr>
-          <p:cNvPr id="20482" name="Picture 2"/>
+          <p:cNvPr id="4098" name="Picture 2"/>
           <p:cNvPicPr>
             <a:picLocks noChangeAspect="1" noChangeArrowheads="1"/>
           </p:cNvPicPr>
@@ -5900,8 +6130,8 @@
         </p:blipFill>
         <p:spPr bwMode="auto">
           <a:xfrm>
-            <a:off x="228600" y="1447800"/>
-            <a:ext cx="8458200" cy="4759354"/>
+            <a:off x="228600" y="1600200"/>
+            <a:ext cx="8763000" cy="4775835"/>
           </a:xfrm>
           <a:prstGeom prst="rect">
             <a:avLst/>
@@ -5952,7 +6182,7 @@
         </p:nvSpPr>
         <p:spPr>
           <a:xfrm>
-            <a:off x="685800" y="0"/>
+            <a:off x="685800" y="228600"/>
             <a:ext cx="7772400" cy="1143000"/>
           </a:xfrm>
         </p:spPr>
@@ -5962,7 +6192,7 @@
           <a:p>
             <a:r>
               <a:rPr lang="en-US" dirty="0" smtClean="0"/>
-              <a:t>Sending Information </a:t>
+              <a:t>Networking Basics</a:t>
             </a:r>
             <a:endParaRPr lang="en-US" dirty="0"/>
           </a:p>
@@ -5989,7 +6219,7 @@
       </p:sp>
       <p:pic>
         <p:nvPicPr>
-          <p:cNvPr id="21506" name="Picture 2"/>
+          <p:cNvPr id="5122" name="Picture 2"/>
           <p:cNvPicPr>
             <a:picLocks noChangeAspect="1" noChangeArrowheads="1"/>
           </p:cNvPicPr>
@@ -6004,8 +6234,8 @@
         </p:blipFill>
         <p:spPr bwMode="auto">
           <a:xfrm>
-            <a:off x="533400" y="1143000"/>
-            <a:ext cx="8317810" cy="5572125"/>
+            <a:off x="304800" y="1600200"/>
+            <a:ext cx="8610600" cy="4453759"/>
           </a:xfrm>
           <a:prstGeom prst="rect">
             <a:avLst/>
@@ -6056,7 +6286,7 @@
         </p:nvSpPr>
         <p:spPr>
           <a:xfrm>
-            <a:off x="762000" y="152400"/>
+            <a:off x="685800" y="152400"/>
             <a:ext cx="7772400" cy="1143000"/>
           </a:xfrm>
         </p:spPr>
@@ -6066,7 +6296,7 @@
           <a:p>
             <a:r>
               <a:rPr lang="en-US" dirty="0" smtClean="0"/>
-              <a:t>Sending Information </a:t>
+              <a:t>Networking Basics</a:t>
             </a:r>
             <a:endParaRPr lang="en-US" dirty="0"/>
           </a:p>
@@ -6093,7 +6323,7 @@
       </p:sp>
       <p:pic>
         <p:nvPicPr>
-          <p:cNvPr id="22530" name="Picture 2"/>
+          <p:cNvPr id="6146" name="Picture 2"/>
           <p:cNvPicPr>
             <a:picLocks noChangeAspect="1" noChangeArrowheads="1"/>
           </p:cNvPicPr>
@@ -6108,8 +6338,8 @@
         </p:blipFill>
         <p:spPr bwMode="auto">
           <a:xfrm>
-            <a:off x="152400" y="1828800"/>
-            <a:ext cx="8915400" cy="3658053"/>
+            <a:off x="228600" y="1676400"/>
+            <a:ext cx="8839200" cy="4672149"/>
           </a:xfrm>
           <a:prstGeom prst="rect">
             <a:avLst/>
@@ -6201,11 +6431,7 @@
           <a:p>
             <a:r>
               <a:rPr lang="en-US" dirty="0" smtClean="0"/>
-              <a:t>Networking </a:t>
-            </a:r>
-            <a:r>
-              <a:rPr lang="en-US" dirty="0" smtClean="0"/>
-              <a:t>basics</a:t>
+              <a:t>Networking basics</a:t>
             </a:r>
           </a:p>
           <a:p>
@@ -6316,7 +6542,7 @@
         </p:nvSpPr>
         <p:spPr>
           <a:xfrm>
-            <a:off x="609600" y="381000"/>
+            <a:off x="685800" y="152400"/>
             <a:ext cx="7772400" cy="1143000"/>
           </a:xfrm>
         </p:spPr>
@@ -6326,7 +6552,7 @@
           <a:p>
             <a:r>
               <a:rPr lang="en-US" dirty="0" smtClean="0"/>
-              <a:t>Sending Information </a:t>
+              <a:t>Socket-Level Programming </a:t>
             </a:r>
             <a:endParaRPr lang="en-US" dirty="0"/>
           </a:p>
@@ -6353,7 +6579,7 @@
       </p:sp>
       <p:pic>
         <p:nvPicPr>
-          <p:cNvPr id="23554" name="Picture 2"/>
+          <p:cNvPr id="7170" name="Picture 2"/>
           <p:cNvPicPr>
             <a:picLocks noChangeAspect="1" noChangeArrowheads="1"/>
           </p:cNvPicPr>
@@ -6368,8 +6594,8 @@
         </p:blipFill>
         <p:spPr bwMode="auto">
           <a:xfrm>
-            <a:off x="228600" y="1828800"/>
-            <a:ext cx="8763000" cy="4440369"/>
+            <a:off x="152400" y="1371600"/>
+            <a:ext cx="8818563" cy="5291138"/>
           </a:xfrm>
           <a:prstGeom prst="rect">
             <a:avLst/>
@@ -6420,7 +6646,7 @@
         </p:nvSpPr>
         <p:spPr>
           <a:xfrm>
-            <a:off x="762000" y="152400"/>
+            <a:off x="762000" y="228600"/>
             <a:ext cx="7772400" cy="1143000"/>
           </a:xfrm>
         </p:spPr>
@@ -6430,7 +6656,7 @@
           <a:p>
             <a:r>
               <a:rPr lang="en-US" dirty="0" smtClean="0"/>
-              <a:t>Sending Information</a:t>
+              <a:t>Writing Clients </a:t>
             </a:r>
             <a:endParaRPr lang="en-US" dirty="0"/>
           </a:p>
@@ -6457,7 +6683,7 @@
       </p:sp>
       <p:pic>
         <p:nvPicPr>
-          <p:cNvPr id="24578" name="Picture 2"/>
+          <p:cNvPr id="8194" name="Picture 2"/>
           <p:cNvPicPr>
             <a:picLocks noChangeAspect="1" noChangeArrowheads="1"/>
           </p:cNvPicPr>
@@ -6472,8 +6698,8 @@
         </p:blipFill>
         <p:spPr bwMode="auto">
           <a:xfrm>
-            <a:off x="457200" y="1600200"/>
-            <a:ext cx="8448675" cy="4667250"/>
+            <a:off x="76200" y="1447800"/>
+            <a:ext cx="8991599" cy="4695522"/>
           </a:xfrm>
           <a:prstGeom prst="rect">
             <a:avLst/>
@@ -6514,6 +6740,34 @@
       </p:grpSpPr>
       <p:sp>
         <p:nvSpPr>
+          <p:cNvPr id="2" name="Title 1"/>
+          <p:cNvSpPr>
+            <a:spLocks noGrp="1"/>
+          </p:cNvSpPr>
+          <p:nvPr>
+            <p:ph type="title"/>
+          </p:nvPr>
+        </p:nvSpPr>
+        <p:spPr>
+          <a:xfrm>
+            <a:off x="685800" y="381000"/>
+            <a:ext cx="7772400" cy="1143000"/>
+          </a:xfrm>
+        </p:spPr>
+        <p:txBody>
+          <a:bodyPr/>
+          <a:lstStyle/>
+          <a:p>
+            <a:r>
+              <a:rPr lang="en-US" dirty="0" smtClean="0"/>
+              <a:t>Writing Clients </a:t>
+            </a:r>
+            <a:endParaRPr lang="en-US" dirty="0"/>
+          </a:p>
+        </p:txBody>
+      </p:sp>
+      <p:sp>
+        <p:nvSpPr>
           <p:cNvPr id="3" name="Content Placeholder 2"/>
           <p:cNvSpPr>
             <a:spLocks noGrp="1"/>
@@ -6528,40 +6782,12 @@
           <a:lstStyle/>
           <a:p>
             <a:endParaRPr lang="en-US"/>
-          </a:p>
-        </p:txBody>
-      </p:sp>
-      <p:sp>
-        <p:nvSpPr>
-          <p:cNvPr id="4" name="Title 1"/>
-          <p:cNvSpPr>
-            <a:spLocks noGrp="1"/>
-          </p:cNvSpPr>
-          <p:nvPr>
-            <p:ph type="title"/>
-          </p:nvPr>
-        </p:nvSpPr>
-        <p:spPr>
-          <a:xfrm>
-            <a:off x="762000" y="152400"/>
-            <a:ext cx="7772400" cy="1143000"/>
-          </a:xfrm>
-        </p:spPr>
-        <p:txBody>
-          <a:bodyPr/>
-          <a:lstStyle/>
-          <a:p>
-            <a:r>
-              <a:rPr lang="en-US" dirty="0" smtClean="0"/>
-              <a:t>Sending Information</a:t>
-            </a:r>
-            <a:endParaRPr lang="en-US" dirty="0"/>
           </a:p>
         </p:txBody>
       </p:sp>
       <p:pic>
         <p:nvPicPr>
-          <p:cNvPr id="25602" name="Picture 2"/>
+          <p:cNvPr id="9218" name="Picture 2"/>
           <p:cNvPicPr>
             <a:picLocks noChangeAspect="1" noChangeArrowheads="1"/>
           </p:cNvPicPr>
@@ -6576,8 +6802,8 @@
         </p:blipFill>
         <p:spPr bwMode="auto">
           <a:xfrm>
-            <a:off x="152400" y="1447800"/>
-            <a:ext cx="8915400" cy="5072150"/>
+            <a:off x="228600" y="1600200"/>
+            <a:ext cx="8643751" cy="4829175"/>
           </a:xfrm>
           <a:prstGeom prst="rect">
             <a:avLst/>
@@ -6618,7 +6844,7 @@
       </p:grpSpPr>
       <p:sp>
         <p:nvSpPr>
-          <p:cNvPr id="12290" name="Title 1"/>
+          <p:cNvPr id="2" name="Title 1"/>
           <p:cNvSpPr>
             <a:spLocks noGrp="1"/>
           </p:cNvSpPr>
@@ -6626,78 +6852,80 @@
             <p:ph type="title"/>
           </p:nvPr>
         </p:nvSpPr>
+        <p:spPr>
+          <a:xfrm>
+            <a:off x="685800" y="304800"/>
+            <a:ext cx="7772400" cy="1143000"/>
+          </a:xfrm>
+        </p:spPr>
+        <p:txBody>
+          <a:bodyPr/>
+          <a:lstStyle/>
+          <a:p>
+            <a:r>
+              <a:rPr lang="en-US" dirty="0" smtClean="0"/>
+              <a:t>Writing Servers </a:t>
+            </a:r>
+            <a:endParaRPr lang="en-US" dirty="0"/>
+          </a:p>
+        </p:txBody>
+      </p:sp>
+      <p:sp>
+        <p:nvSpPr>
+          <p:cNvPr id="3" name="Content Placeholder 2"/>
+          <p:cNvSpPr>
+            <a:spLocks noGrp="1"/>
+          </p:cNvSpPr>
+          <p:nvPr>
+            <p:ph idx="1"/>
+          </p:nvPr>
+        </p:nvSpPr>
         <p:spPr/>
         <p:txBody>
           <a:bodyPr/>
           <a:lstStyle/>
           <a:p>
-            <a:r>
-              <a:rPr lang="en-GB" altLang="en-US" smtClean="0"/>
-              <a:t>Summary</a:t>
-            </a:r>
-          </a:p>
-        </p:txBody>
-      </p:sp>
-      <p:sp>
-        <p:nvSpPr>
-          <p:cNvPr id="12291" name="Content Placeholder 2"/>
-          <p:cNvSpPr>
-            <a:spLocks noGrp="1"/>
-          </p:cNvSpPr>
-          <p:nvPr>
-            <p:ph idx="1"/>
-          </p:nvPr>
-        </p:nvSpPr>
-        <p:spPr/>
-        <p:txBody>
-          <a:bodyPr/>
-          <a:lstStyle/>
-          <a:p>
-            <a:r>
-              <a:rPr lang="en-GB" altLang="en-US" dirty="0" smtClean="0"/>
-              <a:t>Essential Java Networking</a:t>
-            </a:r>
-          </a:p>
-          <a:p>
-            <a:pPr lvl="1"/>
-            <a:r>
-              <a:rPr lang="en-GB" altLang="en-US" dirty="0" smtClean="0"/>
-              <a:t>Ports/IP/Sending/Receiving Data</a:t>
-            </a:r>
-          </a:p>
-          <a:p>
-            <a:pPr lvl="1"/>
-            <a:r>
-              <a:rPr lang="en-GB" altLang="en-US" dirty="0" smtClean="0"/>
-              <a:t>Java Implementation Examples</a:t>
-            </a:r>
-          </a:p>
-          <a:p>
-            <a:r>
-              <a:rPr lang="en-GB" altLang="en-US" dirty="0" smtClean="0"/>
-              <a:t>Hands-On/Practical</a:t>
-            </a:r>
-          </a:p>
-          <a:p>
-            <a:r>
-              <a:rPr lang="en-GB" altLang="en-US" dirty="0" smtClean="0"/>
-              <a:t>Today is about becoming basic Java Networking</a:t>
-            </a:r>
-          </a:p>
-        </p:txBody>
-      </p:sp>
+            <a:endParaRPr lang="en-US"/>
+          </a:p>
+        </p:txBody>
+      </p:sp>
+      <p:pic>
+        <p:nvPicPr>
+          <p:cNvPr id="10242" name="Picture 2"/>
+          <p:cNvPicPr>
+            <a:picLocks noChangeAspect="1" noChangeArrowheads="1"/>
+          </p:cNvPicPr>
+          <p:nvPr/>
+        </p:nvPicPr>
+        <p:blipFill>
+          <a:blip r:embed="rId2" cstate="print"/>
+          <a:srcRect/>
+          <a:stretch>
+            <a:fillRect/>
+          </a:stretch>
+        </p:blipFill>
+        <p:spPr bwMode="auto">
+          <a:xfrm>
+            <a:off x="228600" y="1600200"/>
+            <a:ext cx="8686800" cy="4880323"/>
+          </a:xfrm>
+          <a:prstGeom prst="rect">
+            <a:avLst/>
+          </a:prstGeom>
+          <a:noFill/>
+          <a:ln w="9525">
+            <a:noFill/>
+            <a:miter lim="800000"/>
+            <a:headEnd/>
+            <a:tailEnd/>
+          </a:ln>
+        </p:spPr>
+      </p:pic>
     </p:spTree>
   </p:cSld>
   <p:clrMapOvr>
     <a:masterClrMapping/>
   </p:clrMapOvr>
-  <p:timing>
-    <p:tnLst>
-      <p:par>
-        <p:cTn id="1" dur="indefinite" restart="never" nodeType="tmRoot"/>
-      </p:par>
-    </p:tnLst>
-  </p:timing>
 </p:sld>
 </file>
 
@@ -6720,7 +6948,7 @@
       </p:grpSpPr>
       <p:sp>
         <p:nvSpPr>
-          <p:cNvPr id="11266" name="Title 1"/>
+          <p:cNvPr id="2" name="Title 1"/>
           <p:cNvSpPr>
             <a:spLocks noGrp="1"/>
           </p:cNvSpPr>
@@ -6728,79 +6956,75 @@
             <p:ph type="title"/>
           </p:nvPr>
         </p:nvSpPr>
+        <p:spPr>
+          <a:xfrm>
+            <a:off x="685800" y="228600"/>
+            <a:ext cx="7772400" cy="1143000"/>
+          </a:xfrm>
+        </p:spPr>
+        <p:txBody>
+          <a:bodyPr/>
+          <a:lstStyle/>
+          <a:p>
+            <a:r>
+              <a:rPr lang="en-US" dirty="0" smtClean="0"/>
+              <a:t>Writing Servers</a:t>
+            </a:r>
+            <a:endParaRPr lang="en-US" dirty="0"/>
+          </a:p>
+        </p:txBody>
+      </p:sp>
+      <p:sp>
+        <p:nvSpPr>
+          <p:cNvPr id="3" name="Content Placeholder 2"/>
+          <p:cNvSpPr>
+            <a:spLocks noGrp="1"/>
+          </p:cNvSpPr>
+          <p:nvPr>
+            <p:ph idx="1"/>
+          </p:nvPr>
+        </p:nvSpPr>
         <p:spPr/>
         <p:txBody>
           <a:bodyPr/>
           <a:lstStyle/>
           <a:p>
-            <a:r>
-              <a:rPr lang="en-GB" altLang="en-US" smtClean="0"/>
-              <a:t>This Week</a:t>
-            </a:r>
-          </a:p>
-        </p:txBody>
-      </p:sp>
-      <p:sp>
-        <p:nvSpPr>
-          <p:cNvPr id="11267" name="Content Placeholder 2"/>
-          <p:cNvSpPr>
-            <a:spLocks noGrp="1"/>
-          </p:cNvSpPr>
-          <p:nvPr>
-            <p:ph idx="1"/>
-          </p:nvPr>
-        </p:nvSpPr>
-        <p:spPr/>
-        <p:txBody>
-          <a:bodyPr/>
-          <a:lstStyle/>
-          <a:p>
-            <a:r>
-              <a:rPr lang="en-GB" altLang="en-US" dirty="0" smtClean="0"/>
-              <a:t>Read Associated Chapters</a:t>
-            </a:r>
-          </a:p>
-          <a:p>
-            <a:r>
-              <a:rPr lang="en-GB" altLang="en-US" dirty="0" smtClean="0"/>
-              <a:t>Review Slides</a:t>
-            </a:r>
-          </a:p>
-          <a:p>
-            <a:r>
-              <a:rPr lang="en-GB" altLang="en-US" dirty="0" smtClean="0"/>
-              <a:t>Java Exercises</a:t>
-            </a:r>
-          </a:p>
-          <a:p>
-            <a:r>
-              <a:rPr lang="en-GB" altLang="en-US" dirty="0" smtClean="0"/>
-              <a:t>Online Quizzes</a:t>
-            </a:r>
-          </a:p>
-          <a:p>
-            <a:pPr lvl="1"/>
-            <a:r>
-              <a:rPr lang="en-GB" altLang="en-US" dirty="0" smtClean="0"/>
-              <a:t>25</a:t>
-            </a:r>
-            <a:r>
-              <a:rPr lang="en-GB" altLang="en-US" baseline="30000" dirty="0" smtClean="0"/>
-              <a:t>th</a:t>
-            </a:r>
-            <a:r>
-              <a:rPr lang="en-GB" altLang="en-US" dirty="0" smtClean="0"/>
-              <a:t> December (Last Date)</a:t>
-            </a:r>
-          </a:p>
-          <a:p>
-            <a:r>
-              <a:rPr lang="en-GB" altLang="en-US" dirty="0" smtClean="0"/>
-              <a:t>Getting Ready Exam</a:t>
-            </a:r>
-          </a:p>
-        </p:txBody>
-      </p:sp>
+            <a:endParaRPr lang="en-US"/>
+          </a:p>
+        </p:txBody>
+      </p:sp>
+      <p:pic>
+        <p:nvPicPr>
+          <p:cNvPr id="11266" name="Picture 2"/>
+          <p:cNvPicPr>
+            <a:picLocks noChangeAspect="1" noChangeArrowheads="1"/>
+          </p:cNvPicPr>
+          <p:nvPr/>
+        </p:nvPicPr>
+        <p:blipFill>
+          <a:blip r:embed="rId2" cstate="print"/>
+          <a:srcRect/>
+          <a:stretch>
+            <a:fillRect/>
+          </a:stretch>
+        </p:blipFill>
+        <p:spPr bwMode="auto">
+          <a:xfrm>
+            <a:off x="76200" y="1905000"/>
+            <a:ext cx="8915400" cy="3992091"/>
+          </a:xfrm>
+          <a:prstGeom prst="rect">
+            <a:avLst/>
+          </a:prstGeom>
+          <a:noFill/>
+          <a:ln w="9525">
+            <a:noFill/>
+            <a:miter lim="800000"/>
+            <a:headEnd/>
+            <a:tailEnd/>
+          </a:ln>
+        </p:spPr>
+      </p:pic>
     </p:spTree>
   </p:cSld>
   <p:clrMapOvr>
@@ -6843,7 +7067,7 @@
           <a:p>
             <a:r>
               <a:rPr lang="en-US" dirty="0" smtClean="0"/>
-              <a:t>Today’s Exercises</a:t>
+              <a:t>Security Note</a:t>
             </a:r>
             <a:endParaRPr lang="en-US" dirty="0"/>
           </a:p>
@@ -6865,44 +7089,20 @@
           <a:lstStyle/>
           <a:p>
             <a:r>
-              <a:rPr lang="en-US" sz="3600" b="1" dirty="0" smtClean="0"/>
-              <a:t>Chapter 30 – Exercise 30.1</a:t>
-            </a:r>
-          </a:p>
-          <a:p>
-            <a:pPr>
-              <a:buNone/>
-            </a:pPr>
-            <a:endParaRPr lang="en-US" dirty="0" smtClean="0"/>
-          </a:p>
-          <a:p>
-            <a:pPr>
-              <a:buNone/>
-            </a:pPr>
-            <a:endParaRPr lang="en-US" dirty="0" smtClean="0"/>
-          </a:p>
-          <a:p>
-            <a:pPr>
-              <a:buNone/>
-            </a:pPr>
-            <a:r>
               <a:rPr lang="en-US" dirty="0" smtClean="0"/>
-              <a:t>Opportunity to review/revisit previous chapters</a:t>
-            </a:r>
-          </a:p>
-          <a:p>
-            <a:pPr>
-              <a:buNone/>
-            </a:pPr>
-            <a:r>
+              <a:t>Many machines now refuse socket</a:t>
+            </a:r>
+            <a:br>
               <a:rPr lang="en-US" dirty="0" smtClean="0"/>
-              <a:t>Solid understanding each of </a:t>
-            </a:r>
-            <a:r>
-              <a:rPr lang="en-US" smtClean="0"/>
-              <a:t>the concepts</a:t>
-            </a:r>
-            <a:endParaRPr lang="en-US" dirty="0" smtClean="0"/>
+            </a:br>
+            <a:r>
+              <a:rPr lang="en-US" dirty="0" smtClean="0"/>
+              <a:t>connections due to security considerations </a:t>
+            </a:r>
+            <a:br>
+              <a:rPr lang="en-US" dirty="0" smtClean="0"/>
+            </a:br>
+            <a:endParaRPr lang="en-US" dirty="0"/>
           </a:p>
         </p:txBody>
       </p:sp>
@@ -6915,6 +7115,2061 @@
 </file>
 
 <file path=ppt/slides/slide36.xml><?xml version="1.0" encoding="utf-8"?>
+<p:sld xmlns:a="http://schemas.openxmlformats.org/drawingml/2006/main" xmlns:r="http://schemas.openxmlformats.org/officeDocument/2006/relationships" xmlns:p="http://schemas.openxmlformats.org/presentationml/2006/main">
+  <p:cSld>
+    <p:spTree>
+      <p:nvGrpSpPr>
+        <p:cNvPr id="1" name=""/>
+        <p:cNvGrpSpPr/>
+        <p:nvPr/>
+      </p:nvGrpSpPr>
+      <p:grpSpPr>
+        <a:xfrm>
+          <a:off x="0" y="0"/>
+          <a:ext cx="0" cy="0"/>
+          <a:chOff x="0" y="0"/>
+          <a:chExt cx="0" cy="0"/>
+        </a:xfrm>
+      </p:grpSpPr>
+      <p:sp>
+        <p:nvSpPr>
+          <p:cNvPr id="2" name="Title 1"/>
+          <p:cNvSpPr>
+            <a:spLocks noGrp="1"/>
+          </p:cNvSpPr>
+          <p:nvPr>
+            <p:ph type="title"/>
+          </p:nvPr>
+        </p:nvSpPr>
+        <p:spPr>
+          <a:xfrm>
+            <a:off x="685800" y="76200"/>
+            <a:ext cx="7772400" cy="1143000"/>
+          </a:xfrm>
+        </p:spPr>
+        <p:txBody>
+          <a:bodyPr/>
+          <a:lstStyle/>
+          <a:p>
+            <a:r>
+              <a:rPr lang="en-US" dirty="0" smtClean="0"/>
+              <a:t>Writing Servers </a:t>
+            </a:r>
+            <a:endParaRPr lang="en-US" dirty="0"/>
+          </a:p>
+        </p:txBody>
+      </p:sp>
+      <p:sp>
+        <p:nvSpPr>
+          <p:cNvPr id="3" name="Content Placeholder 2"/>
+          <p:cNvSpPr>
+            <a:spLocks noGrp="1"/>
+          </p:cNvSpPr>
+          <p:nvPr>
+            <p:ph idx="1"/>
+          </p:nvPr>
+        </p:nvSpPr>
+        <p:spPr/>
+        <p:txBody>
+          <a:bodyPr/>
+          <a:lstStyle/>
+          <a:p>
+            <a:endParaRPr lang="en-US"/>
+          </a:p>
+        </p:txBody>
+      </p:sp>
+      <p:pic>
+        <p:nvPicPr>
+          <p:cNvPr id="12290" name="Picture 2"/>
+          <p:cNvPicPr>
+            <a:picLocks noChangeAspect="1" noChangeArrowheads="1"/>
+          </p:cNvPicPr>
+          <p:nvPr/>
+        </p:nvPicPr>
+        <p:blipFill>
+          <a:blip r:embed="rId2" cstate="print"/>
+          <a:srcRect/>
+          <a:stretch>
+            <a:fillRect/>
+          </a:stretch>
+        </p:blipFill>
+        <p:spPr bwMode="auto">
+          <a:xfrm>
+            <a:off x="228600" y="1219200"/>
+            <a:ext cx="8839200" cy="5581299"/>
+          </a:xfrm>
+          <a:prstGeom prst="rect">
+            <a:avLst/>
+          </a:prstGeom>
+          <a:noFill/>
+          <a:ln w="9525">
+            <a:noFill/>
+            <a:miter lim="800000"/>
+            <a:headEnd/>
+            <a:tailEnd/>
+          </a:ln>
+        </p:spPr>
+      </p:pic>
+    </p:spTree>
+  </p:cSld>
+  <p:clrMapOvr>
+    <a:masterClrMapping/>
+  </p:clrMapOvr>
+</p:sld>
+</file>
+
+<file path=ppt/slides/slide37.xml><?xml version="1.0" encoding="utf-8"?>
+<p:sld xmlns:a="http://schemas.openxmlformats.org/drawingml/2006/main" xmlns:r="http://schemas.openxmlformats.org/officeDocument/2006/relationships" xmlns:p="http://schemas.openxmlformats.org/presentationml/2006/main">
+  <p:cSld>
+    <p:spTree>
+      <p:nvGrpSpPr>
+        <p:cNvPr id="1" name=""/>
+        <p:cNvGrpSpPr/>
+        <p:nvPr/>
+      </p:nvGrpSpPr>
+      <p:grpSpPr>
+        <a:xfrm>
+          <a:off x="0" y="0"/>
+          <a:ext cx="0" cy="0"/>
+          <a:chOff x="0" y="0"/>
+          <a:chExt cx="0" cy="0"/>
+        </a:xfrm>
+      </p:grpSpPr>
+      <p:sp>
+        <p:nvSpPr>
+          <p:cNvPr id="2" name="Title 1"/>
+          <p:cNvSpPr>
+            <a:spLocks noGrp="1"/>
+          </p:cNvSpPr>
+          <p:nvPr>
+            <p:ph type="title"/>
+          </p:nvPr>
+        </p:nvSpPr>
+        <p:spPr>
+          <a:xfrm>
+            <a:off x="685800" y="76200"/>
+            <a:ext cx="7772400" cy="1143000"/>
+          </a:xfrm>
+        </p:spPr>
+        <p:txBody>
+          <a:bodyPr/>
+          <a:lstStyle/>
+          <a:p>
+            <a:r>
+              <a:rPr lang="en-US" dirty="0" smtClean="0"/>
+              <a:t>Writing Servers </a:t>
+            </a:r>
+            <a:endParaRPr lang="en-US" dirty="0"/>
+          </a:p>
+        </p:txBody>
+      </p:sp>
+      <p:sp>
+        <p:nvSpPr>
+          <p:cNvPr id="3" name="Content Placeholder 2"/>
+          <p:cNvSpPr>
+            <a:spLocks noGrp="1"/>
+          </p:cNvSpPr>
+          <p:nvPr>
+            <p:ph idx="1"/>
+          </p:nvPr>
+        </p:nvSpPr>
+        <p:spPr/>
+        <p:txBody>
+          <a:bodyPr/>
+          <a:lstStyle/>
+          <a:p>
+            <a:endParaRPr lang="en-US"/>
+          </a:p>
+        </p:txBody>
+      </p:sp>
+      <p:pic>
+        <p:nvPicPr>
+          <p:cNvPr id="13314" name="Picture 2"/>
+          <p:cNvPicPr>
+            <a:picLocks noChangeAspect="1" noChangeArrowheads="1"/>
+          </p:cNvPicPr>
+          <p:nvPr/>
+        </p:nvPicPr>
+        <p:blipFill>
+          <a:blip r:embed="rId2" cstate="print"/>
+          <a:srcRect/>
+          <a:stretch>
+            <a:fillRect/>
+          </a:stretch>
+        </p:blipFill>
+        <p:spPr bwMode="auto">
+          <a:xfrm>
+            <a:off x="257133" y="1295400"/>
+            <a:ext cx="8886867" cy="5376863"/>
+          </a:xfrm>
+          <a:prstGeom prst="rect">
+            <a:avLst/>
+          </a:prstGeom>
+          <a:noFill/>
+          <a:ln w="9525">
+            <a:noFill/>
+            <a:miter lim="800000"/>
+            <a:headEnd/>
+            <a:tailEnd/>
+          </a:ln>
+        </p:spPr>
+      </p:pic>
+    </p:spTree>
+  </p:cSld>
+  <p:clrMapOvr>
+    <a:masterClrMapping/>
+  </p:clrMapOvr>
+</p:sld>
+</file>
+
+<file path=ppt/slides/slide38.xml><?xml version="1.0" encoding="utf-8"?>
+<p:sld xmlns:a="http://schemas.openxmlformats.org/drawingml/2006/main" xmlns:r="http://schemas.openxmlformats.org/officeDocument/2006/relationships" xmlns:p="http://schemas.openxmlformats.org/presentationml/2006/main">
+  <p:cSld>
+    <p:spTree>
+      <p:nvGrpSpPr>
+        <p:cNvPr id="1" name=""/>
+        <p:cNvGrpSpPr/>
+        <p:nvPr/>
+      </p:nvGrpSpPr>
+      <p:grpSpPr>
+        <a:xfrm>
+          <a:off x="0" y="0"/>
+          <a:ext cx="0" cy="0"/>
+          <a:chOff x="0" y="0"/>
+          <a:chExt cx="0" cy="0"/>
+        </a:xfrm>
+      </p:grpSpPr>
+      <p:sp>
+        <p:nvSpPr>
+          <p:cNvPr id="2" name="Title 1"/>
+          <p:cNvSpPr>
+            <a:spLocks noGrp="1"/>
+          </p:cNvSpPr>
+          <p:nvPr>
+            <p:ph type="title"/>
+          </p:nvPr>
+        </p:nvSpPr>
+        <p:spPr/>
+        <p:txBody>
+          <a:bodyPr/>
+          <a:lstStyle/>
+          <a:p>
+            <a:r>
+              <a:rPr lang="en-US" dirty="0" smtClean="0"/>
+              <a:t>Communicating with </a:t>
+            </a:r>
+            <a:r>
+              <a:rPr lang="en-US" b="1" dirty="0" smtClean="0">
+                <a:solidFill>
+                  <a:srgbClr val="FF0000"/>
+                </a:solidFill>
+              </a:rPr>
+              <a:t>Web</a:t>
+            </a:r>
+            <a:r>
+              <a:rPr lang="en-US" dirty="0" smtClean="0"/>
+              <a:t> Servers </a:t>
+            </a:r>
+            <a:endParaRPr lang="en-US" dirty="0"/>
+          </a:p>
+        </p:txBody>
+      </p:sp>
+      <p:sp>
+        <p:nvSpPr>
+          <p:cNvPr id="3" name="Content Placeholder 2"/>
+          <p:cNvSpPr>
+            <a:spLocks noGrp="1"/>
+          </p:cNvSpPr>
+          <p:nvPr>
+            <p:ph idx="1"/>
+          </p:nvPr>
+        </p:nvSpPr>
+        <p:spPr>
+          <a:xfrm>
+            <a:off x="685800" y="5029200"/>
+            <a:ext cx="7772400" cy="1066800"/>
+          </a:xfrm>
+        </p:spPr>
+        <p:txBody>
+          <a:bodyPr/>
+          <a:lstStyle/>
+          <a:p>
+            <a:pPr>
+              <a:buNone/>
+            </a:pPr>
+            <a:r>
+              <a:rPr lang="en-US" sz="1600" dirty="0" smtClean="0"/>
+              <a:t>http://www.zjnu.cn/index.html</a:t>
+            </a:r>
+          </a:p>
+          <a:p>
+            <a:pPr>
+              <a:buNone/>
+            </a:pPr>
+            <a:r>
+              <a:rPr lang="en-US" sz="1600" dirty="0" smtClean="0"/>
+              <a:t>ftp://ftp.zjnu/pub//test.java</a:t>
+            </a:r>
+          </a:p>
+          <a:p>
+            <a:pPr>
+              <a:buNone/>
+            </a:pPr>
+            <a:r>
+              <a:rPr lang="en-US" sz="1600" dirty="0" smtClean="0"/>
+              <a:t>file:/</a:t>
+            </a:r>
+            <a:r>
+              <a:rPr lang="en-US" sz="1600" dirty="0" err="1" smtClean="0"/>
+              <a:t>MyDisk</a:t>
+            </a:r>
+            <a:r>
+              <a:rPr lang="en-US" sz="1600" dirty="0" smtClean="0"/>
+              <a:t>/Letters/file.txt</a:t>
+            </a:r>
+          </a:p>
+          <a:p>
+            <a:pPr>
+              <a:buNone/>
+            </a:pPr>
+            <a:r>
+              <a:rPr lang="en-US" sz="1600" dirty="0" smtClean="0"/>
+              <a:t>Protocols include files, http, ftp, gopher, news, mailto, etc </a:t>
+            </a:r>
+            <a:br>
+              <a:rPr lang="en-US" sz="1600" dirty="0" smtClean="0"/>
+            </a:br>
+            <a:endParaRPr lang="en-US" sz="1600" dirty="0"/>
+          </a:p>
+        </p:txBody>
+      </p:sp>
+      <p:pic>
+        <p:nvPicPr>
+          <p:cNvPr id="14338" name="Picture 2"/>
+          <p:cNvPicPr>
+            <a:picLocks noChangeAspect="1" noChangeArrowheads="1"/>
+          </p:cNvPicPr>
+          <p:nvPr/>
+        </p:nvPicPr>
+        <p:blipFill>
+          <a:blip r:embed="rId2" cstate="print"/>
+          <a:srcRect/>
+          <a:stretch>
+            <a:fillRect/>
+          </a:stretch>
+        </p:blipFill>
+        <p:spPr bwMode="auto">
+          <a:xfrm>
+            <a:off x="228600" y="1905000"/>
+            <a:ext cx="8763000" cy="3042347"/>
+          </a:xfrm>
+          <a:prstGeom prst="rect">
+            <a:avLst/>
+          </a:prstGeom>
+          <a:noFill/>
+          <a:ln w="9525">
+            <a:noFill/>
+            <a:miter lim="800000"/>
+            <a:headEnd/>
+            <a:tailEnd/>
+          </a:ln>
+        </p:spPr>
+      </p:pic>
+    </p:spTree>
+  </p:cSld>
+  <p:clrMapOvr>
+    <a:masterClrMapping/>
+  </p:clrMapOvr>
+</p:sld>
+</file>
+
+<file path=ppt/slides/slide39.xml><?xml version="1.0" encoding="utf-8"?>
+<p:sld xmlns:a="http://schemas.openxmlformats.org/drawingml/2006/main" xmlns:r="http://schemas.openxmlformats.org/officeDocument/2006/relationships" xmlns:p="http://schemas.openxmlformats.org/presentationml/2006/main">
+  <p:cSld>
+    <p:spTree>
+      <p:nvGrpSpPr>
+        <p:cNvPr id="1" name=""/>
+        <p:cNvGrpSpPr/>
+        <p:nvPr/>
+      </p:nvGrpSpPr>
+      <p:grpSpPr>
+        <a:xfrm>
+          <a:off x="0" y="0"/>
+          <a:ext cx="0" cy="0"/>
+          <a:chOff x="0" y="0"/>
+          <a:chExt cx="0" cy="0"/>
+        </a:xfrm>
+      </p:grpSpPr>
+      <p:sp>
+        <p:nvSpPr>
+          <p:cNvPr id="2" name="Title 1"/>
+          <p:cNvSpPr>
+            <a:spLocks noGrp="1"/>
+          </p:cNvSpPr>
+          <p:nvPr>
+            <p:ph type="title"/>
+          </p:nvPr>
+        </p:nvSpPr>
+        <p:spPr>
+          <a:xfrm>
+            <a:off x="304800" y="0"/>
+            <a:ext cx="8610600" cy="1143000"/>
+          </a:xfrm>
+        </p:spPr>
+        <p:txBody>
+          <a:bodyPr/>
+          <a:lstStyle/>
+          <a:p>
+            <a:r>
+              <a:rPr lang="en-US" dirty="0" smtClean="0"/>
+              <a:t>Communicating with web servers </a:t>
+            </a:r>
+            <a:endParaRPr lang="en-US" dirty="0"/>
+          </a:p>
+        </p:txBody>
+      </p:sp>
+      <p:sp>
+        <p:nvSpPr>
+          <p:cNvPr id="3" name="Content Placeholder 2"/>
+          <p:cNvSpPr>
+            <a:spLocks noGrp="1"/>
+          </p:cNvSpPr>
+          <p:nvPr>
+            <p:ph idx="1"/>
+          </p:nvPr>
+        </p:nvSpPr>
+        <p:spPr/>
+        <p:txBody>
+          <a:bodyPr/>
+          <a:lstStyle/>
+          <a:p>
+            <a:endParaRPr lang="en-US"/>
+          </a:p>
+        </p:txBody>
+      </p:sp>
+      <p:pic>
+        <p:nvPicPr>
+          <p:cNvPr id="15362" name="Picture 2"/>
+          <p:cNvPicPr>
+            <a:picLocks noChangeAspect="1" noChangeArrowheads="1"/>
+          </p:cNvPicPr>
+          <p:nvPr/>
+        </p:nvPicPr>
+        <p:blipFill>
+          <a:blip r:embed="rId2" cstate="print"/>
+          <a:srcRect/>
+          <a:stretch>
+            <a:fillRect/>
+          </a:stretch>
+        </p:blipFill>
+        <p:spPr bwMode="auto">
+          <a:xfrm>
+            <a:off x="228600" y="1371600"/>
+            <a:ext cx="8839200" cy="4809691"/>
+          </a:xfrm>
+          <a:prstGeom prst="rect">
+            <a:avLst/>
+          </a:prstGeom>
+          <a:noFill/>
+          <a:ln w="9525">
+            <a:noFill/>
+            <a:miter lim="800000"/>
+            <a:headEnd/>
+            <a:tailEnd/>
+          </a:ln>
+        </p:spPr>
+      </p:pic>
+    </p:spTree>
+  </p:cSld>
+  <p:clrMapOvr>
+    <a:masterClrMapping/>
+  </p:clrMapOvr>
+</p:sld>
+</file>
+
+<file path=ppt/slides/slide4.xml><?xml version="1.0" encoding="utf-8"?>
+<p:sld xmlns:a="http://schemas.openxmlformats.org/drawingml/2006/main" xmlns:r="http://schemas.openxmlformats.org/officeDocument/2006/relationships" xmlns:p="http://schemas.openxmlformats.org/presentationml/2006/main">
+  <p:cSld>
+    <p:spTree>
+      <p:nvGrpSpPr>
+        <p:cNvPr id="1" name=""/>
+        <p:cNvGrpSpPr/>
+        <p:nvPr/>
+      </p:nvGrpSpPr>
+      <p:grpSpPr>
+        <a:xfrm>
+          <a:off x="0" y="0"/>
+          <a:ext cx="0" cy="0"/>
+          <a:chOff x="0" y="0"/>
+          <a:chExt cx="0" cy="0"/>
+        </a:xfrm>
+      </p:grpSpPr>
+      <p:sp>
+        <p:nvSpPr>
+          <p:cNvPr id="2" name="Title 1"/>
+          <p:cNvSpPr>
+            <a:spLocks noGrp="1"/>
+          </p:cNvSpPr>
+          <p:nvPr>
+            <p:ph type="title"/>
+          </p:nvPr>
+        </p:nvSpPr>
+        <p:spPr/>
+        <p:txBody>
+          <a:bodyPr/>
+          <a:lstStyle/>
+          <a:p>
+            <a:r>
+              <a:rPr lang="en-US" dirty="0" smtClean="0"/>
+              <a:t>Revision Sessions</a:t>
+            </a:r>
+            <a:endParaRPr lang="en-US" dirty="0"/>
+          </a:p>
+        </p:txBody>
+      </p:sp>
+      <p:sp>
+        <p:nvSpPr>
+          <p:cNvPr id="3" name="Content Placeholder 2"/>
+          <p:cNvSpPr>
+            <a:spLocks noGrp="1"/>
+          </p:cNvSpPr>
+          <p:nvPr>
+            <p:ph idx="1"/>
+          </p:nvPr>
+        </p:nvSpPr>
+        <p:spPr/>
+        <p:txBody>
+          <a:bodyPr/>
+          <a:lstStyle/>
+          <a:p>
+            <a:r>
+              <a:rPr lang="en-US" dirty="0" smtClean="0"/>
+              <a:t>14:00-21:10 this Friday in 29-106</a:t>
+            </a:r>
+          </a:p>
+          <a:p>
+            <a:endParaRPr lang="en-US" dirty="0" smtClean="0"/>
+          </a:p>
+          <a:p>
+            <a:pPr>
+              <a:buFontTx/>
+              <a:buChar char="-"/>
+            </a:pPr>
+            <a:r>
+              <a:rPr lang="en-US" dirty="0" smtClean="0"/>
+              <a:t>No attendance record</a:t>
+            </a:r>
+          </a:p>
+          <a:p>
+            <a:pPr>
+              <a:buFontTx/>
+              <a:buChar char="-"/>
+            </a:pPr>
+            <a:r>
+              <a:rPr lang="en-US" dirty="0" smtClean="0"/>
+              <a:t>Opportunity for you to review all the material</a:t>
+            </a:r>
+          </a:p>
+          <a:p>
+            <a:pPr>
+              <a:buFontTx/>
+              <a:buChar char="-"/>
+            </a:pPr>
+            <a:r>
+              <a:rPr lang="en-US" dirty="0" smtClean="0"/>
+              <a:t>Prepare you for the exam</a:t>
+            </a:r>
+            <a:endParaRPr lang="en-US" dirty="0"/>
+          </a:p>
+        </p:txBody>
+      </p:sp>
+    </p:spTree>
+  </p:cSld>
+  <p:clrMapOvr>
+    <a:masterClrMapping/>
+  </p:clrMapOvr>
+</p:sld>
+</file>
+
+<file path=ppt/slides/slide40.xml><?xml version="1.0" encoding="utf-8"?>
+<p:sld xmlns:a="http://schemas.openxmlformats.org/drawingml/2006/main" xmlns:r="http://schemas.openxmlformats.org/officeDocument/2006/relationships" xmlns:p="http://schemas.openxmlformats.org/presentationml/2006/main">
+  <p:cSld>
+    <p:spTree>
+      <p:nvGrpSpPr>
+        <p:cNvPr id="1" name=""/>
+        <p:cNvGrpSpPr/>
+        <p:nvPr/>
+      </p:nvGrpSpPr>
+      <p:grpSpPr>
+        <a:xfrm>
+          <a:off x="0" y="0"/>
+          <a:ext cx="0" cy="0"/>
+          <a:chOff x="0" y="0"/>
+          <a:chExt cx="0" cy="0"/>
+        </a:xfrm>
+      </p:grpSpPr>
+      <p:sp>
+        <p:nvSpPr>
+          <p:cNvPr id="3" name="Content Placeholder 2"/>
+          <p:cNvSpPr>
+            <a:spLocks noGrp="1"/>
+          </p:cNvSpPr>
+          <p:nvPr>
+            <p:ph idx="1"/>
+          </p:nvPr>
+        </p:nvSpPr>
+        <p:spPr/>
+        <p:txBody>
+          <a:bodyPr/>
+          <a:lstStyle/>
+          <a:p>
+            <a:endParaRPr lang="en-US"/>
+          </a:p>
+        </p:txBody>
+      </p:sp>
+      <p:sp>
+        <p:nvSpPr>
+          <p:cNvPr id="4" name="Title 1"/>
+          <p:cNvSpPr>
+            <a:spLocks noGrp="1"/>
+          </p:cNvSpPr>
+          <p:nvPr>
+            <p:ph type="title"/>
+          </p:nvPr>
+        </p:nvSpPr>
+        <p:spPr>
+          <a:xfrm>
+            <a:off x="304800" y="0"/>
+            <a:ext cx="8610600" cy="1143000"/>
+          </a:xfrm>
+        </p:spPr>
+        <p:txBody>
+          <a:bodyPr/>
+          <a:lstStyle/>
+          <a:p>
+            <a:r>
+              <a:rPr lang="en-US" dirty="0" smtClean="0"/>
+              <a:t>Communicating with web servers </a:t>
+            </a:r>
+            <a:endParaRPr lang="en-US" dirty="0"/>
+          </a:p>
+        </p:txBody>
+      </p:sp>
+      <p:pic>
+        <p:nvPicPr>
+          <p:cNvPr id="16386" name="Picture 2"/>
+          <p:cNvPicPr>
+            <a:picLocks noChangeAspect="1" noChangeArrowheads="1"/>
+          </p:cNvPicPr>
+          <p:nvPr/>
+        </p:nvPicPr>
+        <p:blipFill>
+          <a:blip r:embed="rId2" cstate="print"/>
+          <a:srcRect/>
+          <a:stretch>
+            <a:fillRect/>
+          </a:stretch>
+        </p:blipFill>
+        <p:spPr bwMode="auto">
+          <a:xfrm>
+            <a:off x="152400" y="1371600"/>
+            <a:ext cx="8763000" cy="4816305"/>
+          </a:xfrm>
+          <a:prstGeom prst="rect">
+            <a:avLst/>
+          </a:prstGeom>
+          <a:noFill/>
+          <a:ln w="9525">
+            <a:noFill/>
+            <a:miter lim="800000"/>
+            <a:headEnd/>
+            <a:tailEnd/>
+          </a:ln>
+        </p:spPr>
+      </p:pic>
+    </p:spTree>
+  </p:cSld>
+  <p:clrMapOvr>
+    <a:masterClrMapping/>
+  </p:clrMapOvr>
+</p:sld>
+</file>
+
+<file path=ppt/slides/slide41.xml><?xml version="1.0" encoding="utf-8"?>
+<p:sld xmlns:a="http://schemas.openxmlformats.org/drawingml/2006/main" xmlns:r="http://schemas.openxmlformats.org/officeDocument/2006/relationships" xmlns:p="http://schemas.openxmlformats.org/presentationml/2006/main">
+  <p:cSld>
+    <p:spTree>
+      <p:nvGrpSpPr>
+        <p:cNvPr id="1" name=""/>
+        <p:cNvGrpSpPr/>
+        <p:nvPr/>
+      </p:nvGrpSpPr>
+      <p:grpSpPr>
+        <a:xfrm>
+          <a:off x="0" y="0"/>
+          <a:ext cx="0" cy="0"/>
+          <a:chOff x="0" y="0"/>
+          <a:chExt cx="0" cy="0"/>
+        </a:xfrm>
+      </p:grpSpPr>
+      <p:sp>
+        <p:nvSpPr>
+          <p:cNvPr id="3" name="Content Placeholder 2"/>
+          <p:cNvSpPr>
+            <a:spLocks noGrp="1"/>
+          </p:cNvSpPr>
+          <p:nvPr>
+            <p:ph idx="1"/>
+          </p:nvPr>
+        </p:nvSpPr>
+        <p:spPr/>
+        <p:txBody>
+          <a:bodyPr/>
+          <a:lstStyle/>
+          <a:p>
+            <a:endParaRPr lang="en-US"/>
+          </a:p>
+        </p:txBody>
+      </p:sp>
+      <p:sp>
+        <p:nvSpPr>
+          <p:cNvPr id="4" name="Title 1"/>
+          <p:cNvSpPr>
+            <a:spLocks noGrp="1"/>
+          </p:cNvSpPr>
+          <p:nvPr>
+            <p:ph type="title"/>
+          </p:nvPr>
+        </p:nvSpPr>
+        <p:spPr>
+          <a:xfrm>
+            <a:off x="304800" y="0"/>
+            <a:ext cx="8610600" cy="1143000"/>
+          </a:xfrm>
+        </p:spPr>
+        <p:txBody>
+          <a:bodyPr/>
+          <a:lstStyle/>
+          <a:p>
+            <a:r>
+              <a:rPr lang="en-US" dirty="0" smtClean="0"/>
+              <a:t>Communicating with web servers </a:t>
+            </a:r>
+            <a:endParaRPr lang="en-US" dirty="0"/>
+          </a:p>
+        </p:txBody>
+      </p:sp>
+      <p:pic>
+        <p:nvPicPr>
+          <p:cNvPr id="17410" name="Picture 2"/>
+          <p:cNvPicPr>
+            <a:picLocks noChangeAspect="1" noChangeArrowheads="1"/>
+          </p:cNvPicPr>
+          <p:nvPr/>
+        </p:nvPicPr>
+        <p:blipFill>
+          <a:blip r:embed="rId2" cstate="print"/>
+          <a:srcRect/>
+          <a:stretch>
+            <a:fillRect/>
+          </a:stretch>
+        </p:blipFill>
+        <p:spPr bwMode="auto">
+          <a:xfrm>
+            <a:off x="152400" y="1600200"/>
+            <a:ext cx="8883085" cy="4138613"/>
+          </a:xfrm>
+          <a:prstGeom prst="rect">
+            <a:avLst/>
+          </a:prstGeom>
+          <a:noFill/>
+          <a:ln w="9525">
+            <a:noFill/>
+            <a:miter lim="800000"/>
+            <a:headEnd/>
+            <a:tailEnd/>
+          </a:ln>
+        </p:spPr>
+      </p:pic>
+    </p:spTree>
+  </p:cSld>
+  <p:clrMapOvr>
+    <a:masterClrMapping/>
+  </p:clrMapOvr>
+</p:sld>
+</file>
+
+<file path=ppt/slides/slide42.xml><?xml version="1.0" encoding="utf-8"?>
+<p:sld xmlns:a="http://schemas.openxmlformats.org/drawingml/2006/main" xmlns:r="http://schemas.openxmlformats.org/officeDocument/2006/relationships" xmlns:p="http://schemas.openxmlformats.org/presentationml/2006/main">
+  <p:cSld>
+    <p:spTree>
+      <p:nvGrpSpPr>
+        <p:cNvPr id="1" name=""/>
+        <p:cNvGrpSpPr/>
+        <p:nvPr/>
+      </p:nvGrpSpPr>
+      <p:grpSpPr>
+        <a:xfrm>
+          <a:off x="0" y="0"/>
+          <a:ext cx="0" cy="0"/>
+          <a:chOff x="0" y="0"/>
+          <a:chExt cx="0" cy="0"/>
+        </a:xfrm>
+      </p:grpSpPr>
+      <p:sp>
+        <p:nvSpPr>
+          <p:cNvPr id="2" name="Title 1"/>
+          <p:cNvSpPr>
+            <a:spLocks noGrp="1"/>
+          </p:cNvSpPr>
+          <p:nvPr>
+            <p:ph type="title"/>
+          </p:nvPr>
+        </p:nvSpPr>
+        <p:spPr>
+          <a:xfrm>
+            <a:off x="685800" y="228600"/>
+            <a:ext cx="7772400" cy="1143000"/>
+          </a:xfrm>
+        </p:spPr>
+        <p:txBody>
+          <a:bodyPr/>
+          <a:lstStyle/>
+          <a:p>
+            <a:r>
+              <a:rPr lang="en-US" dirty="0" smtClean="0"/>
+              <a:t>Retrieving Information </a:t>
+            </a:r>
+            <a:endParaRPr lang="en-US" dirty="0"/>
+          </a:p>
+        </p:txBody>
+      </p:sp>
+      <p:sp>
+        <p:nvSpPr>
+          <p:cNvPr id="3" name="Content Placeholder 2"/>
+          <p:cNvSpPr>
+            <a:spLocks noGrp="1"/>
+          </p:cNvSpPr>
+          <p:nvPr>
+            <p:ph idx="1"/>
+          </p:nvPr>
+        </p:nvSpPr>
+        <p:spPr/>
+        <p:txBody>
+          <a:bodyPr/>
+          <a:lstStyle/>
+          <a:p>
+            <a:endParaRPr lang="en-US"/>
+          </a:p>
+        </p:txBody>
+      </p:sp>
+      <p:pic>
+        <p:nvPicPr>
+          <p:cNvPr id="18434" name="Picture 2"/>
+          <p:cNvPicPr>
+            <a:picLocks noChangeAspect="1" noChangeArrowheads="1"/>
+          </p:cNvPicPr>
+          <p:nvPr/>
+        </p:nvPicPr>
+        <p:blipFill>
+          <a:blip r:embed="rId2" cstate="print"/>
+          <a:srcRect/>
+          <a:stretch>
+            <a:fillRect/>
+          </a:stretch>
+        </p:blipFill>
+        <p:spPr bwMode="auto">
+          <a:xfrm>
+            <a:off x="228600" y="1600200"/>
+            <a:ext cx="8686800" cy="4369000"/>
+          </a:xfrm>
+          <a:prstGeom prst="rect">
+            <a:avLst/>
+          </a:prstGeom>
+          <a:noFill/>
+          <a:ln w="9525">
+            <a:noFill/>
+            <a:miter lim="800000"/>
+            <a:headEnd/>
+            <a:tailEnd/>
+          </a:ln>
+        </p:spPr>
+      </p:pic>
+    </p:spTree>
+  </p:cSld>
+  <p:clrMapOvr>
+    <a:masterClrMapping/>
+  </p:clrMapOvr>
+</p:sld>
+</file>
+
+<file path=ppt/slides/slide43.xml><?xml version="1.0" encoding="utf-8"?>
+<p:sld xmlns:a="http://schemas.openxmlformats.org/drawingml/2006/main" xmlns:r="http://schemas.openxmlformats.org/officeDocument/2006/relationships" xmlns:p="http://schemas.openxmlformats.org/presentationml/2006/main">
+  <p:cSld>
+    <p:spTree>
+      <p:nvGrpSpPr>
+        <p:cNvPr id="1" name=""/>
+        <p:cNvGrpSpPr/>
+        <p:nvPr/>
+      </p:nvGrpSpPr>
+      <p:grpSpPr>
+        <a:xfrm>
+          <a:off x="0" y="0"/>
+          <a:ext cx="0" cy="0"/>
+          <a:chOff x="0" y="0"/>
+          <a:chExt cx="0" cy="0"/>
+        </a:xfrm>
+      </p:grpSpPr>
+      <p:sp>
+        <p:nvSpPr>
+          <p:cNvPr id="2" name="Title 1"/>
+          <p:cNvSpPr>
+            <a:spLocks noGrp="1"/>
+          </p:cNvSpPr>
+          <p:nvPr>
+            <p:ph type="title"/>
+          </p:nvPr>
+        </p:nvSpPr>
+        <p:spPr/>
+        <p:txBody>
+          <a:bodyPr/>
+          <a:lstStyle/>
+          <a:p>
+            <a:r>
+              <a:rPr lang="en-US" dirty="0" smtClean="0"/>
+              <a:t>Retrieving Information </a:t>
+            </a:r>
+            <a:endParaRPr lang="en-US" dirty="0"/>
+          </a:p>
+        </p:txBody>
+      </p:sp>
+      <p:sp>
+        <p:nvSpPr>
+          <p:cNvPr id="3" name="Content Placeholder 2"/>
+          <p:cNvSpPr>
+            <a:spLocks noGrp="1"/>
+          </p:cNvSpPr>
+          <p:nvPr>
+            <p:ph idx="1"/>
+          </p:nvPr>
+        </p:nvSpPr>
+        <p:spPr/>
+        <p:txBody>
+          <a:bodyPr/>
+          <a:lstStyle/>
+          <a:p>
+            <a:endParaRPr lang="en-US"/>
+          </a:p>
+        </p:txBody>
+      </p:sp>
+      <p:pic>
+        <p:nvPicPr>
+          <p:cNvPr id="19458" name="Picture 2"/>
+          <p:cNvPicPr>
+            <a:picLocks noChangeAspect="1" noChangeArrowheads="1"/>
+          </p:cNvPicPr>
+          <p:nvPr/>
+        </p:nvPicPr>
+        <p:blipFill>
+          <a:blip r:embed="rId2" cstate="print"/>
+          <a:srcRect/>
+          <a:stretch>
+            <a:fillRect/>
+          </a:stretch>
+        </p:blipFill>
+        <p:spPr bwMode="auto">
+          <a:xfrm>
+            <a:off x="457200" y="1676400"/>
+            <a:ext cx="8343900" cy="4752975"/>
+          </a:xfrm>
+          <a:prstGeom prst="rect">
+            <a:avLst/>
+          </a:prstGeom>
+          <a:noFill/>
+          <a:ln w="9525">
+            <a:noFill/>
+            <a:miter lim="800000"/>
+            <a:headEnd/>
+            <a:tailEnd/>
+          </a:ln>
+        </p:spPr>
+      </p:pic>
+    </p:spTree>
+  </p:cSld>
+  <p:clrMapOvr>
+    <a:masterClrMapping/>
+  </p:clrMapOvr>
+</p:sld>
+</file>
+
+<file path=ppt/slides/slide44.xml><?xml version="1.0" encoding="utf-8"?>
+<p:sld xmlns:a="http://schemas.openxmlformats.org/drawingml/2006/main" xmlns:r="http://schemas.openxmlformats.org/officeDocument/2006/relationships" xmlns:p="http://schemas.openxmlformats.org/presentationml/2006/main">
+  <p:cSld>
+    <p:spTree>
+      <p:nvGrpSpPr>
+        <p:cNvPr id="1" name=""/>
+        <p:cNvGrpSpPr/>
+        <p:nvPr/>
+      </p:nvGrpSpPr>
+      <p:grpSpPr>
+        <a:xfrm>
+          <a:off x="0" y="0"/>
+          <a:ext cx="0" cy="0"/>
+          <a:chOff x="0" y="0"/>
+          <a:chExt cx="0" cy="0"/>
+        </a:xfrm>
+      </p:grpSpPr>
+      <p:sp>
+        <p:nvSpPr>
+          <p:cNvPr id="2" name="Title 1"/>
+          <p:cNvSpPr>
+            <a:spLocks noGrp="1"/>
+          </p:cNvSpPr>
+          <p:nvPr>
+            <p:ph type="title"/>
+          </p:nvPr>
+        </p:nvSpPr>
+        <p:spPr>
+          <a:xfrm>
+            <a:off x="762000" y="381000"/>
+            <a:ext cx="7772400" cy="1143000"/>
+          </a:xfrm>
+        </p:spPr>
+        <p:txBody>
+          <a:bodyPr/>
+          <a:lstStyle/>
+          <a:p>
+            <a:r>
+              <a:rPr lang="en-US" dirty="0" smtClean="0"/>
+              <a:t>Retrieving Information </a:t>
+            </a:r>
+            <a:endParaRPr lang="en-US" dirty="0"/>
+          </a:p>
+        </p:txBody>
+      </p:sp>
+      <p:sp>
+        <p:nvSpPr>
+          <p:cNvPr id="3" name="Content Placeholder 2"/>
+          <p:cNvSpPr>
+            <a:spLocks noGrp="1"/>
+          </p:cNvSpPr>
+          <p:nvPr>
+            <p:ph idx="1"/>
+          </p:nvPr>
+        </p:nvSpPr>
+        <p:spPr/>
+        <p:txBody>
+          <a:bodyPr/>
+          <a:lstStyle/>
+          <a:p>
+            <a:endParaRPr lang="en-US"/>
+          </a:p>
+        </p:txBody>
+      </p:sp>
+      <p:pic>
+        <p:nvPicPr>
+          <p:cNvPr id="20482" name="Picture 2"/>
+          <p:cNvPicPr>
+            <a:picLocks noChangeAspect="1" noChangeArrowheads="1"/>
+          </p:cNvPicPr>
+          <p:nvPr/>
+        </p:nvPicPr>
+        <p:blipFill>
+          <a:blip r:embed="rId2" cstate="print"/>
+          <a:srcRect/>
+          <a:stretch>
+            <a:fillRect/>
+          </a:stretch>
+        </p:blipFill>
+        <p:spPr bwMode="auto">
+          <a:xfrm>
+            <a:off x="228600" y="1447800"/>
+            <a:ext cx="8458200" cy="4759354"/>
+          </a:xfrm>
+          <a:prstGeom prst="rect">
+            <a:avLst/>
+          </a:prstGeom>
+          <a:noFill/>
+          <a:ln w="9525">
+            <a:noFill/>
+            <a:miter lim="800000"/>
+            <a:headEnd/>
+            <a:tailEnd/>
+          </a:ln>
+        </p:spPr>
+      </p:pic>
+    </p:spTree>
+  </p:cSld>
+  <p:clrMapOvr>
+    <a:masterClrMapping/>
+  </p:clrMapOvr>
+</p:sld>
+</file>
+
+<file path=ppt/slides/slide45.xml><?xml version="1.0" encoding="utf-8"?>
+<p:sld xmlns:a="http://schemas.openxmlformats.org/drawingml/2006/main" xmlns:r="http://schemas.openxmlformats.org/officeDocument/2006/relationships" xmlns:p="http://schemas.openxmlformats.org/presentationml/2006/main">
+  <p:cSld>
+    <p:spTree>
+      <p:nvGrpSpPr>
+        <p:cNvPr id="1" name=""/>
+        <p:cNvGrpSpPr/>
+        <p:nvPr/>
+      </p:nvGrpSpPr>
+      <p:grpSpPr>
+        <a:xfrm>
+          <a:off x="0" y="0"/>
+          <a:ext cx="0" cy="0"/>
+          <a:chOff x="0" y="0"/>
+          <a:chExt cx="0" cy="0"/>
+        </a:xfrm>
+      </p:grpSpPr>
+      <p:sp>
+        <p:nvSpPr>
+          <p:cNvPr id="2" name="Title 1"/>
+          <p:cNvSpPr>
+            <a:spLocks noGrp="1"/>
+          </p:cNvSpPr>
+          <p:nvPr>
+            <p:ph type="title"/>
+          </p:nvPr>
+        </p:nvSpPr>
+        <p:spPr>
+          <a:xfrm>
+            <a:off x="685800" y="0"/>
+            <a:ext cx="7772400" cy="1143000"/>
+          </a:xfrm>
+        </p:spPr>
+        <p:txBody>
+          <a:bodyPr/>
+          <a:lstStyle/>
+          <a:p>
+            <a:r>
+              <a:rPr lang="en-US" dirty="0" smtClean="0"/>
+              <a:t>Sending Information </a:t>
+            </a:r>
+            <a:endParaRPr lang="en-US" dirty="0"/>
+          </a:p>
+        </p:txBody>
+      </p:sp>
+      <p:sp>
+        <p:nvSpPr>
+          <p:cNvPr id="3" name="Content Placeholder 2"/>
+          <p:cNvSpPr>
+            <a:spLocks noGrp="1"/>
+          </p:cNvSpPr>
+          <p:nvPr>
+            <p:ph idx="1"/>
+          </p:nvPr>
+        </p:nvSpPr>
+        <p:spPr/>
+        <p:txBody>
+          <a:bodyPr/>
+          <a:lstStyle/>
+          <a:p>
+            <a:endParaRPr lang="en-US"/>
+          </a:p>
+        </p:txBody>
+      </p:sp>
+      <p:pic>
+        <p:nvPicPr>
+          <p:cNvPr id="21506" name="Picture 2"/>
+          <p:cNvPicPr>
+            <a:picLocks noChangeAspect="1" noChangeArrowheads="1"/>
+          </p:cNvPicPr>
+          <p:nvPr/>
+        </p:nvPicPr>
+        <p:blipFill>
+          <a:blip r:embed="rId2" cstate="print"/>
+          <a:srcRect/>
+          <a:stretch>
+            <a:fillRect/>
+          </a:stretch>
+        </p:blipFill>
+        <p:spPr bwMode="auto">
+          <a:xfrm>
+            <a:off x="533400" y="1143000"/>
+            <a:ext cx="8317810" cy="5572125"/>
+          </a:xfrm>
+          <a:prstGeom prst="rect">
+            <a:avLst/>
+          </a:prstGeom>
+          <a:noFill/>
+          <a:ln w="9525">
+            <a:noFill/>
+            <a:miter lim="800000"/>
+            <a:headEnd/>
+            <a:tailEnd/>
+          </a:ln>
+        </p:spPr>
+      </p:pic>
+    </p:spTree>
+  </p:cSld>
+  <p:clrMapOvr>
+    <a:masterClrMapping/>
+  </p:clrMapOvr>
+</p:sld>
+</file>
+
+<file path=ppt/slides/slide46.xml><?xml version="1.0" encoding="utf-8"?>
+<p:sld xmlns:a="http://schemas.openxmlformats.org/drawingml/2006/main" xmlns:r="http://schemas.openxmlformats.org/officeDocument/2006/relationships" xmlns:p="http://schemas.openxmlformats.org/presentationml/2006/main">
+  <p:cSld>
+    <p:spTree>
+      <p:nvGrpSpPr>
+        <p:cNvPr id="1" name=""/>
+        <p:cNvGrpSpPr/>
+        <p:nvPr/>
+      </p:nvGrpSpPr>
+      <p:grpSpPr>
+        <a:xfrm>
+          <a:off x="0" y="0"/>
+          <a:ext cx="0" cy="0"/>
+          <a:chOff x="0" y="0"/>
+          <a:chExt cx="0" cy="0"/>
+        </a:xfrm>
+      </p:grpSpPr>
+      <p:sp>
+        <p:nvSpPr>
+          <p:cNvPr id="2" name="Title 1"/>
+          <p:cNvSpPr>
+            <a:spLocks noGrp="1"/>
+          </p:cNvSpPr>
+          <p:nvPr>
+            <p:ph type="title"/>
+          </p:nvPr>
+        </p:nvSpPr>
+        <p:spPr>
+          <a:xfrm>
+            <a:off x="762000" y="152400"/>
+            <a:ext cx="7772400" cy="1143000"/>
+          </a:xfrm>
+        </p:spPr>
+        <p:txBody>
+          <a:bodyPr/>
+          <a:lstStyle/>
+          <a:p>
+            <a:r>
+              <a:rPr lang="en-US" dirty="0" smtClean="0"/>
+              <a:t>Sending Information </a:t>
+            </a:r>
+            <a:endParaRPr lang="en-US" dirty="0"/>
+          </a:p>
+        </p:txBody>
+      </p:sp>
+      <p:sp>
+        <p:nvSpPr>
+          <p:cNvPr id="3" name="Content Placeholder 2"/>
+          <p:cNvSpPr>
+            <a:spLocks noGrp="1"/>
+          </p:cNvSpPr>
+          <p:nvPr>
+            <p:ph idx="1"/>
+          </p:nvPr>
+        </p:nvSpPr>
+        <p:spPr/>
+        <p:txBody>
+          <a:bodyPr/>
+          <a:lstStyle/>
+          <a:p>
+            <a:endParaRPr lang="en-US"/>
+          </a:p>
+        </p:txBody>
+      </p:sp>
+      <p:pic>
+        <p:nvPicPr>
+          <p:cNvPr id="22530" name="Picture 2"/>
+          <p:cNvPicPr>
+            <a:picLocks noChangeAspect="1" noChangeArrowheads="1"/>
+          </p:cNvPicPr>
+          <p:nvPr/>
+        </p:nvPicPr>
+        <p:blipFill>
+          <a:blip r:embed="rId2" cstate="print"/>
+          <a:srcRect/>
+          <a:stretch>
+            <a:fillRect/>
+          </a:stretch>
+        </p:blipFill>
+        <p:spPr bwMode="auto">
+          <a:xfrm>
+            <a:off x="152400" y="1828800"/>
+            <a:ext cx="8915400" cy="3658053"/>
+          </a:xfrm>
+          <a:prstGeom prst="rect">
+            <a:avLst/>
+          </a:prstGeom>
+          <a:noFill/>
+          <a:ln w="9525">
+            <a:noFill/>
+            <a:miter lim="800000"/>
+            <a:headEnd/>
+            <a:tailEnd/>
+          </a:ln>
+        </p:spPr>
+      </p:pic>
+    </p:spTree>
+  </p:cSld>
+  <p:clrMapOvr>
+    <a:masterClrMapping/>
+  </p:clrMapOvr>
+</p:sld>
+</file>
+
+<file path=ppt/slides/slide47.xml><?xml version="1.0" encoding="utf-8"?>
+<p:sld xmlns:a="http://schemas.openxmlformats.org/drawingml/2006/main" xmlns:r="http://schemas.openxmlformats.org/officeDocument/2006/relationships" xmlns:p="http://schemas.openxmlformats.org/presentationml/2006/main">
+  <p:cSld>
+    <p:spTree>
+      <p:nvGrpSpPr>
+        <p:cNvPr id="1" name=""/>
+        <p:cNvGrpSpPr/>
+        <p:nvPr/>
+      </p:nvGrpSpPr>
+      <p:grpSpPr>
+        <a:xfrm>
+          <a:off x="0" y="0"/>
+          <a:ext cx="0" cy="0"/>
+          <a:chOff x="0" y="0"/>
+          <a:chExt cx="0" cy="0"/>
+        </a:xfrm>
+      </p:grpSpPr>
+      <p:sp>
+        <p:nvSpPr>
+          <p:cNvPr id="2" name="Title 1"/>
+          <p:cNvSpPr>
+            <a:spLocks noGrp="1"/>
+          </p:cNvSpPr>
+          <p:nvPr>
+            <p:ph type="title"/>
+          </p:nvPr>
+        </p:nvSpPr>
+        <p:spPr>
+          <a:xfrm>
+            <a:off x="609600" y="381000"/>
+            <a:ext cx="7772400" cy="1143000"/>
+          </a:xfrm>
+        </p:spPr>
+        <p:txBody>
+          <a:bodyPr/>
+          <a:lstStyle/>
+          <a:p>
+            <a:r>
+              <a:rPr lang="en-US" dirty="0" smtClean="0"/>
+              <a:t>Sending Information </a:t>
+            </a:r>
+            <a:endParaRPr lang="en-US" dirty="0"/>
+          </a:p>
+        </p:txBody>
+      </p:sp>
+      <p:sp>
+        <p:nvSpPr>
+          <p:cNvPr id="3" name="Content Placeholder 2"/>
+          <p:cNvSpPr>
+            <a:spLocks noGrp="1"/>
+          </p:cNvSpPr>
+          <p:nvPr>
+            <p:ph idx="1"/>
+          </p:nvPr>
+        </p:nvSpPr>
+        <p:spPr/>
+        <p:txBody>
+          <a:bodyPr/>
+          <a:lstStyle/>
+          <a:p>
+            <a:endParaRPr lang="en-US"/>
+          </a:p>
+        </p:txBody>
+      </p:sp>
+      <p:pic>
+        <p:nvPicPr>
+          <p:cNvPr id="23554" name="Picture 2"/>
+          <p:cNvPicPr>
+            <a:picLocks noChangeAspect="1" noChangeArrowheads="1"/>
+          </p:cNvPicPr>
+          <p:nvPr/>
+        </p:nvPicPr>
+        <p:blipFill>
+          <a:blip r:embed="rId2" cstate="print"/>
+          <a:srcRect/>
+          <a:stretch>
+            <a:fillRect/>
+          </a:stretch>
+        </p:blipFill>
+        <p:spPr bwMode="auto">
+          <a:xfrm>
+            <a:off x="228600" y="1828800"/>
+            <a:ext cx="8763000" cy="4440369"/>
+          </a:xfrm>
+          <a:prstGeom prst="rect">
+            <a:avLst/>
+          </a:prstGeom>
+          <a:noFill/>
+          <a:ln w="9525">
+            <a:noFill/>
+            <a:miter lim="800000"/>
+            <a:headEnd/>
+            <a:tailEnd/>
+          </a:ln>
+        </p:spPr>
+      </p:pic>
+    </p:spTree>
+  </p:cSld>
+  <p:clrMapOvr>
+    <a:masterClrMapping/>
+  </p:clrMapOvr>
+</p:sld>
+</file>
+
+<file path=ppt/slides/slide48.xml><?xml version="1.0" encoding="utf-8"?>
+<p:sld xmlns:a="http://schemas.openxmlformats.org/drawingml/2006/main" xmlns:r="http://schemas.openxmlformats.org/officeDocument/2006/relationships" xmlns:p="http://schemas.openxmlformats.org/presentationml/2006/main">
+  <p:cSld>
+    <p:spTree>
+      <p:nvGrpSpPr>
+        <p:cNvPr id="1" name=""/>
+        <p:cNvGrpSpPr/>
+        <p:nvPr/>
+      </p:nvGrpSpPr>
+      <p:grpSpPr>
+        <a:xfrm>
+          <a:off x="0" y="0"/>
+          <a:ext cx="0" cy="0"/>
+          <a:chOff x="0" y="0"/>
+          <a:chExt cx="0" cy="0"/>
+        </a:xfrm>
+      </p:grpSpPr>
+      <p:sp>
+        <p:nvSpPr>
+          <p:cNvPr id="2" name="Title 1"/>
+          <p:cNvSpPr>
+            <a:spLocks noGrp="1"/>
+          </p:cNvSpPr>
+          <p:nvPr>
+            <p:ph type="title"/>
+          </p:nvPr>
+        </p:nvSpPr>
+        <p:spPr>
+          <a:xfrm>
+            <a:off x="762000" y="152400"/>
+            <a:ext cx="7772400" cy="1143000"/>
+          </a:xfrm>
+        </p:spPr>
+        <p:txBody>
+          <a:bodyPr/>
+          <a:lstStyle/>
+          <a:p>
+            <a:r>
+              <a:rPr lang="en-US" dirty="0" smtClean="0"/>
+              <a:t>Sending Information</a:t>
+            </a:r>
+            <a:endParaRPr lang="en-US" dirty="0"/>
+          </a:p>
+        </p:txBody>
+      </p:sp>
+      <p:sp>
+        <p:nvSpPr>
+          <p:cNvPr id="3" name="Content Placeholder 2"/>
+          <p:cNvSpPr>
+            <a:spLocks noGrp="1"/>
+          </p:cNvSpPr>
+          <p:nvPr>
+            <p:ph idx="1"/>
+          </p:nvPr>
+        </p:nvSpPr>
+        <p:spPr/>
+        <p:txBody>
+          <a:bodyPr/>
+          <a:lstStyle/>
+          <a:p>
+            <a:endParaRPr lang="en-US"/>
+          </a:p>
+        </p:txBody>
+      </p:sp>
+      <p:pic>
+        <p:nvPicPr>
+          <p:cNvPr id="24578" name="Picture 2"/>
+          <p:cNvPicPr>
+            <a:picLocks noChangeAspect="1" noChangeArrowheads="1"/>
+          </p:cNvPicPr>
+          <p:nvPr/>
+        </p:nvPicPr>
+        <p:blipFill>
+          <a:blip r:embed="rId2" cstate="print"/>
+          <a:srcRect/>
+          <a:stretch>
+            <a:fillRect/>
+          </a:stretch>
+        </p:blipFill>
+        <p:spPr bwMode="auto">
+          <a:xfrm>
+            <a:off x="457200" y="1600200"/>
+            <a:ext cx="8448675" cy="4667250"/>
+          </a:xfrm>
+          <a:prstGeom prst="rect">
+            <a:avLst/>
+          </a:prstGeom>
+          <a:noFill/>
+          <a:ln w="9525">
+            <a:noFill/>
+            <a:miter lim="800000"/>
+            <a:headEnd/>
+            <a:tailEnd/>
+          </a:ln>
+        </p:spPr>
+      </p:pic>
+    </p:spTree>
+  </p:cSld>
+  <p:clrMapOvr>
+    <a:masterClrMapping/>
+  </p:clrMapOvr>
+</p:sld>
+</file>
+
+<file path=ppt/slides/slide49.xml><?xml version="1.0" encoding="utf-8"?>
+<p:sld xmlns:a="http://schemas.openxmlformats.org/drawingml/2006/main" xmlns:r="http://schemas.openxmlformats.org/officeDocument/2006/relationships" xmlns:p="http://schemas.openxmlformats.org/presentationml/2006/main">
+  <p:cSld>
+    <p:spTree>
+      <p:nvGrpSpPr>
+        <p:cNvPr id="1" name=""/>
+        <p:cNvGrpSpPr/>
+        <p:nvPr/>
+      </p:nvGrpSpPr>
+      <p:grpSpPr>
+        <a:xfrm>
+          <a:off x="0" y="0"/>
+          <a:ext cx="0" cy="0"/>
+          <a:chOff x="0" y="0"/>
+          <a:chExt cx="0" cy="0"/>
+        </a:xfrm>
+      </p:grpSpPr>
+      <p:sp>
+        <p:nvSpPr>
+          <p:cNvPr id="3" name="Content Placeholder 2"/>
+          <p:cNvSpPr>
+            <a:spLocks noGrp="1"/>
+          </p:cNvSpPr>
+          <p:nvPr>
+            <p:ph idx="1"/>
+          </p:nvPr>
+        </p:nvSpPr>
+        <p:spPr/>
+        <p:txBody>
+          <a:bodyPr/>
+          <a:lstStyle/>
+          <a:p>
+            <a:endParaRPr lang="en-US"/>
+          </a:p>
+        </p:txBody>
+      </p:sp>
+      <p:sp>
+        <p:nvSpPr>
+          <p:cNvPr id="4" name="Title 1"/>
+          <p:cNvSpPr>
+            <a:spLocks noGrp="1"/>
+          </p:cNvSpPr>
+          <p:nvPr>
+            <p:ph type="title"/>
+          </p:nvPr>
+        </p:nvSpPr>
+        <p:spPr>
+          <a:xfrm>
+            <a:off x="762000" y="152400"/>
+            <a:ext cx="7772400" cy="1143000"/>
+          </a:xfrm>
+        </p:spPr>
+        <p:txBody>
+          <a:bodyPr/>
+          <a:lstStyle/>
+          <a:p>
+            <a:r>
+              <a:rPr lang="en-US" dirty="0" smtClean="0"/>
+              <a:t>Sending Information</a:t>
+            </a:r>
+            <a:endParaRPr lang="en-US" dirty="0"/>
+          </a:p>
+        </p:txBody>
+      </p:sp>
+      <p:pic>
+        <p:nvPicPr>
+          <p:cNvPr id="25602" name="Picture 2"/>
+          <p:cNvPicPr>
+            <a:picLocks noChangeAspect="1" noChangeArrowheads="1"/>
+          </p:cNvPicPr>
+          <p:nvPr/>
+        </p:nvPicPr>
+        <p:blipFill>
+          <a:blip r:embed="rId2" cstate="print"/>
+          <a:srcRect/>
+          <a:stretch>
+            <a:fillRect/>
+          </a:stretch>
+        </p:blipFill>
+        <p:spPr bwMode="auto">
+          <a:xfrm>
+            <a:off x="152400" y="1447800"/>
+            <a:ext cx="8915400" cy="5072150"/>
+          </a:xfrm>
+          <a:prstGeom prst="rect">
+            <a:avLst/>
+          </a:prstGeom>
+          <a:noFill/>
+          <a:ln w="9525">
+            <a:noFill/>
+            <a:miter lim="800000"/>
+            <a:headEnd/>
+            <a:tailEnd/>
+          </a:ln>
+        </p:spPr>
+      </p:pic>
+    </p:spTree>
+  </p:cSld>
+  <p:clrMapOvr>
+    <a:masterClrMapping/>
+  </p:clrMapOvr>
+</p:sld>
+</file>
+
+<file path=ppt/slides/slide5.xml><?xml version="1.0" encoding="utf-8"?>
+<p:sld xmlns:a="http://schemas.openxmlformats.org/drawingml/2006/main" xmlns:r="http://schemas.openxmlformats.org/officeDocument/2006/relationships" xmlns:p="http://schemas.openxmlformats.org/presentationml/2006/main">
+  <p:cSld>
+    <p:spTree>
+      <p:nvGrpSpPr>
+        <p:cNvPr id="1" name=""/>
+        <p:cNvGrpSpPr/>
+        <p:nvPr/>
+      </p:nvGrpSpPr>
+      <p:grpSpPr>
+        <a:xfrm>
+          <a:off x="0" y="0"/>
+          <a:ext cx="0" cy="0"/>
+          <a:chOff x="0" y="0"/>
+          <a:chExt cx="0" cy="0"/>
+        </a:xfrm>
+      </p:grpSpPr>
+      <p:sp>
+        <p:nvSpPr>
+          <p:cNvPr id="2" name="Title 1"/>
+          <p:cNvSpPr>
+            <a:spLocks noGrp="1"/>
+          </p:cNvSpPr>
+          <p:nvPr>
+            <p:ph type="title"/>
+          </p:nvPr>
+        </p:nvSpPr>
+        <p:spPr/>
+        <p:txBody>
+          <a:bodyPr/>
+          <a:lstStyle/>
+          <a:p>
+            <a:r>
+              <a:rPr lang="en-US" dirty="0" smtClean="0"/>
+              <a:t>Exam</a:t>
+            </a:r>
+            <a:endParaRPr lang="en-US" dirty="0"/>
+          </a:p>
+        </p:txBody>
+      </p:sp>
+      <p:sp>
+        <p:nvSpPr>
+          <p:cNvPr id="3" name="Content Placeholder 2"/>
+          <p:cNvSpPr>
+            <a:spLocks noGrp="1"/>
+          </p:cNvSpPr>
+          <p:nvPr>
+            <p:ph idx="1"/>
+          </p:nvPr>
+        </p:nvSpPr>
+        <p:spPr/>
+        <p:txBody>
+          <a:bodyPr/>
+          <a:lstStyle/>
+          <a:p>
+            <a:r>
+              <a:rPr lang="en-US" dirty="0" smtClean="0"/>
+              <a:t>2</a:t>
+            </a:r>
+            <a:r>
+              <a:rPr lang="en-US" baseline="30000" dirty="0" smtClean="0"/>
+              <a:t>nd</a:t>
+            </a:r>
+            <a:r>
+              <a:rPr lang="en-US" dirty="0" smtClean="0"/>
+              <a:t> January</a:t>
+            </a:r>
+          </a:p>
+          <a:p>
+            <a:endParaRPr lang="en-US" dirty="0" smtClean="0"/>
+          </a:p>
+          <a:p>
+            <a:r>
+              <a:rPr lang="en-US" dirty="0" smtClean="0"/>
+              <a:t>You should review:</a:t>
+            </a:r>
+          </a:p>
+          <a:p>
+            <a:pPr>
+              <a:buFontTx/>
+              <a:buChar char="-"/>
+            </a:pPr>
+            <a:r>
+              <a:rPr lang="en-US" dirty="0" smtClean="0"/>
+              <a:t>Quiz Questions</a:t>
+            </a:r>
+          </a:p>
+          <a:p>
+            <a:pPr>
+              <a:buFontTx/>
+              <a:buChar char="-"/>
+            </a:pPr>
+            <a:r>
+              <a:rPr lang="en-US" dirty="0" smtClean="0"/>
+              <a:t>Crossword</a:t>
+            </a:r>
+          </a:p>
+          <a:p>
+            <a:pPr>
+              <a:buFontTx/>
+              <a:buChar char="-"/>
+            </a:pPr>
+            <a:r>
+              <a:rPr lang="en-US" dirty="0" smtClean="0"/>
+              <a:t>Slides/Example Questions</a:t>
+            </a:r>
+          </a:p>
+          <a:p>
+            <a:pPr>
+              <a:buFontTx/>
+              <a:buChar char="-"/>
+            </a:pPr>
+            <a:r>
+              <a:rPr lang="en-US" dirty="0" smtClean="0"/>
+              <a:t>Recommended Text</a:t>
+            </a:r>
+            <a:endParaRPr lang="en-US" dirty="0"/>
+          </a:p>
+        </p:txBody>
+      </p:sp>
+    </p:spTree>
+  </p:cSld>
+  <p:clrMapOvr>
+    <a:masterClrMapping/>
+  </p:clrMapOvr>
+</p:sld>
+</file>
+
+<file path=ppt/slides/slide50.xml><?xml version="1.0" encoding="utf-8"?>
+<p:sld xmlns:a="http://schemas.openxmlformats.org/drawingml/2006/main" xmlns:r="http://schemas.openxmlformats.org/officeDocument/2006/relationships" xmlns:p="http://schemas.openxmlformats.org/presentationml/2006/main">
+  <p:cSld>
+    <p:spTree>
+      <p:nvGrpSpPr>
+        <p:cNvPr id="1" name=""/>
+        <p:cNvGrpSpPr/>
+        <p:nvPr/>
+      </p:nvGrpSpPr>
+      <p:grpSpPr>
+        <a:xfrm>
+          <a:off x="0" y="0"/>
+          <a:ext cx="0" cy="0"/>
+          <a:chOff x="0" y="0"/>
+          <a:chExt cx="0" cy="0"/>
+        </a:xfrm>
+      </p:grpSpPr>
+      <p:sp>
+        <p:nvSpPr>
+          <p:cNvPr id="12290" name="Title 1"/>
+          <p:cNvSpPr>
+            <a:spLocks noGrp="1"/>
+          </p:cNvSpPr>
+          <p:nvPr>
+            <p:ph type="title"/>
+          </p:nvPr>
+        </p:nvSpPr>
+        <p:spPr/>
+        <p:txBody>
+          <a:bodyPr/>
+          <a:lstStyle/>
+          <a:p>
+            <a:r>
+              <a:rPr lang="en-GB" altLang="en-US" smtClean="0"/>
+              <a:t>Summary</a:t>
+            </a:r>
+          </a:p>
+        </p:txBody>
+      </p:sp>
+      <p:sp>
+        <p:nvSpPr>
+          <p:cNvPr id="12291" name="Content Placeholder 2"/>
+          <p:cNvSpPr>
+            <a:spLocks noGrp="1"/>
+          </p:cNvSpPr>
+          <p:nvPr>
+            <p:ph idx="1"/>
+          </p:nvPr>
+        </p:nvSpPr>
+        <p:spPr/>
+        <p:txBody>
+          <a:bodyPr/>
+          <a:lstStyle/>
+          <a:p>
+            <a:r>
+              <a:rPr lang="en-GB" altLang="en-US" dirty="0" smtClean="0"/>
+              <a:t>Essential Java Networking</a:t>
+            </a:r>
+          </a:p>
+          <a:p>
+            <a:pPr lvl="1"/>
+            <a:r>
+              <a:rPr lang="en-GB" altLang="en-US" dirty="0" smtClean="0"/>
+              <a:t>Ports/IP/Sending/Receiving Data</a:t>
+            </a:r>
+          </a:p>
+          <a:p>
+            <a:pPr lvl="1"/>
+            <a:r>
+              <a:rPr lang="en-GB" altLang="en-US" dirty="0" smtClean="0"/>
+              <a:t>Java Implementation Examples</a:t>
+            </a:r>
+          </a:p>
+          <a:p>
+            <a:r>
+              <a:rPr lang="en-GB" altLang="en-US" dirty="0" smtClean="0"/>
+              <a:t>Hands-On/Practical</a:t>
+            </a:r>
+          </a:p>
+          <a:p>
+            <a:r>
+              <a:rPr lang="en-GB" altLang="en-US" dirty="0" smtClean="0"/>
+              <a:t>Today is about becoming basic Java Networking</a:t>
+            </a:r>
+          </a:p>
+        </p:txBody>
+      </p:sp>
+    </p:spTree>
+  </p:cSld>
+  <p:clrMapOvr>
+    <a:masterClrMapping/>
+  </p:clrMapOvr>
+  <p:timing>
+    <p:tnLst>
+      <p:par>
+        <p:cTn id="1" dur="indefinite" restart="never" nodeType="tmRoot"/>
+      </p:par>
+    </p:tnLst>
+  </p:timing>
+</p:sld>
+</file>
+
+<file path=ppt/slides/slide51.xml><?xml version="1.0" encoding="utf-8"?>
+<p:sld xmlns:a="http://schemas.openxmlformats.org/drawingml/2006/main" xmlns:r="http://schemas.openxmlformats.org/officeDocument/2006/relationships" xmlns:p="http://schemas.openxmlformats.org/presentationml/2006/main">
+  <p:cSld>
+    <p:spTree>
+      <p:nvGrpSpPr>
+        <p:cNvPr id="1" name=""/>
+        <p:cNvGrpSpPr/>
+        <p:nvPr/>
+      </p:nvGrpSpPr>
+      <p:grpSpPr>
+        <a:xfrm>
+          <a:off x="0" y="0"/>
+          <a:ext cx="0" cy="0"/>
+          <a:chOff x="0" y="0"/>
+          <a:chExt cx="0" cy="0"/>
+        </a:xfrm>
+      </p:grpSpPr>
+      <p:sp>
+        <p:nvSpPr>
+          <p:cNvPr id="11266" name="Title 1"/>
+          <p:cNvSpPr>
+            <a:spLocks noGrp="1"/>
+          </p:cNvSpPr>
+          <p:nvPr>
+            <p:ph type="title"/>
+          </p:nvPr>
+        </p:nvSpPr>
+        <p:spPr/>
+        <p:txBody>
+          <a:bodyPr/>
+          <a:lstStyle/>
+          <a:p>
+            <a:r>
+              <a:rPr lang="en-GB" altLang="en-US" smtClean="0"/>
+              <a:t>This Week</a:t>
+            </a:r>
+          </a:p>
+        </p:txBody>
+      </p:sp>
+      <p:sp>
+        <p:nvSpPr>
+          <p:cNvPr id="11267" name="Content Placeholder 2"/>
+          <p:cNvSpPr>
+            <a:spLocks noGrp="1"/>
+          </p:cNvSpPr>
+          <p:nvPr>
+            <p:ph idx="1"/>
+          </p:nvPr>
+        </p:nvSpPr>
+        <p:spPr/>
+        <p:txBody>
+          <a:bodyPr/>
+          <a:lstStyle/>
+          <a:p>
+            <a:r>
+              <a:rPr lang="en-GB" altLang="en-US" dirty="0" smtClean="0"/>
+              <a:t>Read Associated Chapters</a:t>
+            </a:r>
+          </a:p>
+          <a:p>
+            <a:r>
+              <a:rPr lang="en-GB" altLang="en-US" dirty="0" smtClean="0"/>
+              <a:t>Review Slides</a:t>
+            </a:r>
+          </a:p>
+          <a:p>
+            <a:r>
+              <a:rPr lang="en-GB" altLang="en-US" dirty="0" smtClean="0"/>
+              <a:t>Java Exercises</a:t>
+            </a:r>
+          </a:p>
+          <a:p>
+            <a:r>
+              <a:rPr lang="en-GB" altLang="en-US" dirty="0" smtClean="0"/>
+              <a:t>Online Quizzes</a:t>
+            </a:r>
+          </a:p>
+          <a:p>
+            <a:pPr lvl="1"/>
+            <a:r>
+              <a:rPr lang="en-GB" altLang="en-US" dirty="0" smtClean="0"/>
+              <a:t>25</a:t>
+            </a:r>
+            <a:r>
+              <a:rPr lang="en-GB" altLang="en-US" baseline="30000" dirty="0" smtClean="0"/>
+              <a:t>th</a:t>
+            </a:r>
+            <a:r>
+              <a:rPr lang="en-GB" altLang="en-US" dirty="0" smtClean="0"/>
+              <a:t> December (Last Date)</a:t>
+            </a:r>
+          </a:p>
+          <a:p>
+            <a:r>
+              <a:rPr lang="en-GB" altLang="en-US" dirty="0" smtClean="0"/>
+              <a:t>Getting Ready Exam</a:t>
+            </a:r>
+          </a:p>
+        </p:txBody>
+      </p:sp>
+    </p:spTree>
+  </p:cSld>
+  <p:clrMapOvr>
+    <a:masterClrMapping/>
+  </p:clrMapOvr>
+</p:sld>
+</file>
+
+<file path=ppt/slides/slide52.xml><?xml version="1.0" encoding="utf-8"?>
+<p:sld xmlns:a="http://schemas.openxmlformats.org/drawingml/2006/main" xmlns:r="http://schemas.openxmlformats.org/officeDocument/2006/relationships" xmlns:p="http://schemas.openxmlformats.org/presentationml/2006/main">
+  <p:cSld>
+    <p:spTree>
+      <p:nvGrpSpPr>
+        <p:cNvPr id="1" name=""/>
+        <p:cNvGrpSpPr/>
+        <p:nvPr/>
+      </p:nvGrpSpPr>
+      <p:grpSpPr>
+        <a:xfrm>
+          <a:off x="0" y="0"/>
+          <a:ext cx="0" cy="0"/>
+          <a:chOff x="0" y="0"/>
+          <a:chExt cx="0" cy="0"/>
+        </a:xfrm>
+      </p:grpSpPr>
+      <p:sp>
+        <p:nvSpPr>
+          <p:cNvPr id="2" name="Title 1"/>
+          <p:cNvSpPr>
+            <a:spLocks noGrp="1"/>
+          </p:cNvSpPr>
+          <p:nvPr>
+            <p:ph type="title"/>
+          </p:nvPr>
+        </p:nvSpPr>
+        <p:spPr/>
+        <p:txBody>
+          <a:bodyPr/>
+          <a:lstStyle/>
+          <a:p>
+            <a:r>
+              <a:rPr lang="en-US" dirty="0" smtClean="0"/>
+              <a:t>Today’s Exercises</a:t>
+            </a:r>
+            <a:endParaRPr lang="en-US" dirty="0"/>
+          </a:p>
+        </p:txBody>
+      </p:sp>
+      <p:sp>
+        <p:nvSpPr>
+          <p:cNvPr id="3" name="Content Placeholder 2"/>
+          <p:cNvSpPr>
+            <a:spLocks noGrp="1"/>
+          </p:cNvSpPr>
+          <p:nvPr>
+            <p:ph idx="1"/>
+          </p:nvPr>
+        </p:nvSpPr>
+        <p:spPr/>
+        <p:txBody>
+          <a:bodyPr/>
+          <a:lstStyle/>
+          <a:p>
+            <a:r>
+              <a:rPr lang="en-US" sz="3600" b="1" dirty="0" smtClean="0"/>
+              <a:t>Chapter 30 – Exercise 30.1</a:t>
+            </a:r>
+          </a:p>
+          <a:p>
+            <a:pPr>
+              <a:buNone/>
+            </a:pPr>
+            <a:endParaRPr lang="en-US" dirty="0" smtClean="0"/>
+          </a:p>
+          <a:p>
+            <a:pPr>
+              <a:buNone/>
+            </a:pPr>
+            <a:endParaRPr lang="en-US" dirty="0" smtClean="0"/>
+          </a:p>
+          <a:p>
+            <a:pPr>
+              <a:buNone/>
+            </a:pPr>
+            <a:r>
+              <a:rPr lang="en-US" dirty="0" smtClean="0"/>
+              <a:t>Opportunity to review/revisit previous chapters</a:t>
+            </a:r>
+          </a:p>
+          <a:p>
+            <a:pPr>
+              <a:buNone/>
+            </a:pPr>
+            <a:r>
+              <a:rPr lang="en-US" dirty="0" smtClean="0"/>
+              <a:t>Solid understanding each of </a:t>
+            </a:r>
+            <a:r>
+              <a:rPr lang="en-US" smtClean="0"/>
+              <a:t>the concepts</a:t>
+            </a:r>
+            <a:endParaRPr lang="en-US" dirty="0" smtClean="0"/>
+          </a:p>
+        </p:txBody>
+      </p:sp>
+    </p:spTree>
+  </p:cSld>
+  <p:clrMapOvr>
+    <a:masterClrMapping/>
+  </p:clrMapOvr>
+</p:sld>
+</file>
+
+<file path=ppt/slides/slide53.xml><?xml version="1.0" encoding="utf-8"?>
 <p:sld xmlns:a="http://schemas.openxmlformats.org/drawingml/2006/main" xmlns:r="http://schemas.openxmlformats.org/officeDocument/2006/relationships" xmlns:p="http://schemas.openxmlformats.org/presentationml/2006/main">
   <p:cSld>
     <p:bg>
@@ -7018,7 +9273,7 @@
 </p:sld>
 </file>
 
-<file path=ppt/slides/slide37.xml><?xml version="1.0" encoding="utf-8"?>
+<file path=ppt/slides/slide54.xml><?xml version="1.0" encoding="utf-8"?>
 <p:sld xmlns:a="http://schemas.openxmlformats.org/drawingml/2006/main" xmlns:r="http://schemas.openxmlformats.org/officeDocument/2006/relationships" xmlns:p="http://schemas.openxmlformats.org/presentationml/2006/main">
   <p:cSld>
     <p:spTree>
@@ -7090,239 +9345,6 @@
       </p:par>
     </p:tnLst>
   </p:timing>
-</p:sld>
-</file>
-
-<file path=ppt/slides/slide4.xml><?xml version="1.0" encoding="utf-8"?>
-<p:sld xmlns:a="http://schemas.openxmlformats.org/drawingml/2006/main" xmlns:r="http://schemas.openxmlformats.org/officeDocument/2006/relationships" xmlns:p="http://schemas.openxmlformats.org/presentationml/2006/main">
-  <p:cSld>
-    <p:spTree>
-      <p:nvGrpSpPr>
-        <p:cNvPr id="1" name=""/>
-        <p:cNvGrpSpPr/>
-        <p:nvPr/>
-      </p:nvGrpSpPr>
-      <p:grpSpPr>
-        <a:xfrm>
-          <a:off x="0" y="0"/>
-          <a:ext cx="0" cy="0"/>
-          <a:chOff x="0" y="0"/>
-          <a:chExt cx="0" cy="0"/>
-        </a:xfrm>
-      </p:grpSpPr>
-      <p:sp>
-        <p:nvSpPr>
-          <p:cNvPr id="2" name="Title 1"/>
-          <p:cNvSpPr>
-            <a:spLocks noGrp="1"/>
-          </p:cNvSpPr>
-          <p:nvPr>
-            <p:ph type="title"/>
-          </p:nvPr>
-        </p:nvSpPr>
-        <p:spPr/>
-        <p:txBody>
-          <a:bodyPr/>
-          <a:lstStyle/>
-          <a:p>
-            <a:r>
-              <a:rPr lang="en-US" dirty="0" smtClean="0"/>
-              <a:t>Exam</a:t>
-            </a:r>
-            <a:endParaRPr lang="en-US" dirty="0"/>
-          </a:p>
-        </p:txBody>
-      </p:sp>
-      <p:sp>
-        <p:nvSpPr>
-          <p:cNvPr id="3" name="Content Placeholder 2"/>
-          <p:cNvSpPr>
-            <a:spLocks noGrp="1"/>
-          </p:cNvSpPr>
-          <p:nvPr>
-            <p:ph idx="1"/>
-          </p:nvPr>
-        </p:nvSpPr>
-        <p:spPr/>
-        <p:txBody>
-          <a:bodyPr/>
-          <a:lstStyle/>
-          <a:p>
-            <a:r>
-              <a:rPr lang="en-US" dirty="0" smtClean="0"/>
-              <a:t>2</a:t>
-            </a:r>
-            <a:r>
-              <a:rPr lang="en-US" baseline="30000" dirty="0" smtClean="0"/>
-              <a:t>nd</a:t>
-            </a:r>
-            <a:r>
-              <a:rPr lang="en-US" dirty="0" smtClean="0"/>
-              <a:t> January</a:t>
-            </a:r>
-          </a:p>
-          <a:p>
-            <a:endParaRPr lang="en-US" dirty="0" smtClean="0"/>
-          </a:p>
-          <a:p>
-            <a:r>
-              <a:rPr lang="en-US" dirty="0" smtClean="0"/>
-              <a:t>Review</a:t>
-            </a:r>
-            <a:endParaRPr lang="en-US" dirty="0" smtClean="0"/>
-          </a:p>
-          <a:p>
-            <a:pPr>
-              <a:buFontTx/>
-              <a:buChar char="-"/>
-            </a:pPr>
-            <a:r>
-              <a:rPr lang="en-US" dirty="0" smtClean="0"/>
-              <a:t>Quiz Questions</a:t>
-            </a:r>
-          </a:p>
-          <a:p>
-            <a:pPr>
-              <a:buFontTx/>
-              <a:buChar char="-"/>
-            </a:pPr>
-            <a:r>
-              <a:rPr lang="en-US" dirty="0" smtClean="0"/>
-              <a:t>Crossword</a:t>
-            </a:r>
-          </a:p>
-          <a:p>
-            <a:pPr>
-              <a:buFontTx/>
-              <a:buChar char="-"/>
-            </a:pPr>
-            <a:r>
-              <a:rPr lang="en-US" dirty="0" smtClean="0"/>
-              <a:t>Slides/Example Questions</a:t>
-            </a:r>
-          </a:p>
-          <a:p>
-            <a:pPr>
-              <a:buFontTx/>
-              <a:buChar char="-"/>
-            </a:pPr>
-            <a:r>
-              <a:rPr lang="en-US" dirty="0" smtClean="0"/>
-              <a:t>Recommended Text</a:t>
-            </a:r>
-            <a:endParaRPr lang="en-US" dirty="0"/>
-          </a:p>
-        </p:txBody>
-      </p:sp>
-    </p:spTree>
-  </p:cSld>
-  <p:clrMapOvr>
-    <a:masterClrMapping/>
-  </p:clrMapOvr>
-</p:sld>
-</file>
-
-<file path=ppt/slides/slide5.xml><?xml version="1.0" encoding="utf-8"?>
-<p:sld xmlns:a="http://schemas.openxmlformats.org/drawingml/2006/main" xmlns:r="http://schemas.openxmlformats.org/officeDocument/2006/relationships" xmlns:p="http://schemas.openxmlformats.org/presentationml/2006/main">
-  <p:cSld>
-    <p:spTree>
-      <p:nvGrpSpPr>
-        <p:cNvPr id="1" name=""/>
-        <p:cNvGrpSpPr/>
-        <p:nvPr/>
-      </p:nvGrpSpPr>
-      <p:grpSpPr>
-        <a:xfrm>
-          <a:off x="0" y="0"/>
-          <a:ext cx="0" cy="0"/>
-          <a:chOff x="0" y="0"/>
-          <a:chExt cx="0" cy="0"/>
-        </a:xfrm>
-      </p:grpSpPr>
-      <p:sp>
-        <p:nvSpPr>
-          <p:cNvPr id="2" name="Title 1"/>
-          <p:cNvSpPr>
-            <a:spLocks noGrp="1"/>
-          </p:cNvSpPr>
-          <p:nvPr>
-            <p:ph type="title"/>
-          </p:nvPr>
-        </p:nvSpPr>
-        <p:spPr/>
-        <p:txBody>
-          <a:bodyPr/>
-          <a:lstStyle/>
-          <a:p>
-            <a:r>
-              <a:rPr lang="en-US" dirty="0" smtClean="0"/>
-              <a:t>Exa</a:t>
-            </a:r>
-            <a:r>
-              <a:rPr lang="en-US" dirty="0" smtClean="0"/>
-              <a:t>m</a:t>
-            </a:r>
-            <a:endParaRPr lang="en-US" dirty="0"/>
-          </a:p>
-        </p:txBody>
-      </p:sp>
-      <p:sp>
-        <p:nvSpPr>
-          <p:cNvPr id="3" name="Content Placeholder 2"/>
-          <p:cNvSpPr>
-            <a:spLocks noGrp="1"/>
-          </p:cNvSpPr>
-          <p:nvPr>
-            <p:ph idx="1"/>
-          </p:nvPr>
-        </p:nvSpPr>
-        <p:spPr/>
-        <p:txBody>
-          <a:bodyPr/>
-          <a:lstStyle/>
-          <a:p>
-            <a:r>
-              <a:rPr lang="en-US" dirty="0" smtClean="0"/>
-              <a:t>Mix</a:t>
-            </a:r>
-          </a:p>
-          <a:p>
-            <a:pPr>
-              <a:buFontTx/>
-              <a:buChar char="-"/>
-            </a:pPr>
-            <a:r>
-              <a:rPr lang="en-US" dirty="0" smtClean="0"/>
-              <a:t>Written Exercises</a:t>
-            </a:r>
-          </a:p>
-          <a:p>
-            <a:pPr>
-              <a:buFontTx/>
-              <a:buChar char="-"/>
-            </a:pPr>
-            <a:r>
-              <a:rPr lang="en-US" dirty="0" smtClean="0"/>
-              <a:t>Code Samples</a:t>
-            </a:r>
-          </a:p>
-          <a:p>
-            <a:pPr>
-              <a:buFontTx/>
-              <a:buChar char="-"/>
-            </a:pPr>
-            <a:r>
-              <a:rPr lang="en-US" dirty="0" smtClean="0"/>
-              <a:t>Multiple Choice</a:t>
-            </a:r>
-          </a:p>
-        </p:txBody>
-      </p:sp>
-    </p:spTree>
-  </p:cSld>
-  <p:clrMapOvr>
-    <a:masterClrMapping/>
-  </p:clrMapOvr>
 </p:sld>
 </file>
 
@@ -7360,7 +9382,7 @@
           <a:p>
             <a:r>
               <a:rPr lang="en-US" dirty="0" smtClean="0"/>
-              <a:t>Why is Networking Important?</a:t>
+              <a:t>Exam</a:t>
             </a:r>
             <a:endParaRPr lang="en-US" dirty="0"/>
           </a:p>
@@ -7381,7 +9403,81 @@
           <a:bodyPr/>
           <a:lstStyle/>
           <a:p>
-            <a:endParaRPr lang="en-US"/>
+            <a:r>
+              <a:rPr lang="en-US" dirty="0" smtClean="0"/>
+              <a:t>Mix</a:t>
+            </a:r>
+          </a:p>
+          <a:p>
+            <a:pPr>
+              <a:buFontTx/>
+              <a:buChar char="-"/>
+            </a:pPr>
+            <a:r>
+              <a:rPr lang="en-US" dirty="0" smtClean="0"/>
+              <a:t>Written Exercises</a:t>
+            </a:r>
+          </a:p>
+          <a:p>
+            <a:pPr lvl="1">
+              <a:buFontTx/>
+              <a:buChar char="-"/>
+            </a:pPr>
+            <a:r>
+              <a:rPr lang="en-US" dirty="0" smtClean="0"/>
+              <a:t>Explanations/Essay</a:t>
+            </a:r>
+          </a:p>
+          <a:p>
+            <a:pPr>
+              <a:buFontTx/>
+              <a:buChar char="-"/>
+            </a:pPr>
+            <a:r>
+              <a:rPr lang="en-US" dirty="0" smtClean="0"/>
+              <a:t>Code Samples</a:t>
+            </a:r>
+          </a:p>
+          <a:p>
+            <a:pPr lvl="1">
+              <a:buFontTx/>
+              <a:buChar char="-"/>
+            </a:pPr>
+            <a:r>
+              <a:rPr lang="en-US" smtClean="0"/>
+              <a:t>Analyze/Understand</a:t>
+            </a:r>
+            <a:endParaRPr lang="en-US" dirty="0" smtClean="0"/>
+          </a:p>
+          <a:p>
+            <a:pPr>
+              <a:buFontTx/>
+              <a:buChar char="-"/>
+            </a:pPr>
+            <a:r>
+              <a:rPr lang="en-US" dirty="0" smtClean="0"/>
+              <a:t>Multiple Choice</a:t>
+            </a:r>
+          </a:p>
+          <a:p>
+            <a:pPr lvl="1">
+              <a:buFontTx/>
+              <a:buChar char="-"/>
+            </a:pPr>
+            <a:r>
+              <a:rPr lang="en-US" dirty="0" smtClean="0"/>
+              <a:t>Yes/No</a:t>
+            </a:r>
+          </a:p>
+          <a:p>
+            <a:pPr lvl="1">
+              <a:buFontTx/>
+              <a:buChar char="-"/>
+            </a:pPr>
+            <a:r>
+              <a:rPr lang="en-US" dirty="0" smtClean="0"/>
+              <a:t>ABC</a:t>
+            </a:r>
           </a:p>
         </p:txBody>
       </p:sp>
@@ -7420,75 +9516,129 @@
             <p:ph type="title"/>
           </p:nvPr>
         </p:nvSpPr>
+        <p:spPr/>
+        <p:txBody>
+          <a:bodyPr/>
+          <a:lstStyle/>
+          <a:p>
+            <a:r>
+              <a:rPr lang="en-US" dirty="0" smtClean="0"/>
+              <a:t>Example Questions</a:t>
+            </a:r>
+            <a:endParaRPr lang="en-US" dirty="0"/>
+          </a:p>
+        </p:txBody>
+      </p:sp>
+      <p:sp>
+        <p:nvSpPr>
+          <p:cNvPr id="3" name="Content Placeholder 2"/>
+          <p:cNvSpPr>
+            <a:spLocks noGrp="1"/>
+          </p:cNvSpPr>
+          <p:nvPr>
+            <p:ph idx="1"/>
+          </p:nvPr>
+        </p:nvSpPr>
         <p:spPr>
           <a:xfrm>
-            <a:off x="685800" y="228600"/>
-            <a:ext cx="7772400" cy="1143000"/>
-          </a:xfrm>
-        </p:spPr>
-        <p:txBody>
-          <a:bodyPr/>
+            <a:off x="457200" y="1981200"/>
+            <a:ext cx="8382000" cy="4114800"/>
+          </a:xfrm>
+        </p:spPr>
+        <p:txBody>
+          <a:bodyPr>
+            <a:normAutofit fontScale="70000" lnSpcReduction="20000"/>
+          </a:bodyPr>
           <a:lstStyle/>
           <a:p>
             <a:r>
               <a:rPr lang="en-US" dirty="0" smtClean="0"/>
-              <a:t>Networking Basics</a:t>
+              <a:t>Is Java the same as </a:t>
+            </a:r>
+            <a:r>
+              <a:rPr lang="en-US" dirty="0" err="1" smtClean="0"/>
+              <a:t>Javascript</a:t>
+            </a:r>
+            <a:r>
+              <a:rPr lang="en-US" dirty="0" smtClean="0"/>
+              <a:t>?</a:t>
+            </a:r>
+            <a:endParaRPr lang="en-US" dirty="0" smtClean="0"/>
+          </a:p>
+          <a:p>
+            <a:r>
+              <a:rPr lang="en-US" dirty="0" smtClean="0"/>
+              <a:t>Is </a:t>
+            </a:r>
+            <a:r>
+              <a:rPr lang="en-US" dirty="0" smtClean="0"/>
+              <a:t>Java case sensitive?	</a:t>
+            </a:r>
+          </a:p>
+          <a:p>
+            <a:r>
+              <a:rPr lang="en-US" dirty="0" smtClean="0"/>
+              <a:t>What is he symbol used at the end of all statements?	</a:t>
+            </a:r>
+          </a:p>
+          <a:p>
+            <a:r>
+              <a:rPr lang="en-US" dirty="0" smtClean="0"/>
+              <a:t>What is the </a:t>
+            </a:r>
+            <a:r>
+              <a:rPr lang="en-US" dirty="0" err="1" smtClean="0"/>
+              <a:t>datatype</a:t>
+            </a:r>
+            <a:r>
+              <a:rPr lang="en-US" dirty="0" smtClean="0"/>
+              <a:t> used to store decimal numbers?	</a:t>
+            </a:r>
+          </a:p>
+          <a:p>
+            <a:r>
+              <a:rPr lang="en-US" dirty="0" smtClean="0"/>
+              <a:t>What is the method where all programs begin?		</a:t>
+            </a:r>
+          </a:p>
+          <a:p>
+            <a:r>
+              <a:rPr lang="en-US" dirty="0" smtClean="0"/>
+              <a:t>What is the name of this symbol `%'?			</a:t>
+            </a:r>
+          </a:p>
+          <a:p>
+            <a:r>
+              <a:rPr lang="en-US" dirty="0" smtClean="0"/>
+              <a:t>Type of loop that only contains a condition?		</a:t>
+            </a:r>
+          </a:p>
+          <a:p>
+            <a:r>
+              <a:rPr lang="en-US" dirty="0" smtClean="0"/>
+              <a:t>What is the </a:t>
+            </a:r>
+            <a:r>
+              <a:rPr lang="en-US" dirty="0" err="1" smtClean="0"/>
+              <a:t>datatype</a:t>
+            </a:r>
+            <a:r>
+              <a:rPr lang="en-US" dirty="0" smtClean="0"/>
+              <a:t> used to store a single letter, number, or symbol? </a:t>
+            </a:r>
+          </a:p>
+          <a:p>
+            <a:pPr>
+              <a:buNone/>
+            </a:pPr>
+            <a:r>
+              <a:rPr lang="en-US" dirty="0" smtClean="0"/>
+              <a:t>				</a:t>
             </a:r>
             <a:endParaRPr lang="en-US" dirty="0"/>
           </a:p>
         </p:txBody>
       </p:sp>
-      <p:sp>
-        <p:nvSpPr>
-          <p:cNvPr id="3" name="Content Placeholder 2"/>
-          <p:cNvSpPr>
-            <a:spLocks noGrp="1"/>
-          </p:cNvSpPr>
-          <p:nvPr>
-            <p:ph idx="1"/>
-          </p:nvPr>
-        </p:nvSpPr>
-        <p:spPr/>
-        <p:txBody>
-          <a:bodyPr/>
-          <a:lstStyle/>
-          <a:p>
-            <a:endParaRPr lang="en-US"/>
-          </a:p>
-        </p:txBody>
-      </p:sp>
-      <p:pic>
-        <p:nvPicPr>
-          <p:cNvPr id="1026" name="Picture 2"/>
-          <p:cNvPicPr>
-            <a:picLocks noChangeAspect="1" noChangeArrowheads="1"/>
-          </p:cNvPicPr>
-          <p:nvPr/>
-        </p:nvPicPr>
-        <p:blipFill>
-          <a:blip r:embed="rId2" cstate="print"/>
-          <a:srcRect/>
-          <a:stretch>
-            <a:fillRect/>
-          </a:stretch>
-        </p:blipFill>
-        <p:spPr bwMode="auto">
-          <a:xfrm>
-            <a:off x="9525" y="1409700"/>
-            <a:ext cx="9134475" cy="5448300"/>
-          </a:xfrm>
-          <a:prstGeom prst="rect">
-            <a:avLst/>
-          </a:prstGeom>
-          <a:noFill/>
-          <a:ln w="9525">
-            <a:noFill/>
-            <a:miter lim="800000"/>
-            <a:headEnd/>
-            <a:tailEnd/>
-          </a:ln>
-        </p:spPr>
-      </p:pic>
     </p:spTree>
   </p:cSld>
   <p:clrMapOvr>
@@ -7526,7 +9676,7 @@
         </p:nvSpPr>
         <p:spPr>
           <a:xfrm>
-            <a:off x="685800" y="152400"/>
+            <a:off x="685800" y="0"/>
             <a:ext cx="7772400" cy="1143000"/>
           </a:xfrm>
         </p:spPr>
@@ -7536,7 +9686,7 @@
           <a:p>
             <a:r>
               <a:rPr lang="en-US" dirty="0" smtClean="0"/>
-              <a:t>Networking Basics</a:t>
+              <a:t>Answer</a:t>
             </a:r>
             <a:endParaRPr lang="en-US" dirty="0"/>
           </a:p>
@@ -7552,47 +9702,149 @@
             <p:ph idx="1"/>
           </p:nvPr>
         </p:nvSpPr>
-        <p:spPr/>
-        <p:txBody>
-          <a:bodyPr/>
-          <a:lstStyle/>
-          <a:p>
-            <a:endParaRPr lang="en-US"/>
-          </a:p>
-        </p:txBody>
-      </p:sp>
-      <p:pic>
-        <p:nvPicPr>
-          <p:cNvPr id="2050" name="Picture 2"/>
-          <p:cNvPicPr>
-            <a:picLocks noChangeAspect="1" noChangeArrowheads="1"/>
-          </p:cNvPicPr>
-          <p:nvPr/>
-        </p:nvPicPr>
-        <p:blipFill>
-          <a:blip r:embed="rId2" cstate="print"/>
-          <a:srcRect/>
-          <a:stretch>
-            <a:fillRect/>
-          </a:stretch>
-        </p:blipFill>
-        <p:spPr bwMode="auto">
-          <a:xfrm>
-            <a:off x="228600" y="1371600"/>
-            <a:ext cx="8695266" cy="5105400"/>
-          </a:xfrm>
-          <a:prstGeom prst="rect">
-            <a:avLst/>
-          </a:prstGeom>
-          <a:noFill/>
-          <a:ln w="9525">
-            <a:noFill/>
-            <a:miter lim="800000"/>
-            <a:headEnd/>
-            <a:tailEnd/>
-          </a:ln>
-        </p:spPr>
-      </p:pic>
+        <p:spPr>
+          <a:xfrm>
+            <a:off x="304800" y="1905000"/>
+            <a:ext cx="8839200" cy="4572000"/>
+          </a:xfrm>
+        </p:spPr>
+        <p:txBody>
+          <a:bodyPr>
+            <a:noAutofit/>
+          </a:bodyPr>
+          <a:lstStyle/>
+          <a:p>
+            <a:r>
+              <a:rPr lang="en-US" sz="1800" dirty="0" smtClean="0"/>
+              <a:t>Is Java the same as </a:t>
+            </a:r>
+            <a:r>
+              <a:rPr lang="en-US" sz="1800" dirty="0" err="1" smtClean="0"/>
+              <a:t>Javascript</a:t>
+            </a:r>
+            <a:r>
+              <a:rPr lang="en-US" sz="1800" dirty="0" smtClean="0"/>
+              <a:t>?				 </a:t>
+            </a:r>
+            <a:r>
+              <a:rPr lang="en-US" sz="1800" dirty="0" smtClean="0"/>
+              <a:t>: No</a:t>
+            </a:r>
+          </a:p>
+          <a:p>
+            <a:r>
+              <a:rPr lang="en-US" sz="1800" dirty="0" smtClean="0"/>
+              <a:t>Is </a:t>
+            </a:r>
+            <a:r>
+              <a:rPr lang="en-US" sz="1800" dirty="0" smtClean="0"/>
+              <a:t>Java case sensitive?					</a:t>
+            </a:r>
+            <a:r>
+              <a:rPr lang="en-US" sz="1800" dirty="0" smtClean="0"/>
+              <a:t> : </a:t>
+            </a:r>
+            <a:r>
+              <a:rPr lang="en-US" sz="1800" dirty="0" smtClean="0"/>
+              <a:t>Yes</a:t>
+            </a:r>
+          </a:p>
+          <a:p>
+            <a:r>
+              <a:rPr lang="en-US" sz="1800" dirty="0" smtClean="0"/>
+              <a:t>What is he symbol used at the end of all statements?	</a:t>
+            </a:r>
+            <a:r>
+              <a:rPr lang="en-US" sz="1800" dirty="0" smtClean="0"/>
+              <a:t> : </a:t>
+            </a:r>
+            <a:r>
+              <a:rPr lang="en-US" sz="1800" dirty="0" smtClean="0"/>
+              <a:t>Semi-colon</a:t>
+            </a:r>
+          </a:p>
+          <a:p>
+            <a:r>
+              <a:rPr lang="en-US" sz="1800" dirty="0" smtClean="0"/>
+              <a:t>What is the </a:t>
+            </a:r>
+            <a:r>
+              <a:rPr lang="en-US" sz="1800" dirty="0" err="1" smtClean="0"/>
+              <a:t>datatype</a:t>
+            </a:r>
+            <a:r>
+              <a:rPr lang="en-US" sz="1800" dirty="0" smtClean="0"/>
+              <a:t> used to store decimal numbers?	</a:t>
+            </a:r>
+            <a:r>
+              <a:rPr lang="en-US" sz="1800" dirty="0" smtClean="0"/>
+              <a:t> : double/float</a:t>
+            </a:r>
+            <a:endParaRPr lang="en-US" sz="1800" dirty="0" smtClean="0"/>
+          </a:p>
+          <a:p>
+            <a:r>
+              <a:rPr lang="en-US" sz="1800" dirty="0" smtClean="0"/>
+              <a:t>What is the method where all programs begin?		</a:t>
+            </a:r>
+            <a:r>
+              <a:rPr lang="en-US" sz="1800" dirty="0" smtClean="0"/>
+              <a:t> : </a:t>
+            </a:r>
+            <a:r>
+              <a:rPr lang="en-US" sz="1800" dirty="0" smtClean="0"/>
+              <a:t>main</a:t>
+            </a:r>
+          </a:p>
+          <a:p>
+            <a:r>
+              <a:rPr lang="en-US" sz="1800" dirty="0" smtClean="0"/>
+              <a:t>What is the name of this symbol `%'?			</a:t>
+            </a:r>
+            <a:r>
+              <a:rPr lang="en-US" sz="1800" dirty="0" smtClean="0"/>
+              <a:t> : </a:t>
+            </a:r>
+            <a:r>
+              <a:rPr lang="en-US" sz="1800" dirty="0" smtClean="0"/>
+              <a:t>Modulus</a:t>
+            </a:r>
+          </a:p>
+          <a:p>
+            <a:r>
+              <a:rPr lang="en-US" sz="1800" dirty="0" smtClean="0"/>
+              <a:t>Type of loop that only contains a condition?		</a:t>
+            </a:r>
+            <a:r>
+              <a:rPr lang="en-US" sz="1800" dirty="0" smtClean="0"/>
+              <a:t>: </a:t>
+            </a:r>
+            <a:r>
+              <a:rPr lang="en-US" sz="1800" dirty="0" smtClean="0"/>
+              <a:t>while</a:t>
+            </a:r>
+          </a:p>
+          <a:p>
+            <a:r>
+              <a:rPr lang="en-US" sz="1800" dirty="0" smtClean="0"/>
+              <a:t>What is the </a:t>
+            </a:r>
+            <a:r>
+              <a:rPr lang="en-US" sz="1800" dirty="0" err="1" smtClean="0"/>
+              <a:t>datatype</a:t>
+            </a:r>
+            <a:r>
+              <a:rPr lang="en-US" sz="1800" dirty="0" smtClean="0"/>
+              <a:t> used to store a single letter, number, or symbol? </a:t>
+            </a:r>
+            <a:r>
+              <a:rPr lang="en-US" sz="1800" dirty="0" smtClean="0"/>
+              <a:t>: char</a:t>
+            </a:r>
+            <a:endParaRPr lang="en-US" sz="1800" dirty="0" smtClean="0"/>
+          </a:p>
+        </p:txBody>
+      </p:sp>
     </p:spTree>
   </p:cSld>
   <p:clrMapOvr>
@@ -7620,7 +9872,7 @@
       </p:grpSpPr>
       <p:sp>
         <p:nvSpPr>
-          <p:cNvPr id="2" name="Title 1"/>
+          <p:cNvPr id="18434" name="Title 1"/>
           <p:cNvSpPr>
             <a:spLocks noGrp="1"/>
           </p:cNvSpPr>
@@ -7628,21 +9880,15 @@
             <p:ph type="title"/>
           </p:nvPr>
         </p:nvSpPr>
-        <p:spPr>
-          <a:xfrm>
-            <a:off x="609600" y="228600"/>
-            <a:ext cx="7772400" cy="1143000"/>
-          </a:xfrm>
-        </p:spPr>
-        <p:txBody>
-          <a:bodyPr/>
-          <a:lstStyle/>
-          <a:p>
-            <a:r>
-              <a:rPr lang="en-US" dirty="0" smtClean="0"/>
-              <a:t>Networking Basics</a:t>
-            </a:r>
-            <a:endParaRPr lang="en-US" dirty="0"/>
+        <p:spPr/>
+        <p:txBody>
+          <a:bodyPr/>
+          <a:lstStyle/>
+          <a:p>
+            <a:r>
+              <a:rPr lang="en-GB" altLang="en-US" smtClean="0"/>
+              <a:t>Question</a:t>
+            </a:r>
           </a:p>
         </p:txBody>
       </p:sp>
@@ -7661,42 +9907,74 @@
           <a:bodyPr/>
           <a:lstStyle/>
           <a:p>
-            <a:endParaRPr lang="en-US"/>
-          </a:p>
-        </p:txBody>
-      </p:sp>
-      <p:pic>
-        <p:nvPicPr>
-          <p:cNvPr id="3074" name="Picture 2"/>
-          <p:cNvPicPr>
-            <a:picLocks noChangeAspect="1" noChangeArrowheads="1"/>
-          </p:cNvPicPr>
-          <p:nvPr/>
-        </p:nvPicPr>
-        <p:blipFill>
-          <a:blip r:embed="rId2" cstate="print"/>
-          <a:srcRect/>
-          <a:stretch>
-            <a:fillRect/>
-          </a:stretch>
-        </p:blipFill>
-        <p:spPr bwMode="auto">
-          <a:xfrm>
-            <a:off x="228600" y="1447800"/>
-            <a:ext cx="8763000" cy="4902200"/>
-          </a:xfrm>
-          <a:prstGeom prst="rect">
-            <a:avLst/>
-          </a:prstGeom>
-          <a:noFill/>
-          <a:ln w="9525">
-            <a:noFill/>
-            <a:miter lim="800000"/>
-            <a:headEnd/>
-            <a:tailEnd/>
-          </a:ln>
-        </p:spPr>
-      </p:pic>
+            <a:pPr>
+              <a:defRPr/>
+            </a:pPr>
+            <a:r>
+              <a:rPr lang="en-GB" dirty="0" smtClean="0"/>
+              <a:t>Which of these is correct way of inheriting class A by class B?</a:t>
+            </a:r>
+          </a:p>
+          <a:p>
+            <a:pPr marL="0" indent="0">
+              <a:buFontTx/>
+              <a:buNone/>
+              <a:defRPr/>
+            </a:pPr>
+            <a:endParaRPr lang="en-GB" dirty="0" smtClean="0"/>
+          </a:p>
+          <a:p>
+            <a:pPr marL="0" indent="0">
+              <a:buFontTx/>
+              <a:buNone/>
+              <a:defRPr/>
+            </a:pPr>
+            <a:r>
+              <a:rPr lang="en-GB" dirty="0" smtClean="0"/>
+              <a:t>a) class B + class A {}</a:t>
+            </a:r>
+          </a:p>
+          <a:p>
+            <a:pPr marL="0" indent="0">
+              <a:buFontTx/>
+              <a:buNone/>
+              <a:defRPr/>
+            </a:pPr>
+            <a:r>
+              <a:rPr lang="en-GB" dirty="0" smtClean="0"/>
+              <a:t>b) class B inherits class A {}</a:t>
+            </a:r>
+          </a:p>
+          <a:p>
+            <a:pPr marL="0" indent="0">
+              <a:buFontTx/>
+              <a:buNone/>
+              <a:defRPr/>
+            </a:pPr>
+            <a:r>
+              <a:rPr lang="en-GB" dirty="0" smtClean="0"/>
+              <a:t>c) class B extends A {}</a:t>
+            </a:r>
+          </a:p>
+          <a:p>
+            <a:pPr marL="0" indent="0">
+              <a:buFontTx/>
+              <a:buNone/>
+              <a:defRPr/>
+            </a:pPr>
+            <a:r>
+              <a:rPr lang="en-GB" dirty="0" smtClean="0"/>
+              <a:t>d) class B extends class A {}</a:t>
+            </a:r>
+          </a:p>
+          <a:p>
+            <a:pPr>
+              <a:defRPr/>
+            </a:pPr>
+            <a:endParaRPr lang="en-GB" dirty="0" smtClean="0"/>
+          </a:p>
+        </p:txBody>
+      </p:sp>
     </p:spTree>
   </p:cSld>
   <p:clrMapOvr>

--- a/OOP/lectures/120--Network.Programming.pptx
+++ b/OOP/lectures/120--Network.Programming.pptx
@@ -5,7 +5,7 @@
     <p:sldMasterId id="2147483648" r:id="rId1"/>
   </p:sldMasterIdLst>
   <p:notesMasterIdLst>
-    <p:notesMasterId r:id="rId56"/>
+    <p:notesMasterId r:id="rId59"/>
   </p:notesMasterIdLst>
   <p:sldIdLst>
     <p:sldId id="267" r:id="rId2"/>
@@ -61,7 +61,10 @@
     <p:sldId id="275" r:id="rId52"/>
     <p:sldId id="305" r:id="rId53"/>
     <p:sldId id="306" r:id="rId54"/>
-    <p:sldId id="268" r:id="rId55"/>
+    <p:sldId id="326" r:id="rId55"/>
+    <p:sldId id="327" r:id="rId56"/>
+    <p:sldId id="328" r:id="rId57"/>
+    <p:sldId id="268" r:id="rId58"/>
   </p:sldIdLst>
   <p:sldSz cx="9144000" cy="6858000" type="screen4x3"/>
   <p:notesSz cx="6858000" cy="9144000"/>
@@ -192,7 +195,7 @@
   </p:defaultTextStyle>
   <p:extLst>
     <p:ext uri="{EFAFB233-063F-42B5-8137-9DF3F51BA10A}">
-      <p15:sldGuideLst xmlns="" xmlns:p15="http://schemas.microsoft.com/office/powerpoint/2012/main">
+      <p15:sldGuideLst xmlns:p15="http://schemas.microsoft.com/office/powerpoint/2012/main" xmlns="">
         <p15:guide id="1" orient="horz" pos="2160">
           <p15:clr>
             <a:srgbClr val="A4A3A4"/>
@@ -259,14 +262,14 @@
           <a:effectLst/>
           <a:extLst>
             <a:ext uri="{909E8E84-426E-40DD-AFC4-6F175D3DCCD1}">
-              <a14:hiddenFill xmlns="" xmlns:a14="http://schemas.microsoft.com/office/drawing/2010/main">
+              <a14:hiddenFill xmlns:a14="http://schemas.microsoft.com/office/drawing/2010/main" xmlns="">
                 <a:solidFill>
                   <a:schemeClr val="accent1"/>
                 </a:solidFill>
               </a14:hiddenFill>
             </a:ext>
             <a:ext uri="{91240B29-F687-4F45-9708-019B960494DF}">
-              <a14:hiddenLine xmlns="" xmlns:a14="http://schemas.microsoft.com/office/drawing/2010/main" w="9525">
+              <a14:hiddenLine xmlns:a14="http://schemas.microsoft.com/office/drawing/2010/main" xmlns="" w="9525">
                 <a:solidFill>
                   <a:schemeClr val="tx1"/>
                 </a:solidFill>
@@ -276,7 +279,7 @@
               </a14:hiddenLine>
             </a:ext>
             <a:ext uri="{AF507438-7753-43E0-B8FC-AC1667EBCBE1}">
-              <a14:hiddenEffects xmlns="" xmlns:a14="http://schemas.microsoft.com/office/drawing/2010/main">
+              <a14:hiddenEffects xmlns:a14="http://schemas.microsoft.com/office/drawing/2010/main" xmlns="">
                 <a:effectLst>
                   <a:outerShdw dist="35921" dir="2700000" algn="ctr" rotWithShape="0">
                     <a:schemeClr val="bg2"/>
@@ -330,14 +333,14 @@
           <a:effectLst/>
           <a:extLst>
             <a:ext uri="{909E8E84-426E-40DD-AFC4-6F175D3DCCD1}">
-              <a14:hiddenFill xmlns="" xmlns:a14="http://schemas.microsoft.com/office/drawing/2010/main">
+              <a14:hiddenFill xmlns:a14="http://schemas.microsoft.com/office/drawing/2010/main" xmlns="">
                 <a:solidFill>
                   <a:schemeClr val="accent1"/>
                 </a:solidFill>
               </a14:hiddenFill>
             </a:ext>
             <a:ext uri="{91240B29-F687-4F45-9708-019B960494DF}">
-              <a14:hiddenLine xmlns="" xmlns:a14="http://schemas.microsoft.com/office/drawing/2010/main" w="9525">
+              <a14:hiddenLine xmlns:a14="http://schemas.microsoft.com/office/drawing/2010/main" xmlns="" w="9525">
                 <a:solidFill>
                   <a:schemeClr val="tx1"/>
                 </a:solidFill>
@@ -347,7 +350,7 @@
               </a14:hiddenLine>
             </a:ext>
             <a:ext uri="{AF507438-7753-43E0-B8FC-AC1667EBCBE1}">
-              <a14:hiddenEffects xmlns="" xmlns:a14="http://schemas.microsoft.com/office/drawing/2010/main">
+              <a14:hiddenEffects xmlns:a14="http://schemas.microsoft.com/office/drawing/2010/main" xmlns="">
                 <a:effectLst>
                   <a:outerShdw dist="35921" dir="2700000" algn="ctr" rotWithShape="0">
                     <a:schemeClr val="bg2"/>
@@ -406,14 +409,14 @@
           <a:effectLst/>
           <a:extLst>
             <a:ext uri="{909E8E84-426E-40DD-AFC4-6F175D3DCCD1}">
-              <a14:hiddenFill xmlns="" xmlns:a14="http://schemas.microsoft.com/office/drawing/2010/main">
+              <a14:hiddenFill xmlns:a14="http://schemas.microsoft.com/office/drawing/2010/main" xmlns="">
                 <a:solidFill>
                   <a:srgbClr val="FFFFFF"/>
                 </a:solidFill>
               </a14:hiddenFill>
             </a:ext>
             <a:ext uri="{AF507438-7753-43E0-B8FC-AC1667EBCBE1}">
-              <a14:hiddenEffects xmlns="" xmlns:a14="http://schemas.microsoft.com/office/drawing/2010/main">
+              <a14:hiddenEffects xmlns:a14="http://schemas.microsoft.com/office/drawing/2010/main" xmlns="">
                 <a:effectLst>
                   <a:outerShdw dist="35921" dir="2700000" algn="ctr" rotWithShape="0">
                     <a:srgbClr val="808080"/>
@@ -422,7 +425,7 @@
               </a14:hiddenEffects>
             </a:ext>
             <a:ext uri="{53640926-AAD7-44D8-BBD7-CCE9431645EC}">
-              <a14:shadowObscured xmlns="" xmlns:a14="http://schemas.microsoft.com/office/drawing/2010/main" val="1"/>
+              <a14:shadowObscured xmlns:a14="http://schemas.microsoft.com/office/drawing/2010/main" xmlns="" val="1"/>
             </a:ext>
           </a:extLst>
         </p:spPr>
@@ -452,14 +455,14 @@
           <a:effectLst/>
           <a:extLst>
             <a:ext uri="{909E8E84-426E-40DD-AFC4-6F175D3DCCD1}">
-              <a14:hiddenFill xmlns="" xmlns:a14="http://schemas.microsoft.com/office/drawing/2010/main">
+              <a14:hiddenFill xmlns:a14="http://schemas.microsoft.com/office/drawing/2010/main" xmlns="">
                 <a:solidFill>
                   <a:schemeClr val="accent1"/>
                 </a:solidFill>
               </a14:hiddenFill>
             </a:ext>
             <a:ext uri="{91240B29-F687-4F45-9708-019B960494DF}">
-              <a14:hiddenLine xmlns="" xmlns:a14="http://schemas.microsoft.com/office/drawing/2010/main" w="9525">
+              <a14:hiddenLine xmlns:a14="http://schemas.microsoft.com/office/drawing/2010/main" xmlns="" w="9525">
                 <a:solidFill>
                   <a:schemeClr val="tx1"/>
                 </a:solidFill>
@@ -469,7 +472,7 @@
               </a14:hiddenLine>
             </a:ext>
             <a:ext uri="{AF507438-7753-43E0-B8FC-AC1667EBCBE1}">
-              <a14:hiddenEffects xmlns="" xmlns:a14="http://schemas.microsoft.com/office/drawing/2010/main">
+              <a14:hiddenEffects xmlns:a14="http://schemas.microsoft.com/office/drawing/2010/main" xmlns="">
                 <a:effectLst>
                   <a:outerShdw dist="35921" dir="2700000" algn="ctr" rotWithShape="0">
                     <a:schemeClr val="bg2"/>
@@ -548,14 +551,14 @@
           <a:effectLst/>
           <a:extLst>
             <a:ext uri="{909E8E84-426E-40DD-AFC4-6F175D3DCCD1}">
-              <a14:hiddenFill xmlns="" xmlns:a14="http://schemas.microsoft.com/office/drawing/2010/main">
+              <a14:hiddenFill xmlns:a14="http://schemas.microsoft.com/office/drawing/2010/main" xmlns="">
                 <a:solidFill>
                   <a:schemeClr val="accent1"/>
                 </a:solidFill>
               </a14:hiddenFill>
             </a:ext>
             <a:ext uri="{91240B29-F687-4F45-9708-019B960494DF}">
-              <a14:hiddenLine xmlns="" xmlns:a14="http://schemas.microsoft.com/office/drawing/2010/main" w="9525">
+              <a14:hiddenLine xmlns:a14="http://schemas.microsoft.com/office/drawing/2010/main" xmlns="" w="9525">
                 <a:solidFill>
                   <a:schemeClr val="tx1"/>
                 </a:solidFill>
@@ -565,7 +568,7 @@
               </a14:hiddenLine>
             </a:ext>
             <a:ext uri="{AF507438-7753-43E0-B8FC-AC1667EBCBE1}">
-              <a14:hiddenEffects xmlns="" xmlns:a14="http://schemas.microsoft.com/office/drawing/2010/main">
+              <a14:hiddenEffects xmlns:a14="http://schemas.microsoft.com/office/drawing/2010/main" xmlns="">
                 <a:effectLst>
                   <a:outerShdw dist="35921" dir="2700000" algn="ctr" rotWithShape="0">
                     <a:schemeClr val="bg2"/>
@@ -619,14 +622,14 @@
           <a:effectLst/>
           <a:extLst>
             <a:ext uri="{909E8E84-426E-40DD-AFC4-6F175D3DCCD1}">
-              <a14:hiddenFill xmlns="" xmlns:a14="http://schemas.microsoft.com/office/drawing/2010/main">
+              <a14:hiddenFill xmlns:a14="http://schemas.microsoft.com/office/drawing/2010/main" xmlns="">
                 <a:solidFill>
                   <a:schemeClr val="accent1"/>
                 </a:solidFill>
               </a14:hiddenFill>
             </a:ext>
             <a:ext uri="{91240B29-F687-4F45-9708-019B960494DF}">
-              <a14:hiddenLine xmlns="" xmlns:a14="http://schemas.microsoft.com/office/drawing/2010/main" w="9525">
+              <a14:hiddenLine xmlns:a14="http://schemas.microsoft.com/office/drawing/2010/main" xmlns="" w="9525">
                 <a:solidFill>
                   <a:schemeClr val="tx1"/>
                 </a:solidFill>
@@ -636,7 +639,7 @@
               </a14:hiddenLine>
             </a:ext>
             <a:ext uri="{AF507438-7753-43E0-B8FC-AC1667EBCBE1}">
-              <a14:hiddenEffects xmlns="" xmlns:a14="http://schemas.microsoft.com/office/drawing/2010/main">
+              <a14:hiddenEffects xmlns:a14="http://schemas.microsoft.com/office/drawing/2010/main" xmlns="">
                 <a:effectLst>
                   <a:outerShdw dist="35921" dir="2700000" algn="ctr" rotWithShape="0">
                     <a:schemeClr val="bg2"/>
@@ -675,7 +678,7 @@
     </p:spTree>
     <p:extLst>
       <p:ext uri="{BB962C8B-B14F-4D97-AF65-F5344CB8AC3E}">
-        <p14:creationId xmlns="" xmlns:p14="http://schemas.microsoft.com/office/powerpoint/2010/main" val="2784209975"/>
+        <p14:creationId xmlns:p14="http://schemas.microsoft.com/office/powerpoint/2010/main" xmlns="" val="2784209975"/>
       </p:ext>
     </p:extLst>
   </p:cSld>
@@ -922,7 +925,7 @@
     </p:spTree>
     <p:extLst>
       <p:ext uri="{BB962C8B-B14F-4D97-AF65-F5344CB8AC3E}">
-        <p14:creationId xmlns="" xmlns:p14="http://schemas.microsoft.com/office/powerpoint/2010/main" val="3862144458"/>
+        <p14:creationId xmlns:p14="http://schemas.microsoft.com/office/powerpoint/2010/main" xmlns="" val="3862144458"/>
       </p:ext>
     </p:extLst>
   </p:cSld>
@@ -1146,7 +1149,7 @@
     </p:spTree>
     <p:extLst>
       <p:ext uri="{BB962C8B-B14F-4D97-AF65-F5344CB8AC3E}">
-        <p14:creationId xmlns="" xmlns:p14="http://schemas.microsoft.com/office/powerpoint/2010/main" val="3307276447"/>
+        <p14:creationId xmlns:p14="http://schemas.microsoft.com/office/powerpoint/2010/main" xmlns="" val="3307276447"/>
       </p:ext>
     </p:extLst>
   </p:cSld>
@@ -1380,7 +1383,7 @@
     </p:spTree>
     <p:extLst>
       <p:ext uri="{BB962C8B-B14F-4D97-AF65-F5344CB8AC3E}">
-        <p14:creationId xmlns="" xmlns:p14="http://schemas.microsoft.com/office/powerpoint/2010/main" val="658174240"/>
+        <p14:creationId xmlns:p14="http://schemas.microsoft.com/office/powerpoint/2010/main" xmlns="" val="658174240"/>
       </p:ext>
     </p:extLst>
   </p:cSld>
@@ -1485,7 +1488,7 @@
     </p:spTree>
     <p:extLst>
       <p:ext uri="{BB962C8B-B14F-4D97-AF65-F5344CB8AC3E}">
-        <p14:creationId xmlns="" xmlns:p14="http://schemas.microsoft.com/office/powerpoint/2010/main" val="4232445582"/>
+        <p14:creationId xmlns:p14="http://schemas.microsoft.com/office/powerpoint/2010/main" xmlns="" val="4232445582"/>
       </p:ext>
     </p:extLst>
   </p:cSld>
@@ -1612,7 +1615,7 @@
     </p:spTree>
     <p:extLst>
       <p:ext uri="{BB962C8B-B14F-4D97-AF65-F5344CB8AC3E}">
-        <p14:creationId xmlns="" xmlns:p14="http://schemas.microsoft.com/office/powerpoint/2010/main" val="1813496485"/>
+        <p14:creationId xmlns:p14="http://schemas.microsoft.com/office/powerpoint/2010/main" xmlns="" val="1813496485"/>
       </p:ext>
     </p:extLst>
   </p:cSld>
@@ -1779,7 +1782,7 @@
     </p:spTree>
     <p:extLst>
       <p:ext uri="{BB962C8B-B14F-4D97-AF65-F5344CB8AC3E}">
-        <p14:creationId xmlns="" xmlns:p14="http://schemas.microsoft.com/office/powerpoint/2010/main" val="2568790884"/>
+        <p14:creationId xmlns:p14="http://schemas.microsoft.com/office/powerpoint/2010/main" xmlns="" val="2568790884"/>
       </p:ext>
     </p:extLst>
   </p:cSld>
@@ -2081,7 +2084,7 @@
     </p:spTree>
     <p:extLst>
       <p:ext uri="{BB962C8B-B14F-4D97-AF65-F5344CB8AC3E}">
-        <p14:creationId xmlns="" xmlns:p14="http://schemas.microsoft.com/office/powerpoint/2010/main" val="1521996860"/>
+        <p14:creationId xmlns:p14="http://schemas.microsoft.com/office/powerpoint/2010/main" xmlns="" val="1521996860"/>
       </p:ext>
     </p:extLst>
   </p:cSld>
@@ -2253,7 +2256,7 @@
     </p:spTree>
     <p:extLst>
       <p:ext uri="{BB962C8B-B14F-4D97-AF65-F5344CB8AC3E}">
-        <p14:creationId xmlns="" xmlns:p14="http://schemas.microsoft.com/office/powerpoint/2010/main" val="884269891"/>
+        <p14:creationId xmlns:p14="http://schemas.microsoft.com/office/powerpoint/2010/main" xmlns="" val="884269891"/>
       </p:ext>
     </p:extLst>
   </p:cSld>
@@ -2402,7 +2405,7 @@
     </p:spTree>
     <p:extLst>
       <p:ext uri="{BB962C8B-B14F-4D97-AF65-F5344CB8AC3E}">
-        <p14:creationId xmlns="" xmlns:p14="http://schemas.microsoft.com/office/powerpoint/2010/main" val="2990749308"/>
+        <p14:creationId xmlns:p14="http://schemas.microsoft.com/office/powerpoint/2010/main" xmlns="" val="2990749308"/>
       </p:ext>
     </p:extLst>
   </p:cSld>
@@ -2733,7 +2736,7 @@
     </p:spTree>
     <p:extLst>
       <p:ext uri="{BB962C8B-B14F-4D97-AF65-F5344CB8AC3E}">
-        <p14:creationId xmlns="" xmlns:p14="http://schemas.microsoft.com/office/powerpoint/2010/main" val="2796979965"/>
+        <p14:creationId xmlns:p14="http://schemas.microsoft.com/office/powerpoint/2010/main" xmlns="" val="2796979965"/>
       </p:ext>
     </p:extLst>
   </p:cSld>
@@ -3041,7 +3044,7 @@
     </p:spTree>
     <p:extLst>
       <p:ext uri="{BB962C8B-B14F-4D97-AF65-F5344CB8AC3E}">
-        <p14:creationId xmlns="" xmlns:p14="http://schemas.microsoft.com/office/powerpoint/2010/main" val="3692303341"/>
+        <p14:creationId xmlns:p14="http://schemas.microsoft.com/office/powerpoint/2010/main" xmlns="" val="3692303341"/>
       </p:ext>
     </p:extLst>
   </p:cSld>
@@ -3101,14 +3104,14 @@
           <a:effectLst/>
           <a:extLst>
             <a:ext uri="{909E8E84-426E-40DD-AFC4-6F175D3DCCD1}">
-              <a14:hiddenFill xmlns="" xmlns:a14="http://schemas.microsoft.com/office/drawing/2010/main">
+              <a14:hiddenFill xmlns:a14="http://schemas.microsoft.com/office/drawing/2010/main" xmlns="">
                 <a:solidFill>
                   <a:schemeClr val="accent1"/>
                 </a:solidFill>
               </a14:hiddenFill>
             </a:ext>
             <a:ext uri="{91240B29-F687-4F45-9708-019B960494DF}">
-              <a14:hiddenLine xmlns="" xmlns:a14="http://schemas.microsoft.com/office/drawing/2010/main" w="9525">
+              <a14:hiddenLine xmlns:a14="http://schemas.microsoft.com/office/drawing/2010/main" xmlns="" w="9525">
                 <a:solidFill>
                   <a:schemeClr val="tx1"/>
                 </a:solidFill>
@@ -3118,7 +3121,7 @@
               </a14:hiddenLine>
             </a:ext>
             <a:ext uri="{AF507438-7753-43E0-B8FC-AC1667EBCBE1}">
-              <a14:hiddenEffects xmlns="" xmlns:a14="http://schemas.microsoft.com/office/drawing/2010/main">
+              <a14:hiddenEffects xmlns:a14="http://schemas.microsoft.com/office/drawing/2010/main" xmlns="">
                 <a:effectLst>
                   <a:outerShdw dist="35921" dir="2700000" algn="ctr" rotWithShape="0">
                     <a:schemeClr val="bg2"/>
@@ -3169,14 +3172,14 @@
           <a:effectLst/>
           <a:extLst>
             <a:ext uri="{909E8E84-426E-40DD-AFC4-6F175D3DCCD1}">
-              <a14:hiddenFill xmlns="" xmlns:a14="http://schemas.microsoft.com/office/drawing/2010/main">
+              <a14:hiddenFill xmlns:a14="http://schemas.microsoft.com/office/drawing/2010/main" xmlns="">
                 <a:solidFill>
                   <a:schemeClr val="accent1"/>
                 </a:solidFill>
               </a14:hiddenFill>
             </a:ext>
             <a:ext uri="{91240B29-F687-4F45-9708-019B960494DF}">
-              <a14:hiddenLine xmlns="" xmlns:a14="http://schemas.microsoft.com/office/drawing/2010/main" w="9525">
+              <a14:hiddenLine xmlns:a14="http://schemas.microsoft.com/office/drawing/2010/main" xmlns="" w="9525">
                 <a:solidFill>
                   <a:schemeClr val="tx1"/>
                 </a:solidFill>
@@ -3186,7 +3189,7 @@
               </a14:hiddenLine>
             </a:ext>
             <a:ext uri="{AF507438-7753-43E0-B8FC-AC1667EBCBE1}">
-              <a14:hiddenEffects xmlns="" xmlns:a14="http://schemas.microsoft.com/office/drawing/2010/main">
+              <a14:hiddenEffects xmlns:a14="http://schemas.microsoft.com/office/drawing/2010/main" xmlns="">
                 <a:effectLst>
                   <a:outerShdw dist="35921" dir="2700000" algn="ctr" rotWithShape="0">
                     <a:schemeClr val="bg2"/>
@@ -3735,14 +3738,14 @@
           </a:ln>
           <a:extLst>
             <a:ext uri="{909E8E84-426E-40DD-AFC4-6F175D3DCCD1}">
-              <a14:hiddenFill xmlns="" xmlns:a14="http://schemas.microsoft.com/office/drawing/2010/main">
+              <a14:hiddenFill xmlns:a14="http://schemas.microsoft.com/office/drawing/2010/main" xmlns="">
                 <a:solidFill>
                   <a:srgbClr val="FFFFFF"/>
                 </a:solidFill>
               </a14:hiddenFill>
             </a:ext>
             <a:ext uri="{91240B29-F687-4F45-9708-019B960494DF}">
-              <a14:hiddenLine xmlns="" xmlns:a14="http://schemas.microsoft.com/office/drawing/2010/main" w="9525">
+              <a14:hiddenLine xmlns:a14="http://schemas.microsoft.com/office/drawing/2010/main" xmlns="" w="9525">
                 <a:solidFill>
                   <a:srgbClr val="000000"/>
                 </a:solidFill>
@@ -4069,7 +4072,7 @@
           <a:blip r:embed="rId2" cstate="print">
             <a:extLst>
               <a:ext uri="{28A0092B-C50C-407E-A947-70E740481C1C}">
-                <a14:useLocalDpi xmlns:a14="http://schemas.microsoft.com/office/drawing/2010/main" xmlns="" val="0"/>
+                <a14:useLocalDpi xmlns="" xmlns:a14="http://schemas.microsoft.com/office/drawing/2010/main" val="0"/>
               </a:ext>
             </a:extLst>
           </a:blip>
@@ -4092,14 +4095,14 @@
           </a:ln>
           <a:extLst>
             <a:ext uri="{909E8E84-426E-40DD-AFC4-6F175D3DCCD1}">
-              <a14:hiddenFill xmlns:a14="http://schemas.microsoft.com/office/drawing/2010/main" xmlns="">
+              <a14:hiddenFill xmlns="" xmlns:a14="http://schemas.microsoft.com/office/drawing/2010/main">
                 <a:solidFill>
                   <a:srgbClr val="FFFFFF"/>
                 </a:solidFill>
               </a14:hiddenFill>
             </a:ext>
             <a:ext uri="{91240B29-F687-4F45-9708-019B960494DF}">
-              <a14:hiddenLine xmlns:a14="http://schemas.microsoft.com/office/drawing/2010/main" xmlns="" w="9525">
+              <a14:hiddenLine xmlns="" xmlns:a14="http://schemas.microsoft.com/office/drawing/2010/main" w="9525">
                 <a:solidFill>
                   <a:srgbClr val="000000"/>
                 </a:solidFill>
@@ -4133,14 +4136,14 @@
           </a:ln>
           <a:extLst>
             <a:ext uri="{909E8E84-426E-40DD-AFC4-6F175D3DCCD1}">
-              <a14:hiddenFill xmlns:a14="http://schemas.microsoft.com/office/drawing/2010/main" xmlns="">
+              <a14:hiddenFill xmlns="" xmlns:a14="http://schemas.microsoft.com/office/drawing/2010/main">
                 <a:solidFill>
                   <a:srgbClr val="FFFFFF"/>
                 </a:solidFill>
               </a14:hiddenFill>
             </a:ext>
             <a:ext uri="{91240B29-F687-4F45-9708-019B960494DF}">
-              <a14:hiddenLine xmlns:a14="http://schemas.microsoft.com/office/drawing/2010/main" xmlns="" w="9525">
+              <a14:hiddenLine xmlns="" xmlns:a14="http://schemas.microsoft.com/office/drawing/2010/main" w="9525">
                 <a:solidFill>
                   <a:srgbClr val="000000"/>
                 </a:solidFill>
@@ -5372,11 +5375,7 @@
             </a:pPr>
             <a:r>
               <a:rPr lang="en-US" sz="2600" dirty="0" smtClean="0"/>
-              <a:t>Question.java: </a:t>
-            </a:r>
-            <a:r>
-              <a:rPr lang="en-US" sz="2600" dirty="0" smtClean="0"/>
-              <a:t>error: constructor Question in class Question cannot be applied to given types;</a:t>
+              <a:t>Question.java: error: constructor Question in class Question cannot be applied to given types;</a:t>
             </a:r>
           </a:p>
           <a:p>
@@ -5402,13 +5401,8 @@
             </a:pPr>
             <a:r>
               <a:rPr lang="en-US" sz="2600" dirty="0" smtClean="0"/>
-              <a:t>                      </a:t>
-            </a:r>
-            <a:r>
-              <a:rPr lang="en-US" sz="2600" dirty="0" smtClean="0"/>
-              <a:t>         ^</a:t>
-            </a:r>
-            <a:endParaRPr lang="en-US" sz="2600" dirty="0" smtClean="0"/>
+              <a:t>                               ^</a:t>
+            </a:r>
           </a:p>
           <a:p>
             <a:pPr>
@@ -5632,11 +5626,7 @@
           <a:p>
             <a:r>
               <a:rPr lang="en-US" dirty="0" smtClean="0"/>
-              <a:t>Base Class </a:t>
-            </a:r>
-            <a:r>
-              <a:rPr lang="en-US" dirty="0" smtClean="0"/>
-              <a:t>– A</a:t>
+              <a:t>Base Class – A</a:t>
             </a:r>
           </a:p>
           <a:p>
@@ -6503,7 +6493,7 @@
     </p:spTree>
     <p:extLst>
       <p:ext uri="{BB962C8B-B14F-4D97-AF65-F5344CB8AC3E}">
-        <p14:creationId xmlns="" xmlns:p14="http://schemas.microsoft.com/office/powerpoint/2010/main" val="1752164698"/>
+        <p14:creationId xmlns:p14="http://schemas.microsoft.com/office/powerpoint/2010/main" xmlns="" val="1752164698"/>
       </p:ext>
     </p:extLst>
   </p:cSld>
@@ -9292,6 +9282,335 @@
       </p:grpSpPr>
       <p:sp>
         <p:nvSpPr>
+          <p:cNvPr id="2" name="Title 1"/>
+          <p:cNvSpPr>
+            <a:spLocks noGrp="1"/>
+          </p:cNvSpPr>
+          <p:nvPr>
+            <p:ph type="title"/>
+          </p:nvPr>
+        </p:nvSpPr>
+        <p:spPr/>
+        <p:txBody>
+          <a:bodyPr/>
+          <a:lstStyle/>
+          <a:p>
+            <a:r>
+              <a:rPr lang="en-US" dirty="0" smtClean="0"/>
+              <a:t>Investigate</a:t>
+            </a:r>
+            <a:endParaRPr lang="en-US" dirty="0"/>
+          </a:p>
+        </p:txBody>
+      </p:sp>
+      <p:sp>
+        <p:nvSpPr>
+          <p:cNvPr id="3" name="Content Placeholder 2"/>
+          <p:cNvSpPr>
+            <a:spLocks noGrp="1"/>
+          </p:cNvSpPr>
+          <p:nvPr>
+            <p:ph idx="1"/>
+          </p:nvPr>
+        </p:nvSpPr>
+        <p:spPr/>
+        <p:txBody>
+          <a:bodyPr/>
+          <a:lstStyle/>
+          <a:p>
+            <a:r>
+              <a:rPr lang="en-US" b="1" dirty="0" smtClean="0"/>
+              <a:t>Can you instantiate this class?</a:t>
+            </a:r>
+            <a:endParaRPr lang="en-US" dirty="0"/>
+          </a:p>
+        </p:txBody>
+      </p:sp>
+      <p:pic>
+        <p:nvPicPr>
+          <p:cNvPr id="1027" name="Picture 3"/>
+          <p:cNvPicPr>
+            <a:picLocks noChangeAspect="1" noChangeArrowheads="1"/>
+          </p:cNvPicPr>
+          <p:nvPr/>
+        </p:nvPicPr>
+        <p:blipFill>
+          <a:blip r:embed="rId2" cstate="print"/>
+          <a:srcRect/>
+          <a:stretch>
+            <a:fillRect/>
+          </a:stretch>
+        </p:blipFill>
+        <p:spPr bwMode="auto">
+          <a:xfrm>
+            <a:off x="3048000" y="3352800"/>
+            <a:ext cx="2769762" cy="1328737"/>
+          </a:xfrm>
+          <a:prstGeom prst="rect">
+            <a:avLst/>
+          </a:prstGeom>
+          <a:noFill/>
+          <a:ln w="9525">
+            <a:noFill/>
+            <a:miter lim="800000"/>
+            <a:headEnd/>
+            <a:tailEnd/>
+          </a:ln>
+        </p:spPr>
+      </p:pic>
+    </p:spTree>
+  </p:cSld>
+  <p:clrMapOvr>
+    <a:masterClrMapping/>
+  </p:clrMapOvr>
+</p:sld>
+</file>
+
+<file path=ppt/slides/slide55.xml><?xml version="1.0" encoding="utf-8"?>
+<p:sld xmlns:a="http://schemas.openxmlformats.org/drawingml/2006/main" xmlns:r="http://schemas.openxmlformats.org/officeDocument/2006/relationships" xmlns:p="http://schemas.openxmlformats.org/presentationml/2006/main">
+  <p:cSld>
+    <p:spTree>
+      <p:nvGrpSpPr>
+        <p:cNvPr id="1" name=""/>
+        <p:cNvGrpSpPr/>
+        <p:nvPr/>
+      </p:nvGrpSpPr>
+      <p:grpSpPr>
+        <a:xfrm>
+          <a:off x="0" y="0"/>
+          <a:ext cx="0" cy="0"/>
+          <a:chOff x="0" y="0"/>
+          <a:chExt cx="0" cy="0"/>
+        </a:xfrm>
+      </p:grpSpPr>
+      <p:sp>
+        <p:nvSpPr>
+          <p:cNvPr id="2" name="Title 1"/>
+          <p:cNvSpPr>
+            <a:spLocks noGrp="1"/>
+          </p:cNvSpPr>
+          <p:nvPr>
+            <p:ph type="title"/>
+          </p:nvPr>
+        </p:nvSpPr>
+        <p:spPr>
+          <a:xfrm>
+            <a:off x="76200" y="76200"/>
+            <a:ext cx="4267200" cy="1143000"/>
+          </a:xfrm>
+        </p:spPr>
+        <p:txBody>
+          <a:bodyPr/>
+          <a:lstStyle/>
+          <a:p>
+            <a:r>
+              <a:rPr lang="en-US" dirty="0" smtClean="0"/>
+              <a:t>Investigate</a:t>
+            </a:r>
+            <a:endParaRPr lang="en-US" dirty="0"/>
+          </a:p>
+        </p:txBody>
+      </p:sp>
+      <p:sp>
+        <p:nvSpPr>
+          <p:cNvPr id="3" name="Content Placeholder 2"/>
+          <p:cNvSpPr>
+            <a:spLocks noGrp="1"/>
+          </p:cNvSpPr>
+          <p:nvPr>
+            <p:ph idx="1"/>
+          </p:nvPr>
+        </p:nvSpPr>
+        <p:spPr>
+          <a:xfrm>
+            <a:off x="457200" y="1295400"/>
+            <a:ext cx="4114800" cy="4114800"/>
+          </a:xfrm>
+        </p:spPr>
+        <p:txBody>
+          <a:bodyPr/>
+          <a:lstStyle/>
+          <a:p>
+            <a:r>
+              <a:rPr lang="en-US" b="1" dirty="0" smtClean="0"/>
+              <a:t>What will be the output of the following program?</a:t>
+            </a:r>
+            <a:endParaRPr lang="en-US" dirty="0"/>
+          </a:p>
+        </p:txBody>
+      </p:sp>
+      <p:pic>
+        <p:nvPicPr>
+          <p:cNvPr id="2050" name="Picture 2"/>
+          <p:cNvPicPr>
+            <a:picLocks noChangeAspect="1" noChangeArrowheads="1"/>
+          </p:cNvPicPr>
+          <p:nvPr/>
+        </p:nvPicPr>
+        <p:blipFill>
+          <a:blip r:embed="rId2" cstate="print"/>
+          <a:srcRect/>
+          <a:stretch>
+            <a:fillRect/>
+          </a:stretch>
+        </p:blipFill>
+        <p:spPr bwMode="auto">
+          <a:xfrm>
+            <a:off x="4572000" y="457200"/>
+            <a:ext cx="3962400" cy="5954857"/>
+          </a:xfrm>
+          <a:prstGeom prst="rect">
+            <a:avLst/>
+          </a:prstGeom>
+          <a:noFill/>
+          <a:ln w="9525">
+            <a:noFill/>
+            <a:miter lim="800000"/>
+            <a:headEnd/>
+            <a:tailEnd/>
+          </a:ln>
+        </p:spPr>
+      </p:pic>
+    </p:spTree>
+  </p:cSld>
+  <p:clrMapOvr>
+    <a:masterClrMapping/>
+  </p:clrMapOvr>
+</p:sld>
+</file>
+
+<file path=ppt/slides/slide56.xml><?xml version="1.0" encoding="utf-8"?>
+<p:sld xmlns:a="http://schemas.openxmlformats.org/drawingml/2006/main" xmlns:r="http://schemas.openxmlformats.org/officeDocument/2006/relationships" xmlns:p="http://schemas.openxmlformats.org/presentationml/2006/main">
+  <p:cSld>
+    <p:spTree>
+      <p:nvGrpSpPr>
+        <p:cNvPr id="1" name=""/>
+        <p:cNvGrpSpPr/>
+        <p:nvPr/>
+      </p:nvGrpSpPr>
+      <p:grpSpPr>
+        <a:xfrm>
+          <a:off x="0" y="0"/>
+          <a:ext cx="0" cy="0"/>
+          <a:chOff x="0" y="0"/>
+          <a:chExt cx="0" cy="0"/>
+        </a:xfrm>
+      </p:grpSpPr>
+      <p:sp>
+        <p:nvSpPr>
+          <p:cNvPr id="2" name="Title 1"/>
+          <p:cNvSpPr>
+            <a:spLocks noGrp="1"/>
+          </p:cNvSpPr>
+          <p:nvPr>
+            <p:ph type="title"/>
+          </p:nvPr>
+        </p:nvSpPr>
+        <p:spPr>
+          <a:xfrm>
+            <a:off x="685800" y="0"/>
+            <a:ext cx="7772400" cy="1143000"/>
+          </a:xfrm>
+        </p:spPr>
+        <p:txBody>
+          <a:bodyPr/>
+          <a:lstStyle/>
+          <a:p>
+            <a:r>
+              <a:rPr lang="en-US" dirty="0" smtClean="0"/>
+              <a:t>Investigate</a:t>
+            </a:r>
+            <a:endParaRPr lang="en-US" dirty="0"/>
+          </a:p>
+        </p:txBody>
+      </p:sp>
+      <p:sp>
+        <p:nvSpPr>
+          <p:cNvPr id="3" name="Content Placeholder 2"/>
+          <p:cNvSpPr>
+            <a:spLocks noGrp="1"/>
+          </p:cNvSpPr>
+          <p:nvPr>
+            <p:ph idx="1"/>
+          </p:nvPr>
+        </p:nvSpPr>
+        <p:spPr>
+          <a:xfrm>
+            <a:off x="685800" y="1371600"/>
+            <a:ext cx="7772400" cy="4114800"/>
+          </a:xfrm>
+        </p:spPr>
+        <p:txBody>
+          <a:bodyPr/>
+          <a:lstStyle/>
+          <a:p>
+            <a:r>
+              <a:rPr lang="en-US" dirty="0" smtClean="0"/>
+              <a:t>What would the output be?</a:t>
+            </a:r>
+            <a:endParaRPr lang="en-US" dirty="0"/>
+          </a:p>
+        </p:txBody>
+      </p:sp>
+      <p:pic>
+        <p:nvPicPr>
+          <p:cNvPr id="3074" name="Picture 2"/>
+          <p:cNvPicPr>
+            <a:picLocks noChangeAspect="1" noChangeArrowheads="1"/>
+          </p:cNvPicPr>
+          <p:nvPr/>
+        </p:nvPicPr>
+        <p:blipFill>
+          <a:blip r:embed="rId2" cstate="print"/>
+          <a:srcRect/>
+          <a:stretch>
+            <a:fillRect/>
+          </a:stretch>
+        </p:blipFill>
+        <p:spPr bwMode="auto">
+          <a:xfrm>
+            <a:off x="2057400" y="2133600"/>
+            <a:ext cx="5024437" cy="4224200"/>
+          </a:xfrm>
+          <a:prstGeom prst="rect">
+            <a:avLst/>
+          </a:prstGeom>
+          <a:noFill/>
+          <a:ln w="9525">
+            <a:noFill/>
+            <a:miter lim="800000"/>
+            <a:headEnd/>
+            <a:tailEnd/>
+          </a:ln>
+        </p:spPr>
+      </p:pic>
+    </p:spTree>
+  </p:cSld>
+  <p:clrMapOvr>
+    <a:masterClrMapping/>
+  </p:clrMapOvr>
+</p:sld>
+</file>
+
+<file path=ppt/slides/slide57.xml><?xml version="1.0" encoding="utf-8"?>
+<p:sld xmlns:a="http://schemas.openxmlformats.org/drawingml/2006/main" xmlns:r="http://schemas.openxmlformats.org/officeDocument/2006/relationships" xmlns:p="http://schemas.openxmlformats.org/presentationml/2006/main">
+  <p:cSld>
+    <p:spTree>
+      <p:nvGrpSpPr>
+        <p:cNvPr id="1" name=""/>
+        <p:cNvGrpSpPr/>
+        <p:nvPr/>
+      </p:nvGrpSpPr>
+      <p:grpSpPr>
+        <a:xfrm>
+          <a:off x="0" y="0"/>
+          <a:ext cx="0" cy="0"/>
+          <a:chOff x="0" y="0"/>
+          <a:chExt cx="0" cy="0"/>
+        </a:xfrm>
+      </p:grpSpPr>
+      <p:sp>
+        <p:nvSpPr>
           <p:cNvPr id="13314" name="Title 1"/>
           <p:cNvSpPr>
             <a:spLocks noGrp="1"/>
@@ -9563,16 +9882,11 @@
               <a:rPr lang="en-US" dirty="0" smtClean="0"/>
               <a:t>?</a:t>
             </a:r>
-            <a:endParaRPr lang="en-US" dirty="0" smtClean="0"/>
           </a:p>
           <a:p>
             <a:r>
               <a:rPr lang="en-US" dirty="0" smtClean="0"/>
-              <a:t>Is </a:t>
-            </a:r>
-            <a:r>
-              <a:rPr lang="en-US" dirty="0" smtClean="0"/>
-              <a:t>Java case sensitive?	</a:t>
+              <a:t>Is Java case sensitive?	</a:t>
             </a:r>
           </a:p>
           <a:p>
@@ -9724,43 +10038,19 @@
             </a:r>
             <a:r>
               <a:rPr lang="en-US" sz="1800" dirty="0" smtClean="0"/>
-              <a:t>?				 </a:t>
-            </a:r>
+              <a:t>?				 : No</a:t>
+            </a:r>
+          </a:p>
+          <a:p>
             <a:r>
               <a:rPr lang="en-US" sz="1800" dirty="0" smtClean="0"/>
-              <a:t>: No</a:t>
+              <a:t>Is Java case sensitive?					 : Yes</a:t>
             </a:r>
           </a:p>
           <a:p>
             <a:r>
               <a:rPr lang="en-US" sz="1800" dirty="0" smtClean="0"/>
-              <a:t>Is </a:t>
-            </a:r>
-            <a:r>
-              <a:rPr lang="en-US" sz="1800" dirty="0" smtClean="0"/>
-              <a:t>Java case sensitive?					</a:t>
-            </a:r>
-            <a:r>
-              <a:rPr lang="en-US" sz="1800" dirty="0" smtClean="0"/>
-              <a:t> : </a:t>
-            </a:r>
-            <a:r>
-              <a:rPr lang="en-US" sz="1800" dirty="0" smtClean="0"/>
-              <a:t>Yes</a:t>
-            </a:r>
-          </a:p>
-          <a:p>
-            <a:r>
-              <a:rPr lang="en-US" sz="1800" dirty="0" smtClean="0"/>
-              <a:t>What is he symbol used at the end of all statements?	</a:t>
-            </a:r>
-            <a:r>
-              <a:rPr lang="en-US" sz="1800" dirty="0" smtClean="0"/>
-              <a:t> : </a:t>
-            </a:r>
-            <a:r>
-              <a:rPr lang="en-US" sz="1800" dirty="0" smtClean="0"/>
-              <a:t>Semi-colon</a:t>
+              <a:t>What is he symbol used at the end of all statements?	 : Semi-colon</a:t>
             </a:r>
           </a:p>
           <a:p>
@@ -9774,54 +10064,25 @@
             </a:r>
             <a:r>
               <a:rPr lang="en-US" sz="1800" dirty="0" smtClean="0"/>
-              <a:t> used to store decimal numbers?	</a:t>
-            </a:r>
+              <a:t> used to store decimal numbers?	 : double/float</a:t>
+            </a:r>
+          </a:p>
+          <a:p>
             <a:r>
               <a:rPr lang="en-US" sz="1800" dirty="0" smtClean="0"/>
-              <a:t> : double/float</a:t>
-            </a:r>
-            <a:endParaRPr lang="en-US" sz="1800" dirty="0" smtClean="0"/>
+              <a:t>What is the method where all programs begin?		 : main</a:t>
+            </a:r>
           </a:p>
           <a:p>
             <a:r>
               <a:rPr lang="en-US" sz="1800" dirty="0" smtClean="0"/>
-              <a:t>What is the method where all programs begin?		</a:t>
-            </a:r>
+              <a:t>What is the name of this symbol `%'?			 : Modulus</a:t>
+            </a:r>
+          </a:p>
+          <a:p>
             <a:r>
               <a:rPr lang="en-US" sz="1800" dirty="0" smtClean="0"/>
-              <a:t> : </a:t>
-            </a:r>
-            <a:r>
-              <a:rPr lang="en-US" sz="1800" dirty="0" smtClean="0"/>
-              <a:t>main</a:t>
-            </a:r>
-          </a:p>
-          <a:p>
-            <a:r>
-              <a:rPr lang="en-US" sz="1800" dirty="0" smtClean="0"/>
-              <a:t>What is the name of this symbol `%'?			</a:t>
-            </a:r>
-            <a:r>
-              <a:rPr lang="en-US" sz="1800" dirty="0" smtClean="0"/>
-              <a:t> : </a:t>
-            </a:r>
-            <a:r>
-              <a:rPr lang="en-US" sz="1800" dirty="0" smtClean="0"/>
-              <a:t>Modulus</a:t>
-            </a:r>
-          </a:p>
-          <a:p>
-            <a:r>
-              <a:rPr lang="en-US" sz="1800" dirty="0" smtClean="0"/>
-              <a:t>Type of loop that only contains a condition?		</a:t>
-            </a:r>
-            <a:r>
-              <a:rPr lang="en-US" sz="1800" dirty="0" smtClean="0"/>
-              <a:t>: </a:t>
-            </a:r>
-            <a:r>
-              <a:rPr lang="en-US" sz="1800" dirty="0" smtClean="0"/>
-              <a:t>while</a:t>
+              <a:t>Type of loop that only contains a condition?		: while</a:t>
             </a:r>
           </a:p>
           <a:p>
@@ -9835,13 +10096,8 @@
             </a:r>
             <a:r>
               <a:rPr lang="en-US" sz="1800" dirty="0" smtClean="0"/>
-              <a:t> used to store a single letter, number, or symbol? </a:t>
-            </a:r>
-            <a:r>
-              <a:rPr lang="en-US" sz="1800" dirty="0" smtClean="0"/>
-              <a:t>: char</a:t>
-            </a:r>
-            <a:endParaRPr lang="en-US" sz="1800" dirty="0" smtClean="0"/>
+              <a:t> used to store a single letter, number, or symbol? : char</a:t>
+            </a:r>
           </a:p>
         </p:txBody>
       </p:sp>
@@ -10466,7 +10722,7 @@
   </a:extraClrSchemeLst>
   <a:extLst>
     <a:ext uri="{05A4C25C-085E-4340-85A3-A5531E510DB2}">
-      <thm15:themeFamily xmlns="" xmlns:thm15="http://schemas.microsoft.com/office/thememl/2012/main" name="Office Theme" id="{62F939B6-93AF-4DB8-9C6B-D6C7DFDC589F}" vid="{4A3C46E8-61CC-4603-A589-7422A47A8E4A}"/>
+      <thm15:themeFamily xmlns:thm15="http://schemas.microsoft.com/office/thememl/2012/main" xmlns="" name="Office Theme" id="{62F939B6-93AF-4DB8-9C6B-D6C7DFDC589F}" vid="{4A3C46E8-61CC-4603-A589-7422A47A8E4A}"/>
     </a:ext>
   </a:extLst>
 </a:theme>
@@ -10727,7 +10983,7 @@
   <a:extraClrSchemeLst/>
   <a:extLst>
     <a:ext uri="{05A4C25C-085E-4340-85A3-A5531E510DB2}">
-      <thm15:themeFamily xmlns="" xmlns:thm15="http://schemas.microsoft.com/office/thememl/2012/main" name="Office Theme" id="{62F939B6-93AF-4DB8-9C6B-D6C7DFDC589F}" vid="{4A3C46E8-61CC-4603-A589-7422A47A8E4A}"/>
+      <thm15:themeFamily xmlns:thm15="http://schemas.microsoft.com/office/thememl/2012/main" xmlns="" name="Office Theme" id="{62F939B6-93AF-4DB8-9C6B-D6C7DFDC589F}" vid="{4A3C46E8-61CC-4603-A589-7422A47A8E4A}"/>
     </a:ext>
   </a:extLst>
 </a:theme>
